--- a/05-def_method.pptx
+++ b/05-def_method.pptx
@@ -6,10 +6,10 @@
     <p:sldMasterId id="2147483847" r:id="rId6"/>
   </p:sldMasterIdLst>
   <p:notesMasterIdLst>
-    <p:notesMasterId r:id="rId27"/>
+    <p:notesMasterId r:id="rId29"/>
   </p:notesMasterIdLst>
   <p:handoutMasterIdLst>
-    <p:handoutMasterId r:id="rId28"/>
+    <p:handoutMasterId r:id="rId30"/>
   </p:handoutMasterIdLst>
   <p:sldIdLst>
     <p:sldId id="561" r:id="rId7"/>
@@ -17,21 +17,23 @@
     <p:sldId id="590" r:id="rId9"/>
     <p:sldId id="611" r:id="rId10"/>
     <p:sldId id="612" r:id="rId11"/>
-    <p:sldId id="600" r:id="rId12"/>
-    <p:sldId id="610" r:id="rId13"/>
-    <p:sldId id="597" r:id="rId14"/>
-    <p:sldId id="601" r:id="rId15"/>
-    <p:sldId id="602" r:id="rId16"/>
-    <p:sldId id="603" r:id="rId17"/>
-    <p:sldId id="604" r:id="rId18"/>
-    <p:sldId id="605" r:id="rId19"/>
-    <p:sldId id="606" r:id="rId20"/>
-    <p:sldId id="607" r:id="rId21"/>
-    <p:sldId id="608" r:id="rId22"/>
-    <p:sldId id="598" r:id="rId23"/>
-    <p:sldId id="594" r:id="rId24"/>
-    <p:sldId id="599" r:id="rId25"/>
-    <p:sldId id="376" r:id="rId26"/>
+    <p:sldId id="614" r:id="rId12"/>
+    <p:sldId id="600" r:id="rId13"/>
+    <p:sldId id="610" r:id="rId14"/>
+    <p:sldId id="597" r:id="rId15"/>
+    <p:sldId id="601" r:id="rId16"/>
+    <p:sldId id="602" r:id="rId17"/>
+    <p:sldId id="603" r:id="rId18"/>
+    <p:sldId id="604" r:id="rId19"/>
+    <p:sldId id="605" r:id="rId20"/>
+    <p:sldId id="615" r:id="rId21"/>
+    <p:sldId id="606" r:id="rId22"/>
+    <p:sldId id="607" r:id="rId23"/>
+    <p:sldId id="608" r:id="rId24"/>
+    <p:sldId id="598" r:id="rId25"/>
+    <p:sldId id="594" r:id="rId26"/>
+    <p:sldId id="599" r:id="rId27"/>
+    <p:sldId id="376" r:id="rId28"/>
   </p:sldIdLst>
   <p:sldSz cx="16256000" cy="9144000"/>
   <p:notesSz cx="6858000" cy="9144000"/>
@@ -162,7 +164,7 @@
   </p:defaultTextStyle>
   <p:extLst>
     <p:ext uri="{EFAFB233-063F-42B5-8137-9DF3F51BA10A}">
-      <p15:sldGuideLst xmlns:p15="http://schemas.microsoft.com/office/powerpoint/2012/main" xmlns="">
+      <p15:sldGuideLst xmlns="" xmlns:p15="http://schemas.microsoft.com/office/powerpoint/2012/main">
         <p15:guide id="1" orient="horz" pos="894">
           <p15:clr>
             <a:srgbClr val="A4A3A4"/>
@@ -176,7 +178,7 @@
       </p15:sldGuideLst>
     </p:ext>
     <p:ext uri="{2D200454-40CA-4A62-9FC3-DE9A4176ACB9}">
-      <p15:notesGuideLst xmlns:p15="http://schemas.microsoft.com/office/powerpoint/2012/main" xmlns=""/>
+      <p15:notesGuideLst xmlns="" xmlns:p15="http://schemas.microsoft.com/office/powerpoint/2012/main"/>
     </p:ext>
   </p:extLst>
 </p:presentation>
@@ -293,7 +295,7 @@
               <a:pPr>
                 <a:defRPr/>
               </a:pPr>
-              <a:t>10/24/16</a:t>
+              <a:t>10/25/16</a:t>
             </a:fld>
             <a:endParaRPr lang="en-US" dirty="0"/>
           </a:p>
@@ -476,7 +478,7 @@
               <a:pPr>
                 <a:defRPr/>
               </a:pPr>
-              <a:t>10/24/16</a:t>
+              <a:t>10/25/16</a:t>
             </a:fld>
             <a:endParaRPr lang="en-US" dirty="0"/>
           </a:p>
@@ -1350,7 +1352,7 @@
               <a:pPr>
                 <a:defRPr/>
               </a:pPr>
-              <a:t>6</a:t>
+              <a:t>7</a:t>
             </a:fld>
             <a:endParaRPr lang="en-US" dirty="0"/>
           </a:p>
@@ -1484,7 +1486,7 @@
               <a:pPr>
                 <a:defRPr/>
               </a:pPr>
-              <a:t>8</a:t>
+              <a:t>9</a:t>
             </a:fld>
             <a:endParaRPr lang="en-US" dirty="0"/>
           </a:p>
@@ -1618,7 +1620,7 @@
               <a:pPr>
                 <a:defRPr/>
               </a:pPr>
-              <a:t>17</a:t>
+              <a:t>19</a:t>
             </a:fld>
             <a:endParaRPr lang="en-US" dirty="0"/>
           </a:p>
@@ -1752,7 +1754,7 @@
               <a:pPr>
                 <a:defRPr/>
               </a:pPr>
-              <a:t>18</a:t>
+              <a:t>20</a:t>
             </a:fld>
             <a:endParaRPr lang="en-US" dirty="0"/>
           </a:p>
@@ -1886,7 +1888,7 @@
               <a:pPr>
                 <a:defRPr/>
               </a:pPr>
-              <a:t>19</a:t>
+              <a:t>21</a:t>
             </a:fld>
             <a:endParaRPr lang="en-US" dirty="0"/>
           </a:p>
@@ -10908,7 +10910,32 @@
             <a:spLocks noGrp="1"/>
           </p:cNvSpPr>
           <p:nvPr>
-            <p:ph type="title"/>
+            <p:ph type="ctrTitle"/>
+          </p:nvPr>
+        </p:nvSpPr>
+        <p:spPr/>
+        <p:txBody>
+          <a:bodyPr>
+            <a:normAutofit fontScale="90000"/>
+          </a:bodyPr>
+          <a:lstStyle/>
+          <a:p>
+            <a:r>
+              <a:rPr lang="en-US" sz="6600" dirty="0" smtClean="0"/>
+              <a:t>require</a:t>
+            </a:r>
+            <a:endParaRPr lang="en-US" dirty="0"/>
+          </a:p>
+        </p:txBody>
+      </p:sp>
+      <p:sp>
+        <p:nvSpPr>
+          <p:cNvPr id="3" name="Subtitle 2"/>
+          <p:cNvSpPr>
+            <a:spLocks noGrp="1"/>
+          </p:cNvSpPr>
+          <p:nvPr>
+            <p:ph type="subTitle" idx="1"/>
           </p:nvPr>
         </p:nvSpPr>
         <p:spPr/>
@@ -10917,16 +10944,21 @@
           <a:lstStyle/>
           <a:p>
             <a:r>
+              <a:rPr lang="en-US" dirty="0"/>
+              <a:t>Loads the given name, returning true if successful and false if the feature is already loaded.</a:t>
+            </a:r>
+          </a:p>
+          <a:p>
+            <a:endParaRPr lang="en-US" dirty="0"/>
+          </a:p>
+          <a:p>
+            <a:r>
+              <a:rPr lang="en-US" dirty="0"/>
+              <a:t>If the filename does not resolve to an absolute path, it will be searched for in the directories listed in $LOAD_PATH ($:)</a:t>
+            </a:r>
+            <a:r>
               <a:rPr lang="en-US" dirty="0" smtClean="0"/>
-              <a:t>Requiring the </a:t>
-            </a:r>
-            <a:r>
-              <a:rPr lang="en-US" dirty="0" err="1" smtClean="0"/>
-              <a:t>spec_helper</a:t>
-            </a:r>
-            <a:r>
-              <a:rPr lang="en-US" dirty="0" smtClean="0"/>
-              <a:t> file</a:t>
+              <a:t>.</a:t>
             </a:r>
             <a:endParaRPr lang="en-US" dirty="0"/>
           </a:p>
@@ -10934,217 +10966,46 @@
       </p:sp>
       <p:sp>
         <p:nvSpPr>
-          <p:cNvPr id="3" name="Content Placeholder 2"/>
-          <p:cNvSpPr>
-            <a:spLocks noGrp="1"/>
-          </p:cNvSpPr>
-          <p:nvPr>
-            <p:ph sz="quarter" idx="10"/>
-          </p:nvPr>
-        </p:nvSpPr>
-        <p:spPr/>
-        <p:txBody>
-          <a:bodyPr/>
-          <a:lstStyle/>
-          <a:p>
-            <a:r>
-              <a:rPr lang="en-US" dirty="0"/>
-              <a:t>require '</a:t>
-            </a:r>
-            <a:r>
-              <a:rPr lang="en-US" dirty="0" err="1"/>
-              <a:t>spec_helper</a:t>
-            </a:r>
-            <a:r>
-              <a:rPr lang="en-US" dirty="0"/>
-              <a:t>'</a:t>
-            </a:r>
-          </a:p>
-          <a:p>
-            <a:endParaRPr lang="en-US" dirty="0"/>
-          </a:p>
-          <a:p>
-            <a:r>
-              <a:rPr lang="en-US" dirty="0"/>
-              <a:t>describe 'ark::default' do</a:t>
-            </a:r>
-          </a:p>
-          <a:p>
-            <a:r>
-              <a:rPr lang="en-US" dirty="0"/>
-              <a:t>  context 'when no attributes are specified, on an </a:t>
-            </a:r>
-            <a:r>
-              <a:rPr lang="en-US" dirty="0" smtClean="0"/>
-              <a:t>...platform</a:t>
-            </a:r>
-            <a:r>
-              <a:rPr lang="en-US" dirty="0"/>
-              <a:t>' do</a:t>
-            </a:r>
-          </a:p>
-          <a:p>
-            <a:r>
-              <a:rPr lang="en-US" dirty="0"/>
-              <a:t>    let(:</a:t>
-            </a:r>
-            <a:r>
-              <a:rPr lang="en-US" dirty="0" err="1"/>
-              <a:t>chef_run</a:t>
-            </a:r>
-            <a:r>
-              <a:rPr lang="en-US" dirty="0"/>
-              <a:t>) do</a:t>
-            </a:r>
-          </a:p>
-          <a:p>
-            <a:r>
-              <a:rPr lang="en-US" dirty="0"/>
-              <a:t>      runner = </a:t>
-            </a:r>
-            <a:r>
-              <a:rPr lang="en-US" dirty="0" err="1"/>
-              <a:t>ChefSpec</a:t>
-            </a:r>
-            <a:r>
-              <a:rPr lang="en-US" dirty="0"/>
-              <a:t>::</a:t>
-            </a:r>
-            <a:r>
-              <a:rPr lang="en-US" dirty="0" err="1"/>
-              <a:t>SoloRunner.new</a:t>
-            </a:r>
-            <a:endParaRPr lang="en-US" dirty="0"/>
-          </a:p>
-          <a:p>
-            <a:r>
-              <a:rPr lang="en-US" dirty="0"/>
-              <a:t>      </a:t>
-            </a:r>
-            <a:r>
-              <a:rPr lang="en-US" dirty="0" err="1"/>
-              <a:t>runner.converge</a:t>
-            </a:r>
-            <a:r>
-              <a:rPr lang="en-US" dirty="0"/>
-              <a:t>(</a:t>
-            </a:r>
-            <a:r>
-              <a:rPr lang="en-US" dirty="0" err="1"/>
-              <a:t>described_recipe</a:t>
-            </a:r>
-            <a:r>
-              <a:rPr lang="en-US" dirty="0"/>
-              <a:t>)</a:t>
-            </a:r>
-          </a:p>
-          <a:p>
-            <a:r>
-              <a:rPr lang="en-US" dirty="0"/>
-              <a:t>    end</a:t>
-            </a:r>
-          </a:p>
-          <a:p>
-            <a:endParaRPr lang="en-US" dirty="0"/>
-          </a:p>
-        </p:txBody>
-      </p:sp>
-      <p:sp>
-        <p:nvSpPr>
-          <p:cNvPr id="4" name="Text Placeholder 3"/>
-          <p:cNvSpPr>
-            <a:spLocks noGrp="1"/>
-          </p:cNvSpPr>
-          <p:nvPr>
-            <p:ph type="body" sz="quarter" idx="11"/>
-          </p:nvPr>
-        </p:nvSpPr>
-        <p:spPr/>
-        <p:txBody>
-          <a:bodyPr/>
-          <a:lstStyle/>
-          <a:p>
-            <a:r>
-              <a:rPr lang="en-US" dirty="0" smtClean="0"/>
-              <a:t>~/ark/spec/unit/recipes/</a:t>
-            </a:r>
-            <a:r>
-              <a:rPr lang="en-US" dirty="0" err="1" smtClean="0"/>
-              <a:t>default_spec.rb</a:t>
-            </a:r>
-            <a:endParaRPr lang="en-US" dirty="0"/>
-          </a:p>
-        </p:txBody>
-      </p:sp>
-      <p:sp>
-        <p:nvSpPr>
-          <p:cNvPr id="5" name="Rectangle 4"/>
-          <p:cNvSpPr/>
+          <p:cNvPr id="4" name="TextBox 3"/>
+          <p:cNvSpPr txBox="1"/>
           <p:nvPr/>
         </p:nvSpPr>
-        <p:spPr bwMode="auto">
+        <p:spPr bwMode="white">
           <a:xfrm>
-            <a:off x="1121103" y="2108314"/>
-            <a:ext cx="14421277" cy="649400"/>
+            <a:off x="1676399" y="7010401"/>
+            <a:ext cx="12310534" cy="914400"/>
           </a:xfrm>
           <a:prstGeom prst="rect">
             <a:avLst/>
           </a:prstGeom>
-          <a:solidFill>
-            <a:schemeClr val="accent1">
-              <a:alpha val="40000"/>
-            </a:schemeClr>
-          </a:solidFill>
-          <a:ln>
-            <a:noFill/>
-            <a:headEnd type="none" w="med" len="med"/>
-            <a:tailEnd type="none" w="med" len="med"/>
-          </a:ln>
-          <a:effectLst/>
         </p:spPr>
-        <p:style>
-          <a:lnRef idx="1">
-            <a:schemeClr val="accent4"/>
-          </a:lnRef>
-          <a:fillRef idx="3">
-            <a:schemeClr val="accent4"/>
-          </a:fillRef>
-          <a:effectRef idx="2">
-            <a:schemeClr val="accent4"/>
-          </a:effectRef>
-          <a:fontRef idx="minor">
-            <a:schemeClr val="lt1"/>
-          </a:fontRef>
-        </p:style>
-        <p:txBody>
-          <a:bodyPr vert="horz" wrap="square" lIns="91436" tIns="45718" rIns="91436" bIns="45718" numCol="1" rtlCol="0" anchor="ctr" anchorCtr="0" compatLnSpc="1">
-            <a:prstTxWarp prst="textNoShape">
-              <a:avLst/>
-            </a:prstTxWarp>
+        <p:txBody>
+          <a:bodyPr vert="horz" wrap="none" lIns="91440" tIns="91440" rIns="91440" bIns="91440" rtlCol="0" anchor="ctr">
+            <a:normAutofit/>
           </a:bodyPr>
           <a:lstStyle/>
           <a:p>
-            <a:pPr algn="ctr" defTabSz="914099"/>
-            <a:endParaRPr lang="en-US" sz="2400" dirty="0" err="1" smtClean="0">
-              <a:gradFill>
-                <a:gsLst>
-                  <a:gs pos="0">
-                    <a:srgbClr val="FFFFFF"/>
-                  </a:gs>
-                  <a:gs pos="100000">
-                    <a:srgbClr val="FFFFFF"/>
-                  </a:gs>
-                </a:gsLst>
-                <a:lin ang="5400000" scaled="0"/>
-              </a:gradFill>
-            </a:endParaRPr>
+            <a:pPr algn="ctr"/>
+            <a:r>
+              <a:rPr lang="en-US" sz="3200" dirty="0"/>
+              <a:t>http://</a:t>
+            </a:r>
+            <a:r>
+              <a:rPr lang="en-US" sz="3200" dirty="0" err="1"/>
+              <a:t>goo.gl</a:t>
+            </a:r>
+            <a:r>
+              <a:rPr lang="en-US" sz="3200" dirty="0"/>
+              <a:t>/cLKY37</a:t>
+            </a:r>
+            <a:endParaRPr lang="en-US" sz="3200" dirty="0" smtClean="0"/>
           </a:p>
         </p:txBody>
       </p:sp>
     </p:spTree>
     <p:extLst>
       <p:ext uri="{BB962C8B-B14F-4D97-AF65-F5344CB8AC3E}">
-        <p14:creationId xmlns:p14="http://schemas.microsoft.com/office/powerpoint/2010/main" val="269394474"/>
+        <p14:creationId xmlns:p14="http://schemas.microsoft.com/office/powerpoint/2010/main" val="2155339751"/>
       </p:ext>
     </p:extLst>
   </p:cSld>
@@ -11198,7 +11059,7 @@
           <a:p>
             <a:r>
               <a:rPr lang="en-US" dirty="0" smtClean="0"/>
-              <a:t>Viewing the </a:t>
+              <a:t>Requiring the </a:t>
             </a:r>
             <a:r>
               <a:rPr lang="en-US" dirty="0" err="1" smtClean="0"/>
@@ -11233,7 +11094,7 @@
             </a:r>
             <a:r>
               <a:rPr lang="en-US" dirty="0" err="1"/>
-              <a:t>chefspec</a:t>
+              <a:t>spec_helper</a:t>
             </a:r>
             <a:r>
               <a:rPr lang="en-US" dirty="0"/>
@@ -11241,38 +11102,46 @@
             </a:r>
           </a:p>
           <a:p>
+            <a:endParaRPr lang="en-US" dirty="0"/>
+          </a:p>
+          <a:p>
             <a:r>
               <a:rPr lang="en-US" dirty="0"/>
-              <a:t>require '</a:t>
+              <a:t>describe 'ark::default' do</a:t>
+            </a:r>
+          </a:p>
+          <a:p>
+            <a:r>
+              <a:rPr lang="en-US" dirty="0"/>
+              <a:t>  context 'when no attributes are specified, on an </a:t>
+            </a:r>
+            <a:r>
+              <a:rPr lang="en-US" dirty="0" smtClean="0"/>
+              <a:t>...platform</a:t>
+            </a:r>
+            <a:r>
+              <a:rPr lang="en-US" dirty="0"/>
+              <a:t>' do</a:t>
+            </a:r>
+          </a:p>
+          <a:p>
+            <a:r>
+              <a:rPr lang="en-US" dirty="0"/>
+              <a:t>    let(:</a:t>
             </a:r>
             <a:r>
               <a:rPr lang="en-US" dirty="0" err="1"/>
-              <a:t>chefspec</a:t>
+              <a:t>chef_run</a:t>
             </a:r>
             <a:r>
               <a:rPr lang="en-US" dirty="0"/>
-              <a:t>/</a:t>
-            </a:r>
-            <a:r>
-              <a:rPr lang="en-US" dirty="0" err="1"/>
-              <a:t>berkshelf</a:t>
-            </a:r>
+              <a:t>) do</a:t>
+            </a:r>
+          </a:p>
+          <a:p>
             <a:r>
               <a:rPr lang="en-US" dirty="0"/>
-              <a:t>'</a:t>
-            </a:r>
-          </a:p>
-          <a:p>
-            <a:endParaRPr lang="en-US" dirty="0"/>
-          </a:p>
-          <a:p>
-            <a:r>
-              <a:rPr lang="en-US" dirty="0" err="1"/>
-              <a:t>at_exit</a:t>
-            </a:r>
-            <a:r>
-              <a:rPr lang="en-US" dirty="0"/>
-              <a:t> { </a:t>
+              <a:t>      runner = </a:t>
             </a:r>
             <a:r>
               <a:rPr lang="en-US" dirty="0" err="1"/>
@@ -11284,68 +11153,40 @@
             </a:r>
             <a:r>
               <a:rPr lang="en-US" dirty="0" err="1"/>
-              <a:t>Coverage.report</a:t>
-            </a:r>
+              <a:t>SoloRunner.new</a:t>
+            </a:r>
+            <a:endParaRPr lang="en-US" dirty="0"/>
+          </a:p>
+          <a:p>
             <a:r>
               <a:rPr lang="en-US" dirty="0"/>
-              <a:t>! }</a:t>
+              <a:t>      </a:t>
+            </a:r>
+            <a:r>
+              <a:rPr lang="en-US" dirty="0" err="1"/>
+              <a:t>runner.converge</a:t>
+            </a:r>
+            <a:r>
+              <a:rPr lang="en-US" dirty="0"/>
+              <a:t>(</a:t>
+            </a:r>
+            <a:r>
+              <a:rPr lang="en-US" dirty="0" err="1"/>
+              <a:t>described_recipe</a:t>
+            </a:r>
+            <a:r>
+              <a:rPr lang="en-US" dirty="0"/>
+              <a:t>)</a:t>
+            </a:r>
+          </a:p>
+          <a:p>
+            <a:r>
+              <a:rPr lang="en-US" dirty="0"/>
+              <a:t>    end</a:t>
             </a:r>
           </a:p>
           <a:p>
             <a:endParaRPr lang="en-US" dirty="0"/>
-          </a:p>
-          <a:p>
-            <a:r>
-              <a:rPr lang="en-US" dirty="0" err="1"/>
-              <a:t>RSpec.configure</a:t>
-            </a:r>
-            <a:r>
-              <a:rPr lang="en-US" dirty="0"/>
-              <a:t> do |</a:t>
-            </a:r>
-            <a:r>
-              <a:rPr lang="en-US" dirty="0" err="1"/>
-              <a:t>config</a:t>
-            </a:r>
-            <a:r>
-              <a:rPr lang="en-US" dirty="0"/>
-              <a:t>|</a:t>
-            </a:r>
-          </a:p>
-          <a:p>
-            <a:r>
-              <a:rPr lang="en-US" dirty="0"/>
-              <a:t>  </a:t>
-            </a:r>
-            <a:r>
-              <a:rPr lang="en-US" dirty="0" err="1"/>
-              <a:t>config.color</a:t>
-            </a:r>
-            <a:r>
-              <a:rPr lang="en-US" dirty="0"/>
-              <a:t> = true</a:t>
-            </a:r>
-          </a:p>
-          <a:p>
-            <a:r>
-              <a:rPr lang="en-US" dirty="0"/>
-              <a:t>end</a:t>
-            </a:r>
-          </a:p>
-          <a:p>
-            <a:endParaRPr lang="en-US" dirty="0"/>
-          </a:p>
-          <a:p>
-            <a:r>
-              <a:rPr lang="en-US" dirty="0"/>
-              <a:t># puts $LOAD_PATH</a:t>
-            </a:r>
-          </a:p>
-          <a:p>
-            <a:r>
-              <a:rPr lang="en-US" dirty="0"/>
-              <a:t># ... define test helpers and content in this file</a:t>
-            </a:r>
           </a:p>
         </p:txBody>
       </p:sp>
@@ -11366,20 +11207,85 @@
           <a:p>
             <a:r>
               <a:rPr lang="en-US" dirty="0" smtClean="0"/>
-              <a:t>~/ark/spec/</a:t>
+              <a:t>~/ark/spec/unit/recipes/</a:t>
             </a:r>
             <a:r>
               <a:rPr lang="en-US" dirty="0" err="1" smtClean="0"/>
-              <a:t>spec_helper.rb</a:t>
+              <a:t>default_spec.rb</a:t>
             </a:r>
             <a:endParaRPr lang="en-US" dirty="0"/>
+          </a:p>
+        </p:txBody>
+      </p:sp>
+      <p:sp>
+        <p:nvSpPr>
+          <p:cNvPr id="5" name="Rectangle 4"/>
+          <p:cNvSpPr/>
+          <p:nvPr/>
+        </p:nvSpPr>
+        <p:spPr bwMode="auto">
+          <a:xfrm>
+            <a:off x="1121103" y="2108314"/>
+            <a:ext cx="14421277" cy="649400"/>
+          </a:xfrm>
+          <a:prstGeom prst="rect">
+            <a:avLst/>
+          </a:prstGeom>
+          <a:solidFill>
+            <a:schemeClr val="accent1">
+              <a:alpha val="40000"/>
+            </a:schemeClr>
+          </a:solidFill>
+          <a:ln>
+            <a:noFill/>
+            <a:headEnd type="none" w="med" len="med"/>
+            <a:tailEnd type="none" w="med" len="med"/>
+          </a:ln>
+          <a:effectLst/>
+        </p:spPr>
+        <p:style>
+          <a:lnRef idx="1">
+            <a:schemeClr val="accent4"/>
+          </a:lnRef>
+          <a:fillRef idx="3">
+            <a:schemeClr val="accent4"/>
+          </a:fillRef>
+          <a:effectRef idx="2">
+            <a:schemeClr val="accent4"/>
+          </a:effectRef>
+          <a:fontRef idx="minor">
+            <a:schemeClr val="lt1"/>
+          </a:fontRef>
+        </p:style>
+        <p:txBody>
+          <a:bodyPr vert="horz" wrap="square" lIns="91436" tIns="45718" rIns="91436" bIns="45718" numCol="1" rtlCol="0" anchor="ctr" anchorCtr="0" compatLnSpc="1">
+            <a:prstTxWarp prst="textNoShape">
+              <a:avLst/>
+            </a:prstTxWarp>
+          </a:bodyPr>
+          <a:lstStyle/>
+          <a:p>
+            <a:pPr algn="ctr" defTabSz="914099"/>
+            <a:endParaRPr lang="en-US" sz="2400" dirty="0" err="1" smtClean="0">
+              <a:gradFill>
+                <a:gsLst>
+                  <a:gs pos="0">
+                    <a:srgbClr val="FFFFFF"/>
+                  </a:gs>
+                  <a:gs pos="100000">
+                    <a:srgbClr val="FFFFFF"/>
+                  </a:gs>
+                </a:gsLst>
+                <a:lin ang="5400000" scaled="0"/>
+              </a:gradFill>
+            </a:endParaRPr>
           </a:p>
         </p:txBody>
       </p:sp>
     </p:spTree>
     <p:extLst>
       <p:ext uri="{BB962C8B-B14F-4D97-AF65-F5344CB8AC3E}">
-        <p14:creationId xmlns:p14="http://schemas.microsoft.com/office/powerpoint/2010/main" val="3341684372"/>
+        <p14:creationId xmlns:p14="http://schemas.microsoft.com/office/powerpoint/2010/main" val="269394474"/>
       </p:ext>
     </p:extLst>
   </p:cSld>
@@ -11418,7 +11324,38 @@
       </p:grpSpPr>
       <p:sp>
         <p:nvSpPr>
-          <p:cNvPr id="8" name="Content Placeholder 7"/>
+          <p:cNvPr id="2" name="Title 1"/>
+          <p:cNvSpPr>
+            <a:spLocks noGrp="1"/>
+          </p:cNvSpPr>
+          <p:nvPr>
+            <p:ph type="title"/>
+          </p:nvPr>
+        </p:nvSpPr>
+        <p:spPr/>
+        <p:txBody>
+          <a:bodyPr/>
+          <a:lstStyle/>
+          <a:p>
+            <a:r>
+              <a:rPr lang="en-US" dirty="0" smtClean="0"/>
+              <a:t>Viewing the </a:t>
+            </a:r>
+            <a:r>
+              <a:rPr lang="en-US" dirty="0" err="1" smtClean="0"/>
+              <a:t>spec_helper</a:t>
+            </a:r>
+            <a:r>
+              <a:rPr lang="en-US" dirty="0" smtClean="0"/>
+              <a:t> file</a:t>
+            </a:r>
+            <a:endParaRPr lang="en-US" dirty="0"/>
+          </a:p>
+        </p:txBody>
+      </p:sp>
+      <p:sp>
+        <p:nvSpPr>
+          <p:cNvPr id="3" name="Content Placeholder 2"/>
           <p:cNvSpPr>
             <a:spLocks noGrp="1"/>
           </p:cNvSpPr>
@@ -11432,198 +11369,130 @@
           <a:lstStyle/>
           <a:p>
             <a:r>
-              <a:rPr lang="en-US" sz="2400" dirty="0"/>
-              <a:t>/opt/</a:t>
-            </a:r>
-            <a:r>
-              <a:rPr lang="en-US" sz="2400" dirty="0" err="1"/>
-              <a:t>chefdk</a:t>
-            </a:r>
-            <a:r>
-              <a:rPr lang="en-US" sz="2400" dirty="0"/>
-              <a:t>/embedded/lib/ruby/gems/2.1.0/gems/uuidtools-2.1.5/lib</a:t>
-            </a:r>
-          </a:p>
-          <a:p>
-            <a:r>
-              <a:rPr lang="en-US" sz="2400" dirty="0"/>
-              <a:t>/Users/</a:t>
-            </a:r>
-            <a:r>
-              <a:rPr lang="en-US" sz="2400" dirty="0" err="1"/>
-              <a:t>franklinwebber</a:t>
-            </a:r>
-            <a:r>
-              <a:rPr lang="en-US" sz="2400" dirty="0" smtClean="0"/>
-              <a:t>/ark</a:t>
-            </a:r>
-            <a:r>
-              <a:rPr lang="en-US" sz="2400" dirty="0"/>
-              <a:t>/spec</a:t>
-            </a:r>
-          </a:p>
-          <a:p>
-            <a:r>
-              <a:rPr lang="en-US" sz="2400" dirty="0"/>
-              <a:t>/Users/</a:t>
-            </a:r>
-            <a:r>
-              <a:rPr lang="en-US" sz="2400" dirty="0" err="1"/>
-              <a:t>franklinwebber</a:t>
-            </a:r>
-            <a:r>
-              <a:rPr lang="en-US" sz="2400" dirty="0"/>
-              <a:t>/.</a:t>
-            </a:r>
-            <a:r>
-              <a:rPr lang="en-US" sz="2400" dirty="0" err="1"/>
-              <a:t>chefdk</a:t>
-            </a:r>
-            <a:r>
-              <a:rPr lang="en-US" sz="2400" dirty="0"/>
-              <a:t>/gem/ruby/2.1.0/gems/rspec-support-3.4.1/lib</a:t>
-            </a:r>
-          </a:p>
-          <a:p>
-            <a:r>
-              <a:rPr lang="en-US" sz="2400" dirty="0"/>
-              <a:t>/Users/</a:t>
-            </a:r>
-            <a:r>
-              <a:rPr lang="en-US" sz="2400" dirty="0" err="1"/>
-              <a:t>franklinwebber</a:t>
-            </a:r>
-            <a:r>
-              <a:rPr lang="en-US" sz="2400" dirty="0"/>
-              <a:t>/.</a:t>
-            </a:r>
-            <a:r>
-              <a:rPr lang="en-US" sz="2400" dirty="0" err="1"/>
-              <a:t>chefdk</a:t>
-            </a:r>
-            <a:r>
-              <a:rPr lang="en-US" sz="2400" dirty="0"/>
-              <a:t>/gem/ruby/2.1.0/gems/rspec-core-3.4.4/lib</a:t>
-            </a:r>
-          </a:p>
-          <a:p>
-            <a:r>
-              <a:rPr lang="en-US" sz="2400" dirty="0"/>
-              <a:t>/opt/</a:t>
-            </a:r>
-            <a:r>
-              <a:rPr lang="en-US" sz="2400" dirty="0" err="1"/>
-              <a:t>chefdk</a:t>
-            </a:r>
-            <a:r>
-              <a:rPr lang="en-US" sz="2400" dirty="0"/>
-              <a:t>/embedded/lib/ruby/gems/2.1.0/gems/net-ssh-3.1.1/lib</a:t>
-            </a:r>
-          </a:p>
-          <a:p>
-            <a:r>
-              <a:rPr lang="en-US" sz="2400" dirty="0"/>
-              <a:t>/opt/</a:t>
-            </a:r>
-            <a:r>
-              <a:rPr lang="en-US" sz="2400" dirty="0" err="1"/>
-              <a:t>chefdk</a:t>
-            </a:r>
-            <a:r>
-              <a:rPr lang="en-US" sz="2400" dirty="0"/>
-              <a:t>/embedded/lib/ruby/gems/2.1.0/gems/fauxhai-3.5.0/lib</a:t>
-            </a:r>
-          </a:p>
-          <a:p>
-            <a:r>
-              <a:rPr lang="en-US" sz="2400" dirty="0"/>
-              <a:t>/opt/</a:t>
-            </a:r>
-            <a:r>
-              <a:rPr lang="en-US" sz="2400" dirty="0" err="1"/>
-              <a:t>chefdk</a:t>
-            </a:r>
-            <a:r>
-              <a:rPr lang="en-US" sz="2400" dirty="0"/>
-              <a:t>/embedded/lib/ruby/gems/2.1.0/gems/diff-lcs-1.2.5/lib</a:t>
-            </a:r>
-          </a:p>
-          <a:p>
-            <a:r>
-              <a:rPr lang="en-US" sz="2400" dirty="0"/>
-              <a:t>/Users/</a:t>
-            </a:r>
-            <a:r>
-              <a:rPr lang="en-US" sz="2400" dirty="0" err="1"/>
-              <a:t>franklinwebber</a:t>
-            </a:r>
-            <a:r>
-              <a:rPr lang="en-US" sz="2400" dirty="0"/>
-              <a:t>/.</a:t>
-            </a:r>
-            <a:r>
-              <a:rPr lang="en-US" sz="2400" dirty="0" err="1"/>
-              <a:t>chefdk</a:t>
-            </a:r>
-            <a:r>
-              <a:rPr lang="en-US" sz="2400" dirty="0"/>
-              <a:t>/gem/ruby/2.1.0/gems/rspec-expectations-3.4.0/lib</a:t>
-            </a:r>
-          </a:p>
-          <a:p>
-            <a:r>
-              <a:rPr lang="en-US" sz="2400" dirty="0"/>
-              <a:t>/Users/</a:t>
-            </a:r>
-            <a:r>
-              <a:rPr lang="en-US" sz="2400" dirty="0" err="1"/>
-              <a:t>franklinwebber</a:t>
-            </a:r>
-            <a:r>
-              <a:rPr lang="en-US" sz="2400" dirty="0"/>
-              <a:t>/.</a:t>
-            </a:r>
-            <a:r>
-              <a:rPr lang="en-US" sz="2400" dirty="0" err="1"/>
-              <a:t>chefdk</a:t>
-            </a:r>
-            <a:r>
-              <a:rPr lang="en-US" sz="2400" dirty="0"/>
-              <a:t>/gem/ruby/2.1.0/gems/rspec-mocks-3.4.1/lib</a:t>
-            </a:r>
-          </a:p>
-          <a:p>
-            <a:r>
-              <a:rPr lang="en-US" sz="2400" dirty="0"/>
-              <a:t>/Users/</a:t>
-            </a:r>
-            <a:r>
-              <a:rPr lang="en-US" sz="2400" dirty="0" err="1"/>
-              <a:t>franklinwebber</a:t>
-            </a:r>
-            <a:r>
-              <a:rPr lang="en-US" sz="2400" dirty="0"/>
-              <a:t>/.</a:t>
-            </a:r>
-            <a:r>
-              <a:rPr lang="en-US" sz="2400" dirty="0" err="1"/>
-              <a:t>chefdk</a:t>
-            </a:r>
-            <a:r>
-              <a:rPr lang="en-US" sz="2400" dirty="0"/>
-              <a:t>/gem/ruby/2.1.0/gems/rspec-3.4.0/</a:t>
-            </a:r>
-            <a:r>
-              <a:rPr lang="en-US" sz="2400" dirty="0" smtClean="0"/>
-              <a:t>lib</a:t>
-            </a:r>
-            <a:endParaRPr lang="en-US" sz="2400" dirty="0"/>
-          </a:p>
-        </p:txBody>
-      </p:sp>
-      <p:sp>
-        <p:nvSpPr>
-          <p:cNvPr id="9" name="Text Placeholder 8"/>
+              <a:rPr lang="en-US" dirty="0"/>
+              <a:t>require '</a:t>
+            </a:r>
+            <a:r>
+              <a:rPr lang="en-US" dirty="0" err="1"/>
+              <a:t>chefspec</a:t>
+            </a:r>
+            <a:r>
+              <a:rPr lang="en-US" dirty="0"/>
+              <a:t>'</a:t>
+            </a:r>
+          </a:p>
+          <a:p>
+            <a:r>
+              <a:rPr lang="en-US" dirty="0"/>
+              <a:t>require '</a:t>
+            </a:r>
+            <a:r>
+              <a:rPr lang="en-US" dirty="0" err="1"/>
+              <a:t>chefspec</a:t>
+            </a:r>
+            <a:r>
+              <a:rPr lang="en-US" dirty="0"/>
+              <a:t>/</a:t>
+            </a:r>
+            <a:r>
+              <a:rPr lang="en-US" dirty="0" err="1"/>
+              <a:t>berkshelf</a:t>
+            </a:r>
+            <a:r>
+              <a:rPr lang="en-US" dirty="0"/>
+              <a:t>'</a:t>
+            </a:r>
+          </a:p>
+          <a:p>
+            <a:endParaRPr lang="en-US" dirty="0"/>
+          </a:p>
+          <a:p>
+            <a:r>
+              <a:rPr lang="en-US" dirty="0" err="1"/>
+              <a:t>at_exit</a:t>
+            </a:r>
+            <a:r>
+              <a:rPr lang="en-US" dirty="0"/>
+              <a:t> { </a:t>
+            </a:r>
+            <a:r>
+              <a:rPr lang="en-US" dirty="0" err="1"/>
+              <a:t>ChefSpec</a:t>
+            </a:r>
+            <a:r>
+              <a:rPr lang="en-US" dirty="0"/>
+              <a:t>::</a:t>
+            </a:r>
+            <a:r>
+              <a:rPr lang="en-US" dirty="0" err="1"/>
+              <a:t>Coverage.report</a:t>
+            </a:r>
+            <a:r>
+              <a:rPr lang="en-US" dirty="0"/>
+              <a:t>! }</a:t>
+            </a:r>
+          </a:p>
+          <a:p>
+            <a:endParaRPr lang="en-US" dirty="0"/>
+          </a:p>
+          <a:p>
+            <a:r>
+              <a:rPr lang="en-US" dirty="0" err="1"/>
+              <a:t>RSpec.configure</a:t>
+            </a:r>
+            <a:r>
+              <a:rPr lang="en-US" dirty="0"/>
+              <a:t> do |</a:t>
+            </a:r>
+            <a:r>
+              <a:rPr lang="en-US" dirty="0" err="1"/>
+              <a:t>config</a:t>
+            </a:r>
+            <a:r>
+              <a:rPr lang="en-US" dirty="0"/>
+              <a:t>|</a:t>
+            </a:r>
+          </a:p>
+          <a:p>
+            <a:r>
+              <a:rPr lang="en-US" dirty="0"/>
+              <a:t>  </a:t>
+            </a:r>
+            <a:r>
+              <a:rPr lang="en-US" dirty="0" err="1"/>
+              <a:t>config.color</a:t>
+            </a:r>
+            <a:r>
+              <a:rPr lang="en-US" dirty="0"/>
+              <a:t> = true</a:t>
+            </a:r>
+          </a:p>
+          <a:p>
+            <a:r>
+              <a:rPr lang="en-US" dirty="0"/>
+              <a:t>end</a:t>
+            </a:r>
+          </a:p>
+          <a:p>
+            <a:endParaRPr lang="en-US" dirty="0"/>
+          </a:p>
+          <a:p>
+            <a:r>
+              <a:rPr lang="en-US" dirty="0"/>
+              <a:t># puts $LOAD_PATH</a:t>
+            </a:r>
+          </a:p>
+          <a:p>
+            <a:r>
+              <a:rPr lang="en-US" dirty="0"/>
+              <a:t># ... define test helpers and content in this file</a:t>
+            </a:r>
+          </a:p>
+        </p:txBody>
+      </p:sp>
+      <p:sp>
+        <p:nvSpPr>
+          <p:cNvPr id="4" name="Text Placeholder 3"/>
           <p:cNvSpPr>
             <a:spLocks noGrp="1"/>
           </p:cNvSpPr>
@@ -11638,58 +11507,11 @@
           <a:p>
             <a:r>
               <a:rPr lang="en-US" dirty="0" smtClean="0"/>
-              <a:t>&gt; chef exec </a:t>
+              <a:t>~/ark/spec/</a:t>
             </a:r>
             <a:r>
               <a:rPr lang="en-US" dirty="0" err="1" smtClean="0"/>
-              <a:t>rspec</a:t>
-            </a:r>
-            <a:endParaRPr lang="en-US" dirty="0"/>
-          </a:p>
-        </p:txBody>
-      </p:sp>
-      <p:sp>
-        <p:nvSpPr>
-          <p:cNvPr id="10" name="Content Placeholder 9"/>
-          <p:cNvSpPr>
-            <a:spLocks noGrp="1"/>
-          </p:cNvSpPr>
-          <p:nvPr>
-            <p:ph sz="quarter" idx="12"/>
-          </p:nvPr>
-        </p:nvSpPr>
-        <p:spPr>
-          <a:xfrm>
-            <a:off x="1127883" y="2768896"/>
-            <a:ext cx="14420850" cy="557213"/>
-          </a:xfrm>
-        </p:spPr>
-        <p:txBody>
-          <a:bodyPr/>
-          <a:lstStyle/>
-          <a:p>
-            <a:endParaRPr lang="en-US" dirty="0"/>
-          </a:p>
-        </p:txBody>
-      </p:sp>
-      <p:sp>
-        <p:nvSpPr>
-          <p:cNvPr id="7" name="Title 6"/>
-          <p:cNvSpPr>
-            <a:spLocks noGrp="1"/>
-          </p:cNvSpPr>
-          <p:nvPr>
-            <p:ph type="title"/>
-          </p:nvPr>
-        </p:nvSpPr>
-        <p:spPr/>
-        <p:txBody>
-          <a:bodyPr/>
-          <a:lstStyle/>
-          <a:p>
-            <a:r>
-              <a:rPr lang="en-US" dirty="0" smtClean="0"/>
-              <a:t>Viewing the $LOAD_PATH</a:t>
+              <a:t>spec_helper.rb</a:t>
             </a:r>
             <a:endParaRPr lang="en-US" dirty="0"/>
           </a:p>
@@ -11698,7 +11520,7 @@
     </p:spTree>
     <p:extLst>
       <p:ext uri="{BB962C8B-B14F-4D97-AF65-F5344CB8AC3E}">
-        <p14:creationId xmlns:p14="http://schemas.microsoft.com/office/powerpoint/2010/main" val="4263436008"/>
+        <p14:creationId xmlns:p14="http://schemas.microsoft.com/office/powerpoint/2010/main" val="3341684372"/>
       </p:ext>
     </p:extLst>
   </p:cSld>
@@ -11737,37 +11559,217 @@
       </p:grpSpPr>
       <p:sp>
         <p:nvSpPr>
-          <p:cNvPr id="2" name="Title 1"/>
+          <p:cNvPr id="8" name="Content Placeholder 7"/>
           <p:cNvSpPr>
             <a:spLocks noGrp="1"/>
           </p:cNvSpPr>
           <p:nvPr>
-            <p:ph type="ctrTitle"/>
+            <p:ph sz="quarter" idx="10"/>
           </p:nvPr>
         </p:nvSpPr>
         <p:spPr/>
         <p:txBody>
-          <a:bodyPr>
-            <a:normAutofit fontScale="90000"/>
-          </a:bodyPr>
+          <a:bodyPr/>
           <a:lstStyle/>
           <a:p>
             <a:r>
-              <a:rPr lang="en-US" dirty="0" smtClean="0"/>
-              <a:t>Create helper method</a:t>
-            </a:r>
-            <a:endParaRPr lang="en-US" dirty="0"/>
-          </a:p>
-        </p:txBody>
-      </p:sp>
-      <p:sp>
-        <p:nvSpPr>
-          <p:cNvPr id="3" name="Subtitle 2"/>
+              <a:rPr lang="en-US" sz="2400" dirty="0"/>
+              <a:t>/opt/</a:t>
+            </a:r>
+            <a:r>
+              <a:rPr lang="en-US" sz="2400" dirty="0" err="1"/>
+              <a:t>chefdk</a:t>
+            </a:r>
+            <a:r>
+              <a:rPr lang="en-US" sz="2400" dirty="0"/>
+              <a:t>/embedded/lib/ruby/gems/2.1.0/gems/uuidtools-2.1.5/lib</a:t>
+            </a:r>
+          </a:p>
+          <a:p>
+            <a:r>
+              <a:rPr lang="en-US" sz="2400" dirty="0"/>
+              <a:t>/Users/</a:t>
+            </a:r>
+            <a:r>
+              <a:rPr lang="en-US" sz="2400" dirty="0" err="1"/>
+              <a:t>franklinwebber</a:t>
+            </a:r>
+            <a:r>
+              <a:rPr lang="en-US" sz="2400" dirty="0" smtClean="0"/>
+              <a:t>/ark</a:t>
+            </a:r>
+            <a:r>
+              <a:rPr lang="en-US" sz="2400" dirty="0"/>
+              <a:t>/spec</a:t>
+            </a:r>
+          </a:p>
+          <a:p>
+            <a:r>
+              <a:rPr lang="en-US" sz="2400" dirty="0"/>
+              <a:t>/Users/</a:t>
+            </a:r>
+            <a:r>
+              <a:rPr lang="en-US" sz="2400" dirty="0" err="1"/>
+              <a:t>franklinwebber</a:t>
+            </a:r>
+            <a:r>
+              <a:rPr lang="en-US" sz="2400" dirty="0"/>
+              <a:t>/.</a:t>
+            </a:r>
+            <a:r>
+              <a:rPr lang="en-US" sz="2400" dirty="0" err="1"/>
+              <a:t>chefdk</a:t>
+            </a:r>
+            <a:r>
+              <a:rPr lang="en-US" sz="2400" dirty="0"/>
+              <a:t>/gem/ruby/2.1.0/gems/rspec-support-3.4.1/lib</a:t>
+            </a:r>
+          </a:p>
+          <a:p>
+            <a:r>
+              <a:rPr lang="en-US" sz="2400" dirty="0"/>
+              <a:t>/Users/</a:t>
+            </a:r>
+            <a:r>
+              <a:rPr lang="en-US" sz="2400" dirty="0" err="1"/>
+              <a:t>franklinwebber</a:t>
+            </a:r>
+            <a:r>
+              <a:rPr lang="en-US" sz="2400" dirty="0"/>
+              <a:t>/.</a:t>
+            </a:r>
+            <a:r>
+              <a:rPr lang="en-US" sz="2400" dirty="0" err="1"/>
+              <a:t>chefdk</a:t>
+            </a:r>
+            <a:r>
+              <a:rPr lang="en-US" sz="2400" dirty="0"/>
+              <a:t>/gem/ruby/2.1.0/gems/rspec-core-3.4.4/lib</a:t>
+            </a:r>
+          </a:p>
+          <a:p>
+            <a:r>
+              <a:rPr lang="en-US" sz="2400" dirty="0"/>
+              <a:t>/opt/</a:t>
+            </a:r>
+            <a:r>
+              <a:rPr lang="en-US" sz="2400" dirty="0" err="1"/>
+              <a:t>chefdk</a:t>
+            </a:r>
+            <a:r>
+              <a:rPr lang="en-US" sz="2400" dirty="0"/>
+              <a:t>/embedded/lib/ruby/gems/2.1.0/gems/net-ssh-3.1.1/lib</a:t>
+            </a:r>
+          </a:p>
+          <a:p>
+            <a:r>
+              <a:rPr lang="en-US" sz="2400" dirty="0"/>
+              <a:t>/opt/</a:t>
+            </a:r>
+            <a:r>
+              <a:rPr lang="en-US" sz="2400" dirty="0" err="1"/>
+              <a:t>chefdk</a:t>
+            </a:r>
+            <a:r>
+              <a:rPr lang="en-US" sz="2400" dirty="0"/>
+              <a:t>/embedded/lib/ruby/gems/2.1.0/gems/fauxhai-3.5.0/lib</a:t>
+            </a:r>
+          </a:p>
+          <a:p>
+            <a:r>
+              <a:rPr lang="en-US" sz="2400" dirty="0"/>
+              <a:t>/opt/</a:t>
+            </a:r>
+            <a:r>
+              <a:rPr lang="en-US" sz="2400" dirty="0" err="1"/>
+              <a:t>chefdk</a:t>
+            </a:r>
+            <a:r>
+              <a:rPr lang="en-US" sz="2400" dirty="0"/>
+              <a:t>/embedded/lib/ruby/gems/2.1.0/gems/diff-lcs-1.2.5/lib</a:t>
+            </a:r>
+          </a:p>
+          <a:p>
+            <a:r>
+              <a:rPr lang="en-US" sz="2400" dirty="0"/>
+              <a:t>/Users/</a:t>
+            </a:r>
+            <a:r>
+              <a:rPr lang="en-US" sz="2400" dirty="0" err="1"/>
+              <a:t>franklinwebber</a:t>
+            </a:r>
+            <a:r>
+              <a:rPr lang="en-US" sz="2400" dirty="0"/>
+              <a:t>/.</a:t>
+            </a:r>
+            <a:r>
+              <a:rPr lang="en-US" sz="2400" dirty="0" err="1"/>
+              <a:t>chefdk</a:t>
+            </a:r>
+            <a:r>
+              <a:rPr lang="en-US" sz="2400" dirty="0"/>
+              <a:t>/gem/ruby/2.1.0/gems/rspec-expectations-3.4.0/lib</a:t>
+            </a:r>
+          </a:p>
+          <a:p>
+            <a:r>
+              <a:rPr lang="en-US" sz="2400" dirty="0"/>
+              <a:t>/Users/</a:t>
+            </a:r>
+            <a:r>
+              <a:rPr lang="en-US" sz="2400" dirty="0" err="1"/>
+              <a:t>franklinwebber</a:t>
+            </a:r>
+            <a:r>
+              <a:rPr lang="en-US" sz="2400" dirty="0"/>
+              <a:t>/.</a:t>
+            </a:r>
+            <a:r>
+              <a:rPr lang="en-US" sz="2400" dirty="0" err="1"/>
+              <a:t>chefdk</a:t>
+            </a:r>
+            <a:r>
+              <a:rPr lang="en-US" sz="2400" dirty="0"/>
+              <a:t>/gem/ruby/2.1.0/gems/rspec-mocks-3.4.1/lib</a:t>
+            </a:r>
+          </a:p>
+          <a:p>
+            <a:r>
+              <a:rPr lang="en-US" sz="2400" dirty="0"/>
+              <a:t>/Users/</a:t>
+            </a:r>
+            <a:r>
+              <a:rPr lang="en-US" sz="2400" dirty="0" err="1"/>
+              <a:t>franklinwebber</a:t>
+            </a:r>
+            <a:r>
+              <a:rPr lang="en-US" sz="2400" dirty="0"/>
+              <a:t>/.</a:t>
+            </a:r>
+            <a:r>
+              <a:rPr lang="en-US" sz="2400" dirty="0" err="1"/>
+              <a:t>chefdk</a:t>
+            </a:r>
+            <a:r>
+              <a:rPr lang="en-US" sz="2400" dirty="0"/>
+              <a:t>/gem/ruby/2.1.0/gems/rspec-3.4.0/</a:t>
+            </a:r>
+            <a:r>
+              <a:rPr lang="en-US" sz="2400" dirty="0" smtClean="0"/>
+              <a:t>lib</a:t>
+            </a:r>
+            <a:endParaRPr lang="en-US" sz="2400" dirty="0"/>
+          </a:p>
+        </p:txBody>
+      </p:sp>
+      <p:sp>
+        <p:nvSpPr>
+          <p:cNvPr id="9" name="Text Placeholder 8"/>
           <p:cNvSpPr>
             <a:spLocks noGrp="1"/>
           </p:cNvSpPr>
           <p:nvPr>
-            <p:ph type="subTitle" idx="1"/>
+            <p:ph type="body" sz="quarter" idx="11"/>
           </p:nvPr>
         </p:nvSpPr>
         <p:spPr/>
@@ -11777,7 +11779,58 @@
           <a:p>
             <a:r>
               <a:rPr lang="en-US" dirty="0" smtClean="0"/>
-              <a:t>You can define a Ruby method that takes care of some of the tedious work of retrieving node attributes.</a:t>
+              <a:t>&gt; chef exec </a:t>
+            </a:r>
+            <a:r>
+              <a:rPr lang="en-US" dirty="0" err="1" smtClean="0"/>
+              <a:t>rspec</a:t>
+            </a:r>
+            <a:endParaRPr lang="en-US" dirty="0"/>
+          </a:p>
+        </p:txBody>
+      </p:sp>
+      <p:sp>
+        <p:nvSpPr>
+          <p:cNvPr id="10" name="Content Placeholder 9"/>
+          <p:cNvSpPr>
+            <a:spLocks noGrp="1"/>
+          </p:cNvSpPr>
+          <p:nvPr>
+            <p:ph sz="quarter" idx="12"/>
+          </p:nvPr>
+        </p:nvSpPr>
+        <p:spPr>
+          <a:xfrm>
+            <a:off x="1127883" y="2768896"/>
+            <a:ext cx="14420850" cy="557213"/>
+          </a:xfrm>
+        </p:spPr>
+        <p:txBody>
+          <a:bodyPr/>
+          <a:lstStyle/>
+          <a:p>
+            <a:endParaRPr lang="en-US" dirty="0"/>
+          </a:p>
+        </p:txBody>
+      </p:sp>
+      <p:sp>
+        <p:nvSpPr>
+          <p:cNvPr id="7" name="Title 6"/>
+          <p:cNvSpPr>
+            <a:spLocks noGrp="1"/>
+          </p:cNvSpPr>
+          <p:nvPr>
+            <p:ph type="title"/>
+          </p:nvPr>
+        </p:nvSpPr>
+        <p:spPr/>
+        <p:txBody>
+          <a:bodyPr/>
+          <a:lstStyle/>
+          <a:p>
+            <a:r>
+              <a:rPr lang="en-US" dirty="0" smtClean="0"/>
+              <a:t>Viewing the $LOAD_PATH</a:t>
             </a:r>
             <a:endParaRPr lang="en-US" dirty="0"/>
           </a:p>
@@ -11786,7 +11839,7 @@
     </p:spTree>
     <p:extLst>
       <p:ext uri="{BB962C8B-B14F-4D97-AF65-F5344CB8AC3E}">
-        <p14:creationId xmlns:p14="http://schemas.microsoft.com/office/powerpoint/2010/main" val="1717682926"/>
+        <p14:creationId xmlns:p14="http://schemas.microsoft.com/office/powerpoint/2010/main" val="4263436008"/>
       </p:ext>
     </p:extLst>
   </p:cSld>
@@ -11830,7 +11883,7 @@
             <a:spLocks noGrp="1"/>
           </p:cNvSpPr>
           <p:nvPr>
-            <p:ph type="title"/>
+            <p:ph type="ctrTitle"/>
           </p:nvPr>
         </p:nvSpPr>
         <p:spPr/>
@@ -11842,7 +11895,7 @@
           <a:p>
             <a:r>
               <a:rPr lang="en-US" dirty="0" smtClean="0"/>
-              <a:t>Viewing the Repetition of Retrieving Attributes</a:t>
+              <a:t>Create helper method</a:t>
             </a:r>
             <a:endParaRPr lang="en-US" dirty="0"/>
           </a:p>
@@ -11850,12 +11903,12 @@
       </p:sp>
       <p:sp>
         <p:nvSpPr>
-          <p:cNvPr id="3" name="Content Placeholder 2"/>
+          <p:cNvPr id="3" name="Subtitle 2"/>
           <p:cNvSpPr>
             <a:spLocks noGrp="1"/>
           </p:cNvSpPr>
           <p:nvPr>
-            <p:ph sz="quarter" idx="10"/>
+            <p:ph type="subTitle" idx="1"/>
           </p:nvPr>
         </p:nvSpPr>
         <p:spPr/>
@@ -11864,143 +11917,17 @@
           <a:lstStyle/>
           <a:p>
             <a:r>
-              <a:rPr lang="en-US" dirty="0"/>
-              <a:t> </a:t>
-            </a:r>
-            <a:r>
               <a:rPr lang="en-US" dirty="0" smtClean="0"/>
-              <a:t>   </a:t>
-            </a:r>
-          </a:p>
-          <a:p>
-            <a:r>
-              <a:rPr lang="en-US" dirty="0"/>
-              <a:t> </a:t>
-            </a:r>
-            <a:r>
-              <a:rPr lang="en-US" dirty="0" smtClean="0"/>
-              <a:t>   it </a:t>
-            </a:r>
-            <a:r>
-              <a:rPr lang="en-US" dirty="0"/>
-              <a:t>"apache mirror" do</a:t>
-            </a:r>
-          </a:p>
-          <a:p>
-            <a:r>
-              <a:rPr lang="en-US" dirty="0"/>
-              <a:t>      attribute = </a:t>
-            </a:r>
-            <a:r>
-              <a:rPr lang="en-US" dirty="0" err="1"/>
-              <a:t>chef_run.node</a:t>
-            </a:r>
-            <a:r>
-              <a:rPr lang="en-US" dirty="0"/>
-              <a:t>['ark']['</a:t>
-            </a:r>
-            <a:r>
-              <a:rPr lang="en-US" dirty="0" err="1"/>
-              <a:t>apache_mirror</a:t>
-            </a:r>
-            <a:r>
-              <a:rPr lang="en-US" dirty="0"/>
-              <a:t>']</a:t>
-            </a:r>
-          </a:p>
-          <a:p>
-            <a:r>
-              <a:rPr lang="en-US" dirty="0"/>
-              <a:t>      expect(attribute).to </a:t>
-            </a:r>
-            <a:r>
-              <a:rPr lang="en-US" dirty="0" err="1"/>
-              <a:t>eq</a:t>
-            </a:r>
-            <a:r>
-              <a:rPr lang="en-US" dirty="0"/>
-              <a:t> "http://</a:t>
-            </a:r>
-            <a:r>
-              <a:rPr lang="en-US" dirty="0" err="1"/>
-              <a:t>apache.mirrors.tds.net</a:t>
-            </a:r>
-            <a:r>
-              <a:rPr lang="en-US" dirty="0"/>
-              <a:t>"</a:t>
-            </a:r>
-          </a:p>
-          <a:p>
-            <a:r>
-              <a:rPr lang="en-US" dirty="0"/>
-              <a:t>    end</a:t>
-            </a:r>
-          </a:p>
-          <a:p>
+              <a:t>You can define a Ruby method that takes care of some of the tedious work of retrieving node attributes.</a:t>
+            </a:r>
             <a:endParaRPr lang="en-US" dirty="0"/>
-          </a:p>
-          <a:p>
-            <a:r>
-              <a:rPr lang="en-US" dirty="0"/>
-              <a:t>    it "prefix root" do</a:t>
-            </a:r>
-          </a:p>
-          <a:p>
-            <a:r>
-              <a:rPr lang="en-US" dirty="0"/>
-              <a:t>      attribute = </a:t>
-            </a:r>
-            <a:r>
-              <a:rPr lang="en-US" dirty="0" err="1"/>
-              <a:t>chef_run.node</a:t>
-            </a:r>
-            <a:r>
-              <a:rPr lang="en-US" dirty="0"/>
-              <a:t>['ark']['</a:t>
-            </a:r>
-            <a:r>
-              <a:rPr lang="en-US" dirty="0" err="1"/>
-              <a:t>prefix_root</a:t>
-            </a:r>
-            <a:r>
-              <a:rPr lang="en-US" dirty="0"/>
-              <a:t>']</a:t>
-            </a:r>
-          </a:p>
-          <a:p>
-            <a:r>
-              <a:rPr lang="en-US" dirty="0"/>
-              <a:t>      expect(attribute).to </a:t>
-            </a:r>
-            <a:r>
-              <a:rPr lang="en-US" dirty="0" err="1"/>
-              <a:t>eq</a:t>
-            </a:r>
-            <a:r>
-              <a:rPr lang="en-US" dirty="0"/>
-              <a:t> "/</a:t>
-            </a:r>
-            <a:r>
-              <a:rPr lang="en-US" dirty="0" err="1"/>
-              <a:t>usr</a:t>
-            </a:r>
-            <a:r>
-              <a:rPr lang="en-US" dirty="0"/>
-              <a:t>/local"</a:t>
-            </a:r>
-          </a:p>
-          <a:p>
-            <a:r>
-              <a:rPr lang="en-US" dirty="0"/>
-              <a:t>    end</a:t>
-            </a:r>
           </a:p>
         </p:txBody>
       </p:sp>
     </p:spTree>
     <p:extLst>
       <p:ext uri="{BB962C8B-B14F-4D97-AF65-F5344CB8AC3E}">
-        <p14:creationId xmlns:p14="http://schemas.microsoft.com/office/powerpoint/2010/main" val="3201303763"/>
+        <p14:creationId xmlns:p14="http://schemas.microsoft.com/office/powerpoint/2010/main" val="1717682926"/>
       </p:ext>
     </p:extLst>
   </p:cSld>
@@ -12044,286 +11971,249 @@
             <a:spLocks noGrp="1"/>
           </p:cNvSpPr>
           <p:nvPr>
-            <p:ph type="title"/>
+            <p:ph type="ctrTitle"/>
           </p:nvPr>
         </p:nvSpPr>
         <p:spPr/>
         <p:txBody>
           <a:bodyPr>
+            <a:noAutofit/>
+          </a:bodyPr>
+          <a:lstStyle/>
+          <a:p>
+            <a:r>
+              <a:rPr lang="en-US" sz="5400" dirty="0" smtClean="0"/>
+              <a:t>A Ruby Method with One Parameter</a:t>
+            </a:r>
+            <a:endParaRPr lang="en-US" sz="5400" dirty="0"/>
+          </a:p>
+        </p:txBody>
+      </p:sp>
+      <p:sp>
+        <p:nvSpPr>
+          <p:cNvPr id="3" name="Subtitle 2"/>
+          <p:cNvSpPr>
+            <a:spLocks noGrp="1"/>
+          </p:cNvSpPr>
+          <p:nvPr>
+            <p:ph type="subTitle" idx="1"/>
+          </p:nvPr>
+        </p:nvSpPr>
+        <p:spPr/>
+        <p:txBody>
+          <a:bodyPr/>
+          <a:lstStyle/>
+          <a:p>
+            <a:r>
+              <a:rPr lang="en-US" b="1" dirty="0" err="1" smtClean="0">
+                <a:solidFill>
+                  <a:schemeClr val="tx1"/>
+                </a:solidFill>
+                <a:latin typeface="Courier New" panose="02070309020205020404" pitchFamily="49" charset="0"/>
+                <a:cs typeface="Courier New" panose="02070309020205020404" pitchFamily="49" charset="0"/>
+              </a:rPr>
+              <a:t>def</a:t>
+            </a:r>
+            <a:r>
+              <a:rPr lang="en-US" b="1" dirty="0" smtClean="0">
+                <a:solidFill>
+                  <a:schemeClr val="tx1"/>
+                </a:solidFill>
+                <a:latin typeface="Courier New" panose="02070309020205020404" pitchFamily="49" charset="0"/>
+                <a:cs typeface="Courier New" panose="02070309020205020404" pitchFamily="49" charset="0"/>
+              </a:rPr>
+              <a:t> </a:t>
+            </a:r>
+            <a:r>
+              <a:rPr lang="en-US" b="1" dirty="0" smtClean="0">
+                <a:solidFill>
+                  <a:schemeClr val="accent6"/>
+                </a:solidFill>
+                <a:latin typeface="Courier New" panose="02070309020205020404" pitchFamily="49" charset="0"/>
+                <a:cs typeface="Courier New" panose="02070309020205020404" pitchFamily="49" charset="0"/>
+              </a:rPr>
+              <a:t>file</a:t>
+            </a:r>
+            <a:r>
+              <a:rPr lang="en-US" b="1" dirty="0" smtClean="0">
+                <a:latin typeface="Courier New" panose="02070309020205020404" pitchFamily="49" charset="0"/>
+                <a:cs typeface="Courier New" panose="02070309020205020404" pitchFamily="49" charset="0"/>
+              </a:rPr>
+              <a:t>(</a:t>
+            </a:r>
+            <a:r>
+              <a:rPr lang="en-US" b="1" dirty="0" smtClean="0">
+                <a:solidFill>
+                  <a:schemeClr val="accent4"/>
+                </a:solidFill>
+                <a:latin typeface="Courier New" panose="02070309020205020404" pitchFamily="49" charset="0"/>
+                <a:cs typeface="Courier New" panose="02070309020205020404" pitchFamily="49" charset="0"/>
+              </a:rPr>
+              <a:t>name</a:t>
+            </a:r>
+            <a:r>
+              <a:rPr lang="en-US" b="1" dirty="0" smtClean="0">
+                <a:latin typeface="Courier New" panose="02070309020205020404" pitchFamily="49" charset="0"/>
+                <a:cs typeface="Courier New" panose="02070309020205020404" pitchFamily="49" charset="0"/>
+              </a:rPr>
+              <a:t>)</a:t>
+            </a:r>
+          </a:p>
+          <a:p>
+            <a:r>
+              <a:rPr lang="en-US" b="1" dirty="0" smtClean="0">
+                <a:latin typeface="Courier New" panose="02070309020205020404" pitchFamily="49" charset="0"/>
+                <a:cs typeface="Courier New" panose="02070309020205020404" pitchFamily="49" charset="0"/>
+              </a:rPr>
+              <a:t>  </a:t>
+            </a:r>
+            <a:r>
+              <a:rPr lang="en-US" b="1" i="1" dirty="0" smtClean="0">
+                <a:solidFill>
+                  <a:schemeClr val="bg1">
+                    <a:lumMod val="65000"/>
+                  </a:schemeClr>
+                </a:solidFill>
+                <a:latin typeface="Courier New" panose="02070309020205020404" pitchFamily="49" charset="0"/>
+                <a:cs typeface="Courier New" panose="02070309020205020404" pitchFamily="49" charset="0"/>
+              </a:rPr>
+              <a:t># contents of </a:t>
+            </a:r>
+            <a:r>
+              <a:rPr lang="en-US" b="1" i="1" dirty="0" smtClean="0">
+                <a:solidFill>
+                  <a:schemeClr val="bg1">
+                    <a:lumMod val="65000"/>
+                  </a:schemeClr>
+                </a:solidFill>
+                <a:latin typeface="Courier New" panose="02070309020205020404" pitchFamily="49" charset="0"/>
+                <a:cs typeface="Courier New" panose="02070309020205020404" pitchFamily="49" charset="0"/>
+              </a:rPr>
+              <a:t>method</a:t>
+            </a:r>
+          </a:p>
+          <a:p>
+            <a:r>
+              <a:rPr lang="en-US" b="1" i="1" dirty="0">
+                <a:solidFill>
+                  <a:schemeClr val="bg1">
+                    <a:lumMod val="65000"/>
+                  </a:schemeClr>
+                </a:solidFill>
+                <a:latin typeface="Courier New" panose="02070309020205020404" pitchFamily="49" charset="0"/>
+                <a:cs typeface="Courier New" panose="02070309020205020404" pitchFamily="49" charset="0"/>
+              </a:rPr>
+              <a:t> </a:t>
+            </a:r>
+            <a:r>
+              <a:rPr lang="en-US" b="1" i="1" dirty="0" smtClean="0">
+                <a:solidFill>
+                  <a:schemeClr val="bg1">
+                    <a:lumMod val="65000"/>
+                  </a:schemeClr>
+                </a:solidFill>
+                <a:latin typeface="Courier New" panose="02070309020205020404" pitchFamily="49" charset="0"/>
+                <a:cs typeface="Courier New" panose="02070309020205020404" pitchFamily="49" charset="0"/>
+              </a:rPr>
+              <a:t> # last line </a:t>
+            </a:r>
+            <a:r>
+              <a:rPr lang="en-US" b="1" i="1" smtClean="0">
+                <a:solidFill>
+                  <a:schemeClr val="bg1">
+                    <a:lumMod val="65000"/>
+                  </a:schemeClr>
+                </a:solidFill>
+                <a:latin typeface="Courier New" panose="02070309020205020404" pitchFamily="49" charset="0"/>
+                <a:cs typeface="Courier New" panose="02070309020205020404" pitchFamily="49" charset="0"/>
+              </a:rPr>
+              <a:t>automatically returns the value</a:t>
+            </a:r>
+            <a:endParaRPr lang="en-US" b="1" i="1" dirty="0" smtClean="0">
+              <a:solidFill>
+                <a:schemeClr val="bg1">
+                  <a:lumMod val="65000"/>
+                </a:schemeClr>
+              </a:solidFill>
+              <a:latin typeface="Courier New" panose="02070309020205020404" pitchFamily="49" charset="0"/>
+              <a:cs typeface="Courier New" panose="02070309020205020404" pitchFamily="49" charset="0"/>
+            </a:endParaRPr>
+          </a:p>
+          <a:p>
+            <a:r>
+              <a:rPr lang="en-US" b="1" dirty="0" smtClean="0">
+                <a:solidFill>
+                  <a:schemeClr val="tx1"/>
+                </a:solidFill>
+                <a:latin typeface="Courier New" panose="02070309020205020404" pitchFamily="49" charset="0"/>
+                <a:cs typeface="Courier New" panose="02070309020205020404" pitchFamily="49" charset="0"/>
+              </a:rPr>
+              <a:t>end</a:t>
+            </a:r>
+            <a:endParaRPr lang="en-US" dirty="0">
+              <a:solidFill>
+                <a:schemeClr val="tx1"/>
+              </a:solidFill>
+            </a:endParaRPr>
+          </a:p>
+        </p:txBody>
+      </p:sp>
+      <p:sp>
+        <p:nvSpPr>
+          <p:cNvPr id="4" name="TextBox 3"/>
+          <p:cNvSpPr txBox="1"/>
+          <p:nvPr/>
+        </p:nvSpPr>
+        <p:spPr bwMode="white">
+          <a:xfrm>
+            <a:off x="1671638" y="6844553"/>
+            <a:ext cx="12319000" cy="914400"/>
+          </a:xfrm>
+          <a:prstGeom prst="rect">
+            <a:avLst/>
+          </a:prstGeom>
+        </p:spPr>
+        <p:txBody>
+          <a:bodyPr vert="horz" wrap="none" lIns="91440" tIns="91440" rIns="91440" bIns="91440" rtlCol="0">
             <a:normAutofit/>
           </a:bodyPr>
           <a:lstStyle/>
           <a:p>
             <a:r>
-              <a:rPr lang="en-US" dirty="0" smtClean="0"/>
-              <a:t>Refactoring with let to help ease the pain</a:t>
-            </a:r>
-            <a:endParaRPr lang="en-US" dirty="0"/>
-          </a:p>
-        </p:txBody>
-      </p:sp>
-      <p:sp>
-        <p:nvSpPr>
-          <p:cNvPr id="3" name="Content Placeholder 2"/>
-          <p:cNvSpPr>
-            <a:spLocks noGrp="1"/>
-          </p:cNvSpPr>
-          <p:nvPr>
-            <p:ph sz="quarter" idx="10"/>
-          </p:nvPr>
-        </p:nvSpPr>
-        <p:spPr/>
-        <p:txBody>
-          <a:bodyPr>
-            <a:normAutofit/>
-          </a:bodyPr>
-          <a:lstStyle/>
-          <a:p>
-            <a:r>
-              <a:rPr lang="en-US" sz="2600" dirty="0"/>
-              <a:t> </a:t>
-            </a:r>
-            <a:r>
-              <a:rPr lang="en-US" sz="2600" dirty="0" smtClean="0"/>
-              <a:t>   let(:node) do</a:t>
-            </a:r>
-          </a:p>
-          <a:p>
-            <a:r>
-              <a:rPr lang="en-US" sz="2600" dirty="0"/>
-              <a:t> </a:t>
-            </a:r>
-            <a:r>
-              <a:rPr lang="en-US" sz="2600" dirty="0" smtClean="0"/>
-              <a:t>     </a:t>
-            </a:r>
-            <a:r>
-              <a:rPr lang="en-US" sz="2600" dirty="0" err="1" smtClean="0"/>
-              <a:t>chef_run.node</a:t>
-            </a:r>
-            <a:endParaRPr lang="en-US" sz="2600" dirty="0" smtClean="0"/>
-          </a:p>
-          <a:p>
-            <a:r>
-              <a:rPr lang="en-US" sz="2600" dirty="0"/>
-              <a:t> </a:t>
-            </a:r>
-            <a:r>
-              <a:rPr lang="en-US" sz="2600" dirty="0" smtClean="0"/>
-              <a:t>   end</a:t>
-            </a:r>
-          </a:p>
-          <a:p>
-            <a:r>
-              <a:rPr lang="en-US" sz="2600" dirty="0"/>
-              <a:t> </a:t>
-            </a:r>
-            <a:r>
-              <a:rPr lang="en-US" sz="2600" dirty="0" smtClean="0"/>
-              <a:t>   </a:t>
-            </a:r>
-          </a:p>
-          <a:p>
-            <a:r>
-              <a:rPr lang="en-US" sz="2600" dirty="0"/>
-              <a:t> </a:t>
-            </a:r>
-            <a:r>
-              <a:rPr lang="en-US" sz="2600" dirty="0" smtClean="0"/>
-              <a:t>   it </a:t>
-            </a:r>
-            <a:r>
-              <a:rPr lang="en-US" sz="2600" dirty="0"/>
-              <a:t>"apache mirror" do</a:t>
-            </a:r>
-          </a:p>
-          <a:p>
-            <a:r>
-              <a:rPr lang="en-US" sz="2600" dirty="0"/>
-              <a:t>      attribute = </a:t>
-            </a:r>
-            <a:r>
-              <a:rPr lang="en-US" sz="2600" dirty="0" smtClean="0"/>
-              <a:t>node</a:t>
-            </a:r>
-            <a:r>
-              <a:rPr lang="en-US" sz="2600" dirty="0"/>
-              <a:t>['ark']['</a:t>
-            </a:r>
-            <a:r>
-              <a:rPr lang="en-US" sz="2600" dirty="0" err="1"/>
-              <a:t>apache_mirror</a:t>
-            </a:r>
-            <a:r>
-              <a:rPr lang="en-US" sz="2600" dirty="0"/>
-              <a:t>']</a:t>
-            </a:r>
-          </a:p>
-          <a:p>
-            <a:r>
-              <a:rPr lang="en-US" sz="2600" dirty="0"/>
-              <a:t>      expect(attribute).to </a:t>
-            </a:r>
-            <a:r>
-              <a:rPr lang="en-US" sz="2600" dirty="0" err="1"/>
-              <a:t>eq</a:t>
-            </a:r>
-            <a:r>
-              <a:rPr lang="en-US" sz="2600" dirty="0"/>
-              <a:t> "http://</a:t>
-            </a:r>
-            <a:r>
-              <a:rPr lang="en-US" sz="2600" dirty="0" err="1"/>
-              <a:t>apache.mirrors.tds.net</a:t>
-            </a:r>
-            <a:r>
-              <a:rPr lang="en-US" sz="2600" dirty="0"/>
-              <a:t>"</a:t>
-            </a:r>
-          </a:p>
-          <a:p>
-            <a:r>
-              <a:rPr lang="en-US" sz="2600" dirty="0"/>
-              <a:t>    end</a:t>
-            </a:r>
-          </a:p>
-          <a:p>
-            <a:endParaRPr lang="en-US" sz="2600" dirty="0"/>
-          </a:p>
-          <a:p>
-            <a:r>
-              <a:rPr lang="en-US" sz="2600" dirty="0"/>
-              <a:t>    it "prefix root" do</a:t>
-            </a:r>
-          </a:p>
-          <a:p>
-            <a:r>
-              <a:rPr lang="en-US" sz="2600" dirty="0"/>
-              <a:t>      attribute = </a:t>
-            </a:r>
-            <a:r>
-              <a:rPr lang="en-US" sz="2600" dirty="0" smtClean="0"/>
-              <a:t>node</a:t>
-            </a:r>
-            <a:r>
-              <a:rPr lang="en-US" sz="2600" dirty="0"/>
-              <a:t>['ark']['</a:t>
-            </a:r>
-            <a:r>
-              <a:rPr lang="en-US" sz="2600" dirty="0" err="1"/>
-              <a:t>prefix_root</a:t>
-            </a:r>
-            <a:r>
-              <a:rPr lang="en-US" sz="2600" dirty="0"/>
-              <a:t>']</a:t>
-            </a:r>
-          </a:p>
-          <a:p>
-            <a:r>
-              <a:rPr lang="en-US" sz="2600" dirty="0"/>
-              <a:t>      expect(attribute).to </a:t>
-            </a:r>
-            <a:r>
-              <a:rPr lang="en-US" sz="2600" dirty="0" err="1"/>
-              <a:t>eq</a:t>
-            </a:r>
-            <a:r>
-              <a:rPr lang="en-US" sz="2600" dirty="0"/>
-              <a:t> "/</a:t>
-            </a:r>
-            <a:r>
-              <a:rPr lang="en-US" sz="2600" dirty="0" err="1"/>
-              <a:t>usr</a:t>
-            </a:r>
-            <a:r>
-              <a:rPr lang="en-US" sz="2600" dirty="0"/>
-              <a:t>/local"</a:t>
-            </a:r>
-          </a:p>
-          <a:p>
-            <a:r>
-              <a:rPr lang="en-US" sz="2600" dirty="0"/>
-              <a:t>    end</a:t>
-            </a:r>
-          </a:p>
-        </p:txBody>
-      </p:sp>
-      <p:sp>
-        <p:nvSpPr>
-          <p:cNvPr id="5" name="Text Placeholder 4"/>
-          <p:cNvSpPr>
-            <a:spLocks noGrp="1"/>
-          </p:cNvSpPr>
-          <p:nvPr>
-            <p:ph type="body" sz="quarter" idx="12"/>
-          </p:nvPr>
-        </p:nvSpPr>
-        <p:spPr>
-          <a:xfrm>
-            <a:off x="621430" y="1364182"/>
-            <a:ext cx="14925911" cy="1381437"/>
-          </a:xfrm>
-        </p:spPr>
-        <p:txBody>
-          <a:bodyPr/>
-          <a:lstStyle/>
-          <a:p>
-            <a:endParaRPr lang="en-US" dirty="0"/>
-          </a:p>
-        </p:txBody>
-      </p:sp>
-      <p:sp>
-        <p:nvSpPr>
-          <p:cNvPr id="9" name="Text Placeholder 4"/>
-          <p:cNvSpPr>
-            <a:spLocks noGrp="1"/>
-          </p:cNvSpPr>
-          <p:nvPr>
-            <p:ph type="body" sz="quarter" idx="12"/>
-          </p:nvPr>
-        </p:nvSpPr>
-        <p:spPr>
-          <a:xfrm>
-            <a:off x="628650" y="3827990"/>
-            <a:ext cx="14925675" cy="531813"/>
-          </a:xfrm>
-        </p:spPr>
-        <p:txBody>
-          <a:bodyPr/>
-          <a:lstStyle/>
-          <a:p>
-            <a:endParaRPr lang="en-US" dirty="0"/>
-          </a:p>
-        </p:txBody>
-      </p:sp>
-      <p:sp>
-        <p:nvSpPr>
-          <p:cNvPr id="10" name="Text Placeholder 4"/>
-          <p:cNvSpPr>
-            <a:spLocks noGrp="1"/>
-          </p:cNvSpPr>
-          <p:nvPr>
-            <p:ph type="body" sz="quarter" idx="12"/>
-          </p:nvPr>
-        </p:nvSpPr>
-        <p:spPr>
-          <a:xfrm>
-            <a:off x="599622" y="6317189"/>
-            <a:ext cx="14925675" cy="531813"/>
-          </a:xfrm>
-        </p:spPr>
-        <p:txBody>
-          <a:bodyPr/>
-          <a:lstStyle/>
-          <a:p>
-            <a:endParaRPr lang="en-US" dirty="0"/>
+              <a:rPr lang="en-US" sz="3200" dirty="0" smtClean="0"/>
+              <a:t>The method named </a:t>
+            </a:r>
+            <a:r>
+              <a:rPr lang="en-US" sz="3200" dirty="0" smtClean="0">
+                <a:solidFill>
+                  <a:schemeClr val="accent6"/>
+                </a:solidFill>
+              </a:rPr>
+              <a:t>'file' </a:t>
+            </a:r>
+            <a:r>
+              <a:rPr lang="en-US" sz="3200" dirty="0" smtClean="0"/>
+              <a:t>has a single parameter named </a:t>
+            </a:r>
+            <a:r>
+              <a:rPr lang="en-US" sz="3200" dirty="0" smtClean="0">
+                <a:solidFill>
+                  <a:schemeClr val="accent4"/>
+                </a:solidFill>
+              </a:rPr>
+              <a:t>'name'</a:t>
+            </a:r>
+            <a:r>
+              <a:rPr lang="en-US" sz="3200" dirty="0" smtClean="0"/>
+              <a:t>.</a:t>
+            </a:r>
           </a:p>
         </p:txBody>
       </p:sp>
     </p:spTree>
     <p:extLst>
       <p:ext uri="{BB962C8B-B14F-4D97-AF65-F5344CB8AC3E}">
-        <p14:creationId xmlns:p14="http://schemas.microsoft.com/office/powerpoint/2010/main" val="2088290285"/>
+        <p14:creationId xmlns:p14="http://schemas.microsoft.com/office/powerpoint/2010/main" val="2489736711"/>
       </p:ext>
     </p:extLst>
   </p:cSld>
@@ -12373,13 +12263,13 @@
         <p:spPr/>
         <p:txBody>
           <a:bodyPr>
-            <a:normAutofit/>
+            <a:normAutofit fontScale="90000"/>
           </a:bodyPr>
           <a:lstStyle/>
           <a:p>
             <a:r>
               <a:rPr lang="en-US" dirty="0" smtClean="0"/>
-              <a:t>Implementing a Helper Method</a:t>
+              <a:t>Viewing the Repetition of Retrieving Attributes</a:t>
             </a:r>
             <a:endParaRPr lang="en-US" dirty="0"/>
           </a:p>
@@ -12397,291 +12287,147 @@
         </p:nvSpPr>
         <p:spPr/>
         <p:txBody>
-          <a:bodyPr>
-            <a:noAutofit/>
-          </a:bodyPr>
-          <a:lstStyle/>
-          <a:p>
-            <a:r>
-              <a:rPr lang="en-US" sz="2400" dirty="0"/>
-              <a:t> </a:t>
-            </a:r>
-            <a:r>
-              <a:rPr lang="en-US" sz="2400" dirty="0" smtClean="0"/>
-              <a:t>   let(:node) do</a:t>
-            </a:r>
-          </a:p>
-          <a:p>
-            <a:r>
-              <a:rPr lang="en-US" sz="2400" dirty="0"/>
-              <a:t> </a:t>
-            </a:r>
-            <a:r>
-              <a:rPr lang="en-US" sz="2400" dirty="0" smtClean="0"/>
-              <a:t>     </a:t>
-            </a:r>
-            <a:r>
-              <a:rPr lang="en-US" sz="2400" dirty="0" err="1" smtClean="0"/>
-              <a:t>chef_run.node</a:t>
-            </a:r>
-            <a:endParaRPr lang="en-US" sz="2400" dirty="0" smtClean="0"/>
-          </a:p>
-          <a:p>
-            <a:r>
-              <a:rPr lang="en-US" sz="2400" dirty="0"/>
-              <a:t> </a:t>
-            </a:r>
-            <a:r>
-              <a:rPr lang="en-US" sz="2400" dirty="0" smtClean="0"/>
-              <a:t>   end</a:t>
-            </a:r>
-          </a:p>
-          <a:p>
-            <a:endParaRPr lang="en-US" sz="2400" dirty="0" smtClean="0"/>
-          </a:p>
-          <a:p>
-            <a:r>
-              <a:rPr lang="en-US" sz="2400" dirty="0" smtClean="0"/>
-              <a:t>    </a:t>
-            </a:r>
-            <a:r>
-              <a:rPr lang="en-US" sz="2400" dirty="0" err="1" smtClean="0"/>
-              <a:t>def</a:t>
-            </a:r>
-            <a:r>
-              <a:rPr lang="en-US" sz="2400" dirty="0" smtClean="0"/>
-              <a:t> attribute(name)</a:t>
-            </a:r>
-          </a:p>
-          <a:p>
-            <a:r>
-              <a:rPr lang="en-US" sz="2400" dirty="0" smtClean="0"/>
-              <a:t>      node[</a:t>
-            </a:r>
-            <a:r>
-              <a:rPr lang="en-US" sz="2400" dirty="0" err="1" smtClean="0"/>
-              <a:t>described_cookbook</a:t>
-            </a:r>
-            <a:r>
-              <a:rPr lang="en-US" sz="2400" dirty="0" smtClean="0"/>
-              <a:t>][name]</a:t>
-            </a:r>
-          </a:p>
-          <a:p>
-            <a:r>
-              <a:rPr lang="en-US" sz="2400" dirty="0"/>
-              <a:t> </a:t>
-            </a:r>
-            <a:r>
-              <a:rPr lang="en-US" sz="2400" dirty="0" smtClean="0"/>
-              <a:t>   end    </a:t>
-            </a:r>
-          </a:p>
-          <a:p>
-            <a:r>
-              <a:rPr lang="en-US" sz="2400" dirty="0"/>
-              <a:t> </a:t>
-            </a:r>
-            <a:r>
-              <a:rPr lang="en-US" sz="2400" dirty="0" smtClean="0"/>
-              <a:t>   it </a:t>
-            </a:r>
-            <a:r>
-              <a:rPr lang="en-US" sz="2400" dirty="0"/>
-              <a:t>"apache mirror" do</a:t>
-            </a:r>
-          </a:p>
-          <a:p>
-            <a:r>
-              <a:rPr lang="en-US" sz="2400" dirty="0" smtClean="0"/>
-              <a:t>      expect</a:t>
-            </a:r>
-            <a:r>
-              <a:rPr lang="en-US" sz="2400" dirty="0"/>
-              <a:t>(</a:t>
-            </a:r>
-            <a:r>
-              <a:rPr lang="en-US" sz="2400" dirty="0" smtClean="0"/>
-              <a:t>attribute('</a:t>
-            </a:r>
-            <a:r>
-              <a:rPr lang="en-US" sz="2400" dirty="0" err="1" smtClean="0"/>
-              <a:t>apache_mirror</a:t>
-            </a:r>
-            <a:r>
-              <a:rPr lang="en-US" sz="2400" dirty="0" smtClean="0"/>
-              <a:t>')).</a:t>
-            </a:r>
-            <a:r>
-              <a:rPr lang="en-US" sz="2400" dirty="0"/>
-              <a:t>to </a:t>
-            </a:r>
-            <a:r>
-              <a:rPr lang="en-US" sz="2400" dirty="0" err="1"/>
-              <a:t>eq</a:t>
-            </a:r>
-            <a:r>
-              <a:rPr lang="en-US" sz="2400" dirty="0"/>
-              <a:t> "http://</a:t>
-            </a:r>
-            <a:r>
-              <a:rPr lang="en-US" sz="2400" dirty="0" err="1" smtClean="0"/>
-              <a:t>apache.mirr</a:t>
-            </a:r>
-            <a:r>
-              <a:rPr lang="en-US" sz="2400" dirty="0" smtClean="0"/>
-              <a:t>...</a:t>
-            </a:r>
-            <a:r>
-              <a:rPr lang="en-US" sz="2400" dirty="0" err="1" smtClean="0"/>
-              <a:t>.net</a:t>
-            </a:r>
-            <a:r>
-              <a:rPr lang="en-US" sz="2400" dirty="0"/>
-              <a:t>"</a:t>
-            </a:r>
-          </a:p>
-          <a:p>
-            <a:r>
-              <a:rPr lang="en-US" sz="2400" dirty="0"/>
-              <a:t>    end</a:t>
-            </a:r>
-          </a:p>
-          <a:p>
-            <a:endParaRPr lang="en-US" sz="2400" dirty="0"/>
-          </a:p>
-          <a:p>
-            <a:r>
-              <a:rPr lang="en-US" sz="2400" dirty="0"/>
-              <a:t>    it "prefix root" do</a:t>
-            </a:r>
-          </a:p>
-          <a:p>
-            <a:r>
-              <a:rPr lang="en-US" sz="2400" dirty="0" smtClean="0"/>
-              <a:t>      expect</a:t>
-            </a:r>
-            <a:r>
-              <a:rPr lang="en-US" sz="2400" dirty="0"/>
-              <a:t>(</a:t>
-            </a:r>
-            <a:r>
-              <a:rPr lang="en-US" sz="2400" dirty="0" smtClean="0"/>
-              <a:t>attribute('</a:t>
-            </a:r>
-            <a:r>
-              <a:rPr lang="en-US" sz="2400" dirty="0" err="1" smtClean="0"/>
-              <a:t>prefix_root</a:t>
-            </a:r>
-            <a:r>
-              <a:rPr lang="en-US" sz="2400" dirty="0" smtClean="0"/>
-              <a:t>'))</a:t>
-            </a:r>
-            <a:r>
-              <a:rPr lang="en-US" sz="2400" dirty="0"/>
-              <a:t>.to </a:t>
-            </a:r>
-            <a:r>
-              <a:rPr lang="en-US" sz="2400" dirty="0" err="1"/>
-              <a:t>eq</a:t>
-            </a:r>
-            <a:r>
-              <a:rPr lang="en-US" sz="2400" dirty="0"/>
-              <a:t> "/</a:t>
-            </a:r>
-            <a:r>
-              <a:rPr lang="en-US" sz="2400" dirty="0" err="1"/>
-              <a:t>usr</a:t>
-            </a:r>
-            <a:r>
-              <a:rPr lang="en-US" sz="2400" dirty="0"/>
-              <a:t>/local"</a:t>
-            </a:r>
-          </a:p>
-          <a:p>
-            <a:r>
-              <a:rPr lang="en-US" sz="2400" dirty="0"/>
-              <a:t>    end</a:t>
-            </a:r>
-          </a:p>
-        </p:txBody>
-      </p:sp>
-      <p:sp>
-        <p:nvSpPr>
-          <p:cNvPr id="9" name="Text Placeholder 4"/>
-          <p:cNvSpPr>
-            <a:spLocks noGrp="1"/>
-          </p:cNvSpPr>
-          <p:nvPr>
-            <p:ph type="body" sz="quarter" idx="12"/>
-          </p:nvPr>
-        </p:nvSpPr>
-        <p:spPr>
-          <a:xfrm>
-            <a:off x="628650" y="5074606"/>
-            <a:ext cx="14925675" cy="531813"/>
-          </a:xfrm>
-        </p:spPr>
-        <p:txBody>
           <a:bodyPr/>
           <a:lstStyle/>
           <a:p>
+            <a:r>
+              <a:rPr lang="en-US" dirty="0"/>
+              <a:t> </a:t>
+            </a:r>
+            <a:r>
+              <a:rPr lang="en-US" dirty="0" smtClean="0"/>
+              <a:t>   </a:t>
+            </a:r>
+          </a:p>
+          <a:p>
+            <a:r>
+              <a:rPr lang="en-US" dirty="0"/>
+              <a:t> </a:t>
+            </a:r>
+            <a:r>
+              <a:rPr lang="en-US" dirty="0" smtClean="0"/>
+              <a:t>   it </a:t>
+            </a:r>
+            <a:r>
+              <a:rPr lang="en-US" dirty="0"/>
+              <a:t>"apache mirror" do</a:t>
+            </a:r>
+          </a:p>
+          <a:p>
+            <a:r>
+              <a:rPr lang="en-US" dirty="0"/>
+              <a:t>      attribute = </a:t>
+            </a:r>
+            <a:r>
+              <a:rPr lang="en-US" dirty="0" err="1"/>
+              <a:t>chef_run.node</a:t>
+            </a:r>
+            <a:r>
+              <a:rPr lang="en-US" dirty="0"/>
+              <a:t>['ark']['</a:t>
+            </a:r>
+            <a:r>
+              <a:rPr lang="en-US" dirty="0" err="1"/>
+              <a:t>apache_mirror</a:t>
+            </a:r>
+            <a:r>
+              <a:rPr lang="en-US" dirty="0"/>
+              <a:t>']</a:t>
+            </a:r>
+          </a:p>
+          <a:p>
+            <a:r>
+              <a:rPr lang="en-US" dirty="0"/>
+              <a:t>      expect(attribute).to </a:t>
+            </a:r>
+            <a:r>
+              <a:rPr lang="en-US" dirty="0" err="1"/>
+              <a:t>eq</a:t>
+            </a:r>
+            <a:r>
+              <a:rPr lang="en-US" dirty="0"/>
+              <a:t> "http://</a:t>
+            </a:r>
+            <a:r>
+              <a:rPr lang="en-US" dirty="0" err="1"/>
+              <a:t>apache.mirrors.tds.net</a:t>
+            </a:r>
+            <a:r>
+              <a:rPr lang="en-US" dirty="0"/>
+              <a:t>"</a:t>
+            </a:r>
+          </a:p>
+          <a:p>
+            <a:r>
+              <a:rPr lang="en-US" dirty="0"/>
+              <a:t>    end</a:t>
+            </a:r>
+          </a:p>
+          <a:p>
             <a:endParaRPr lang="en-US" dirty="0"/>
           </a:p>
-        </p:txBody>
-      </p:sp>
-      <p:sp>
-        <p:nvSpPr>
-          <p:cNvPr id="10" name="Text Placeholder 4"/>
-          <p:cNvSpPr>
-            <a:spLocks noGrp="1"/>
-          </p:cNvSpPr>
-          <p:nvPr>
-            <p:ph type="body" sz="quarter" idx="12"/>
-          </p:nvPr>
-        </p:nvSpPr>
-        <p:spPr>
-          <a:xfrm>
-            <a:off x="571400" y="6950980"/>
-            <a:ext cx="14925675" cy="531813"/>
-          </a:xfrm>
-        </p:spPr>
-        <p:txBody>
-          <a:bodyPr/>
-          <a:lstStyle/>
-          <a:p>
-            <a:endParaRPr lang="en-US" dirty="0"/>
-          </a:p>
-        </p:txBody>
-      </p:sp>
-      <p:sp>
-        <p:nvSpPr>
-          <p:cNvPr id="11" name="Text Placeholder 4"/>
-          <p:cNvSpPr>
-            <a:spLocks noGrp="1"/>
-          </p:cNvSpPr>
-          <p:nvPr>
-            <p:ph type="body" sz="quarter" idx="12"/>
-          </p:nvPr>
-        </p:nvSpPr>
-        <p:spPr>
-          <a:xfrm>
-            <a:off x="621430" y="3303446"/>
-            <a:ext cx="14925911" cy="1381437"/>
-          </a:xfrm>
-        </p:spPr>
-        <p:txBody>
-          <a:bodyPr/>
-          <a:lstStyle/>
-          <a:p>
-            <a:endParaRPr lang="en-US" dirty="0"/>
+          <a:p>
+            <a:r>
+              <a:rPr lang="en-US" dirty="0"/>
+              <a:t>    it "prefix root" do</a:t>
+            </a:r>
+          </a:p>
+          <a:p>
+            <a:r>
+              <a:rPr lang="en-US" dirty="0"/>
+              <a:t>      attribute = </a:t>
+            </a:r>
+            <a:r>
+              <a:rPr lang="en-US" dirty="0" err="1"/>
+              <a:t>chef_run.node</a:t>
+            </a:r>
+            <a:r>
+              <a:rPr lang="en-US" dirty="0"/>
+              <a:t>['ark']['</a:t>
+            </a:r>
+            <a:r>
+              <a:rPr lang="en-US" dirty="0" err="1"/>
+              <a:t>prefix_root</a:t>
+            </a:r>
+            <a:r>
+              <a:rPr lang="en-US" dirty="0"/>
+              <a:t>']</a:t>
+            </a:r>
+          </a:p>
+          <a:p>
+            <a:r>
+              <a:rPr lang="en-US" dirty="0"/>
+              <a:t>      expect(attribute).to </a:t>
+            </a:r>
+            <a:r>
+              <a:rPr lang="en-US" dirty="0" err="1"/>
+              <a:t>eq</a:t>
+            </a:r>
+            <a:r>
+              <a:rPr lang="en-US" dirty="0"/>
+              <a:t> "/</a:t>
+            </a:r>
+            <a:r>
+              <a:rPr lang="en-US" dirty="0" err="1"/>
+              <a:t>usr</a:t>
+            </a:r>
+            <a:r>
+              <a:rPr lang="en-US" dirty="0"/>
+              <a:t>/local"</a:t>
+            </a:r>
+          </a:p>
+          <a:p>
+            <a:r>
+              <a:rPr lang="en-US" dirty="0"/>
+              <a:t>    end</a:t>
+            </a:r>
           </a:p>
         </p:txBody>
       </p:sp>
     </p:spTree>
     <p:extLst>
       <p:ext uri="{BB962C8B-B14F-4D97-AF65-F5344CB8AC3E}">
-        <p14:creationId xmlns:p14="http://schemas.microsoft.com/office/powerpoint/2010/main" val="185181890"/>
+        <p14:creationId xmlns:p14="http://schemas.microsoft.com/office/powerpoint/2010/main" val="3201303763"/>
       </p:ext>
     </p:extLst>
   </p:cSld>
@@ -12720,71 +12466,6 @@
       </p:grpSpPr>
       <p:sp>
         <p:nvSpPr>
-          <p:cNvPr id="7" name="Rectangle 6"/>
-          <p:cNvSpPr/>
-          <p:nvPr/>
-        </p:nvSpPr>
-        <p:spPr bwMode="auto">
-          <a:xfrm>
-            <a:off x="0" y="4840941"/>
-            <a:ext cx="16256000" cy="3376707"/>
-          </a:xfrm>
-          <a:prstGeom prst="rect">
-            <a:avLst/>
-          </a:prstGeom>
-          <a:solidFill>
-            <a:schemeClr val="tx2">
-              <a:alpha val="50000"/>
-            </a:schemeClr>
-          </a:solidFill>
-          <a:ln>
-            <a:noFill/>
-            <a:headEnd type="none" w="med" len="med"/>
-            <a:tailEnd type="none" w="med" len="med"/>
-          </a:ln>
-          <a:effectLst/>
-        </p:spPr>
-        <p:style>
-          <a:lnRef idx="1">
-            <a:schemeClr val="accent4"/>
-          </a:lnRef>
-          <a:fillRef idx="3">
-            <a:schemeClr val="accent4"/>
-          </a:fillRef>
-          <a:effectRef idx="2">
-            <a:schemeClr val="accent4"/>
-          </a:effectRef>
-          <a:fontRef idx="minor">
-            <a:schemeClr val="lt1"/>
-          </a:fontRef>
-        </p:style>
-        <p:txBody>
-          <a:bodyPr vert="horz" wrap="square" lIns="91436" tIns="45718" rIns="91436" bIns="45718" numCol="1" rtlCol="0" anchor="ctr" anchorCtr="0" compatLnSpc="1">
-            <a:prstTxWarp prst="textNoShape">
-              <a:avLst/>
-            </a:prstTxWarp>
-          </a:bodyPr>
-          <a:lstStyle/>
-          <a:p>
-            <a:pPr algn="ctr" defTabSz="914099"/>
-            <a:endParaRPr lang="en-US" sz="2400" dirty="0" err="1" smtClean="0">
-              <a:gradFill>
-                <a:gsLst>
-                  <a:gs pos="0">
-                    <a:srgbClr val="FFFFFF"/>
-                  </a:gs>
-                  <a:gs pos="100000">
-                    <a:srgbClr val="FFFFFF"/>
-                  </a:gs>
-                </a:gsLst>
-                <a:lin ang="5400000" scaled="0"/>
-              </a:gradFill>
-            </a:endParaRPr>
-          </a:p>
-        </p:txBody>
-      </p:sp>
-      <p:sp>
-        <p:nvSpPr>
           <p:cNvPr id="2" name="Title 1"/>
           <p:cNvSpPr>
             <a:spLocks noGrp="1"/>
@@ -12793,15 +12474,7 @@
             <p:ph type="title"/>
           </p:nvPr>
         </p:nvSpPr>
-        <p:spPr>
-          <a:effectLst>
-            <a:outerShdw blurRad="50800" dist="76200" dir="5400000" algn="t" rotWithShape="0">
-              <a:prstClr val="black">
-                <a:alpha val="40000"/>
-              </a:prstClr>
-            </a:outerShdw>
-          </a:effectLst>
-        </p:spPr>
+        <p:spPr/>
         <p:txBody>
           <a:bodyPr>
             <a:normAutofit/>
@@ -12809,29 +12482,202 @@
           <a:lstStyle/>
           <a:p>
             <a:r>
-              <a:rPr lang="en-US" dirty="0" err="1">
-                <a:latin typeface="Courier New"/>
-                <a:cs typeface="Courier New"/>
-              </a:rPr>
-              <a:t>def</a:t>
-            </a:r>
-            <a:r>
-              <a:rPr lang="en-US" dirty="0">
-                <a:latin typeface="Courier New"/>
-                <a:cs typeface="Courier New"/>
-              </a:rPr>
-              <a:t> method</a:t>
-            </a:r>
-            <a:endParaRPr lang="en-US" dirty="0">
-              <a:latin typeface="Courier New"/>
-              <a:cs typeface="Courier New"/>
-            </a:endParaRPr>
-          </a:p>
-        </p:txBody>
-      </p:sp>
-      <p:sp>
-        <p:nvSpPr>
-          <p:cNvPr id="4" name="Text Placeholder 3"/>
+              <a:rPr lang="en-US" dirty="0" smtClean="0"/>
+              <a:t>Refactoring with let to help ease the pain</a:t>
+            </a:r>
+            <a:endParaRPr lang="en-US" dirty="0"/>
+          </a:p>
+        </p:txBody>
+      </p:sp>
+      <p:sp>
+        <p:nvSpPr>
+          <p:cNvPr id="3" name="Content Placeholder 2"/>
+          <p:cNvSpPr>
+            <a:spLocks noGrp="1"/>
+          </p:cNvSpPr>
+          <p:nvPr>
+            <p:ph sz="quarter" idx="10"/>
+          </p:nvPr>
+        </p:nvSpPr>
+        <p:spPr/>
+        <p:txBody>
+          <a:bodyPr>
+            <a:normAutofit/>
+          </a:bodyPr>
+          <a:lstStyle/>
+          <a:p>
+            <a:r>
+              <a:rPr lang="en-US" sz="2600" dirty="0"/>
+              <a:t> </a:t>
+            </a:r>
+            <a:r>
+              <a:rPr lang="en-US" sz="2600" dirty="0" smtClean="0"/>
+              <a:t>   let(:node) do</a:t>
+            </a:r>
+          </a:p>
+          <a:p>
+            <a:r>
+              <a:rPr lang="en-US" sz="2600" dirty="0"/>
+              <a:t> </a:t>
+            </a:r>
+            <a:r>
+              <a:rPr lang="en-US" sz="2600" dirty="0" smtClean="0"/>
+              <a:t>     </a:t>
+            </a:r>
+            <a:r>
+              <a:rPr lang="en-US" sz="2600" dirty="0" err="1" smtClean="0"/>
+              <a:t>chef_run.node</a:t>
+            </a:r>
+            <a:endParaRPr lang="en-US" sz="2600" dirty="0" smtClean="0"/>
+          </a:p>
+          <a:p>
+            <a:r>
+              <a:rPr lang="en-US" sz="2600" dirty="0"/>
+              <a:t> </a:t>
+            </a:r>
+            <a:r>
+              <a:rPr lang="en-US" sz="2600" dirty="0" smtClean="0"/>
+              <a:t>   end</a:t>
+            </a:r>
+          </a:p>
+          <a:p>
+            <a:r>
+              <a:rPr lang="en-US" sz="2600" dirty="0"/>
+              <a:t> </a:t>
+            </a:r>
+            <a:r>
+              <a:rPr lang="en-US" sz="2600" dirty="0" smtClean="0"/>
+              <a:t>   </a:t>
+            </a:r>
+          </a:p>
+          <a:p>
+            <a:r>
+              <a:rPr lang="en-US" sz="2600" dirty="0"/>
+              <a:t> </a:t>
+            </a:r>
+            <a:r>
+              <a:rPr lang="en-US" sz="2600" dirty="0" smtClean="0"/>
+              <a:t>   it </a:t>
+            </a:r>
+            <a:r>
+              <a:rPr lang="en-US" sz="2600" dirty="0"/>
+              <a:t>"apache mirror" do</a:t>
+            </a:r>
+          </a:p>
+          <a:p>
+            <a:r>
+              <a:rPr lang="en-US" sz="2600" dirty="0"/>
+              <a:t>      attribute = </a:t>
+            </a:r>
+            <a:r>
+              <a:rPr lang="en-US" sz="2600" dirty="0" smtClean="0"/>
+              <a:t>node</a:t>
+            </a:r>
+            <a:r>
+              <a:rPr lang="en-US" sz="2600" dirty="0"/>
+              <a:t>['ark']['</a:t>
+            </a:r>
+            <a:r>
+              <a:rPr lang="en-US" sz="2600" dirty="0" err="1"/>
+              <a:t>apache_mirror</a:t>
+            </a:r>
+            <a:r>
+              <a:rPr lang="en-US" sz="2600" dirty="0"/>
+              <a:t>']</a:t>
+            </a:r>
+          </a:p>
+          <a:p>
+            <a:r>
+              <a:rPr lang="en-US" sz="2600" dirty="0"/>
+              <a:t>      expect(attribute).to </a:t>
+            </a:r>
+            <a:r>
+              <a:rPr lang="en-US" sz="2600" dirty="0" err="1"/>
+              <a:t>eq</a:t>
+            </a:r>
+            <a:r>
+              <a:rPr lang="en-US" sz="2600" dirty="0"/>
+              <a:t> "http://</a:t>
+            </a:r>
+            <a:r>
+              <a:rPr lang="en-US" sz="2600" dirty="0" err="1"/>
+              <a:t>apache.mirrors.tds.net</a:t>
+            </a:r>
+            <a:r>
+              <a:rPr lang="en-US" sz="2600" dirty="0"/>
+              <a:t>"</a:t>
+            </a:r>
+          </a:p>
+          <a:p>
+            <a:r>
+              <a:rPr lang="en-US" sz="2600" dirty="0"/>
+              <a:t>    end</a:t>
+            </a:r>
+          </a:p>
+          <a:p>
+            <a:endParaRPr lang="en-US" sz="2600" dirty="0"/>
+          </a:p>
+          <a:p>
+            <a:r>
+              <a:rPr lang="en-US" sz="2600" dirty="0"/>
+              <a:t>    it "prefix root" do</a:t>
+            </a:r>
+          </a:p>
+          <a:p>
+            <a:r>
+              <a:rPr lang="en-US" sz="2600" dirty="0"/>
+              <a:t>      attribute = </a:t>
+            </a:r>
+            <a:r>
+              <a:rPr lang="en-US" sz="2600" dirty="0" smtClean="0"/>
+              <a:t>node</a:t>
+            </a:r>
+            <a:r>
+              <a:rPr lang="en-US" sz="2600" dirty="0"/>
+              <a:t>['ark']['</a:t>
+            </a:r>
+            <a:r>
+              <a:rPr lang="en-US" sz="2600" dirty="0" err="1"/>
+              <a:t>prefix_root</a:t>
+            </a:r>
+            <a:r>
+              <a:rPr lang="en-US" sz="2600" dirty="0"/>
+              <a:t>']</a:t>
+            </a:r>
+          </a:p>
+          <a:p>
+            <a:r>
+              <a:rPr lang="en-US" sz="2600" dirty="0"/>
+              <a:t>      expect(attribute).to </a:t>
+            </a:r>
+            <a:r>
+              <a:rPr lang="en-US" sz="2600" dirty="0" err="1"/>
+              <a:t>eq</a:t>
+            </a:r>
+            <a:r>
+              <a:rPr lang="en-US" sz="2600" dirty="0"/>
+              <a:t> "/</a:t>
+            </a:r>
+            <a:r>
+              <a:rPr lang="en-US" sz="2600" dirty="0" err="1"/>
+              <a:t>usr</a:t>
+            </a:r>
+            <a:r>
+              <a:rPr lang="en-US" sz="2600" dirty="0"/>
+              <a:t>/local"</a:t>
+            </a:r>
+          </a:p>
+          <a:p>
+            <a:r>
+              <a:rPr lang="en-US" sz="2600" dirty="0"/>
+              <a:t>    end</a:t>
+            </a:r>
+          </a:p>
+        </p:txBody>
+      </p:sp>
+      <p:sp>
+        <p:nvSpPr>
+          <p:cNvPr id="5" name="Text Placeholder 4"/>
           <p:cNvSpPr>
             <a:spLocks noGrp="1"/>
           </p:cNvSpPr>
@@ -12841,91 +12687,70 @@
         </p:nvSpPr>
         <p:spPr>
           <a:xfrm>
-            <a:off x="650040" y="5213473"/>
-            <a:ext cx="6987278" cy="2765115"/>
+            <a:off x="621430" y="1364182"/>
+            <a:ext cx="14925911" cy="1381437"/>
           </a:xfrm>
         </p:spPr>
         <p:txBody>
           <a:bodyPr/>
           <a:lstStyle/>
           <a:p>
-            <a:pPr marL="457200" indent="-457200">
-              <a:buFont typeface="Wingdings" charset="2"/>
-              <a:buChar char="ü"/>
-            </a:pPr>
-            <a:r>
-              <a:rPr lang="en-US" b="1" dirty="0" smtClean="0"/>
-              <a:t>Concepts</a:t>
-            </a:r>
-          </a:p>
-          <a:p>
-            <a:pPr marL="457200" indent="-457200">
-              <a:buFont typeface="Wingdings" charset="2"/>
-              <a:buChar char="ü"/>
-            </a:pPr>
-            <a:r>
-              <a:rPr lang="en-US" b="1" dirty="0" smtClean="0"/>
-              <a:t>Demonstration</a:t>
-            </a:r>
-          </a:p>
-          <a:p>
-            <a:pPr marL="457200" indent="-457200">
-              <a:buFont typeface="Wingdings" charset="2"/>
-              <a:buChar char="ü"/>
-            </a:pPr>
-            <a:r>
-              <a:rPr lang="en-US" b="1" dirty="0" smtClean="0"/>
-              <a:t>Review</a:t>
-            </a:r>
-          </a:p>
-          <a:p>
-            <a:pPr marL="457200" indent="-457200">
-              <a:buFont typeface="Wingdings" charset="2"/>
-              <a:buChar char="q"/>
-            </a:pPr>
-            <a:r>
-              <a:rPr lang="en-US" b="1" dirty="0" smtClean="0"/>
-              <a:t>Exercise</a:t>
-            </a:r>
-          </a:p>
-        </p:txBody>
-      </p:sp>
-      <p:sp>
-        <p:nvSpPr>
-          <p:cNvPr id="3" name="TextBox 2"/>
-          <p:cNvSpPr txBox="1"/>
-          <p:nvPr/>
-        </p:nvSpPr>
-        <p:spPr bwMode="white">
+            <a:endParaRPr lang="en-US" dirty="0"/>
+          </a:p>
+        </p:txBody>
+      </p:sp>
+      <p:sp>
+        <p:nvSpPr>
+          <p:cNvPr id="9" name="Text Placeholder 4"/>
+          <p:cNvSpPr>
+            <a:spLocks noGrp="1"/>
+          </p:cNvSpPr>
+          <p:nvPr>
+            <p:ph type="body" sz="quarter" idx="12"/>
+          </p:nvPr>
+        </p:nvSpPr>
+        <p:spPr>
           <a:xfrm>
-            <a:off x="582706" y="2345765"/>
-            <a:ext cx="6977529" cy="2166470"/>
+            <a:off x="628650" y="3827990"/>
+            <a:ext cx="14925675" cy="531813"/>
           </a:xfrm>
-          <a:prstGeom prst="rect">
-            <a:avLst/>
-          </a:prstGeom>
         </p:spPr>
         <p:txBody>
-          <a:bodyPr vert="horz" wrap="square" lIns="91440" tIns="91440" rIns="91440" bIns="91440" rtlCol="0">
-            <a:normAutofit/>
-          </a:bodyPr>
+          <a:bodyPr/>
           <a:lstStyle/>
           <a:p>
-            <a:r>
-              <a:rPr lang="en-US" sz="3200" dirty="0" smtClean="0">
-                <a:solidFill>
-                  <a:schemeClr val="bg1"/>
-                </a:solidFill>
-              </a:rPr>
-              <a:t>Motivational thing to say</a:t>
-            </a:r>
+            <a:endParaRPr lang="en-US" dirty="0"/>
+          </a:p>
+        </p:txBody>
+      </p:sp>
+      <p:sp>
+        <p:nvSpPr>
+          <p:cNvPr id="10" name="Text Placeholder 4"/>
+          <p:cNvSpPr>
+            <a:spLocks noGrp="1"/>
+          </p:cNvSpPr>
+          <p:nvPr>
+            <p:ph type="body" sz="quarter" idx="12"/>
+          </p:nvPr>
+        </p:nvSpPr>
+        <p:spPr>
+          <a:xfrm>
+            <a:off x="599622" y="6317189"/>
+            <a:ext cx="14925675" cy="531813"/>
+          </a:xfrm>
+        </p:spPr>
+        <p:txBody>
+          <a:bodyPr/>
+          <a:lstStyle/>
+          <a:p>
+            <a:endParaRPr lang="en-US" dirty="0"/>
           </a:p>
         </p:txBody>
       </p:sp>
     </p:spTree>
     <p:extLst>
       <p:ext uri="{BB962C8B-B14F-4D97-AF65-F5344CB8AC3E}">
-        <p14:creationId xmlns:p14="http://schemas.microsoft.com/office/powerpoint/2010/main" val="734062504"/>
+        <p14:creationId xmlns:p14="http://schemas.microsoft.com/office/powerpoint/2010/main" val="2088290285"/>
       </p:ext>
     </p:extLst>
   </p:cSld>
@@ -12974,12 +12799,14 @@
         </p:nvSpPr>
         <p:spPr/>
         <p:txBody>
-          <a:bodyPr/>
+          <a:bodyPr>
+            <a:normAutofit/>
+          </a:bodyPr>
           <a:lstStyle/>
           <a:p>
             <a:r>
               <a:rPr lang="en-US" dirty="0" smtClean="0"/>
-              <a:t>Exercise</a:t>
+              <a:t>Implementing a Helper Method</a:t>
             </a:r>
             <a:endParaRPr lang="en-US" dirty="0"/>
           </a:p>
@@ -12987,7 +12814,228 @@
       </p:sp>
       <p:sp>
         <p:nvSpPr>
-          <p:cNvPr id="4" name="Text Placeholder 3"/>
+          <p:cNvPr id="3" name="Content Placeholder 2"/>
+          <p:cNvSpPr>
+            <a:spLocks noGrp="1"/>
+          </p:cNvSpPr>
+          <p:nvPr>
+            <p:ph sz="quarter" idx="10"/>
+          </p:nvPr>
+        </p:nvSpPr>
+        <p:spPr/>
+        <p:txBody>
+          <a:bodyPr>
+            <a:noAutofit/>
+          </a:bodyPr>
+          <a:lstStyle/>
+          <a:p>
+            <a:r>
+              <a:rPr lang="en-US" sz="2400" dirty="0"/>
+              <a:t> </a:t>
+            </a:r>
+            <a:r>
+              <a:rPr lang="en-US" sz="2400" dirty="0" smtClean="0"/>
+              <a:t>   let(:node) do</a:t>
+            </a:r>
+          </a:p>
+          <a:p>
+            <a:r>
+              <a:rPr lang="en-US" sz="2400" dirty="0"/>
+              <a:t> </a:t>
+            </a:r>
+            <a:r>
+              <a:rPr lang="en-US" sz="2400" dirty="0" smtClean="0"/>
+              <a:t>     </a:t>
+            </a:r>
+            <a:r>
+              <a:rPr lang="en-US" sz="2400" dirty="0" err="1" smtClean="0"/>
+              <a:t>chef_run.node</a:t>
+            </a:r>
+            <a:endParaRPr lang="en-US" sz="2400" dirty="0" smtClean="0"/>
+          </a:p>
+          <a:p>
+            <a:r>
+              <a:rPr lang="en-US" sz="2400" dirty="0"/>
+              <a:t> </a:t>
+            </a:r>
+            <a:r>
+              <a:rPr lang="en-US" sz="2400" dirty="0" smtClean="0"/>
+              <a:t>   end</a:t>
+            </a:r>
+          </a:p>
+          <a:p>
+            <a:endParaRPr lang="en-US" sz="2400" dirty="0" smtClean="0"/>
+          </a:p>
+          <a:p>
+            <a:r>
+              <a:rPr lang="en-US" sz="2400" dirty="0" smtClean="0"/>
+              <a:t>    </a:t>
+            </a:r>
+            <a:r>
+              <a:rPr lang="en-US" sz="2400" dirty="0" err="1" smtClean="0"/>
+              <a:t>def</a:t>
+            </a:r>
+            <a:r>
+              <a:rPr lang="en-US" sz="2400" dirty="0" smtClean="0"/>
+              <a:t> attribute(name)</a:t>
+            </a:r>
+          </a:p>
+          <a:p>
+            <a:r>
+              <a:rPr lang="en-US" sz="2400" dirty="0" smtClean="0"/>
+              <a:t>      node[</a:t>
+            </a:r>
+            <a:r>
+              <a:rPr lang="en-US" sz="2400" dirty="0" err="1" smtClean="0"/>
+              <a:t>described_cookbook</a:t>
+            </a:r>
+            <a:r>
+              <a:rPr lang="en-US" sz="2400" dirty="0" smtClean="0"/>
+              <a:t>][name]</a:t>
+            </a:r>
+          </a:p>
+          <a:p>
+            <a:r>
+              <a:rPr lang="en-US" sz="2400" dirty="0"/>
+              <a:t> </a:t>
+            </a:r>
+            <a:r>
+              <a:rPr lang="en-US" sz="2400" dirty="0" smtClean="0"/>
+              <a:t>   end    </a:t>
+            </a:r>
+          </a:p>
+          <a:p>
+            <a:r>
+              <a:rPr lang="en-US" sz="2400" dirty="0"/>
+              <a:t> </a:t>
+            </a:r>
+            <a:r>
+              <a:rPr lang="en-US" sz="2400" dirty="0" smtClean="0"/>
+              <a:t>   it </a:t>
+            </a:r>
+            <a:r>
+              <a:rPr lang="en-US" sz="2400" dirty="0"/>
+              <a:t>"apache mirror" do</a:t>
+            </a:r>
+          </a:p>
+          <a:p>
+            <a:r>
+              <a:rPr lang="en-US" sz="2400" dirty="0" smtClean="0"/>
+              <a:t>      expect</a:t>
+            </a:r>
+            <a:r>
+              <a:rPr lang="en-US" sz="2400" dirty="0"/>
+              <a:t>(</a:t>
+            </a:r>
+            <a:r>
+              <a:rPr lang="en-US" sz="2400" dirty="0" smtClean="0"/>
+              <a:t>attribute('</a:t>
+            </a:r>
+            <a:r>
+              <a:rPr lang="en-US" sz="2400" dirty="0" err="1" smtClean="0"/>
+              <a:t>apache_mirror</a:t>
+            </a:r>
+            <a:r>
+              <a:rPr lang="en-US" sz="2400" dirty="0" smtClean="0"/>
+              <a:t>')).</a:t>
+            </a:r>
+            <a:r>
+              <a:rPr lang="en-US" sz="2400" dirty="0"/>
+              <a:t>to </a:t>
+            </a:r>
+            <a:r>
+              <a:rPr lang="en-US" sz="2400" dirty="0" err="1"/>
+              <a:t>eq</a:t>
+            </a:r>
+            <a:r>
+              <a:rPr lang="en-US" sz="2400" dirty="0"/>
+              <a:t> "http://</a:t>
+            </a:r>
+            <a:r>
+              <a:rPr lang="en-US" sz="2400" dirty="0" err="1" smtClean="0"/>
+              <a:t>apache.mirr</a:t>
+            </a:r>
+            <a:r>
+              <a:rPr lang="en-US" sz="2400" dirty="0" smtClean="0"/>
+              <a:t>...</a:t>
+            </a:r>
+            <a:r>
+              <a:rPr lang="en-US" sz="2400" dirty="0" err="1" smtClean="0"/>
+              <a:t>.net</a:t>
+            </a:r>
+            <a:r>
+              <a:rPr lang="en-US" sz="2400" dirty="0"/>
+              <a:t>"</a:t>
+            </a:r>
+          </a:p>
+          <a:p>
+            <a:r>
+              <a:rPr lang="en-US" sz="2400" dirty="0"/>
+              <a:t>    end</a:t>
+            </a:r>
+          </a:p>
+          <a:p>
+            <a:endParaRPr lang="en-US" sz="2400" dirty="0"/>
+          </a:p>
+          <a:p>
+            <a:r>
+              <a:rPr lang="en-US" sz="2400" dirty="0"/>
+              <a:t>    it "prefix root" do</a:t>
+            </a:r>
+          </a:p>
+          <a:p>
+            <a:r>
+              <a:rPr lang="en-US" sz="2400" dirty="0" smtClean="0"/>
+              <a:t>      expect</a:t>
+            </a:r>
+            <a:r>
+              <a:rPr lang="en-US" sz="2400" dirty="0"/>
+              <a:t>(</a:t>
+            </a:r>
+            <a:r>
+              <a:rPr lang="en-US" sz="2400" dirty="0" smtClean="0"/>
+              <a:t>attribute('</a:t>
+            </a:r>
+            <a:r>
+              <a:rPr lang="en-US" sz="2400" dirty="0" err="1" smtClean="0"/>
+              <a:t>prefix_root</a:t>
+            </a:r>
+            <a:r>
+              <a:rPr lang="en-US" sz="2400" dirty="0" smtClean="0"/>
+              <a:t>'))</a:t>
+            </a:r>
+            <a:r>
+              <a:rPr lang="en-US" sz="2400" dirty="0"/>
+              <a:t>.to </a:t>
+            </a:r>
+            <a:r>
+              <a:rPr lang="en-US" sz="2400" dirty="0" err="1"/>
+              <a:t>eq</a:t>
+            </a:r>
+            <a:r>
+              <a:rPr lang="en-US" sz="2400" dirty="0"/>
+              <a:t> "/</a:t>
+            </a:r>
+            <a:r>
+              <a:rPr lang="en-US" sz="2400" dirty="0" err="1"/>
+              <a:t>usr</a:t>
+            </a:r>
+            <a:r>
+              <a:rPr lang="en-US" sz="2400" dirty="0"/>
+              <a:t>/local"</a:t>
+            </a:r>
+          </a:p>
+          <a:p>
+            <a:r>
+              <a:rPr lang="en-US" sz="2400" dirty="0"/>
+              <a:t>    end</a:t>
+            </a:r>
+          </a:p>
+        </p:txBody>
+      </p:sp>
+      <p:sp>
+        <p:nvSpPr>
+          <p:cNvPr id="9" name="Text Placeholder 4"/>
           <p:cNvSpPr>
             <a:spLocks noGrp="1"/>
           </p:cNvSpPr>
@@ -12995,261 +13043,72 @@
             <p:ph type="body" sz="quarter" idx="12"/>
           </p:nvPr>
         </p:nvSpPr>
-        <p:spPr/>
-        <p:txBody>
-          <a:bodyPr anchor="ctr"/>
+        <p:spPr>
+          <a:xfrm>
+            <a:off x="628650" y="5074606"/>
+            <a:ext cx="14925675" cy="531813"/>
+          </a:xfrm>
+        </p:spPr>
+        <p:txBody>
+          <a:bodyPr/>
           <a:lstStyle/>
           <a:p>
-            <a:pPr algn="ctr"/>
-            <a:r>
-              <a:rPr lang="en-US" sz="6000" dirty="0" smtClean="0">
-                <a:latin typeface="Apple Chancery" charset="0"/>
-                <a:ea typeface="Apple Chancery" charset="0"/>
-                <a:cs typeface="Apple Chancery" charset="0"/>
-              </a:rPr>
-              <a:t>Refactor. Execute the Tests.</a:t>
-            </a:r>
-          </a:p>
-          <a:p>
-            <a:pPr algn="ctr"/>
-            <a:r>
-              <a:rPr lang="en-US" sz="6000" smtClean="0">
-                <a:latin typeface="Apple Chancery" charset="0"/>
-                <a:ea typeface="Apple Chancery" charset="0"/>
-                <a:cs typeface="Apple Chancery" charset="0"/>
-              </a:rPr>
-              <a:t>Find Success.</a:t>
-            </a:r>
-            <a:endParaRPr lang="en-US" sz="6000" dirty="0">
-              <a:latin typeface="Apple Chancery" charset="0"/>
-              <a:ea typeface="Apple Chancery" charset="0"/>
-              <a:cs typeface="Apple Chancery" charset="0"/>
-            </a:endParaRPr>
-          </a:p>
-        </p:txBody>
-      </p:sp>
-      <p:sp>
-        <p:nvSpPr>
-          <p:cNvPr id="5" name="Oval 4"/>
-          <p:cNvSpPr/>
-          <p:nvPr/>
-        </p:nvSpPr>
-        <p:spPr bwMode="auto">
+            <a:endParaRPr lang="en-US" dirty="0"/>
+          </a:p>
+        </p:txBody>
+      </p:sp>
+      <p:sp>
+        <p:nvSpPr>
+          <p:cNvPr id="10" name="Text Placeholder 4"/>
+          <p:cNvSpPr>
+            <a:spLocks noGrp="1"/>
+          </p:cNvSpPr>
+          <p:nvPr>
+            <p:ph type="body" sz="quarter" idx="12"/>
+          </p:nvPr>
+        </p:nvSpPr>
+        <p:spPr>
           <a:xfrm>
-            <a:off x="7713134" y="1856198"/>
-            <a:ext cx="524933" cy="524933"/>
+            <a:off x="571400" y="6950980"/>
+            <a:ext cx="14925675" cy="531813"/>
           </a:xfrm>
-          <a:prstGeom prst="ellipse">
-            <a:avLst/>
-          </a:prstGeom>
-          <a:solidFill>
-            <a:schemeClr val="accent1"/>
-          </a:solidFill>
-          <a:ln>
-            <a:noFill/>
-            <a:headEnd type="none" w="med" len="med"/>
-            <a:tailEnd type="none" w="med" len="med"/>
-          </a:ln>
-          <a:effectLst/>
         </p:spPr>
-        <p:style>
-          <a:lnRef idx="1">
-            <a:schemeClr val="accent4"/>
-          </a:lnRef>
-          <a:fillRef idx="3">
-            <a:schemeClr val="accent4"/>
-          </a:fillRef>
-          <a:effectRef idx="2">
-            <a:schemeClr val="accent4"/>
-          </a:effectRef>
-          <a:fontRef idx="minor">
-            <a:schemeClr val="lt1"/>
-          </a:fontRef>
-        </p:style>
-        <p:txBody>
-          <a:bodyPr vert="horz" wrap="square" lIns="91436" tIns="45718" rIns="91436" bIns="45718" numCol="1" rtlCol="0" anchor="ctr" anchorCtr="0" compatLnSpc="1">
-            <a:prstTxWarp prst="textNoShape">
-              <a:avLst/>
-            </a:prstTxWarp>
-          </a:bodyPr>
+        <p:txBody>
+          <a:bodyPr/>
           <a:lstStyle/>
           <a:p>
-            <a:pPr algn="ctr" defTabSz="914099"/>
-            <a:endParaRPr lang="en-US" sz="2400" dirty="0" err="1" smtClean="0">
-              <a:gradFill>
-                <a:gsLst>
-                  <a:gs pos="0">
-                    <a:srgbClr val="FFFFFF"/>
-                  </a:gs>
-                  <a:gs pos="100000">
-                    <a:srgbClr val="FFFFFF"/>
-                  </a:gs>
-                </a:gsLst>
-                <a:lin ang="5400000" scaled="0"/>
-              </a:gradFill>
-            </a:endParaRPr>
-          </a:p>
-        </p:txBody>
-      </p:sp>
-      <p:sp>
-        <p:nvSpPr>
-          <p:cNvPr id="10" name="Right Brace 9"/>
-          <p:cNvSpPr/>
-          <p:nvPr/>
+            <a:endParaRPr lang="en-US" dirty="0"/>
+          </a:p>
+        </p:txBody>
+      </p:sp>
+      <p:sp>
+        <p:nvSpPr>
+          <p:cNvPr id="11" name="Text Placeholder 4"/>
+          <p:cNvSpPr>
+            <a:spLocks noGrp="1"/>
+          </p:cNvSpPr>
+          <p:nvPr>
+            <p:ph type="body" sz="quarter" idx="12"/>
+          </p:nvPr>
         </p:nvSpPr>
         <p:spPr>
-          <a:xfrm rot="16200000">
-            <a:off x="7789332" y="924864"/>
-            <a:ext cx="457200" cy="3369734"/>
+          <a:xfrm>
+            <a:off x="621430" y="3303446"/>
+            <a:ext cx="14925911" cy="1381437"/>
           </a:xfrm>
-          <a:prstGeom prst="rightBrace">
-            <a:avLst>
-              <a:gd name="adj1" fmla="val 8333"/>
-              <a:gd name="adj2" fmla="val 48995"/>
-            </a:avLst>
-          </a:prstGeom>
-          <a:ln w="63500">
-            <a:solidFill>
-              <a:schemeClr val="accent1"/>
-            </a:solidFill>
-          </a:ln>
         </p:spPr>
-        <p:style>
-          <a:lnRef idx="3">
-            <a:schemeClr val="accent1"/>
-          </a:lnRef>
-          <a:fillRef idx="0">
-            <a:schemeClr val="accent1"/>
-          </a:fillRef>
-          <a:effectRef idx="2">
-            <a:schemeClr val="accent1"/>
-          </a:effectRef>
-          <a:fontRef idx="minor">
-            <a:schemeClr val="tx1"/>
-          </a:fontRef>
-        </p:style>
-        <p:txBody>
-          <a:bodyPr rtlCol="0" anchor="ctr"/>
+        <p:txBody>
+          <a:bodyPr/>
           <a:lstStyle/>
           <a:p>
-            <a:pPr algn="ctr"/>
-            <a:endParaRPr lang="en-US"/>
-          </a:p>
-        </p:txBody>
-      </p:sp>
-      <p:sp>
-        <p:nvSpPr>
-          <p:cNvPr id="12" name="Right Brace 11"/>
-          <p:cNvSpPr/>
-          <p:nvPr/>
-        </p:nvSpPr>
-        <p:spPr>
-          <a:xfrm rot="5400000">
-            <a:off x="7789332" y="4763443"/>
-            <a:ext cx="457200" cy="3369734"/>
-          </a:xfrm>
-          <a:prstGeom prst="rightBrace">
-            <a:avLst>
-              <a:gd name="adj1" fmla="val 8333"/>
-              <a:gd name="adj2" fmla="val 49830"/>
-            </a:avLst>
-          </a:prstGeom>
-          <a:ln w="63500">
-            <a:solidFill>
-              <a:schemeClr val="accent1"/>
-            </a:solidFill>
-          </a:ln>
-        </p:spPr>
-        <p:style>
-          <a:lnRef idx="3">
-            <a:schemeClr val="accent1"/>
-          </a:lnRef>
-          <a:fillRef idx="0">
-            <a:schemeClr val="accent1"/>
-          </a:fillRef>
-          <a:effectRef idx="2">
-            <a:schemeClr val="accent1"/>
-          </a:effectRef>
-          <a:fontRef idx="minor">
-            <a:schemeClr val="tx1"/>
-          </a:fontRef>
-        </p:style>
-        <p:txBody>
-          <a:bodyPr rtlCol="0" anchor="ctr"/>
-          <a:lstStyle/>
-          <a:p>
-            <a:pPr algn="ctr"/>
-            <a:endParaRPr lang="en-US"/>
-          </a:p>
-        </p:txBody>
-      </p:sp>
-      <p:sp>
-        <p:nvSpPr>
-          <p:cNvPr id="11" name="Oval 10"/>
-          <p:cNvSpPr/>
-          <p:nvPr/>
-        </p:nvSpPr>
-        <p:spPr bwMode="auto">
-          <a:xfrm rot="10800000">
-            <a:off x="7755466" y="6677218"/>
-            <a:ext cx="524933" cy="524933"/>
-          </a:xfrm>
-          <a:prstGeom prst="ellipse">
-            <a:avLst/>
-          </a:prstGeom>
-          <a:solidFill>
-            <a:schemeClr val="accent1"/>
-          </a:solidFill>
-          <a:ln>
-            <a:noFill/>
-            <a:headEnd type="none" w="med" len="med"/>
-            <a:tailEnd type="none" w="med" len="med"/>
-          </a:ln>
-          <a:effectLst/>
-        </p:spPr>
-        <p:style>
-          <a:lnRef idx="1">
-            <a:schemeClr val="accent4"/>
-          </a:lnRef>
-          <a:fillRef idx="3">
-            <a:schemeClr val="accent4"/>
-          </a:fillRef>
-          <a:effectRef idx="2">
-            <a:schemeClr val="accent4"/>
-          </a:effectRef>
-          <a:fontRef idx="minor">
-            <a:schemeClr val="lt1"/>
-          </a:fontRef>
-        </p:style>
-        <p:txBody>
-          <a:bodyPr vert="horz" wrap="square" lIns="91436" tIns="45718" rIns="91436" bIns="45718" numCol="1" rtlCol="0" anchor="ctr" anchorCtr="0" compatLnSpc="1">
-            <a:prstTxWarp prst="textNoShape">
-              <a:avLst/>
-            </a:prstTxWarp>
-          </a:bodyPr>
-          <a:lstStyle/>
-          <a:p>
-            <a:pPr algn="ctr" defTabSz="914099"/>
-            <a:endParaRPr lang="en-US" sz="2400" dirty="0" err="1" smtClean="0">
-              <a:gradFill>
-                <a:gsLst>
-                  <a:gs pos="0">
-                    <a:srgbClr val="FFFFFF"/>
-                  </a:gs>
-                  <a:gs pos="100000">
-                    <a:srgbClr val="FFFFFF"/>
-                  </a:gs>
-                </a:gsLst>
-                <a:lin ang="5400000" scaled="0"/>
-              </a:gradFill>
-            </a:endParaRPr>
+            <a:endParaRPr lang="en-US" dirty="0"/>
           </a:p>
         </p:txBody>
       </p:sp>
     </p:spTree>
     <p:extLst>
       <p:ext uri="{BB962C8B-B14F-4D97-AF65-F5344CB8AC3E}">
-        <p14:creationId xmlns:p14="http://schemas.microsoft.com/office/powerpoint/2010/main" val="691883677"/>
+        <p14:creationId xmlns:p14="http://schemas.microsoft.com/office/powerpoint/2010/main" val="185181890"/>
       </p:ext>
     </p:extLst>
   </p:cSld>
@@ -13390,10 +13249,6 @@
               </a:rPr>
               <a:t> method</a:t>
             </a:r>
-            <a:endParaRPr lang="en-US" dirty="0">
-              <a:latin typeface="Courier New"/>
-              <a:cs typeface="Courier New"/>
-            </a:endParaRPr>
           </a:p>
         </p:txBody>
       </p:sp>
@@ -13449,43 +13304,11 @@
           <a:p>
             <a:pPr marL="457200" indent="-457200">
               <a:buFont typeface="Wingdings" charset="2"/>
-              <a:buChar char="ü"/>
+              <a:buChar char="q"/>
             </a:pPr>
             <a:r>
               <a:rPr lang="en-US" b="1" dirty="0" smtClean="0"/>
               <a:t>Exercise</a:t>
-            </a:r>
-          </a:p>
-        </p:txBody>
-      </p:sp>
-      <p:sp>
-        <p:nvSpPr>
-          <p:cNvPr id="3" name="TextBox 2"/>
-          <p:cNvSpPr txBox="1"/>
-          <p:nvPr/>
-        </p:nvSpPr>
-        <p:spPr bwMode="white">
-          <a:xfrm>
-            <a:off x="582706" y="2345765"/>
-            <a:ext cx="6977529" cy="2166470"/>
-          </a:xfrm>
-          <a:prstGeom prst="rect">
-            <a:avLst/>
-          </a:prstGeom>
-        </p:spPr>
-        <p:txBody>
-          <a:bodyPr vert="horz" wrap="square" lIns="91440" tIns="91440" rIns="91440" bIns="91440" rtlCol="0">
-            <a:normAutofit/>
-          </a:bodyPr>
-          <a:lstStyle/>
-          <a:p>
-            <a:r>
-              <a:rPr lang="en-US" sz="3200" dirty="0" smtClean="0">
-                <a:solidFill>
-                  <a:schemeClr val="bg1"/>
-                </a:solidFill>
-              </a:rPr>
-              <a:t>Motivational thing to say</a:t>
             </a:r>
           </a:p>
         </p:txBody>
@@ -13493,7 +13316,7 @@
     </p:spTree>
     <p:extLst>
       <p:ext uri="{BB962C8B-B14F-4D97-AF65-F5344CB8AC3E}">
-        <p14:creationId xmlns:p14="http://schemas.microsoft.com/office/powerpoint/2010/main" val="1169094400"/>
+        <p14:creationId xmlns:p14="http://schemas.microsoft.com/office/powerpoint/2010/main" val="734062504"/>
       </p:ext>
     </p:extLst>
   </p:cSld>
@@ -13593,11 +13416,6 @@
               </a:rPr>
               <a:t>capture your actions.</a:t>
             </a:r>
-            <a:endParaRPr lang="en-US" sz="7200" dirty="0" smtClean="0">
-              <a:latin typeface="Apple Chancery" charset="0"/>
-              <a:ea typeface="Apple Chancery" charset="0"/>
-              <a:cs typeface="Apple Chancery" charset="0"/>
-            </a:endParaRPr>
           </a:p>
         </p:txBody>
       </p:sp>
@@ -13843,6 +13661,538 @@
 </file>
 
 <file path=ppt/slides/slide20.xml><?xml version="1.0" encoding="utf-8"?>
+<p:sld xmlns:a="http://schemas.openxmlformats.org/drawingml/2006/main" xmlns:r="http://schemas.openxmlformats.org/officeDocument/2006/relationships" xmlns:p="http://schemas.openxmlformats.org/presentationml/2006/main">
+  <p:cSld>
+    <p:spTree>
+      <p:nvGrpSpPr>
+        <p:cNvPr id="1" name=""/>
+        <p:cNvGrpSpPr/>
+        <p:nvPr/>
+      </p:nvGrpSpPr>
+      <p:grpSpPr>
+        <a:xfrm>
+          <a:off x="0" y="0"/>
+          <a:ext cx="0" cy="0"/>
+          <a:chOff x="0" y="0"/>
+          <a:chExt cx="0" cy="0"/>
+        </a:xfrm>
+      </p:grpSpPr>
+      <p:sp>
+        <p:nvSpPr>
+          <p:cNvPr id="2" name="Title 1"/>
+          <p:cNvSpPr>
+            <a:spLocks noGrp="1"/>
+          </p:cNvSpPr>
+          <p:nvPr>
+            <p:ph type="title"/>
+          </p:nvPr>
+        </p:nvSpPr>
+        <p:spPr/>
+        <p:txBody>
+          <a:bodyPr/>
+          <a:lstStyle/>
+          <a:p>
+            <a:r>
+              <a:rPr lang="en-US" dirty="0" smtClean="0"/>
+              <a:t>Exercise</a:t>
+            </a:r>
+            <a:endParaRPr lang="en-US" dirty="0"/>
+          </a:p>
+        </p:txBody>
+      </p:sp>
+      <p:sp>
+        <p:nvSpPr>
+          <p:cNvPr id="4" name="Text Placeholder 3"/>
+          <p:cNvSpPr>
+            <a:spLocks noGrp="1"/>
+          </p:cNvSpPr>
+          <p:nvPr>
+            <p:ph type="body" sz="quarter" idx="12"/>
+          </p:nvPr>
+        </p:nvSpPr>
+        <p:spPr/>
+        <p:txBody>
+          <a:bodyPr anchor="ctr"/>
+          <a:lstStyle/>
+          <a:p>
+            <a:pPr algn="ctr"/>
+            <a:r>
+              <a:rPr lang="en-US" sz="6000" dirty="0" smtClean="0">
+                <a:latin typeface="Apple Chancery" charset="0"/>
+                <a:ea typeface="Apple Chancery" charset="0"/>
+                <a:cs typeface="Apple Chancery" charset="0"/>
+              </a:rPr>
+              <a:t>Refactor. Execute the Tests.</a:t>
+            </a:r>
+          </a:p>
+          <a:p>
+            <a:pPr algn="ctr"/>
+            <a:r>
+              <a:rPr lang="en-US" sz="6000" smtClean="0">
+                <a:latin typeface="Apple Chancery" charset="0"/>
+                <a:ea typeface="Apple Chancery" charset="0"/>
+                <a:cs typeface="Apple Chancery" charset="0"/>
+              </a:rPr>
+              <a:t>Find Success.</a:t>
+            </a:r>
+            <a:endParaRPr lang="en-US" sz="6000" dirty="0">
+              <a:latin typeface="Apple Chancery" charset="0"/>
+              <a:ea typeface="Apple Chancery" charset="0"/>
+              <a:cs typeface="Apple Chancery" charset="0"/>
+            </a:endParaRPr>
+          </a:p>
+        </p:txBody>
+      </p:sp>
+      <p:sp>
+        <p:nvSpPr>
+          <p:cNvPr id="5" name="Oval 4"/>
+          <p:cNvSpPr/>
+          <p:nvPr/>
+        </p:nvSpPr>
+        <p:spPr bwMode="auto">
+          <a:xfrm>
+            <a:off x="7713134" y="1856198"/>
+            <a:ext cx="524933" cy="524933"/>
+          </a:xfrm>
+          <a:prstGeom prst="ellipse">
+            <a:avLst/>
+          </a:prstGeom>
+          <a:solidFill>
+            <a:schemeClr val="accent1"/>
+          </a:solidFill>
+          <a:ln>
+            <a:noFill/>
+            <a:headEnd type="none" w="med" len="med"/>
+            <a:tailEnd type="none" w="med" len="med"/>
+          </a:ln>
+          <a:effectLst/>
+        </p:spPr>
+        <p:style>
+          <a:lnRef idx="1">
+            <a:schemeClr val="accent4"/>
+          </a:lnRef>
+          <a:fillRef idx="3">
+            <a:schemeClr val="accent4"/>
+          </a:fillRef>
+          <a:effectRef idx="2">
+            <a:schemeClr val="accent4"/>
+          </a:effectRef>
+          <a:fontRef idx="minor">
+            <a:schemeClr val="lt1"/>
+          </a:fontRef>
+        </p:style>
+        <p:txBody>
+          <a:bodyPr vert="horz" wrap="square" lIns="91436" tIns="45718" rIns="91436" bIns="45718" numCol="1" rtlCol="0" anchor="ctr" anchorCtr="0" compatLnSpc="1">
+            <a:prstTxWarp prst="textNoShape">
+              <a:avLst/>
+            </a:prstTxWarp>
+          </a:bodyPr>
+          <a:lstStyle/>
+          <a:p>
+            <a:pPr algn="ctr" defTabSz="914099"/>
+            <a:endParaRPr lang="en-US" sz="2400" dirty="0" err="1" smtClean="0">
+              <a:gradFill>
+                <a:gsLst>
+                  <a:gs pos="0">
+                    <a:srgbClr val="FFFFFF"/>
+                  </a:gs>
+                  <a:gs pos="100000">
+                    <a:srgbClr val="FFFFFF"/>
+                  </a:gs>
+                </a:gsLst>
+                <a:lin ang="5400000" scaled="0"/>
+              </a:gradFill>
+            </a:endParaRPr>
+          </a:p>
+        </p:txBody>
+      </p:sp>
+      <p:sp>
+        <p:nvSpPr>
+          <p:cNvPr id="10" name="Right Brace 9"/>
+          <p:cNvSpPr/>
+          <p:nvPr/>
+        </p:nvSpPr>
+        <p:spPr>
+          <a:xfrm rot="16200000">
+            <a:off x="7789332" y="924864"/>
+            <a:ext cx="457200" cy="3369734"/>
+          </a:xfrm>
+          <a:prstGeom prst="rightBrace">
+            <a:avLst>
+              <a:gd name="adj1" fmla="val 8333"/>
+              <a:gd name="adj2" fmla="val 48995"/>
+            </a:avLst>
+          </a:prstGeom>
+          <a:ln w="63500">
+            <a:solidFill>
+              <a:schemeClr val="accent1"/>
+            </a:solidFill>
+          </a:ln>
+        </p:spPr>
+        <p:style>
+          <a:lnRef idx="3">
+            <a:schemeClr val="accent1"/>
+          </a:lnRef>
+          <a:fillRef idx="0">
+            <a:schemeClr val="accent1"/>
+          </a:fillRef>
+          <a:effectRef idx="2">
+            <a:schemeClr val="accent1"/>
+          </a:effectRef>
+          <a:fontRef idx="minor">
+            <a:schemeClr val="tx1"/>
+          </a:fontRef>
+        </p:style>
+        <p:txBody>
+          <a:bodyPr rtlCol="0" anchor="ctr"/>
+          <a:lstStyle/>
+          <a:p>
+            <a:pPr algn="ctr"/>
+            <a:endParaRPr lang="en-US"/>
+          </a:p>
+        </p:txBody>
+      </p:sp>
+      <p:sp>
+        <p:nvSpPr>
+          <p:cNvPr id="12" name="Right Brace 11"/>
+          <p:cNvSpPr/>
+          <p:nvPr/>
+        </p:nvSpPr>
+        <p:spPr>
+          <a:xfrm rot="5400000">
+            <a:off x="7789332" y="4763443"/>
+            <a:ext cx="457200" cy="3369734"/>
+          </a:xfrm>
+          <a:prstGeom prst="rightBrace">
+            <a:avLst>
+              <a:gd name="adj1" fmla="val 8333"/>
+              <a:gd name="adj2" fmla="val 49830"/>
+            </a:avLst>
+          </a:prstGeom>
+          <a:ln w="63500">
+            <a:solidFill>
+              <a:schemeClr val="accent1"/>
+            </a:solidFill>
+          </a:ln>
+        </p:spPr>
+        <p:style>
+          <a:lnRef idx="3">
+            <a:schemeClr val="accent1"/>
+          </a:lnRef>
+          <a:fillRef idx="0">
+            <a:schemeClr val="accent1"/>
+          </a:fillRef>
+          <a:effectRef idx="2">
+            <a:schemeClr val="accent1"/>
+          </a:effectRef>
+          <a:fontRef idx="minor">
+            <a:schemeClr val="tx1"/>
+          </a:fontRef>
+        </p:style>
+        <p:txBody>
+          <a:bodyPr rtlCol="0" anchor="ctr"/>
+          <a:lstStyle/>
+          <a:p>
+            <a:pPr algn="ctr"/>
+            <a:endParaRPr lang="en-US"/>
+          </a:p>
+        </p:txBody>
+      </p:sp>
+      <p:sp>
+        <p:nvSpPr>
+          <p:cNvPr id="11" name="Oval 10"/>
+          <p:cNvSpPr/>
+          <p:nvPr/>
+        </p:nvSpPr>
+        <p:spPr bwMode="auto">
+          <a:xfrm rot="10800000">
+            <a:off x="7755466" y="6677218"/>
+            <a:ext cx="524933" cy="524933"/>
+          </a:xfrm>
+          <a:prstGeom prst="ellipse">
+            <a:avLst/>
+          </a:prstGeom>
+          <a:solidFill>
+            <a:schemeClr val="accent1"/>
+          </a:solidFill>
+          <a:ln>
+            <a:noFill/>
+            <a:headEnd type="none" w="med" len="med"/>
+            <a:tailEnd type="none" w="med" len="med"/>
+          </a:ln>
+          <a:effectLst/>
+        </p:spPr>
+        <p:style>
+          <a:lnRef idx="1">
+            <a:schemeClr val="accent4"/>
+          </a:lnRef>
+          <a:fillRef idx="3">
+            <a:schemeClr val="accent4"/>
+          </a:fillRef>
+          <a:effectRef idx="2">
+            <a:schemeClr val="accent4"/>
+          </a:effectRef>
+          <a:fontRef idx="minor">
+            <a:schemeClr val="lt1"/>
+          </a:fontRef>
+        </p:style>
+        <p:txBody>
+          <a:bodyPr vert="horz" wrap="square" lIns="91436" tIns="45718" rIns="91436" bIns="45718" numCol="1" rtlCol="0" anchor="ctr" anchorCtr="0" compatLnSpc="1">
+            <a:prstTxWarp prst="textNoShape">
+              <a:avLst/>
+            </a:prstTxWarp>
+          </a:bodyPr>
+          <a:lstStyle/>
+          <a:p>
+            <a:pPr algn="ctr" defTabSz="914099"/>
+            <a:endParaRPr lang="en-US" sz="2400" dirty="0" err="1" smtClean="0">
+              <a:gradFill>
+                <a:gsLst>
+                  <a:gs pos="0">
+                    <a:srgbClr val="FFFFFF"/>
+                  </a:gs>
+                  <a:gs pos="100000">
+                    <a:srgbClr val="FFFFFF"/>
+                  </a:gs>
+                </a:gsLst>
+                <a:lin ang="5400000" scaled="0"/>
+              </a:gradFill>
+            </a:endParaRPr>
+          </a:p>
+        </p:txBody>
+      </p:sp>
+    </p:spTree>
+    <p:extLst>
+      <p:ext uri="{BB962C8B-B14F-4D97-AF65-F5344CB8AC3E}">
+        <p14:creationId xmlns:p14="http://schemas.microsoft.com/office/powerpoint/2010/main" val="691883677"/>
+      </p:ext>
+    </p:extLst>
+  </p:cSld>
+  <p:clrMapOvr>
+    <a:masterClrMapping/>
+  </p:clrMapOvr>
+  <p:transition xmlns:p14="http://schemas.microsoft.com/office/powerpoint/2010/main" spd="med">
+    <p:fade/>
+  </p:transition>
+  <p:timing>
+    <p:tnLst>
+      <p:par>
+        <p:cTn xmlns:p14="http://schemas.microsoft.com/office/powerpoint/2010/main" id="1" dur="indefinite" restart="never" nodeType="tmRoot"/>
+      </p:par>
+    </p:tnLst>
+  </p:timing>
+</p:sld>
+</file>
+
+<file path=ppt/slides/slide21.xml><?xml version="1.0" encoding="utf-8"?>
+<p:sld xmlns:a="http://schemas.openxmlformats.org/drawingml/2006/main" xmlns:r="http://schemas.openxmlformats.org/officeDocument/2006/relationships" xmlns:p="http://schemas.openxmlformats.org/presentationml/2006/main">
+  <p:cSld>
+    <p:spTree>
+      <p:nvGrpSpPr>
+        <p:cNvPr id="1" name=""/>
+        <p:cNvGrpSpPr/>
+        <p:nvPr/>
+      </p:nvGrpSpPr>
+      <p:grpSpPr>
+        <a:xfrm>
+          <a:off x="0" y="0"/>
+          <a:ext cx="0" cy="0"/>
+          <a:chOff x="0" y="0"/>
+          <a:chExt cx="0" cy="0"/>
+        </a:xfrm>
+      </p:grpSpPr>
+      <p:sp>
+        <p:nvSpPr>
+          <p:cNvPr id="7" name="Rectangle 6"/>
+          <p:cNvSpPr/>
+          <p:nvPr/>
+        </p:nvSpPr>
+        <p:spPr bwMode="auto">
+          <a:xfrm>
+            <a:off x="0" y="4840941"/>
+            <a:ext cx="16256000" cy="3376707"/>
+          </a:xfrm>
+          <a:prstGeom prst="rect">
+            <a:avLst/>
+          </a:prstGeom>
+          <a:solidFill>
+            <a:schemeClr val="tx2">
+              <a:alpha val="50000"/>
+            </a:schemeClr>
+          </a:solidFill>
+          <a:ln>
+            <a:noFill/>
+            <a:headEnd type="none" w="med" len="med"/>
+            <a:tailEnd type="none" w="med" len="med"/>
+          </a:ln>
+          <a:effectLst/>
+        </p:spPr>
+        <p:style>
+          <a:lnRef idx="1">
+            <a:schemeClr val="accent4"/>
+          </a:lnRef>
+          <a:fillRef idx="3">
+            <a:schemeClr val="accent4"/>
+          </a:fillRef>
+          <a:effectRef idx="2">
+            <a:schemeClr val="accent4"/>
+          </a:effectRef>
+          <a:fontRef idx="minor">
+            <a:schemeClr val="lt1"/>
+          </a:fontRef>
+        </p:style>
+        <p:txBody>
+          <a:bodyPr vert="horz" wrap="square" lIns="91436" tIns="45718" rIns="91436" bIns="45718" numCol="1" rtlCol="0" anchor="ctr" anchorCtr="0" compatLnSpc="1">
+            <a:prstTxWarp prst="textNoShape">
+              <a:avLst/>
+            </a:prstTxWarp>
+          </a:bodyPr>
+          <a:lstStyle/>
+          <a:p>
+            <a:pPr algn="ctr" defTabSz="914099"/>
+            <a:endParaRPr lang="en-US" sz="2400" dirty="0" err="1" smtClean="0">
+              <a:gradFill>
+                <a:gsLst>
+                  <a:gs pos="0">
+                    <a:srgbClr val="FFFFFF"/>
+                  </a:gs>
+                  <a:gs pos="100000">
+                    <a:srgbClr val="FFFFFF"/>
+                  </a:gs>
+                </a:gsLst>
+                <a:lin ang="5400000" scaled="0"/>
+              </a:gradFill>
+            </a:endParaRPr>
+          </a:p>
+        </p:txBody>
+      </p:sp>
+      <p:sp>
+        <p:nvSpPr>
+          <p:cNvPr id="2" name="Title 1"/>
+          <p:cNvSpPr>
+            <a:spLocks noGrp="1"/>
+          </p:cNvSpPr>
+          <p:nvPr>
+            <p:ph type="title"/>
+          </p:nvPr>
+        </p:nvSpPr>
+        <p:spPr>
+          <a:effectLst>
+            <a:outerShdw blurRad="50800" dist="76200" dir="5400000" algn="t" rotWithShape="0">
+              <a:prstClr val="black">
+                <a:alpha val="40000"/>
+              </a:prstClr>
+            </a:outerShdw>
+          </a:effectLst>
+        </p:spPr>
+        <p:txBody>
+          <a:bodyPr>
+            <a:normAutofit/>
+          </a:bodyPr>
+          <a:lstStyle/>
+          <a:p>
+            <a:r>
+              <a:rPr lang="en-US" dirty="0" err="1">
+                <a:latin typeface="Courier New"/>
+                <a:cs typeface="Courier New"/>
+              </a:rPr>
+              <a:t>def</a:t>
+            </a:r>
+            <a:r>
+              <a:rPr lang="en-US" dirty="0">
+                <a:latin typeface="Courier New"/>
+                <a:cs typeface="Courier New"/>
+              </a:rPr>
+              <a:t> method</a:t>
+            </a:r>
+          </a:p>
+        </p:txBody>
+      </p:sp>
+      <p:sp>
+        <p:nvSpPr>
+          <p:cNvPr id="4" name="Text Placeholder 3"/>
+          <p:cNvSpPr>
+            <a:spLocks noGrp="1"/>
+          </p:cNvSpPr>
+          <p:nvPr>
+            <p:ph type="body" sz="quarter" idx="12"/>
+          </p:nvPr>
+        </p:nvSpPr>
+        <p:spPr>
+          <a:xfrm>
+            <a:off x="650040" y="5213473"/>
+            <a:ext cx="6987278" cy="2765115"/>
+          </a:xfrm>
+        </p:spPr>
+        <p:txBody>
+          <a:bodyPr/>
+          <a:lstStyle/>
+          <a:p>
+            <a:pPr marL="457200" indent="-457200">
+              <a:buFont typeface="Wingdings" charset="2"/>
+              <a:buChar char="ü"/>
+            </a:pPr>
+            <a:r>
+              <a:rPr lang="en-US" b="1" dirty="0" smtClean="0"/>
+              <a:t>Concepts</a:t>
+            </a:r>
+          </a:p>
+          <a:p>
+            <a:pPr marL="457200" indent="-457200">
+              <a:buFont typeface="Wingdings" charset="2"/>
+              <a:buChar char="ü"/>
+            </a:pPr>
+            <a:r>
+              <a:rPr lang="en-US" b="1" dirty="0" smtClean="0"/>
+              <a:t>Demonstration</a:t>
+            </a:r>
+          </a:p>
+          <a:p>
+            <a:pPr marL="457200" indent="-457200">
+              <a:buFont typeface="Wingdings" charset="2"/>
+              <a:buChar char="ü"/>
+            </a:pPr>
+            <a:r>
+              <a:rPr lang="en-US" b="1" dirty="0" smtClean="0"/>
+              <a:t>Review</a:t>
+            </a:r>
+          </a:p>
+          <a:p>
+            <a:pPr marL="457200" indent="-457200">
+              <a:buFont typeface="Wingdings" charset="2"/>
+              <a:buChar char="ü"/>
+            </a:pPr>
+            <a:r>
+              <a:rPr lang="en-US" b="1" dirty="0" smtClean="0"/>
+              <a:t>Exercise</a:t>
+            </a:r>
+          </a:p>
+        </p:txBody>
+      </p:sp>
+    </p:spTree>
+    <p:extLst>
+      <p:ext uri="{BB962C8B-B14F-4D97-AF65-F5344CB8AC3E}">
+        <p14:creationId xmlns:p14="http://schemas.microsoft.com/office/powerpoint/2010/main" val="1169094400"/>
+      </p:ext>
+    </p:extLst>
+  </p:cSld>
+  <p:clrMapOvr>
+    <a:masterClrMapping/>
+  </p:clrMapOvr>
+  <p:transition xmlns:p14="http://schemas.microsoft.com/office/powerpoint/2010/main" spd="med">
+    <p:fade/>
+  </p:transition>
+  <p:timing>
+    <p:tnLst>
+      <p:par>
+        <p:cTn xmlns:p14="http://schemas.microsoft.com/office/powerpoint/2010/main" id="1" dur="indefinite" restart="never" nodeType="tmRoot"/>
+      </p:par>
+    </p:tnLst>
+  </p:timing>
+</p:sld>
+</file>
+
+<file path=ppt/slides/slide22.xml><?xml version="1.0" encoding="utf-8"?>
 <p:sld xmlns:a="http://schemas.openxmlformats.org/drawingml/2006/main" xmlns:r="http://schemas.openxmlformats.org/officeDocument/2006/relationships" xmlns:p="http://schemas.openxmlformats.org/presentationml/2006/main">
   <p:cSld>
     <p:spTree>
@@ -14071,38 +14421,6 @@
           </a:p>
         </p:txBody>
       </p:sp>
-      <p:sp>
-        <p:nvSpPr>
-          <p:cNvPr id="3" name="TextBox 2"/>
-          <p:cNvSpPr txBox="1"/>
-          <p:nvPr/>
-        </p:nvSpPr>
-        <p:spPr bwMode="white">
-          <a:xfrm>
-            <a:off x="582706" y="2345765"/>
-            <a:ext cx="6977529" cy="2166470"/>
-          </a:xfrm>
-          <a:prstGeom prst="rect">
-            <a:avLst/>
-          </a:prstGeom>
-        </p:spPr>
-        <p:txBody>
-          <a:bodyPr vert="horz" wrap="square" lIns="91440" tIns="91440" rIns="91440" bIns="91440" rtlCol="0">
-            <a:normAutofit/>
-          </a:bodyPr>
-          <a:lstStyle/>
-          <a:p>
-            <a:r>
-              <a:rPr lang="en-US" sz="3200" dirty="0" smtClean="0">
-                <a:solidFill>
-                  <a:schemeClr val="bg1"/>
-                </a:solidFill>
-              </a:rPr>
-              <a:t>Motivational thing to say</a:t>
-            </a:r>
-          </a:p>
-        </p:txBody>
-      </p:sp>
     </p:spTree>
     <p:extLst>
       <p:ext uri="{BB962C8B-B14F-4D97-AF65-F5344CB8AC3E}">
@@ -14162,7 +14480,7 @@
           <a:p>
             <a:r>
               <a:rPr lang="en-US" sz="6600" dirty="0" smtClean="0"/>
-              <a:t>Prismatic require</a:t>
+              <a:t>require</a:t>
             </a:r>
             <a:endParaRPr lang="en-US" dirty="0"/>
           </a:p>
@@ -14372,204 +14690,246 @@
       </p:grpSpPr>
       <p:sp>
         <p:nvSpPr>
-          <p:cNvPr id="7" name="Rectangle 6"/>
-          <p:cNvSpPr/>
-          <p:nvPr/>
-        </p:nvSpPr>
-        <p:spPr bwMode="auto">
-          <a:xfrm>
-            <a:off x="0" y="4840941"/>
-            <a:ext cx="16256000" cy="3376707"/>
-          </a:xfrm>
-          <a:prstGeom prst="rect">
-            <a:avLst/>
-          </a:prstGeom>
-          <a:solidFill>
-            <a:schemeClr val="tx2">
-              <a:alpha val="50000"/>
-            </a:schemeClr>
-          </a:solidFill>
-          <a:ln>
-            <a:noFill/>
-            <a:headEnd type="none" w="med" len="med"/>
-            <a:tailEnd type="none" w="med" len="med"/>
-          </a:ln>
-          <a:effectLst/>
-        </p:spPr>
-        <p:style>
-          <a:lnRef idx="1">
-            <a:schemeClr val="accent4"/>
-          </a:lnRef>
-          <a:fillRef idx="3">
-            <a:schemeClr val="accent4"/>
-          </a:fillRef>
-          <a:effectRef idx="2">
-            <a:schemeClr val="accent4"/>
-          </a:effectRef>
-          <a:fontRef idx="minor">
-            <a:schemeClr val="lt1"/>
-          </a:fontRef>
-        </p:style>
-        <p:txBody>
-          <a:bodyPr vert="horz" wrap="square" lIns="91436" tIns="45718" rIns="91436" bIns="45718" numCol="1" rtlCol="0" anchor="ctr" anchorCtr="0" compatLnSpc="1">
-            <a:prstTxWarp prst="textNoShape">
-              <a:avLst/>
-            </a:prstTxWarp>
-          </a:bodyPr>
-          <a:lstStyle/>
-          <a:p>
-            <a:pPr algn="ctr" defTabSz="914099"/>
-            <a:endParaRPr lang="en-US" sz="2400" dirty="0" err="1" smtClean="0">
-              <a:gradFill>
-                <a:gsLst>
-                  <a:gs pos="0">
-                    <a:srgbClr val="FFFFFF"/>
-                  </a:gs>
-                  <a:gs pos="100000">
-                    <a:srgbClr val="FFFFFF"/>
-                  </a:gs>
-                </a:gsLst>
-                <a:lin ang="5400000" scaled="0"/>
-              </a:gradFill>
-            </a:endParaRPr>
-          </a:p>
-        </p:txBody>
-      </p:sp>
-      <p:sp>
-        <p:nvSpPr>
           <p:cNvPr id="2" name="Title 1"/>
           <p:cNvSpPr>
             <a:spLocks noGrp="1"/>
           </p:cNvSpPr>
           <p:nvPr>
-            <p:ph type="title"/>
+            <p:ph type="ctrTitle"/>
           </p:nvPr>
         </p:nvSpPr>
-        <p:spPr>
-          <a:effectLst>
-            <a:outerShdw blurRad="50800" dist="76200" dir="5400000" algn="t" rotWithShape="0">
-              <a:prstClr val="black">
-                <a:alpha val="40000"/>
-              </a:prstClr>
-            </a:outerShdw>
-          </a:effectLst>
-        </p:spPr>
+        <p:spPr/>
         <p:txBody>
           <a:bodyPr>
-            <a:normAutofit/>
+            <a:noAutofit/>
           </a:bodyPr>
           <a:lstStyle/>
           <a:p>
             <a:r>
-              <a:rPr lang="en-US" dirty="0" err="1">
-                <a:latin typeface="Courier New"/>
-                <a:cs typeface="Courier New"/>
+              <a:rPr lang="en-US" sz="5400" dirty="0" smtClean="0"/>
+              <a:t>A Ruby Method with One Parameter</a:t>
+            </a:r>
+            <a:endParaRPr lang="en-US" sz="5400" dirty="0"/>
+          </a:p>
+        </p:txBody>
+      </p:sp>
+      <p:sp>
+        <p:nvSpPr>
+          <p:cNvPr id="3" name="Subtitle 2"/>
+          <p:cNvSpPr>
+            <a:spLocks noGrp="1"/>
+          </p:cNvSpPr>
+          <p:nvPr>
+            <p:ph type="subTitle" idx="1"/>
+          </p:nvPr>
+        </p:nvSpPr>
+        <p:spPr/>
+        <p:txBody>
+          <a:bodyPr/>
+          <a:lstStyle/>
+          <a:p>
+            <a:r>
+              <a:rPr lang="en-US" b="1" dirty="0" err="1" smtClean="0">
+                <a:solidFill>
+                  <a:schemeClr val="tx1"/>
+                </a:solidFill>
+                <a:latin typeface="Courier New" panose="02070309020205020404" pitchFamily="49" charset="0"/>
+                <a:cs typeface="Courier New" panose="02070309020205020404" pitchFamily="49" charset="0"/>
               </a:rPr>
               <a:t>def</a:t>
             </a:r>
             <a:r>
-              <a:rPr lang="en-US" dirty="0">
-                <a:latin typeface="Courier New"/>
-                <a:cs typeface="Courier New"/>
+              <a:rPr lang="en-US" b="1" dirty="0" smtClean="0">
+                <a:solidFill>
+                  <a:schemeClr val="tx1"/>
+                </a:solidFill>
+                <a:latin typeface="Courier New" panose="02070309020205020404" pitchFamily="49" charset="0"/>
+                <a:cs typeface="Courier New" panose="02070309020205020404" pitchFamily="49" charset="0"/>
               </a:rPr>
-              <a:t> method</a:t>
+              <a:t> </a:t>
+            </a:r>
+            <a:r>
+              <a:rPr lang="en-US" b="1" dirty="0" smtClean="0">
+                <a:solidFill>
+                  <a:schemeClr val="accent6"/>
+                </a:solidFill>
+                <a:latin typeface="Courier New" panose="02070309020205020404" pitchFamily="49" charset="0"/>
+                <a:cs typeface="Courier New" panose="02070309020205020404" pitchFamily="49" charset="0"/>
+              </a:rPr>
+              <a:t>file</a:t>
+            </a:r>
+            <a:r>
+              <a:rPr lang="en-US" b="1" dirty="0" smtClean="0">
+                <a:latin typeface="Courier New" panose="02070309020205020404" pitchFamily="49" charset="0"/>
+                <a:cs typeface="Courier New" panose="02070309020205020404" pitchFamily="49" charset="0"/>
+              </a:rPr>
+              <a:t>(</a:t>
+            </a:r>
+            <a:r>
+              <a:rPr lang="en-US" b="1" dirty="0" smtClean="0">
+                <a:solidFill>
+                  <a:schemeClr val="accent4"/>
+                </a:solidFill>
+                <a:latin typeface="Courier New" panose="02070309020205020404" pitchFamily="49" charset="0"/>
+                <a:cs typeface="Courier New" panose="02070309020205020404" pitchFamily="49" charset="0"/>
+              </a:rPr>
+              <a:t>name</a:t>
+            </a:r>
+            <a:r>
+              <a:rPr lang="en-US" b="1" dirty="0" smtClean="0">
+                <a:latin typeface="Courier New" panose="02070309020205020404" pitchFamily="49" charset="0"/>
+                <a:cs typeface="Courier New" panose="02070309020205020404" pitchFamily="49" charset="0"/>
+              </a:rPr>
+              <a:t>)</a:t>
+            </a:r>
+          </a:p>
+          <a:p>
+            <a:r>
+              <a:rPr lang="en-US" b="1" dirty="0" smtClean="0">
+                <a:latin typeface="Courier New" panose="02070309020205020404" pitchFamily="49" charset="0"/>
+                <a:cs typeface="Courier New" panose="02070309020205020404" pitchFamily="49" charset="0"/>
+              </a:rPr>
+              <a:t>  </a:t>
+            </a:r>
+            <a:r>
+              <a:rPr lang="en-US" b="1" i="1" dirty="0" smtClean="0">
+                <a:solidFill>
+                  <a:schemeClr val="bg1">
+                    <a:lumMod val="65000"/>
+                  </a:schemeClr>
+                </a:solidFill>
+                <a:latin typeface="Courier New" panose="02070309020205020404" pitchFamily="49" charset="0"/>
+                <a:cs typeface="Courier New" panose="02070309020205020404" pitchFamily="49" charset="0"/>
+              </a:rPr>
+              <a:t># contents of </a:t>
+            </a:r>
+            <a:r>
+              <a:rPr lang="en-US" b="1" i="1" dirty="0" smtClean="0">
+                <a:solidFill>
+                  <a:schemeClr val="bg1">
+                    <a:lumMod val="65000"/>
+                  </a:schemeClr>
+                </a:solidFill>
+                <a:latin typeface="Courier New" panose="02070309020205020404" pitchFamily="49" charset="0"/>
+                <a:cs typeface="Courier New" panose="02070309020205020404" pitchFamily="49" charset="0"/>
+              </a:rPr>
+              <a:t>method</a:t>
+            </a:r>
+          </a:p>
+          <a:p>
+            <a:r>
+              <a:rPr lang="en-US" b="1" i="1" dirty="0">
+                <a:solidFill>
+                  <a:schemeClr val="bg1">
+                    <a:lumMod val="65000"/>
+                  </a:schemeClr>
+                </a:solidFill>
+                <a:latin typeface="Courier New" panose="02070309020205020404" pitchFamily="49" charset="0"/>
+                <a:cs typeface="Courier New" panose="02070309020205020404" pitchFamily="49" charset="0"/>
+              </a:rPr>
+              <a:t> </a:t>
+            </a:r>
+            <a:r>
+              <a:rPr lang="en-US" b="1" i="1" dirty="0" smtClean="0">
+                <a:solidFill>
+                  <a:schemeClr val="bg1">
+                    <a:lumMod val="65000"/>
+                  </a:schemeClr>
+                </a:solidFill>
+                <a:latin typeface="Courier New" panose="02070309020205020404" pitchFamily="49" charset="0"/>
+                <a:cs typeface="Courier New" panose="02070309020205020404" pitchFamily="49" charset="0"/>
+              </a:rPr>
+              <a:t> # last line </a:t>
+            </a:r>
+            <a:r>
+              <a:rPr lang="en-US" b="1" i="1" smtClean="0">
+                <a:solidFill>
+                  <a:schemeClr val="bg1">
+                    <a:lumMod val="65000"/>
+                  </a:schemeClr>
+                </a:solidFill>
+                <a:latin typeface="Courier New" panose="02070309020205020404" pitchFamily="49" charset="0"/>
+                <a:cs typeface="Courier New" panose="02070309020205020404" pitchFamily="49" charset="0"/>
+              </a:rPr>
+              <a:t>automatically returns the value</a:t>
+            </a:r>
+            <a:endParaRPr lang="en-US" b="1" i="1" dirty="0" smtClean="0">
+              <a:solidFill>
+                <a:schemeClr val="bg1">
+                  <a:lumMod val="65000"/>
+                </a:schemeClr>
+              </a:solidFill>
+              <a:latin typeface="Courier New" panose="02070309020205020404" pitchFamily="49" charset="0"/>
+              <a:cs typeface="Courier New" panose="02070309020205020404" pitchFamily="49" charset="0"/>
+            </a:endParaRPr>
+          </a:p>
+          <a:p>
+            <a:r>
+              <a:rPr lang="en-US" b="1" dirty="0" smtClean="0">
+                <a:solidFill>
+                  <a:schemeClr val="tx1"/>
+                </a:solidFill>
+                <a:latin typeface="Courier New" panose="02070309020205020404" pitchFamily="49" charset="0"/>
+                <a:cs typeface="Courier New" panose="02070309020205020404" pitchFamily="49" charset="0"/>
+              </a:rPr>
+              <a:t>end</a:t>
             </a:r>
             <a:endParaRPr lang="en-US" dirty="0">
-              <a:latin typeface="Courier New"/>
-              <a:cs typeface="Courier New"/>
+              <a:solidFill>
+                <a:schemeClr val="tx1"/>
+              </a:solidFill>
             </a:endParaRPr>
           </a:p>
         </p:txBody>
       </p:sp>
       <p:sp>
         <p:nvSpPr>
-          <p:cNvPr id="4" name="Text Placeholder 3"/>
-          <p:cNvSpPr>
-            <a:spLocks noGrp="1"/>
-          </p:cNvSpPr>
-          <p:nvPr>
-            <p:ph type="body" sz="quarter" idx="12"/>
-          </p:nvPr>
-        </p:nvSpPr>
-        <p:spPr>
-          <a:xfrm>
-            <a:off x="650040" y="5213473"/>
-            <a:ext cx="6987278" cy="2765115"/>
-          </a:xfrm>
-        </p:spPr>
-        <p:txBody>
-          <a:bodyPr/>
-          <a:lstStyle/>
-          <a:p>
-            <a:pPr marL="457200" indent="-457200">
-              <a:buFont typeface="Wingdings" charset="2"/>
-              <a:buChar char="ü"/>
-            </a:pPr>
-            <a:r>
-              <a:rPr lang="en-US" b="1" dirty="0" smtClean="0"/>
-              <a:t>Concepts</a:t>
-            </a:r>
-          </a:p>
-          <a:p>
-            <a:pPr marL="457200" indent="-457200">
-              <a:buFont typeface="Wingdings" charset="2"/>
-              <a:buChar char="q"/>
-            </a:pPr>
-            <a:r>
-              <a:rPr lang="en-US" b="1" dirty="0" smtClean="0"/>
-              <a:t>Demonstration</a:t>
-            </a:r>
-          </a:p>
-          <a:p>
-            <a:pPr marL="457200" indent="-457200">
-              <a:buFont typeface="Wingdings" charset="2"/>
-              <a:buChar char="q"/>
-            </a:pPr>
-            <a:r>
-              <a:rPr lang="en-US" b="1" dirty="0" smtClean="0"/>
-              <a:t>Review</a:t>
-            </a:r>
-          </a:p>
-          <a:p>
-            <a:pPr marL="457200" indent="-457200">
-              <a:buFont typeface="Wingdings" charset="2"/>
-              <a:buChar char="q"/>
-            </a:pPr>
-            <a:r>
-              <a:rPr lang="en-US" b="1" dirty="0" smtClean="0"/>
-              <a:t>Exercise</a:t>
-            </a:r>
-          </a:p>
-        </p:txBody>
-      </p:sp>
-      <p:sp>
-        <p:nvSpPr>
-          <p:cNvPr id="3" name="TextBox 2"/>
+          <p:cNvPr id="4" name="TextBox 3"/>
           <p:cNvSpPr txBox="1"/>
           <p:nvPr/>
         </p:nvSpPr>
         <p:spPr bwMode="white">
           <a:xfrm>
-            <a:off x="582706" y="2345765"/>
-            <a:ext cx="6977529" cy="2166470"/>
+            <a:off x="1671638" y="6844553"/>
+            <a:ext cx="12319000" cy="914400"/>
           </a:xfrm>
           <a:prstGeom prst="rect">
             <a:avLst/>
           </a:prstGeom>
         </p:spPr>
         <p:txBody>
-          <a:bodyPr vert="horz" wrap="square" lIns="91440" tIns="91440" rIns="91440" bIns="91440" rtlCol="0">
+          <a:bodyPr vert="horz" wrap="none" lIns="91440" tIns="91440" rIns="91440" bIns="91440" rtlCol="0">
             <a:normAutofit/>
           </a:bodyPr>
           <a:lstStyle/>
           <a:p>
             <a:r>
+              <a:rPr lang="en-US" sz="3200" dirty="0" smtClean="0"/>
+              <a:t>The method named </a:t>
+            </a:r>
+            <a:r>
               <a:rPr lang="en-US" sz="3200" dirty="0" smtClean="0">
                 <a:solidFill>
-                  <a:schemeClr val="bg1"/>
+                  <a:schemeClr val="accent6"/>
                 </a:solidFill>
               </a:rPr>
-              <a:t>Motivational thing to say</a:t>
+              <a:t>'file' </a:t>
+            </a:r>
+            <a:r>
+              <a:rPr lang="en-US" sz="3200" dirty="0" smtClean="0"/>
+              <a:t>has a single parameter named </a:t>
+            </a:r>
+            <a:r>
+              <a:rPr lang="en-US" sz="3200" dirty="0" smtClean="0">
+                <a:solidFill>
+                  <a:schemeClr val="accent4"/>
+                </a:solidFill>
+              </a:rPr>
+              <a:t>'name'</a:t>
+            </a:r>
+            <a:r>
+              <a:rPr lang="en-US" sz="3200" dirty="0" smtClean="0"/>
+              <a:t>.</a:t>
             </a:r>
           </a:p>
         </p:txBody>
@@ -14577,7 +14937,7 @@
     </p:spTree>
     <p:extLst>
       <p:ext uri="{BB962C8B-B14F-4D97-AF65-F5344CB8AC3E}">
-        <p14:creationId xmlns:p14="http://schemas.microsoft.com/office/powerpoint/2010/main" val="328462156"/>
+        <p14:creationId xmlns:p14="http://schemas.microsoft.com/office/powerpoint/2010/main" val="353344438"/>
       </p:ext>
     </p:extLst>
   </p:cSld>
@@ -14616,140 +14976,176 @@
       </p:grpSpPr>
       <p:sp>
         <p:nvSpPr>
+          <p:cNvPr id="7" name="Rectangle 6"/>
+          <p:cNvSpPr/>
+          <p:nvPr/>
+        </p:nvSpPr>
+        <p:spPr bwMode="auto">
+          <a:xfrm>
+            <a:off x="0" y="4840941"/>
+            <a:ext cx="16256000" cy="3376707"/>
+          </a:xfrm>
+          <a:prstGeom prst="rect">
+            <a:avLst/>
+          </a:prstGeom>
+          <a:solidFill>
+            <a:schemeClr val="tx2">
+              <a:alpha val="50000"/>
+            </a:schemeClr>
+          </a:solidFill>
+          <a:ln>
+            <a:noFill/>
+            <a:headEnd type="none" w="med" len="med"/>
+            <a:tailEnd type="none" w="med" len="med"/>
+          </a:ln>
+          <a:effectLst/>
+        </p:spPr>
+        <p:style>
+          <a:lnRef idx="1">
+            <a:schemeClr val="accent4"/>
+          </a:lnRef>
+          <a:fillRef idx="3">
+            <a:schemeClr val="accent4"/>
+          </a:fillRef>
+          <a:effectRef idx="2">
+            <a:schemeClr val="accent4"/>
+          </a:effectRef>
+          <a:fontRef idx="minor">
+            <a:schemeClr val="lt1"/>
+          </a:fontRef>
+        </p:style>
+        <p:txBody>
+          <a:bodyPr vert="horz" wrap="square" lIns="91436" tIns="45718" rIns="91436" bIns="45718" numCol="1" rtlCol="0" anchor="ctr" anchorCtr="0" compatLnSpc="1">
+            <a:prstTxWarp prst="textNoShape">
+              <a:avLst/>
+            </a:prstTxWarp>
+          </a:bodyPr>
+          <a:lstStyle/>
+          <a:p>
+            <a:pPr algn="ctr" defTabSz="914099"/>
+            <a:endParaRPr lang="en-US" sz="2400" dirty="0" err="1" smtClean="0">
+              <a:gradFill>
+                <a:gsLst>
+                  <a:gs pos="0">
+                    <a:srgbClr val="FFFFFF"/>
+                  </a:gs>
+                  <a:gs pos="100000">
+                    <a:srgbClr val="FFFFFF"/>
+                  </a:gs>
+                </a:gsLst>
+                <a:lin ang="5400000" scaled="0"/>
+              </a:gradFill>
+            </a:endParaRPr>
+          </a:p>
+        </p:txBody>
+      </p:sp>
+      <p:sp>
+        <p:nvSpPr>
           <p:cNvPr id="2" name="Title 1"/>
           <p:cNvSpPr>
             <a:spLocks noGrp="1"/>
           </p:cNvSpPr>
           <p:nvPr>
-            <p:ph type="ctrTitle"/>
+            <p:ph type="title"/>
           </p:nvPr>
         </p:nvSpPr>
-        <p:spPr/>
+        <p:spPr>
+          <a:effectLst>
+            <a:outerShdw blurRad="50800" dist="76200" dir="5400000" algn="t" rotWithShape="0">
+              <a:prstClr val="black">
+                <a:alpha val="40000"/>
+              </a:prstClr>
+            </a:outerShdw>
+          </a:effectLst>
+        </p:spPr>
         <p:txBody>
           <a:bodyPr>
-            <a:normAutofit fontScale="90000"/>
+            <a:normAutofit/>
           </a:bodyPr>
           <a:lstStyle/>
           <a:p>
             <a:r>
-              <a:rPr lang="en-US" dirty="0" smtClean="0"/>
-              <a:t>Live Demonstration</a:t>
-            </a:r>
-            <a:endParaRPr lang="en-US" dirty="0"/>
-          </a:p>
-        </p:txBody>
-      </p:sp>
-      <p:sp>
-        <p:nvSpPr>
-          <p:cNvPr id="4" name="Subtitle 3"/>
+              <a:rPr lang="en-US" dirty="0" err="1">
+                <a:latin typeface="Courier New"/>
+                <a:cs typeface="Courier New"/>
+              </a:rPr>
+              <a:t>def</a:t>
+            </a:r>
+            <a:r>
+              <a:rPr lang="en-US" dirty="0">
+                <a:latin typeface="Courier New"/>
+                <a:cs typeface="Courier New"/>
+              </a:rPr>
+              <a:t> method</a:t>
+            </a:r>
+          </a:p>
+        </p:txBody>
+      </p:sp>
+      <p:sp>
+        <p:nvSpPr>
+          <p:cNvPr id="4" name="Text Placeholder 3"/>
           <p:cNvSpPr>
             <a:spLocks noGrp="1"/>
           </p:cNvSpPr>
           <p:nvPr>
-            <p:ph type="subTitle" idx="1"/>
+            <p:ph type="body" sz="quarter" idx="12"/>
           </p:nvPr>
         </p:nvSpPr>
-        <p:spPr/>
-        <p:txBody>
-          <a:bodyPr anchor="ctr"/>
+        <p:spPr>
+          <a:xfrm>
+            <a:off x="650040" y="5213473"/>
+            <a:ext cx="6987278" cy="2765115"/>
+          </a:xfrm>
+        </p:spPr>
+        <p:txBody>
+          <a:bodyPr/>
           <a:lstStyle/>
           <a:p>
-            <a:pPr algn="ctr"/>
-            <a:r>
-              <a:rPr lang="en-US" sz="4000" b="1" dirty="0" smtClean="0">
-                <a:latin typeface="Inconsolata"/>
-                <a:cs typeface="Inconsolata"/>
-                <a:hlinkClick r:id="rId2"/>
-              </a:rPr>
-              <a:t>https://</a:t>
-            </a:r>
-            <a:r>
-              <a:rPr lang="en-US" sz="4000" b="1" dirty="0" err="1" smtClean="0">
-                <a:latin typeface="Inconsolata"/>
-                <a:cs typeface="Inconsolata"/>
-                <a:hlinkClick r:id="rId2"/>
-              </a:rPr>
-              <a:t>goo.gl</a:t>
-            </a:r>
-            <a:r>
-              <a:rPr lang="en-US" sz="4000" b="1" dirty="0" smtClean="0">
-                <a:latin typeface="Inconsolata"/>
-                <a:cs typeface="Inconsolata"/>
-                <a:hlinkClick r:id="rId2"/>
-              </a:rPr>
-              <a:t>/</a:t>
-            </a:r>
-            <a:r>
-              <a:rPr lang="en-US" sz="4000" b="1" dirty="0" err="1" smtClean="0">
-                <a:latin typeface="Inconsolata"/>
-                <a:cs typeface="Inconsolata"/>
-                <a:hlinkClick r:id="rId2"/>
-              </a:rPr>
-              <a:t>Esxebk</a:t>
-            </a:r>
-            <a:endParaRPr lang="en-US" sz="4000" b="1" dirty="0" smtClean="0">
-              <a:latin typeface="Inconsolata"/>
-              <a:cs typeface="Inconsolata"/>
-            </a:endParaRPr>
-          </a:p>
-          <a:p>
-            <a:pPr algn="ctr"/>
-            <a:endParaRPr lang="en-US" sz="4000" b="1" dirty="0">
-              <a:latin typeface="Inconsolata"/>
-              <a:cs typeface="Inconsolata"/>
-            </a:endParaRPr>
-          </a:p>
-          <a:p>
-            <a:pPr algn="ctr"/>
-            <a:r>
-              <a:rPr lang="en-US" sz="4000" b="1" dirty="0" smtClean="0">
-                <a:latin typeface="Inconsolata"/>
-                <a:cs typeface="Inconsolata"/>
-                <a:hlinkClick r:id="rId3"/>
-              </a:rPr>
-              <a:t>https</a:t>
-            </a:r>
-            <a:r>
-              <a:rPr lang="en-US" sz="4000" b="1" dirty="0">
-                <a:latin typeface="Inconsolata"/>
-                <a:cs typeface="Inconsolata"/>
-                <a:hlinkClick r:id="rId3"/>
-              </a:rPr>
-              <a:t>://goo.gl/</a:t>
-            </a:r>
-            <a:r>
-              <a:rPr lang="en-US" sz="4000" b="1" dirty="0" smtClean="0">
-                <a:latin typeface="Inconsolata"/>
-                <a:cs typeface="Inconsolata"/>
-                <a:hlinkClick r:id="rId3"/>
-              </a:rPr>
-              <a:t>9mRNlD</a:t>
-            </a:r>
-            <a:endParaRPr lang="en-US" sz="4000" b="1" dirty="0" smtClean="0">
-              <a:latin typeface="Inconsolata"/>
-              <a:cs typeface="Inconsolata"/>
-            </a:endParaRPr>
-          </a:p>
-          <a:p>
-            <a:pPr algn="ctr"/>
-            <a:r>
-              <a:rPr lang="en-US" sz="4000" b="1" dirty="0" smtClean="0">
-                <a:latin typeface="Inconsolata"/>
-                <a:cs typeface="Inconsolata"/>
-              </a:rPr>
-              <a:t>(lowercase L)</a:t>
-            </a:r>
-            <a:endParaRPr lang="en-US" sz="4000" b="1" dirty="0">
-              <a:latin typeface="Inconsolata"/>
-              <a:cs typeface="Inconsolata"/>
-            </a:endParaRPr>
+            <a:pPr marL="457200" indent="-457200">
+              <a:buFont typeface="Wingdings" charset="2"/>
+              <a:buChar char="ü"/>
+            </a:pPr>
+            <a:r>
+              <a:rPr lang="en-US" b="1" dirty="0" smtClean="0"/>
+              <a:t>Concepts</a:t>
+            </a:r>
+          </a:p>
+          <a:p>
+            <a:pPr marL="457200" indent="-457200">
+              <a:buFont typeface="Wingdings" charset="2"/>
+              <a:buChar char="q"/>
+            </a:pPr>
+            <a:r>
+              <a:rPr lang="en-US" b="1" dirty="0" smtClean="0"/>
+              <a:t>Demonstration</a:t>
+            </a:r>
+          </a:p>
+          <a:p>
+            <a:pPr marL="457200" indent="-457200">
+              <a:buFont typeface="Wingdings" charset="2"/>
+              <a:buChar char="q"/>
+            </a:pPr>
+            <a:r>
+              <a:rPr lang="en-US" b="1" dirty="0" smtClean="0"/>
+              <a:t>Review</a:t>
+            </a:r>
+          </a:p>
+          <a:p>
+            <a:pPr marL="457200" indent="-457200">
+              <a:buFont typeface="Wingdings" charset="2"/>
+              <a:buChar char="q"/>
+            </a:pPr>
+            <a:r>
+              <a:rPr lang="en-US" b="1" dirty="0" smtClean="0"/>
+              <a:t>Exercise</a:t>
+            </a:r>
           </a:p>
         </p:txBody>
       </p:sp>
     </p:spTree>
     <p:extLst>
       <p:ext uri="{BB962C8B-B14F-4D97-AF65-F5344CB8AC3E}">
-        <p14:creationId xmlns:p14="http://schemas.microsoft.com/office/powerpoint/2010/main" val="2080833376"/>
+        <p14:creationId xmlns:p14="http://schemas.microsoft.com/office/powerpoint/2010/main" val="328462156"/>
       </p:ext>
     </p:extLst>
   </p:cSld>
@@ -14788,212 +15184,94 @@
       </p:grpSpPr>
       <p:sp>
         <p:nvSpPr>
-          <p:cNvPr id="7" name="Rectangle 6"/>
-          <p:cNvSpPr/>
-          <p:nvPr/>
-        </p:nvSpPr>
-        <p:spPr bwMode="auto">
-          <a:xfrm>
-            <a:off x="0" y="4840941"/>
-            <a:ext cx="16256000" cy="3376707"/>
-          </a:xfrm>
-          <a:prstGeom prst="rect">
-            <a:avLst/>
-          </a:prstGeom>
-          <a:solidFill>
-            <a:schemeClr val="tx2">
-              <a:alpha val="50000"/>
-            </a:schemeClr>
-          </a:solidFill>
-          <a:ln>
-            <a:noFill/>
-            <a:headEnd type="none" w="med" len="med"/>
-            <a:tailEnd type="none" w="med" len="med"/>
-          </a:ln>
-          <a:effectLst/>
-        </p:spPr>
-        <p:style>
-          <a:lnRef idx="1">
-            <a:schemeClr val="accent4"/>
-          </a:lnRef>
-          <a:fillRef idx="3">
-            <a:schemeClr val="accent4"/>
-          </a:fillRef>
-          <a:effectRef idx="2">
-            <a:schemeClr val="accent4"/>
-          </a:effectRef>
-          <a:fontRef idx="minor">
-            <a:schemeClr val="lt1"/>
-          </a:fontRef>
-        </p:style>
-        <p:txBody>
-          <a:bodyPr vert="horz" wrap="square" lIns="91436" tIns="45718" rIns="91436" bIns="45718" numCol="1" rtlCol="0" anchor="ctr" anchorCtr="0" compatLnSpc="1">
-            <a:prstTxWarp prst="textNoShape">
-              <a:avLst/>
-            </a:prstTxWarp>
-          </a:bodyPr>
-          <a:lstStyle/>
-          <a:p>
-            <a:pPr algn="ctr" defTabSz="914099"/>
-            <a:endParaRPr lang="en-US" sz="2400" dirty="0" err="1" smtClean="0">
-              <a:gradFill>
-                <a:gsLst>
-                  <a:gs pos="0">
-                    <a:srgbClr val="FFFFFF"/>
-                  </a:gs>
-                  <a:gs pos="100000">
-                    <a:srgbClr val="FFFFFF"/>
-                  </a:gs>
-                </a:gsLst>
-                <a:lin ang="5400000" scaled="0"/>
-              </a:gradFill>
-            </a:endParaRPr>
-          </a:p>
-        </p:txBody>
-      </p:sp>
-      <p:sp>
-        <p:nvSpPr>
           <p:cNvPr id="2" name="Title 1"/>
           <p:cNvSpPr>
             <a:spLocks noGrp="1"/>
           </p:cNvSpPr>
           <p:nvPr>
-            <p:ph type="title"/>
+            <p:ph type="ctrTitle"/>
           </p:nvPr>
         </p:nvSpPr>
-        <p:spPr>
-          <a:effectLst>
-            <a:outerShdw blurRad="50800" dist="76200" dir="5400000" algn="t" rotWithShape="0">
-              <a:prstClr val="black">
-                <a:alpha val="40000"/>
-              </a:prstClr>
-            </a:outerShdw>
-          </a:effectLst>
-        </p:spPr>
+        <p:spPr/>
         <p:txBody>
           <a:bodyPr>
-            <a:normAutofit/>
+            <a:normAutofit fontScale="90000"/>
           </a:bodyPr>
           <a:lstStyle/>
           <a:p>
             <a:r>
-              <a:rPr lang="en-US" dirty="0" err="1">
-                <a:latin typeface="Courier New"/>
-                <a:cs typeface="Courier New"/>
-              </a:rPr>
-              <a:t>def</a:t>
-            </a:r>
-            <a:r>
-              <a:rPr lang="en-US" dirty="0">
-                <a:latin typeface="Courier New"/>
-                <a:cs typeface="Courier New"/>
-              </a:rPr>
-              <a:t> method</a:t>
-            </a:r>
-            <a:endParaRPr lang="en-US" dirty="0">
-              <a:latin typeface="Courier New"/>
-              <a:cs typeface="Courier New"/>
-            </a:endParaRPr>
-          </a:p>
-        </p:txBody>
-      </p:sp>
-      <p:sp>
-        <p:nvSpPr>
-          <p:cNvPr id="4" name="Text Placeholder 3"/>
+              <a:rPr lang="en-US" dirty="0" smtClean="0"/>
+              <a:t>Live Demonstration</a:t>
+            </a:r>
+            <a:endParaRPr lang="en-US" dirty="0"/>
+          </a:p>
+        </p:txBody>
+      </p:sp>
+      <p:sp>
+        <p:nvSpPr>
+          <p:cNvPr id="4" name="Subtitle 3"/>
           <p:cNvSpPr>
             <a:spLocks noGrp="1"/>
           </p:cNvSpPr>
           <p:nvPr>
-            <p:ph type="body" sz="quarter" idx="12"/>
+            <p:ph type="subTitle" idx="1"/>
           </p:nvPr>
         </p:nvSpPr>
-        <p:spPr>
-          <a:xfrm>
-            <a:off x="650040" y="5213473"/>
-            <a:ext cx="6987278" cy="2765115"/>
-          </a:xfrm>
-        </p:spPr>
-        <p:txBody>
-          <a:bodyPr/>
+        <p:spPr/>
+        <p:txBody>
+          <a:bodyPr anchor="ctr"/>
           <a:lstStyle/>
           <a:p>
-            <a:pPr marL="457200" indent="-457200">
-              <a:buFont typeface="Wingdings" charset="2"/>
-              <a:buChar char="ü"/>
-            </a:pPr>
-            <a:r>
-              <a:rPr lang="en-US" b="1" dirty="0" smtClean="0"/>
-              <a:t>Concepts</a:t>
-            </a:r>
-          </a:p>
-          <a:p>
-            <a:pPr marL="457200" indent="-457200">
-              <a:buFont typeface="Wingdings" charset="2"/>
-              <a:buChar char="ü"/>
-            </a:pPr>
-            <a:r>
-              <a:rPr lang="en-US" b="1" dirty="0" smtClean="0"/>
-              <a:t>Demonstration</a:t>
-            </a:r>
-          </a:p>
-          <a:p>
-            <a:pPr marL="457200" indent="-457200">
-              <a:buFont typeface="Wingdings" charset="2"/>
-              <a:buChar char="q"/>
-            </a:pPr>
-            <a:r>
-              <a:rPr lang="en-US" b="1" dirty="0" smtClean="0"/>
-              <a:t>Review</a:t>
-            </a:r>
-          </a:p>
-          <a:p>
-            <a:pPr marL="457200" indent="-457200">
-              <a:buFont typeface="Wingdings" charset="2"/>
-              <a:buChar char="q"/>
-            </a:pPr>
-            <a:r>
-              <a:rPr lang="en-US" b="1" dirty="0" smtClean="0"/>
-              <a:t>Exercise</a:t>
-            </a:r>
-          </a:p>
-        </p:txBody>
-      </p:sp>
-      <p:sp>
-        <p:nvSpPr>
-          <p:cNvPr id="3" name="TextBox 2"/>
-          <p:cNvSpPr txBox="1"/>
-          <p:nvPr/>
-        </p:nvSpPr>
-        <p:spPr bwMode="white">
-          <a:xfrm>
-            <a:off x="582706" y="2345765"/>
-            <a:ext cx="6977529" cy="2166470"/>
-          </a:xfrm>
-          <a:prstGeom prst="rect">
-            <a:avLst/>
-          </a:prstGeom>
-        </p:spPr>
-        <p:txBody>
-          <a:bodyPr vert="horz" wrap="square" lIns="91440" tIns="91440" rIns="91440" bIns="91440" rtlCol="0">
-            <a:normAutofit/>
-          </a:bodyPr>
-          <a:lstStyle/>
-          <a:p>
-            <a:r>
-              <a:rPr lang="en-US" sz="3200" dirty="0" smtClean="0">
-                <a:solidFill>
-                  <a:schemeClr val="bg1"/>
-                </a:solidFill>
+            <a:pPr algn="ctr"/>
+            <a:r>
+              <a:rPr lang="en-US" sz="4000" b="1" dirty="0" smtClean="0">
+                <a:latin typeface="Inconsolata"/>
+                <a:cs typeface="Inconsolata"/>
+                <a:hlinkClick r:id="rId2"/>
               </a:rPr>
-              <a:t>Motivational thing to say</a:t>
-            </a:r>
+              <a:t>https</a:t>
+            </a:r>
+            <a:r>
+              <a:rPr lang="en-US" sz="4000" b="1" dirty="0">
+                <a:latin typeface="Inconsolata"/>
+                <a:cs typeface="Inconsolata"/>
+                <a:hlinkClick r:id="rId2"/>
+              </a:rPr>
+              <a:t>://goo.gl/</a:t>
+            </a:r>
+            <a:r>
+              <a:rPr lang="en-US" sz="4000" b="1" dirty="0" smtClean="0">
+                <a:latin typeface="Inconsolata"/>
+                <a:cs typeface="Inconsolata"/>
+                <a:hlinkClick r:id="rId2"/>
+              </a:rPr>
+              <a:t>9mRNlD</a:t>
+            </a:r>
+            <a:endParaRPr lang="en-US" sz="4000" b="1" dirty="0" smtClean="0">
+              <a:latin typeface="Inconsolata"/>
+              <a:cs typeface="Inconsolata"/>
+            </a:endParaRPr>
+          </a:p>
+          <a:p>
+            <a:pPr algn="ctr"/>
+            <a:r>
+              <a:rPr lang="en-US" sz="4000" b="1" dirty="0" smtClean="0">
+                <a:latin typeface="Inconsolata"/>
+                <a:cs typeface="Inconsolata"/>
+              </a:rPr>
+              <a:t>(lowercase L)</a:t>
+            </a:r>
+            <a:endParaRPr lang="en-US" sz="4000" b="1" dirty="0">
+              <a:latin typeface="Inconsolata"/>
+              <a:cs typeface="Inconsolata"/>
+            </a:endParaRPr>
           </a:p>
         </p:txBody>
       </p:sp>
     </p:spTree>
     <p:extLst>
       <p:ext uri="{BB962C8B-B14F-4D97-AF65-F5344CB8AC3E}">
-        <p14:creationId xmlns:p14="http://schemas.microsoft.com/office/powerpoint/2010/main" val="3064320720"/>
+        <p14:creationId xmlns:p14="http://schemas.microsoft.com/office/powerpoint/2010/main" val="2080833376"/>
       </p:ext>
     </p:extLst>
   </p:cSld>
@@ -15032,107 +15310,176 @@
       </p:grpSpPr>
       <p:sp>
         <p:nvSpPr>
-          <p:cNvPr id="2" name="Title 1"/>
-          <p:cNvSpPr>
-            <a:spLocks noGrp="1"/>
-          </p:cNvSpPr>
-          <p:nvPr>
-            <p:ph type="ctrTitle"/>
-          </p:nvPr>
-        </p:nvSpPr>
-        <p:spPr/>
-        <p:txBody>
-          <a:bodyPr>
-            <a:normAutofit fontScale="90000"/>
-          </a:bodyPr>
-          <a:lstStyle/>
-          <a:p>
-            <a:r>
-              <a:rPr lang="en-US" sz="6600" dirty="0" smtClean="0"/>
-              <a:t>Prismatic require</a:t>
-            </a:r>
-            <a:endParaRPr lang="en-US" dirty="0"/>
-          </a:p>
-        </p:txBody>
-      </p:sp>
-      <p:sp>
-        <p:nvSpPr>
-          <p:cNvPr id="3" name="Subtitle 2"/>
-          <p:cNvSpPr>
-            <a:spLocks noGrp="1"/>
-          </p:cNvSpPr>
-          <p:nvPr>
-            <p:ph type="subTitle" idx="1"/>
-          </p:nvPr>
-        </p:nvSpPr>
-        <p:spPr/>
-        <p:txBody>
-          <a:bodyPr/>
-          <a:lstStyle/>
-          <a:p>
-            <a:r>
-              <a:rPr lang="en-US" dirty="0"/>
-              <a:t>Loads the given name, returning true if successful and false if the feature is already loaded.</a:t>
-            </a:r>
-          </a:p>
-          <a:p>
-            <a:endParaRPr lang="en-US" dirty="0"/>
-          </a:p>
-          <a:p>
-            <a:r>
-              <a:rPr lang="en-US" dirty="0"/>
-              <a:t>If the filename does not resolve to an absolute path, it will be searched for in the directories listed in $LOAD_PATH ($:)</a:t>
-            </a:r>
-            <a:r>
-              <a:rPr lang="en-US" dirty="0" smtClean="0"/>
-              <a:t>.</a:t>
-            </a:r>
-            <a:endParaRPr lang="en-US" dirty="0"/>
-          </a:p>
-        </p:txBody>
-      </p:sp>
-      <p:sp>
-        <p:nvSpPr>
-          <p:cNvPr id="4" name="TextBox 3"/>
-          <p:cNvSpPr txBox="1"/>
+          <p:cNvPr id="7" name="Rectangle 6"/>
+          <p:cNvSpPr/>
           <p:nvPr/>
         </p:nvSpPr>
-        <p:spPr bwMode="white">
+        <p:spPr bwMode="auto">
           <a:xfrm>
-            <a:off x="1676399" y="7010401"/>
-            <a:ext cx="12310534" cy="914400"/>
+            <a:off x="0" y="4840941"/>
+            <a:ext cx="16256000" cy="3376707"/>
           </a:xfrm>
           <a:prstGeom prst="rect">
             <a:avLst/>
           </a:prstGeom>
+          <a:solidFill>
+            <a:schemeClr val="tx2">
+              <a:alpha val="50000"/>
+            </a:schemeClr>
+          </a:solidFill>
+          <a:ln>
+            <a:noFill/>
+            <a:headEnd type="none" w="med" len="med"/>
+            <a:tailEnd type="none" w="med" len="med"/>
+          </a:ln>
+          <a:effectLst/>
         </p:spPr>
-        <p:txBody>
-          <a:bodyPr vert="horz" wrap="none" lIns="91440" tIns="91440" rIns="91440" bIns="91440" rtlCol="0" anchor="ctr">
+        <p:style>
+          <a:lnRef idx="1">
+            <a:schemeClr val="accent4"/>
+          </a:lnRef>
+          <a:fillRef idx="3">
+            <a:schemeClr val="accent4"/>
+          </a:fillRef>
+          <a:effectRef idx="2">
+            <a:schemeClr val="accent4"/>
+          </a:effectRef>
+          <a:fontRef idx="minor">
+            <a:schemeClr val="lt1"/>
+          </a:fontRef>
+        </p:style>
+        <p:txBody>
+          <a:bodyPr vert="horz" wrap="square" lIns="91436" tIns="45718" rIns="91436" bIns="45718" numCol="1" rtlCol="0" anchor="ctr" anchorCtr="0" compatLnSpc="1">
+            <a:prstTxWarp prst="textNoShape">
+              <a:avLst/>
+            </a:prstTxWarp>
+          </a:bodyPr>
+          <a:lstStyle/>
+          <a:p>
+            <a:pPr algn="ctr" defTabSz="914099"/>
+            <a:endParaRPr lang="en-US" sz="2400" dirty="0" err="1" smtClean="0">
+              <a:gradFill>
+                <a:gsLst>
+                  <a:gs pos="0">
+                    <a:srgbClr val="FFFFFF"/>
+                  </a:gs>
+                  <a:gs pos="100000">
+                    <a:srgbClr val="FFFFFF"/>
+                  </a:gs>
+                </a:gsLst>
+                <a:lin ang="5400000" scaled="0"/>
+              </a:gradFill>
+            </a:endParaRPr>
+          </a:p>
+        </p:txBody>
+      </p:sp>
+      <p:sp>
+        <p:nvSpPr>
+          <p:cNvPr id="2" name="Title 1"/>
+          <p:cNvSpPr>
+            <a:spLocks noGrp="1"/>
+          </p:cNvSpPr>
+          <p:nvPr>
+            <p:ph type="title"/>
+          </p:nvPr>
+        </p:nvSpPr>
+        <p:spPr>
+          <a:effectLst>
+            <a:outerShdw blurRad="50800" dist="76200" dir="5400000" algn="t" rotWithShape="0">
+              <a:prstClr val="black">
+                <a:alpha val="40000"/>
+              </a:prstClr>
+            </a:outerShdw>
+          </a:effectLst>
+        </p:spPr>
+        <p:txBody>
+          <a:bodyPr>
             <a:normAutofit/>
           </a:bodyPr>
           <a:lstStyle/>
           <a:p>
-            <a:pPr algn="ctr"/>
-            <a:r>
-              <a:rPr lang="en-US" sz="3200" dirty="0"/>
-              <a:t>http://</a:t>
-            </a:r>
-            <a:r>
-              <a:rPr lang="en-US" sz="3200" dirty="0" err="1"/>
-              <a:t>goo.gl</a:t>
-            </a:r>
-            <a:r>
-              <a:rPr lang="en-US" sz="3200" dirty="0"/>
-              <a:t>/cLKY37</a:t>
-            </a:r>
-            <a:endParaRPr lang="en-US" sz="3200" dirty="0" smtClean="0"/>
+            <a:r>
+              <a:rPr lang="en-US" dirty="0" err="1">
+                <a:latin typeface="Courier New"/>
+                <a:cs typeface="Courier New"/>
+              </a:rPr>
+              <a:t>def</a:t>
+            </a:r>
+            <a:r>
+              <a:rPr lang="en-US" dirty="0">
+                <a:latin typeface="Courier New"/>
+                <a:cs typeface="Courier New"/>
+              </a:rPr>
+              <a:t> method</a:t>
+            </a:r>
+          </a:p>
+        </p:txBody>
+      </p:sp>
+      <p:sp>
+        <p:nvSpPr>
+          <p:cNvPr id="4" name="Text Placeholder 3"/>
+          <p:cNvSpPr>
+            <a:spLocks noGrp="1"/>
+          </p:cNvSpPr>
+          <p:nvPr>
+            <p:ph type="body" sz="quarter" idx="12"/>
+          </p:nvPr>
+        </p:nvSpPr>
+        <p:spPr>
+          <a:xfrm>
+            <a:off x="650040" y="5213473"/>
+            <a:ext cx="6987278" cy="2765115"/>
+          </a:xfrm>
+        </p:spPr>
+        <p:txBody>
+          <a:bodyPr/>
+          <a:lstStyle/>
+          <a:p>
+            <a:pPr marL="457200" indent="-457200">
+              <a:buFont typeface="Wingdings" charset="2"/>
+              <a:buChar char="ü"/>
+            </a:pPr>
+            <a:r>
+              <a:rPr lang="en-US" b="1" dirty="0" smtClean="0"/>
+              <a:t>Concepts</a:t>
+            </a:r>
+          </a:p>
+          <a:p>
+            <a:pPr marL="457200" indent="-457200">
+              <a:buFont typeface="Wingdings" charset="2"/>
+              <a:buChar char="ü"/>
+            </a:pPr>
+            <a:r>
+              <a:rPr lang="en-US" b="1" dirty="0" smtClean="0"/>
+              <a:t>Demonstration</a:t>
+            </a:r>
+          </a:p>
+          <a:p>
+            <a:pPr marL="457200" indent="-457200">
+              <a:buFont typeface="Wingdings" charset="2"/>
+              <a:buChar char="q"/>
+            </a:pPr>
+            <a:r>
+              <a:rPr lang="en-US" b="1" dirty="0" smtClean="0"/>
+              <a:t>Review</a:t>
+            </a:r>
+          </a:p>
+          <a:p>
+            <a:pPr marL="457200" indent="-457200">
+              <a:buFont typeface="Wingdings" charset="2"/>
+              <a:buChar char="q"/>
+            </a:pPr>
+            <a:r>
+              <a:rPr lang="en-US" b="1" dirty="0" smtClean="0"/>
+              <a:t>Exercise</a:t>
+            </a:r>
           </a:p>
         </p:txBody>
       </p:sp>
     </p:spTree>
     <p:extLst>
       <p:ext uri="{BB962C8B-B14F-4D97-AF65-F5344CB8AC3E}">
-        <p14:creationId xmlns:p14="http://schemas.microsoft.com/office/powerpoint/2010/main" val="2155339751"/>
+        <p14:creationId xmlns:p14="http://schemas.microsoft.com/office/powerpoint/2010/main" val="3064320720"/>
       </p:ext>
     </p:extLst>
   </p:cSld>
@@ -15528,7 +15875,7 @@
   <a:extraClrSchemeLst/>
   <a:extLst>
     <a:ext uri="{05A4C25C-085E-4340-85A3-A5531E510DB2}">
-      <thm15:themeFamily xmlns:thm15="http://schemas.microsoft.com/office/thememl/2012/main" xmlns="" name="Chef-TemplateComps_v09-16x9-Light.potx" id="{078CEFDB-FA7A-4E36-9964-13EF367585CB}" vid="{8B87B0F3-7308-43D5-8388-E1B49EA02652}"/>
+      <thm15:themeFamily xmlns="" xmlns:thm15="http://schemas.microsoft.com/office/thememl/2012/main" name="Chef-TemplateComps_v09-16x9-Light.potx" id="{078CEFDB-FA7A-4E36-9964-13EF367585CB}" vid="{8B87B0F3-7308-43D5-8388-E1B49EA02652}"/>
     </a:ext>
   </a:extLst>
 </a:theme>
@@ -15910,7 +16257,7 @@
   <a:extraClrSchemeLst/>
   <a:extLst>
     <a:ext uri="{05A4C25C-085E-4340-85A3-A5531E510DB2}">
-      <thm15:themeFamily xmlns:thm15="http://schemas.microsoft.com/office/thememl/2012/main" xmlns="" name="Chef-TemplateComps_v09-16x9-Light.potx" id="{078CEFDB-FA7A-4E36-9964-13EF367585CB}" vid="{8B87B0F3-7308-43D5-8388-E1B49EA02652}"/>
+      <thm15:themeFamily xmlns="" xmlns:thm15="http://schemas.microsoft.com/office/thememl/2012/main" name="Chef-TemplateComps_v09-16x9-Light.potx" id="{078CEFDB-FA7A-4E36-9964-13EF367585CB}" vid="{8B87B0F3-7308-43D5-8388-E1B49EA02652}"/>
     </a:ext>
   </a:extLst>
 </a:theme>

--- a/05-def_method.pptx
+++ b/05-def_method.pptx
@@ -6,34 +6,27 @@
     <p:sldMasterId id="2147483847" r:id="rId6"/>
   </p:sldMasterIdLst>
   <p:notesMasterIdLst>
-    <p:notesMasterId r:id="rId29"/>
+    <p:notesMasterId r:id="rId22"/>
   </p:notesMasterIdLst>
   <p:handoutMasterIdLst>
-    <p:handoutMasterId r:id="rId30"/>
+    <p:handoutMasterId r:id="rId23"/>
   </p:handoutMasterIdLst>
   <p:sldIdLst>
     <p:sldId id="561" r:id="rId7"/>
     <p:sldId id="583" r:id="rId8"/>
     <p:sldId id="590" r:id="rId9"/>
-    <p:sldId id="611" r:id="rId10"/>
-    <p:sldId id="612" r:id="rId11"/>
-    <p:sldId id="614" r:id="rId12"/>
-    <p:sldId id="600" r:id="rId13"/>
-    <p:sldId id="610" r:id="rId14"/>
-    <p:sldId id="597" r:id="rId15"/>
-    <p:sldId id="601" r:id="rId16"/>
-    <p:sldId id="602" r:id="rId17"/>
-    <p:sldId id="603" r:id="rId18"/>
-    <p:sldId id="604" r:id="rId19"/>
-    <p:sldId id="605" r:id="rId20"/>
-    <p:sldId id="615" r:id="rId21"/>
-    <p:sldId id="606" r:id="rId22"/>
-    <p:sldId id="607" r:id="rId23"/>
-    <p:sldId id="608" r:id="rId24"/>
-    <p:sldId id="598" r:id="rId25"/>
-    <p:sldId id="594" r:id="rId26"/>
-    <p:sldId id="599" r:id="rId27"/>
-    <p:sldId id="376" r:id="rId28"/>
+    <p:sldId id="612" r:id="rId10"/>
+    <p:sldId id="614" r:id="rId11"/>
+    <p:sldId id="600" r:id="rId12"/>
+    <p:sldId id="610" r:id="rId13"/>
+    <p:sldId id="597" r:id="rId14"/>
+    <p:sldId id="606" r:id="rId15"/>
+    <p:sldId id="607" r:id="rId16"/>
+    <p:sldId id="608" r:id="rId17"/>
+    <p:sldId id="598" r:id="rId18"/>
+    <p:sldId id="594" r:id="rId19"/>
+    <p:sldId id="599" r:id="rId20"/>
+    <p:sldId id="376" r:id="rId21"/>
   </p:sldIdLst>
   <p:sldSz cx="16256000" cy="9144000"/>
   <p:notesSz cx="6858000" cy="9144000"/>
@@ -164,7 +157,7 @@
   </p:defaultTextStyle>
   <p:extLst>
     <p:ext uri="{EFAFB233-063F-42B5-8137-9DF3F51BA10A}">
-      <p15:sldGuideLst xmlns="" xmlns:p15="http://schemas.microsoft.com/office/powerpoint/2012/main">
+      <p15:sldGuideLst xmlns:p15="http://schemas.microsoft.com/office/powerpoint/2012/main">
         <p15:guide id="1" orient="horz" pos="894">
           <p15:clr>
             <a:srgbClr val="A4A3A4"/>
@@ -175,10 +168,15 @@
             <a:srgbClr val="A4A3A4"/>
           </p15:clr>
         </p15:guide>
+        <p15:guide id="3" pos="6747">
+          <p15:clr>
+            <a:srgbClr val="A4A3A4"/>
+          </p15:clr>
+        </p15:guide>
       </p15:sldGuideLst>
     </p:ext>
     <p:ext uri="{2D200454-40CA-4A62-9FC3-DE9A4176ACB9}">
-      <p15:notesGuideLst xmlns="" xmlns:p15="http://schemas.microsoft.com/office/powerpoint/2012/main"/>
+      <p15:notesGuideLst xmlns:p15="http://schemas.microsoft.com/office/powerpoint/2012/main"/>
     </p:ext>
   </p:extLst>
 </p:presentation>
@@ -246,6 +244,10 @@
             <a:pPr>
               <a:defRPr/>
             </a:pPr>
+            <a:r>
+              <a:rPr lang="en-US" smtClean="0"/>
+              <a:t>Elegant Tests</a:t>
+            </a:r>
             <a:endParaRPr lang="en-US"/>
           </a:p>
         </p:txBody>
@@ -290,13 +292,10 @@
             <a:pPr>
               <a:defRPr/>
             </a:pPr>
-            <a:fld id="{04CB1577-BF96-2D40-B4CA-2BF6DA80CBA7}" type="datetime1">
-              <a:rPr lang="en-CA"/>
-              <a:pPr>
-                <a:defRPr/>
-              </a:pPr>
-              <a:t>10/25/16</a:t>
-            </a:fld>
+            <a:r>
+              <a:rPr lang="en-US" smtClean="0"/>
+              <a:t>Chef Software, Inc</a:t>
+            </a:r>
             <a:endParaRPr lang="en-US" dirty="0"/>
           </a:p>
         </p:txBody>
@@ -407,7 +406,7 @@
     </p:extLst>
   </p:cSld>
   <p:clrMap bg1="lt1" tx1="dk1" bg2="lt2" tx2="dk2" accent1="accent1" accent2="accent2" accent3="accent3" accent4="accent4" accent5="accent5" accent6="accent6" hlink="hlink" folHlink="folHlink"/>
-  <p:hf dt="0"/>
+  <p:hf sldNum="0" ftr="0"/>
 </p:handoutMaster>
 </file>
 
@@ -445,7 +444,7 @@
         </p:nvSpPr>
         <p:spPr>
           <a:xfrm>
-            <a:off x="3884613" y="0"/>
+            <a:off x="3884613" y="96250"/>
             <a:ext cx="2971800" cy="457200"/>
           </a:xfrm>
           <a:prstGeom prst="rect">
@@ -473,13 +472,10 @@
             <a:pPr>
               <a:defRPr/>
             </a:pPr>
-            <a:fld id="{72FDBE47-C34F-CF4A-9709-1411AD5B3286}" type="datetime1">
-              <a:rPr lang="en-CA"/>
-              <a:pPr>
-                <a:defRPr/>
-              </a:pPr>
-              <a:t>10/25/16</a:t>
-            </a:fld>
+            <a:r>
+              <a:rPr lang="en-US" smtClean="0"/>
+              <a:t>Chef Software, Inc</a:t>
+            </a:r>
             <a:endParaRPr lang="en-US" dirty="0"/>
           </a:p>
         </p:txBody>
@@ -530,8 +526,8 @@
         </p:nvSpPr>
         <p:spPr>
           <a:xfrm>
-            <a:off x="685800" y="4343400"/>
-            <a:ext cx="5486400" cy="4114800"/>
+            <a:off x="385011" y="4343399"/>
+            <a:ext cx="6092791" cy="4454091"/>
           </a:xfrm>
           <a:prstGeom prst="rect">
             <a:avLst/>
@@ -582,68 +578,17 @@
       </p:sp>
       <p:sp>
         <p:nvSpPr>
-          <p:cNvPr id="7" name="Slide Number Placeholder 6"/>
+          <p:cNvPr id="8" name="Header Placeholder 1"/>
           <p:cNvSpPr>
             <a:spLocks noGrp="1"/>
           </p:cNvSpPr>
           <p:nvPr>
-            <p:ph type="sldNum" sz="quarter" idx="5"/>
+            <p:ph type="hdr" sz="quarter"/>
           </p:nvPr>
         </p:nvSpPr>
         <p:spPr>
           <a:xfrm>
-            <a:off x="6172200" y="8685213"/>
-            <a:ext cx="684213" cy="457200"/>
-          </a:xfrm>
-          <a:prstGeom prst="rect">
-            <a:avLst/>
-          </a:prstGeom>
-        </p:spPr>
-        <p:txBody>
-          <a:bodyPr vert="horz" lIns="91440" tIns="45720" rIns="91440" bIns="45720" rtlCol="0" anchor="b"/>
-          <a:lstStyle>
-            <a:lvl1pPr algn="r" defTabSz="1219120" fontAlgn="auto">
-              <a:spcBef>
-                <a:spcPts val="0"/>
-              </a:spcBef>
-              <a:spcAft>
-                <a:spcPts val="0"/>
-              </a:spcAft>
-              <a:defRPr sz="1200" smtClean="0">
-                <a:latin typeface="Arial" panose="020B0604020202020204" pitchFamily="34" charset="0"/>
-                <a:ea typeface="+mn-ea"/>
-                <a:cs typeface="Arial" panose="020B0604020202020204" pitchFamily="34" charset="0"/>
-              </a:defRPr>
-            </a:lvl1pPr>
-          </a:lstStyle>
-          <a:p>
-            <a:pPr>
-              <a:defRPr/>
-            </a:pPr>
-            <a:fld id="{DC3734AA-3150-D947-AC52-2F5DF48BFCD5}" type="slidenum">
-              <a:rPr lang="en-US"/>
-              <a:pPr>
-                <a:defRPr/>
-              </a:pPr>
-              <a:t>‹#›</a:t>
-            </a:fld>
-            <a:endParaRPr lang="en-US" dirty="0"/>
-          </a:p>
-        </p:txBody>
-      </p:sp>
-      <p:sp>
-        <p:nvSpPr>
-          <p:cNvPr id="8" name="Header Placeholder 1"/>
-          <p:cNvSpPr>
-            <a:spLocks noGrp="1"/>
-          </p:cNvSpPr>
-          <p:nvPr>
-            <p:ph type="hdr" sz="quarter"/>
-          </p:nvPr>
-        </p:nvSpPr>
-        <p:spPr>
-          <a:xfrm>
-            <a:off x="0" y="0"/>
+            <a:off x="0" y="96250"/>
             <a:ext cx="2971800" cy="457200"/>
           </a:xfrm>
           <a:prstGeom prst="rect">
@@ -671,53 +616,10 @@
             <a:pPr>
               <a:defRPr/>
             </a:pPr>
-            <a:endParaRPr lang="en-US"/>
-          </a:p>
-        </p:txBody>
-      </p:sp>
-      <p:sp>
-        <p:nvSpPr>
-          <p:cNvPr id="9" name="Footer Placeholder 3"/>
-          <p:cNvSpPr>
-            <a:spLocks noGrp="1"/>
-          </p:cNvSpPr>
-          <p:nvPr>
-            <p:ph type="ftr" sz="quarter" idx="4"/>
-          </p:nvPr>
-        </p:nvSpPr>
-        <p:spPr>
-          <a:xfrm>
-            <a:off x="0" y="8685213"/>
-            <a:ext cx="6248400" cy="457200"/>
-          </a:xfrm>
-          <a:prstGeom prst="rect">
-            <a:avLst/>
-          </a:prstGeom>
-        </p:spPr>
-        <p:txBody>
-          <a:bodyPr vert="horz" lIns="91440" tIns="45720" rIns="91440" bIns="45720" rtlCol="0" anchor="b"/>
-          <a:lstStyle>
-            <a:lvl1pPr algn="l" defTabSz="1219120" fontAlgn="auto">
-              <a:spcBef>
-                <a:spcPts val="0"/>
-              </a:spcBef>
-              <a:spcAft>
-                <a:spcPts val="0"/>
-              </a:spcAft>
-              <a:defRPr sz="900" dirty="0" smtClean="0">
-                <a:solidFill>
-                  <a:srgbClr val="000000"/>
-                </a:solidFill>
-                <a:latin typeface="Arial" panose="020B0604020202020204" pitchFamily="34" charset="0"/>
-                <a:ea typeface="+mn-ea"/>
-                <a:cs typeface="Arial" panose="020B0604020202020204" pitchFamily="34" charset="0"/>
-              </a:defRPr>
-            </a:lvl1pPr>
-          </a:lstStyle>
-          <a:p>
-            <a:pPr>
-              <a:defRPr/>
-            </a:pPr>
+            <a:r>
+              <a:rPr lang="en-US" smtClean="0"/>
+              <a:t>Elegant Tests</a:t>
+            </a:r>
             <a:endParaRPr lang="en-US"/>
           </a:p>
         </p:txBody>
@@ -730,7 +632,7 @@
     </p:extLst>
   </p:cSld>
   <p:clrMap bg1="lt1" tx1="dk1" bg2="lt2" tx2="dk2" accent1="accent1" accent2="accent2" accent3="accent3" accent4="accent4" accent5="accent5" accent6="accent6" hlink="hlink" folHlink="folHlink"/>
-  <p:hf dt="0"/>
+  <p:hf sldNum="0" ftr="0"/>
   <p:notesStyle>
     <a:lvl1pPr algn="l" defTabSz="1217613" rtl="0" fontAlgn="base">
       <a:lnSpc>
@@ -923,18 +825,22 @@
           <a:bodyPr/>
           <a:lstStyle/>
           <a:p>
+            <a:r>
+              <a:rPr lang="en-US" dirty="0" smtClean="0"/>
+              <a:t>The fourth technique we are going to explore is defining Ruby methods</a:t>
+            </a:r>
             <a:endParaRPr lang="en-US" dirty="0"/>
           </a:p>
         </p:txBody>
       </p:sp>
       <p:sp>
         <p:nvSpPr>
-          <p:cNvPr id="4" name="Slide Number Placeholder 3"/>
+          <p:cNvPr id="5" name="Header Placeholder 4"/>
           <p:cNvSpPr>
             <a:spLocks noGrp="1"/>
           </p:cNvSpPr>
           <p:nvPr>
-            <p:ph type="sldNum" sz="quarter" idx="10"/>
+            <p:ph type="hdr" sz="quarter" idx="11"/>
           </p:nvPr>
         </p:nvSpPr>
         <p:spPr/>
@@ -945,25 +851,22 @@
             <a:pPr>
               <a:defRPr/>
             </a:pPr>
-            <a:fld id="{DC3734AA-3150-D947-AC52-2F5DF48BFCD5}" type="slidenum">
+            <a:r>
               <a:rPr lang="en-US" smtClean="0"/>
-              <a:pPr>
-                <a:defRPr/>
-              </a:pPr>
-              <a:t>1</a:t>
-            </a:fld>
-            <a:endParaRPr lang="en-US" dirty="0"/>
-          </a:p>
-        </p:txBody>
-      </p:sp>
-      <p:sp>
-        <p:nvSpPr>
-          <p:cNvPr id="5" name="Header Placeholder 4"/>
+              <a:t>Elegant Tests</a:t>
+            </a:r>
+            <a:endParaRPr lang="en-US"/>
+          </a:p>
+        </p:txBody>
+      </p:sp>
+      <p:sp>
+        <p:nvSpPr>
+          <p:cNvPr id="7" name="Date Placeholder 6"/>
           <p:cNvSpPr>
             <a:spLocks noGrp="1"/>
           </p:cNvSpPr>
           <p:nvPr>
-            <p:ph type="hdr" sz="quarter" idx="11"/>
+            <p:ph type="dt" idx="13"/>
           </p:nvPr>
         </p:nvSpPr>
         <p:spPr/>
@@ -974,29 +877,11 @@
             <a:pPr>
               <a:defRPr/>
             </a:pPr>
-            <a:endParaRPr lang="en-US"/>
-          </a:p>
-        </p:txBody>
-      </p:sp>
-      <p:sp>
-        <p:nvSpPr>
-          <p:cNvPr id="6" name="Footer Placeholder 5"/>
-          <p:cNvSpPr>
-            <a:spLocks noGrp="1"/>
-          </p:cNvSpPr>
-          <p:nvPr>
-            <p:ph type="ftr" sz="quarter" idx="12"/>
-          </p:nvPr>
-        </p:nvSpPr>
-        <p:spPr/>
-        <p:txBody>
-          <a:bodyPr/>
-          <a:lstStyle/>
-          <a:p>
-            <a:pPr>
-              <a:defRPr/>
-            </a:pPr>
-            <a:endParaRPr lang="en-US"/>
+            <a:r>
+              <a:rPr lang="en-US" smtClean="0"/>
+              <a:t>Chef Software, Inc</a:t>
+            </a:r>
+            <a:endParaRPr lang="en-US" dirty="0"/>
           </a:p>
         </p:txBody>
       </p:sp>
@@ -1004,6 +889,788 @@
     <p:extLst>
       <p:ext uri="{BB962C8B-B14F-4D97-AF65-F5344CB8AC3E}">
         <p14:creationId xmlns:p14="http://schemas.microsoft.com/office/powerpoint/2010/main" val="858490020"/>
+      </p:ext>
+    </p:extLst>
+  </p:cSld>
+  <p:clrMapOvr>
+    <a:masterClrMapping/>
+  </p:clrMapOvr>
+</p:notes>
+</file>
+
+<file path=ppt/notesSlides/notesSlide10.xml><?xml version="1.0" encoding="utf-8"?>
+<p:notes xmlns:a="http://schemas.openxmlformats.org/drawingml/2006/main" xmlns:r="http://schemas.openxmlformats.org/officeDocument/2006/relationships" xmlns:p="http://schemas.openxmlformats.org/presentationml/2006/main">
+  <p:cSld>
+    <p:spTree>
+      <p:nvGrpSpPr>
+        <p:cNvPr id="1" name=""/>
+        <p:cNvGrpSpPr/>
+        <p:nvPr/>
+      </p:nvGrpSpPr>
+      <p:grpSpPr>
+        <a:xfrm>
+          <a:off x="0" y="0"/>
+          <a:ext cx="0" cy="0"/>
+          <a:chOff x="0" y="0"/>
+          <a:chExt cx="0" cy="0"/>
+        </a:xfrm>
+      </p:grpSpPr>
+      <p:sp>
+        <p:nvSpPr>
+          <p:cNvPr id="2" name="Slide Image Placeholder 1"/>
+          <p:cNvSpPr>
+            <a:spLocks noGrp="1" noRot="1" noChangeAspect="1"/>
+          </p:cNvSpPr>
+          <p:nvPr>
+            <p:ph type="sldImg"/>
+          </p:nvPr>
+        </p:nvSpPr>
+        <p:spPr/>
+      </p:sp>
+      <p:sp>
+        <p:nvSpPr>
+          <p:cNvPr id="3" name="Notes Placeholder 2"/>
+          <p:cNvSpPr>
+            <a:spLocks noGrp="1"/>
+          </p:cNvSpPr>
+          <p:nvPr>
+            <p:ph type="body" idx="1"/>
+          </p:nvPr>
+        </p:nvSpPr>
+        <p:spPr/>
+        <p:txBody>
+          <a:bodyPr/>
+          <a:lstStyle/>
+          <a:p>
+            <a:r>
+              <a:rPr lang="en-US" dirty="0" smtClean="0"/>
+              <a:t>We can use a let helper make it easier to gain access to the node object. However, when it comes to each individual node attribute we would not be able to access each one through a let helper unless we created a let helper for each attribute. This is not ideal and more likely would create more confusion when reading our specification.</a:t>
+            </a:r>
+            <a:endParaRPr lang="en-US" dirty="0"/>
+          </a:p>
+        </p:txBody>
+      </p:sp>
+      <p:sp>
+        <p:nvSpPr>
+          <p:cNvPr id="4" name="Date Placeholder 3"/>
+          <p:cNvSpPr>
+            <a:spLocks noGrp="1"/>
+          </p:cNvSpPr>
+          <p:nvPr>
+            <p:ph type="dt" idx="10"/>
+          </p:nvPr>
+        </p:nvSpPr>
+        <p:spPr/>
+        <p:txBody>
+          <a:bodyPr/>
+          <a:lstStyle/>
+          <a:p>
+            <a:pPr>
+              <a:defRPr/>
+            </a:pPr>
+            <a:r>
+              <a:rPr lang="en-US" smtClean="0"/>
+              <a:t>Chef Software, Inc</a:t>
+            </a:r>
+            <a:endParaRPr lang="en-US" dirty="0"/>
+          </a:p>
+        </p:txBody>
+      </p:sp>
+      <p:sp>
+        <p:nvSpPr>
+          <p:cNvPr id="5" name="Header Placeholder 4"/>
+          <p:cNvSpPr>
+            <a:spLocks noGrp="1"/>
+          </p:cNvSpPr>
+          <p:nvPr>
+            <p:ph type="hdr" sz="quarter" idx="11"/>
+          </p:nvPr>
+        </p:nvSpPr>
+        <p:spPr/>
+        <p:txBody>
+          <a:bodyPr/>
+          <a:lstStyle/>
+          <a:p>
+            <a:pPr>
+              <a:defRPr/>
+            </a:pPr>
+            <a:r>
+              <a:rPr lang="en-US" smtClean="0"/>
+              <a:t>Elegant Tests</a:t>
+            </a:r>
+            <a:endParaRPr lang="en-US"/>
+          </a:p>
+        </p:txBody>
+      </p:sp>
+    </p:spTree>
+    <p:extLst>
+      <p:ext uri="{BB962C8B-B14F-4D97-AF65-F5344CB8AC3E}">
+        <p14:creationId xmlns:p14="http://schemas.microsoft.com/office/powerpoint/2010/main" val="2051751318"/>
+      </p:ext>
+    </p:extLst>
+  </p:cSld>
+  <p:clrMapOvr>
+    <a:masterClrMapping/>
+  </p:clrMapOvr>
+</p:notes>
+</file>
+
+<file path=ppt/notesSlides/notesSlide11.xml><?xml version="1.0" encoding="utf-8"?>
+<p:notes xmlns:a="http://schemas.openxmlformats.org/drawingml/2006/main" xmlns:r="http://schemas.openxmlformats.org/officeDocument/2006/relationships" xmlns:p="http://schemas.openxmlformats.org/presentationml/2006/main">
+  <p:cSld>
+    <p:spTree>
+      <p:nvGrpSpPr>
+        <p:cNvPr id="1" name=""/>
+        <p:cNvGrpSpPr/>
+        <p:nvPr/>
+      </p:nvGrpSpPr>
+      <p:grpSpPr>
+        <a:xfrm>
+          <a:off x="0" y="0"/>
+          <a:ext cx="0" cy="0"/>
+          <a:chOff x="0" y="0"/>
+          <a:chExt cx="0" cy="0"/>
+        </a:xfrm>
+      </p:grpSpPr>
+      <p:sp>
+        <p:nvSpPr>
+          <p:cNvPr id="2" name="Slide Image Placeholder 1"/>
+          <p:cNvSpPr>
+            <a:spLocks noGrp="1" noRot="1" noChangeAspect="1"/>
+          </p:cNvSpPr>
+          <p:nvPr>
+            <p:ph type="sldImg"/>
+          </p:nvPr>
+        </p:nvSpPr>
+        <p:spPr/>
+      </p:sp>
+      <p:sp>
+        <p:nvSpPr>
+          <p:cNvPr id="3" name="Notes Placeholder 2"/>
+          <p:cNvSpPr>
+            <a:spLocks noGrp="1"/>
+          </p:cNvSpPr>
+          <p:nvPr>
+            <p:ph type="body" idx="1"/>
+          </p:nvPr>
+        </p:nvSpPr>
+        <p:spPr/>
+        <p:txBody>
+          <a:bodyPr/>
+          <a:lstStyle/>
+          <a:p>
+            <a:r>
+              <a:rPr lang="en-US" dirty="0" smtClean="0"/>
+              <a:t>This is a perfect moment for us to use a method. We define a method named 'attribute' which accepts one parameter, the name of the attribute defined within the cookbook. Within the body of the method we use the node object returned by the let helper defined above. We use a method named '</a:t>
+            </a:r>
+            <a:r>
+              <a:rPr lang="en-US" dirty="0" err="1" smtClean="0"/>
+              <a:t>described_cookbook</a:t>
+            </a:r>
+            <a:r>
+              <a:rPr lang="en-US" dirty="0" smtClean="0"/>
+              <a:t>' here that </a:t>
+            </a:r>
+            <a:r>
+              <a:rPr lang="en-US" dirty="0" err="1" smtClean="0"/>
+              <a:t>ChefSpec</a:t>
+            </a:r>
+            <a:r>
+              <a:rPr lang="en-US" dirty="0" smtClean="0"/>
+              <a:t> creates for us based on the '</a:t>
+            </a:r>
+            <a:r>
+              <a:rPr lang="en-US" dirty="0" err="1" smtClean="0"/>
+              <a:t>described_recipe</a:t>
+            </a:r>
+            <a:r>
+              <a:rPr lang="en-US" dirty="0" smtClean="0"/>
+              <a:t>' defined at the beginning of the specification.</a:t>
+            </a:r>
+          </a:p>
+          <a:p>
+            <a:endParaRPr lang="en-US" b="1" dirty="0" smtClean="0"/>
+          </a:p>
+          <a:p>
+            <a:r>
+              <a:rPr lang="en-US" b="1" dirty="0" smtClean="0"/>
+              <a:t>Note</a:t>
+            </a:r>
+            <a:r>
+              <a:rPr lang="en-US" dirty="0" smtClean="0"/>
+              <a:t>: The method can be defined anywhere within the specification, as long as you only use the method within the examples. Though I would suggest moving this to the top of the file to make it clear what are helpers and what are specifications.</a:t>
+            </a:r>
+            <a:endParaRPr lang="en-US" b="1" dirty="0" smtClean="0"/>
+          </a:p>
+          <a:p>
+            <a:r>
+              <a:rPr lang="en-US" b="1" dirty="0" smtClean="0"/>
+              <a:t>Note: </a:t>
+            </a:r>
+            <a:r>
+              <a:rPr lang="en-US" dirty="0" smtClean="0"/>
+              <a:t>The name of the method 'attribute' may be misleading or confusing for some people. '</a:t>
+            </a:r>
+            <a:r>
+              <a:rPr lang="en-US" dirty="0" err="1" smtClean="0"/>
+              <a:t>cookbook_attribute</a:t>
+            </a:r>
+            <a:r>
+              <a:rPr lang="en-US" dirty="0" smtClean="0"/>
+              <a:t>' may be more accurate as you are defining a method that is checking for an attribute defined. However, it is probably rare that you would testing to ensure attributes defined in a different cookbook were being set. Ultimately, the name of the method is up to you and your team. Either 'attribute' or '</a:t>
+            </a:r>
+            <a:r>
+              <a:rPr lang="en-US" dirty="0" err="1" smtClean="0"/>
+              <a:t>cookbook_attribute</a:t>
+            </a:r>
+            <a:r>
+              <a:rPr lang="en-US" dirty="0" smtClean="0"/>
+              <a:t>' feel appropriate and create expectations that read well to future maintainers.</a:t>
+            </a:r>
+          </a:p>
+          <a:p>
+            <a:r>
+              <a:rPr lang="en-US" b="1" dirty="0" smtClean="0"/>
+              <a:t>Note</a:t>
+            </a:r>
+            <a:r>
+              <a:rPr lang="en-US" dirty="0" smtClean="0"/>
+              <a:t>: Instead of using '</a:t>
+            </a:r>
+            <a:r>
+              <a:rPr lang="en-US" dirty="0" err="1" smtClean="0"/>
+              <a:t>described_recipe</a:t>
+            </a:r>
+            <a:r>
+              <a:rPr lang="en-US" dirty="0" smtClean="0"/>
+              <a:t>' we could have used the name of the cookbook. Using '</a:t>
+            </a:r>
+            <a:r>
+              <a:rPr lang="en-US" dirty="0" err="1" smtClean="0"/>
+              <a:t>described_recipe</a:t>
+            </a:r>
+            <a:r>
+              <a:rPr lang="en-US" dirty="0" smtClean="0"/>
+              <a:t>' allows for this helper method to be more portable to other cookbooks.</a:t>
+            </a:r>
+            <a:endParaRPr lang="en-US" dirty="0"/>
+          </a:p>
+        </p:txBody>
+      </p:sp>
+      <p:sp>
+        <p:nvSpPr>
+          <p:cNvPr id="4" name="Date Placeholder 3"/>
+          <p:cNvSpPr>
+            <a:spLocks noGrp="1"/>
+          </p:cNvSpPr>
+          <p:nvPr>
+            <p:ph type="dt" idx="10"/>
+          </p:nvPr>
+        </p:nvSpPr>
+        <p:spPr/>
+        <p:txBody>
+          <a:bodyPr/>
+          <a:lstStyle/>
+          <a:p>
+            <a:pPr>
+              <a:defRPr/>
+            </a:pPr>
+            <a:r>
+              <a:rPr lang="en-US" smtClean="0"/>
+              <a:t>Chef Software, Inc</a:t>
+            </a:r>
+            <a:endParaRPr lang="en-US" dirty="0"/>
+          </a:p>
+        </p:txBody>
+      </p:sp>
+      <p:sp>
+        <p:nvSpPr>
+          <p:cNvPr id="5" name="Header Placeholder 4"/>
+          <p:cNvSpPr>
+            <a:spLocks noGrp="1"/>
+          </p:cNvSpPr>
+          <p:nvPr>
+            <p:ph type="hdr" sz="quarter" idx="11"/>
+          </p:nvPr>
+        </p:nvSpPr>
+        <p:spPr/>
+        <p:txBody>
+          <a:bodyPr/>
+          <a:lstStyle/>
+          <a:p>
+            <a:pPr>
+              <a:defRPr/>
+            </a:pPr>
+            <a:r>
+              <a:rPr lang="en-US" smtClean="0"/>
+              <a:t>Elegant Tests</a:t>
+            </a:r>
+            <a:endParaRPr lang="en-US"/>
+          </a:p>
+        </p:txBody>
+      </p:sp>
+    </p:spTree>
+    <p:extLst>
+      <p:ext uri="{BB962C8B-B14F-4D97-AF65-F5344CB8AC3E}">
+        <p14:creationId xmlns:p14="http://schemas.microsoft.com/office/powerpoint/2010/main" val="1023397935"/>
+      </p:ext>
+    </p:extLst>
+  </p:cSld>
+  <p:clrMapOvr>
+    <a:masterClrMapping/>
+  </p:clrMapOvr>
+</p:notes>
+</file>
+
+<file path=ppt/notesSlides/notesSlide12.xml><?xml version="1.0" encoding="utf-8"?>
+<p:notes xmlns:a="http://schemas.openxmlformats.org/drawingml/2006/main" xmlns:r="http://schemas.openxmlformats.org/officeDocument/2006/relationships" xmlns:p="http://schemas.openxmlformats.org/presentationml/2006/main">
+  <p:cSld>
+    <p:spTree>
+      <p:nvGrpSpPr>
+        <p:cNvPr id="1" name=""/>
+        <p:cNvGrpSpPr/>
+        <p:nvPr/>
+      </p:nvGrpSpPr>
+      <p:grpSpPr>
+        <a:xfrm>
+          <a:off x="0" y="0"/>
+          <a:ext cx="0" cy="0"/>
+          <a:chOff x="0" y="0"/>
+          <a:chExt cx="0" cy="0"/>
+        </a:xfrm>
+      </p:grpSpPr>
+      <p:sp>
+        <p:nvSpPr>
+          <p:cNvPr id="2" name="Slide Image Placeholder 1"/>
+          <p:cNvSpPr>
+            <a:spLocks noGrp="1" noRot="1" noChangeAspect="1"/>
+          </p:cNvSpPr>
+          <p:nvPr>
+            <p:ph type="sldImg"/>
+          </p:nvPr>
+        </p:nvSpPr>
+        <p:spPr/>
+      </p:sp>
+      <p:sp>
+        <p:nvSpPr>
+          <p:cNvPr id="3" name="Notes Placeholder 2"/>
+          <p:cNvSpPr>
+            <a:spLocks noGrp="1"/>
+          </p:cNvSpPr>
+          <p:nvPr>
+            <p:ph type="body" idx="1"/>
+          </p:nvPr>
+        </p:nvSpPr>
+        <p:spPr/>
+        <p:txBody>
+          <a:bodyPr/>
+          <a:lstStyle/>
+          <a:p>
+            <a:endParaRPr lang="en-US" dirty="0"/>
+          </a:p>
+        </p:txBody>
+      </p:sp>
+      <p:sp>
+        <p:nvSpPr>
+          <p:cNvPr id="5" name="Header Placeholder 4"/>
+          <p:cNvSpPr>
+            <a:spLocks noGrp="1"/>
+          </p:cNvSpPr>
+          <p:nvPr>
+            <p:ph type="hdr" sz="quarter" idx="11"/>
+          </p:nvPr>
+        </p:nvSpPr>
+        <p:spPr/>
+        <p:txBody>
+          <a:bodyPr/>
+          <a:lstStyle/>
+          <a:p>
+            <a:pPr>
+              <a:defRPr/>
+            </a:pPr>
+            <a:r>
+              <a:rPr lang="en-US" smtClean="0"/>
+              <a:t>Elegant Tests</a:t>
+            </a:r>
+            <a:endParaRPr lang="en-US"/>
+          </a:p>
+        </p:txBody>
+      </p:sp>
+      <p:sp>
+        <p:nvSpPr>
+          <p:cNvPr id="7" name="Date Placeholder 6"/>
+          <p:cNvSpPr>
+            <a:spLocks noGrp="1"/>
+          </p:cNvSpPr>
+          <p:nvPr>
+            <p:ph type="dt" idx="13"/>
+          </p:nvPr>
+        </p:nvSpPr>
+        <p:spPr/>
+        <p:txBody>
+          <a:bodyPr/>
+          <a:lstStyle/>
+          <a:p>
+            <a:pPr>
+              <a:defRPr/>
+            </a:pPr>
+            <a:r>
+              <a:rPr lang="en-US" smtClean="0"/>
+              <a:t>Chef Software, Inc</a:t>
+            </a:r>
+            <a:endParaRPr lang="en-US" dirty="0"/>
+          </a:p>
+        </p:txBody>
+      </p:sp>
+    </p:spTree>
+    <p:extLst>
+      <p:ext uri="{BB962C8B-B14F-4D97-AF65-F5344CB8AC3E}">
+        <p14:creationId xmlns:p14="http://schemas.microsoft.com/office/powerpoint/2010/main" val="103301370"/>
+      </p:ext>
+    </p:extLst>
+  </p:cSld>
+  <p:clrMapOvr>
+    <a:masterClrMapping/>
+  </p:clrMapOvr>
+</p:notes>
+</file>
+
+<file path=ppt/notesSlides/notesSlide13.xml><?xml version="1.0" encoding="utf-8"?>
+<p:notes xmlns:a="http://schemas.openxmlformats.org/drawingml/2006/main" xmlns:r="http://schemas.openxmlformats.org/officeDocument/2006/relationships" xmlns:p="http://schemas.openxmlformats.org/presentationml/2006/main">
+  <p:cSld>
+    <p:spTree>
+      <p:nvGrpSpPr>
+        <p:cNvPr id="1" name=""/>
+        <p:cNvGrpSpPr/>
+        <p:nvPr/>
+      </p:nvGrpSpPr>
+      <p:grpSpPr>
+        <a:xfrm>
+          <a:off x="0" y="0"/>
+          <a:ext cx="0" cy="0"/>
+          <a:chOff x="0" y="0"/>
+          <a:chExt cx="0" cy="0"/>
+        </a:xfrm>
+      </p:grpSpPr>
+      <p:sp>
+        <p:nvSpPr>
+          <p:cNvPr id="2" name="Slide Image Placeholder 1"/>
+          <p:cNvSpPr>
+            <a:spLocks noGrp="1" noRot="1" noChangeAspect="1"/>
+          </p:cNvSpPr>
+          <p:nvPr>
+            <p:ph type="sldImg"/>
+          </p:nvPr>
+        </p:nvSpPr>
+        <p:spPr/>
+      </p:sp>
+      <p:sp>
+        <p:nvSpPr>
+          <p:cNvPr id="3" name="Notes Placeholder 2"/>
+          <p:cNvSpPr>
+            <a:spLocks noGrp="1"/>
+          </p:cNvSpPr>
+          <p:nvPr>
+            <p:ph type="body" idx="1"/>
+          </p:nvPr>
+        </p:nvSpPr>
+        <p:spPr/>
+        <p:txBody>
+          <a:bodyPr/>
+          <a:lstStyle/>
+          <a:p>
+            <a:r>
+              <a:rPr lang="en-US" dirty="0"/>
+              <a:t>Now it is your turn. Refactor the code with this technique. Execute the tests. Find success.</a:t>
+            </a:r>
+          </a:p>
+          <a:p>
+            <a:endParaRPr lang="en-US" dirty="0"/>
+          </a:p>
+        </p:txBody>
+      </p:sp>
+      <p:sp>
+        <p:nvSpPr>
+          <p:cNvPr id="5" name="Header Placeholder 4"/>
+          <p:cNvSpPr>
+            <a:spLocks noGrp="1"/>
+          </p:cNvSpPr>
+          <p:nvPr>
+            <p:ph type="hdr" sz="quarter" idx="11"/>
+          </p:nvPr>
+        </p:nvSpPr>
+        <p:spPr/>
+        <p:txBody>
+          <a:bodyPr/>
+          <a:lstStyle/>
+          <a:p>
+            <a:pPr>
+              <a:defRPr/>
+            </a:pPr>
+            <a:r>
+              <a:rPr lang="en-US" smtClean="0"/>
+              <a:t>Elegant Tests</a:t>
+            </a:r>
+            <a:endParaRPr lang="en-US"/>
+          </a:p>
+        </p:txBody>
+      </p:sp>
+      <p:sp>
+        <p:nvSpPr>
+          <p:cNvPr id="7" name="Date Placeholder 6"/>
+          <p:cNvSpPr>
+            <a:spLocks noGrp="1"/>
+          </p:cNvSpPr>
+          <p:nvPr>
+            <p:ph type="dt" idx="13"/>
+          </p:nvPr>
+        </p:nvSpPr>
+        <p:spPr/>
+        <p:txBody>
+          <a:bodyPr/>
+          <a:lstStyle/>
+          <a:p>
+            <a:pPr>
+              <a:defRPr/>
+            </a:pPr>
+            <a:r>
+              <a:rPr lang="en-US" smtClean="0"/>
+              <a:t>Chef Software, Inc</a:t>
+            </a:r>
+            <a:endParaRPr lang="en-US" dirty="0"/>
+          </a:p>
+        </p:txBody>
+      </p:sp>
+    </p:spTree>
+    <p:extLst>
+      <p:ext uri="{BB962C8B-B14F-4D97-AF65-F5344CB8AC3E}">
+        <p14:creationId xmlns:p14="http://schemas.microsoft.com/office/powerpoint/2010/main" val="2012494481"/>
+      </p:ext>
+    </p:extLst>
+  </p:cSld>
+  <p:clrMapOvr>
+    <a:masterClrMapping/>
+  </p:clrMapOvr>
+</p:notes>
+</file>
+
+<file path=ppt/notesSlides/notesSlide14.xml><?xml version="1.0" encoding="utf-8"?>
+<p:notes xmlns:a="http://schemas.openxmlformats.org/drawingml/2006/main" xmlns:r="http://schemas.openxmlformats.org/officeDocument/2006/relationships" xmlns:p="http://schemas.openxmlformats.org/presentationml/2006/main">
+  <p:cSld>
+    <p:spTree>
+      <p:nvGrpSpPr>
+        <p:cNvPr id="1" name=""/>
+        <p:cNvGrpSpPr/>
+        <p:nvPr/>
+      </p:nvGrpSpPr>
+      <p:grpSpPr>
+        <a:xfrm>
+          <a:off x="0" y="0"/>
+          <a:ext cx="0" cy="0"/>
+          <a:chOff x="0" y="0"/>
+          <a:chExt cx="0" cy="0"/>
+        </a:xfrm>
+      </p:grpSpPr>
+      <p:sp>
+        <p:nvSpPr>
+          <p:cNvPr id="2" name="Slide Image Placeholder 1"/>
+          <p:cNvSpPr>
+            <a:spLocks noGrp="1" noRot="1" noChangeAspect="1"/>
+          </p:cNvSpPr>
+          <p:nvPr>
+            <p:ph type="sldImg"/>
+          </p:nvPr>
+        </p:nvSpPr>
+        <p:spPr/>
+      </p:sp>
+      <p:sp>
+        <p:nvSpPr>
+          <p:cNvPr id="3" name="Notes Placeholder 2"/>
+          <p:cNvSpPr>
+            <a:spLocks noGrp="1"/>
+          </p:cNvSpPr>
+          <p:nvPr>
+            <p:ph type="body" idx="1"/>
+          </p:nvPr>
+        </p:nvSpPr>
+        <p:spPr/>
+        <p:txBody>
+          <a:bodyPr/>
+          <a:lstStyle/>
+          <a:p>
+            <a:endParaRPr lang="en-US" dirty="0"/>
+          </a:p>
+        </p:txBody>
+      </p:sp>
+      <p:sp>
+        <p:nvSpPr>
+          <p:cNvPr id="5" name="Header Placeholder 4"/>
+          <p:cNvSpPr>
+            <a:spLocks noGrp="1"/>
+          </p:cNvSpPr>
+          <p:nvPr>
+            <p:ph type="hdr" sz="quarter" idx="11"/>
+          </p:nvPr>
+        </p:nvSpPr>
+        <p:spPr/>
+        <p:txBody>
+          <a:bodyPr/>
+          <a:lstStyle/>
+          <a:p>
+            <a:pPr>
+              <a:defRPr/>
+            </a:pPr>
+            <a:r>
+              <a:rPr lang="en-US" smtClean="0"/>
+              <a:t>Elegant Tests</a:t>
+            </a:r>
+            <a:endParaRPr lang="en-US"/>
+          </a:p>
+        </p:txBody>
+      </p:sp>
+      <p:sp>
+        <p:nvSpPr>
+          <p:cNvPr id="7" name="Date Placeholder 6"/>
+          <p:cNvSpPr>
+            <a:spLocks noGrp="1"/>
+          </p:cNvSpPr>
+          <p:nvPr>
+            <p:ph type="dt" idx="13"/>
+          </p:nvPr>
+        </p:nvSpPr>
+        <p:spPr/>
+        <p:txBody>
+          <a:bodyPr/>
+          <a:lstStyle/>
+          <a:p>
+            <a:pPr>
+              <a:defRPr/>
+            </a:pPr>
+            <a:r>
+              <a:rPr lang="en-US" smtClean="0"/>
+              <a:t>Chef Software, Inc</a:t>
+            </a:r>
+            <a:endParaRPr lang="en-US" dirty="0"/>
+          </a:p>
+        </p:txBody>
+      </p:sp>
+    </p:spTree>
+    <p:extLst>
+      <p:ext uri="{BB962C8B-B14F-4D97-AF65-F5344CB8AC3E}">
+        <p14:creationId xmlns:p14="http://schemas.microsoft.com/office/powerpoint/2010/main" val="103301370"/>
+      </p:ext>
+    </p:extLst>
+  </p:cSld>
+  <p:clrMapOvr>
+    <a:masterClrMapping/>
+  </p:clrMapOvr>
+</p:notes>
+</file>
+
+<file path=ppt/notesSlides/notesSlide15.xml><?xml version="1.0" encoding="utf-8"?>
+<p:notes xmlns:a="http://schemas.openxmlformats.org/drawingml/2006/main" xmlns:r="http://schemas.openxmlformats.org/officeDocument/2006/relationships" xmlns:p="http://schemas.openxmlformats.org/presentationml/2006/main">
+  <p:cSld>
+    <p:spTree>
+      <p:nvGrpSpPr>
+        <p:cNvPr id="1" name=""/>
+        <p:cNvGrpSpPr/>
+        <p:nvPr/>
+      </p:nvGrpSpPr>
+      <p:grpSpPr>
+        <a:xfrm>
+          <a:off x="0" y="0"/>
+          <a:ext cx="0" cy="0"/>
+          <a:chOff x="0" y="0"/>
+          <a:chExt cx="0" cy="0"/>
+        </a:xfrm>
+      </p:grpSpPr>
+      <p:sp>
+        <p:nvSpPr>
+          <p:cNvPr id="2" name="Slide Image Placeholder 1"/>
+          <p:cNvSpPr>
+            <a:spLocks noGrp="1" noRot="1" noChangeAspect="1"/>
+          </p:cNvSpPr>
+          <p:nvPr>
+            <p:ph type="sldImg"/>
+          </p:nvPr>
+        </p:nvSpPr>
+        <p:spPr/>
+      </p:sp>
+      <p:sp>
+        <p:nvSpPr>
+          <p:cNvPr id="3" name="Notes Placeholder 2"/>
+          <p:cNvSpPr>
+            <a:spLocks noGrp="1"/>
+          </p:cNvSpPr>
+          <p:nvPr>
+            <p:ph type="body" idx="1"/>
+          </p:nvPr>
+        </p:nvSpPr>
+        <p:spPr/>
+        <p:txBody>
+          <a:bodyPr/>
+          <a:lstStyle/>
+          <a:p>
+            <a:endParaRPr lang="en-US"/>
+          </a:p>
+        </p:txBody>
+      </p:sp>
+      <p:sp>
+        <p:nvSpPr>
+          <p:cNvPr id="4" name="Date Placeholder 3"/>
+          <p:cNvSpPr>
+            <a:spLocks noGrp="1"/>
+          </p:cNvSpPr>
+          <p:nvPr>
+            <p:ph type="dt" idx="10"/>
+          </p:nvPr>
+        </p:nvSpPr>
+        <p:spPr/>
+        <p:txBody>
+          <a:bodyPr/>
+          <a:lstStyle/>
+          <a:p>
+            <a:pPr>
+              <a:defRPr/>
+            </a:pPr>
+            <a:r>
+              <a:rPr lang="en-US" smtClean="0"/>
+              <a:t>Chef Software, Inc</a:t>
+            </a:r>
+            <a:endParaRPr lang="en-US" dirty="0"/>
+          </a:p>
+        </p:txBody>
+      </p:sp>
+      <p:sp>
+        <p:nvSpPr>
+          <p:cNvPr id="5" name="Header Placeholder 4"/>
+          <p:cNvSpPr>
+            <a:spLocks noGrp="1"/>
+          </p:cNvSpPr>
+          <p:nvPr>
+            <p:ph type="hdr" sz="quarter" idx="11"/>
+          </p:nvPr>
+        </p:nvSpPr>
+        <p:spPr/>
+        <p:txBody>
+          <a:bodyPr/>
+          <a:lstStyle/>
+          <a:p>
+            <a:pPr>
+              <a:defRPr/>
+            </a:pPr>
+            <a:r>
+              <a:rPr lang="en-US" smtClean="0"/>
+              <a:t>Elegant Tests</a:t>
+            </a:r>
+            <a:endParaRPr lang="en-US"/>
+          </a:p>
+        </p:txBody>
+      </p:sp>
+    </p:spTree>
+    <p:extLst>
+      <p:ext uri="{BB962C8B-B14F-4D97-AF65-F5344CB8AC3E}">
+        <p14:creationId xmlns:p14="http://schemas.microsoft.com/office/powerpoint/2010/main" val="2005834336"/>
       </p:ext>
     </p:extLst>
   </p:cSld>
@@ -1057,18 +1724,22 @@
           <a:bodyPr/>
           <a:lstStyle/>
           <a:p>
+            <a:r>
+              <a:rPr lang="en-US" dirty="0" smtClean="0"/>
+              <a:t>The objective of this module is to use ruby methods to help us capture operations we repeatedly perform through our specification file.</a:t>
+            </a:r>
             <a:endParaRPr lang="en-US" dirty="0"/>
           </a:p>
         </p:txBody>
       </p:sp>
       <p:sp>
         <p:nvSpPr>
-          <p:cNvPr id="4" name="Slide Number Placeholder 3"/>
+          <p:cNvPr id="5" name="Header Placeholder 4"/>
           <p:cNvSpPr>
             <a:spLocks noGrp="1"/>
           </p:cNvSpPr>
           <p:nvPr>
-            <p:ph type="sldNum" sz="quarter" idx="10"/>
+            <p:ph type="hdr" sz="quarter" idx="11"/>
           </p:nvPr>
         </p:nvSpPr>
         <p:spPr/>
@@ -1079,25 +1750,22 @@
             <a:pPr>
               <a:defRPr/>
             </a:pPr>
-            <a:fld id="{DC3734AA-3150-D947-AC52-2F5DF48BFCD5}" type="slidenum">
+            <a:r>
               <a:rPr lang="en-US" smtClean="0"/>
-              <a:pPr>
-                <a:defRPr/>
-              </a:pPr>
-              <a:t>2</a:t>
-            </a:fld>
-            <a:endParaRPr lang="en-US" dirty="0"/>
-          </a:p>
-        </p:txBody>
-      </p:sp>
-      <p:sp>
-        <p:nvSpPr>
-          <p:cNvPr id="5" name="Header Placeholder 4"/>
+              <a:t>Elegant Tests</a:t>
+            </a:r>
+            <a:endParaRPr lang="en-US"/>
+          </a:p>
+        </p:txBody>
+      </p:sp>
+      <p:sp>
+        <p:nvSpPr>
+          <p:cNvPr id="7" name="Date Placeholder 6"/>
           <p:cNvSpPr>
             <a:spLocks noGrp="1"/>
           </p:cNvSpPr>
           <p:nvPr>
-            <p:ph type="hdr" sz="quarter" idx="11"/>
+            <p:ph type="dt" idx="13"/>
           </p:nvPr>
         </p:nvSpPr>
         <p:spPr/>
@@ -1108,29 +1776,11 @@
             <a:pPr>
               <a:defRPr/>
             </a:pPr>
-            <a:endParaRPr lang="en-US"/>
-          </a:p>
-        </p:txBody>
-      </p:sp>
-      <p:sp>
-        <p:nvSpPr>
-          <p:cNvPr id="6" name="Footer Placeholder 5"/>
-          <p:cNvSpPr>
-            <a:spLocks noGrp="1"/>
-          </p:cNvSpPr>
-          <p:nvPr>
-            <p:ph type="ftr" sz="quarter" idx="12"/>
-          </p:nvPr>
-        </p:nvSpPr>
-        <p:spPr/>
-        <p:txBody>
-          <a:bodyPr/>
-          <a:lstStyle/>
-          <a:p>
-            <a:pPr>
-              <a:defRPr/>
-            </a:pPr>
-            <a:endParaRPr lang="en-US"/>
+            <a:r>
+              <a:rPr lang="en-US" smtClean="0"/>
+              <a:t>Chef Software, Inc</a:t>
+            </a:r>
+            <a:endParaRPr lang="en-US" dirty="0"/>
           </a:p>
         </p:txBody>
       </p:sp>
@@ -1191,18 +1841,24 @@
           <a:bodyPr/>
           <a:lstStyle/>
           <a:p>
+            <a:r>
+              <a:rPr lang="en-US" dirty="0"/>
+              <a:t>First we will explore the concepts around this technique, I will demonstrate the use of this technique, we will review what was demonstrated, and then I will ask you to participate in a related exercise.</a:t>
+            </a:r>
+          </a:p>
+          <a:p>
             <a:endParaRPr lang="en-US" dirty="0"/>
           </a:p>
         </p:txBody>
       </p:sp>
       <p:sp>
         <p:nvSpPr>
-          <p:cNvPr id="4" name="Slide Number Placeholder 3"/>
+          <p:cNvPr id="5" name="Header Placeholder 4"/>
           <p:cNvSpPr>
             <a:spLocks noGrp="1"/>
           </p:cNvSpPr>
           <p:nvPr>
-            <p:ph type="sldNum" sz="quarter" idx="10"/>
+            <p:ph type="hdr" sz="quarter" idx="11"/>
           </p:nvPr>
         </p:nvSpPr>
         <p:spPr/>
@@ -1213,25 +1869,22 @@
             <a:pPr>
               <a:defRPr/>
             </a:pPr>
-            <a:fld id="{DC3734AA-3150-D947-AC52-2F5DF48BFCD5}" type="slidenum">
+            <a:r>
               <a:rPr lang="en-US" smtClean="0"/>
-              <a:pPr>
-                <a:defRPr/>
-              </a:pPr>
-              <a:t>3</a:t>
-            </a:fld>
-            <a:endParaRPr lang="en-US" dirty="0"/>
-          </a:p>
-        </p:txBody>
-      </p:sp>
-      <p:sp>
-        <p:nvSpPr>
-          <p:cNvPr id="5" name="Header Placeholder 4"/>
+              <a:t>Elegant Tests</a:t>
+            </a:r>
+            <a:endParaRPr lang="en-US"/>
+          </a:p>
+        </p:txBody>
+      </p:sp>
+      <p:sp>
+        <p:nvSpPr>
+          <p:cNvPr id="7" name="Date Placeholder 6"/>
           <p:cNvSpPr>
             <a:spLocks noGrp="1"/>
           </p:cNvSpPr>
           <p:nvPr>
-            <p:ph type="hdr" sz="quarter" idx="11"/>
+            <p:ph type="dt" idx="13"/>
           </p:nvPr>
         </p:nvSpPr>
         <p:spPr/>
@@ -1242,29 +1895,11 @@
             <a:pPr>
               <a:defRPr/>
             </a:pPr>
-            <a:endParaRPr lang="en-US"/>
-          </a:p>
-        </p:txBody>
-      </p:sp>
-      <p:sp>
-        <p:nvSpPr>
-          <p:cNvPr id="6" name="Footer Placeholder 5"/>
-          <p:cNvSpPr>
-            <a:spLocks noGrp="1"/>
-          </p:cNvSpPr>
-          <p:nvPr>
-            <p:ph type="ftr" sz="quarter" idx="12"/>
-          </p:nvPr>
-        </p:nvSpPr>
-        <p:spPr/>
-        <p:txBody>
-          <a:bodyPr/>
-          <a:lstStyle/>
-          <a:p>
-            <a:pPr>
-              <a:defRPr/>
-            </a:pPr>
-            <a:endParaRPr lang="en-US"/>
+            <a:r>
+              <a:rPr lang="en-US" smtClean="0"/>
+              <a:t>Chef Software, Inc</a:t>
+            </a:r>
+            <a:endParaRPr lang="en-US" dirty="0"/>
           </a:p>
         </p:txBody>
       </p:sp>
@@ -1325,18 +1960,28 @@
           <a:bodyPr/>
           <a:lstStyle/>
           <a:p>
+            <a:r>
+              <a:rPr lang="en-US" dirty="0" smtClean="0"/>
+              <a:t>We have seen how the let helper allows us to define common information in a central location and then re-use that information throughout our examples and in our expectations.</a:t>
+            </a:r>
+          </a:p>
+          <a:p>
+            <a:r>
+              <a:rPr lang="en-US" dirty="0" smtClean="0"/>
+              <a:t>However, there are some limits to the let helpers. Namely the only return a static information. They cannot repeat a process that takes inputs. That is where Ruby methods can help us.</a:t>
+            </a:r>
             <a:endParaRPr lang="en-US" dirty="0"/>
           </a:p>
         </p:txBody>
       </p:sp>
       <p:sp>
         <p:nvSpPr>
-          <p:cNvPr id="4" name="Slide Number Placeholder 3"/>
+          <p:cNvPr id="4" name="Date Placeholder 3"/>
           <p:cNvSpPr>
             <a:spLocks noGrp="1"/>
           </p:cNvSpPr>
           <p:nvPr>
-            <p:ph type="sldNum" sz="quarter" idx="10"/>
+            <p:ph type="dt" idx="10"/>
           </p:nvPr>
         </p:nvSpPr>
         <p:spPr/>
@@ -1347,13 +1992,10 @@
             <a:pPr>
               <a:defRPr/>
             </a:pPr>
-            <a:fld id="{DC3734AA-3150-D947-AC52-2F5DF48BFCD5}" type="slidenum">
+            <a:r>
               <a:rPr lang="en-US" smtClean="0"/>
-              <a:pPr>
-                <a:defRPr/>
-              </a:pPr>
-              <a:t>7</a:t>
-            </a:fld>
+              <a:t>Chef Software, Inc</a:t>
+            </a:r>
             <a:endParaRPr lang="en-US" dirty="0"/>
           </a:p>
         </p:txBody>
@@ -1376,28 +2018,10 @@
             <a:pPr>
               <a:defRPr/>
             </a:pPr>
-            <a:endParaRPr lang="en-US"/>
-          </a:p>
-        </p:txBody>
-      </p:sp>
-      <p:sp>
-        <p:nvSpPr>
-          <p:cNvPr id="6" name="Footer Placeholder 5"/>
-          <p:cNvSpPr>
-            <a:spLocks noGrp="1"/>
-          </p:cNvSpPr>
-          <p:nvPr>
-            <p:ph type="ftr" sz="quarter" idx="12"/>
-          </p:nvPr>
-        </p:nvSpPr>
-        <p:spPr/>
-        <p:txBody>
-          <a:bodyPr/>
-          <a:lstStyle/>
-          <a:p>
-            <a:pPr>
-              <a:defRPr/>
-            </a:pPr>
+            <a:r>
+              <a:rPr lang="en-US" smtClean="0"/>
+              <a:t>Elegant Tests</a:t>
+            </a:r>
             <a:endParaRPr lang="en-US"/>
           </a:p>
         </p:txBody>
@@ -1405,7 +2029,7 @@
     </p:spTree>
     <p:extLst>
       <p:ext uri="{BB962C8B-B14F-4D97-AF65-F5344CB8AC3E}">
-        <p14:creationId xmlns:p14="http://schemas.microsoft.com/office/powerpoint/2010/main" val="103301370"/>
+        <p14:creationId xmlns:p14="http://schemas.microsoft.com/office/powerpoint/2010/main" val="760775067"/>
       </p:ext>
     </p:extLst>
   </p:cSld>
@@ -1459,18 +2083,58 @@
           <a:bodyPr/>
           <a:lstStyle/>
           <a:p>
+            <a:r>
+              <a:rPr lang="en-US" dirty="0" smtClean="0"/>
+              <a:t>A ruby method starts with the Ruby keyword </a:t>
+            </a:r>
+            <a:r>
+              <a:rPr lang="en-US" dirty="0" err="1" smtClean="0"/>
+              <a:t>def</a:t>
+            </a:r>
+            <a:r>
+              <a:rPr lang="en-US" dirty="0" smtClean="0"/>
+              <a:t>, is followed by the name of the method, and then we define a list of parameters.</a:t>
+            </a:r>
+          </a:p>
+          <a:p>
+            <a:r>
+              <a:rPr lang="en-US" dirty="0" smtClean="0"/>
+              <a:t>Within a method you can define a series of expressions and statements that perform an operation. The last line of a Ruby method will automatically be returned as a result of the method when it is invoked.</a:t>
+            </a:r>
             <a:endParaRPr lang="en-US" dirty="0"/>
           </a:p>
-        </p:txBody>
-      </p:sp>
-      <p:sp>
-        <p:nvSpPr>
-          <p:cNvPr id="4" name="Slide Number Placeholder 3"/>
+          <a:p>
+            <a:endParaRPr lang="en-US" dirty="0" smtClean="0"/>
+          </a:p>
+          <a:p>
+            <a:r>
+              <a:rPr lang="en-US" b="1" dirty="0" smtClean="0"/>
+              <a:t>Note</a:t>
+            </a:r>
+            <a:r>
+              <a:rPr lang="en-US" dirty="0" smtClean="0"/>
+              <a:t>: Ruby methods can also accept no parameters, named </a:t>
+            </a:r>
+            <a:r>
+              <a:rPr lang="en-US" dirty="0" err="1" smtClean="0"/>
+              <a:t>paramaters</a:t>
+            </a:r>
+            <a:r>
+              <a:rPr lang="en-US" dirty="0" smtClean="0"/>
+              <a:t>, an unbounded set of parameters, and blocks. This is far beyond the scope of this workshop to describe all the ways in which methods can be defined and used.</a:t>
+            </a:r>
+            <a:endParaRPr lang="en-US" b="1" dirty="0"/>
+          </a:p>
+        </p:txBody>
+      </p:sp>
+      <p:sp>
+        <p:nvSpPr>
+          <p:cNvPr id="4" name="Date Placeholder 3"/>
           <p:cNvSpPr>
             <a:spLocks noGrp="1"/>
           </p:cNvSpPr>
           <p:nvPr>
-            <p:ph type="sldNum" sz="quarter" idx="10"/>
+            <p:ph type="dt" idx="10"/>
           </p:nvPr>
         </p:nvSpPr>
         <p:spPr/>
@@ -1481,13 +2145,10 @@
             <a:pPr>
               <a:defRPr/>
             </a:pPr>
-            <a:fld id="{DC3734AA-3150-D947-AC52-2F5DF48BFCD5}" type="slidenum">
+            <a:r>
               <a:rPr lang="en-US" smtClean="0"/>
-              <a:pPr>
-                <a:defRPr/>
-              </a:pPr>
-              <a:t>9</a:t>
-            </a:fld>
+              <a:t>Chef Software, Inc</a:t>
+            </a:r>
             <a:endParaRPr lang="en-US" dirty="0"/>
           </a:p>
         </p:txBody>
@@ -1510,28 +2171,10 @@
             <a:pPr>
               <a:defRPr/>
             </a:pPr>
-            <a:endParaRPr lang="en-US"/>
-          </a:p>
-        </p:txBody>
-      </p:sp>
-      <p:sp>
-        <p:nvSpPr>
-          <p:cNvPr id="6" name="Footer Placeholder 5"/>
-          <p:cNvSpPr>
-            <a:spLocks noGrp="1"/>
-          </p:cNvSpPr>
-          <p:nvPr>
-            <p:ph type="ftr" sz="quarter" idx="12"/>
-          </p:nvPr>
-        </p:nvSpPr>
-        <p:spPr/>
-        <p:txBody>
-          <a:bodyPr/>
-          <a:lstStyle/>
-          <a:p>
-            <a:pPr>
-              <a:defRPr/>
-            </a:pPr>
+            <a:r>
+              <a:rPr lang="en-US" smtClean="0"/>
+              <a:t>Elegant Tests</a:t>
+            </a:r>
             <a:endParaRPr lang="en-US"/>
           </a:p>
         </p:txBody>
@@ -1539,7 +2182,7 @@
     </p:spTree>
     <p:extLst>
       <p:ext uri="{BB962C8B-B14F-4D97-AF65-F5344CB8AC3E}">
-        <p14:creationId xmlns:p14="http://schemas.microsoft.com/office/powerpoint/2010/main" val="103301370"/>
+        <p14:creationId xmlns:p14="http://schemas.microsoft.com/office/powerpoint/2010/main" val="552164255"/>
       </p:ext>
     </p:extLst>
   </p:cSld>
@@ -1593,18 +2236,29 @@
           <a:bodyPr/>
           <a:lstStyle/>
           <a:p>
+            <a:r>
+              <a:rPr lang="en-US" dirty="0"/>
+              <a:t>Now it is time to demonstrate how let can be used to help create more </a:t>
+            </a:r>
+            <a:r>
+              <a:rPr lang="en-US" dirty="0" smtClean="0"/>
+              <a:t>elegance within your example groups using methods.</a:t>
+            </a:r>
             <a:endParaRPr lang="en-US" dirty="0"/>
           </a:p>
-        </p:txBody>
-      </p:sp>
-      <p:sp>
-        <p:nvSpPr>
-          <p:cNvPr id="4" name="Slide Number Placeholder 3"/>
+          <a:p>
+            <a:endParaRPr lang="en-US" dirty="0"/>
+          </a:p>
+        </p:txBody>
+      </p:sp>
+      <p:sp>
+        <p:nvSpPr>
+          <p:cNvPr id="5" name="Header Placeholder 4"/>
           <p:cNvSpPr>
             <a:spLocks noGrp="1"/>
           </p:cNvSpPr>
           <p:nvPr>
-            <p:ph type="sldNum" sz="quarter" idx="10"/>
+            <p:ph type="hdr" sz="quarter" idx="11"/>
           </p:nvPr>
         </p:nvSpPr>
         <p:spPr/>
@@ -1615,25 +2269,22 @@
             <a:pPr>
               <a:defRPr/>
             </a:pPr>
-            <a:fld id="{DC3734AA-3150-D947-AC52-2F5DF48BFCD5}" type="slidenum">
+            <a:r>
               <a:rPr lang="en-US" smtClean="0"/>
-              <a:pPr>
-                <a:defRPr/>
-              </a:pPr>
-              <a:t>19</a:t>
-            </a:fld>
-            <a:endParaRPr lang="en-US" dirty="0"/>
-          </a:p>
-        </p:txBody>
-      </p:sp>
-      <p:sp>
-        <p:nvSpPr>
-          <p:cNvPr id="5" name="Header Placeholder 4"/>
+              <a:t>Elegant Tests</a:t>
+            </a:r>
+            <a:endParaRPr lang="en-US"/>
+          </a:p>
+        </p:txBody>
+      </p:sp>
+      <p:sp>
+        <p:nvSpPr>
+          <p:cNvPr id="7" name="Date Placeholder 6"/>
           <p:cNvSpPr>
             <a:spLocks noGrp="1"/>
           </p:cNvSpPr>
           <p:nvPr>
-            <p:ph type="hdr" sz="quarter" idx="11"/>
+            <p:ph type="dt" idx="13"/>
           </p:nvPr>
         </p:nvSpPr>
         <p:spPr/>
@@ -1644,29 +2295,11 @@
             <a:pPr>
               <a:defRPr/>
             </a:pPr>
-            <a:endParaRPr lang="en-US"/>
-          </a:p>
-        </p:txBody>
-      </p:sp>
-      <p:sp>
-        <p:nvSpPr>
-          <p:cNvPr id="6" name="Footer Placeholder 5"/>
-          <p:cNvSpPr>
-            <a:spLocks noGrp="1"/>
-          </p:cNvSpPr>
-          <p:nvPr>
-            <p:ph type="ftr" sz="quarter" idx="12"/>
-          </p:nvPr>
-        </p:nvSpPr>
-        <p:spPr/>
-        <p:txBody>
-          <a:bodyPr/>
-          <a:lstStyle/>
-          <a:p>
-            <a:pPr>
-              <a:defRPr/>
-            </a:pPr>
-            <a:endParaRPr lang="en-US"/>
+            <a:r>
+              <a:rPr lang="en-US" smtClean="0"/>
+              <a:t>Chef Software, Inc</a:t>
+            </a:r>
+            <a:endParaRPr lang="en-US" dirty="0"/>
           </a:p>
         </p:txBody>
       </p:sp>
@@ -1727,18 +2360,30 @@
           <a:bodyPr/>
           <a:lstStyle/>
           <a:p>
+            <a:r>
+              <a:rPr lang="en-US" dirty="0" smtClean="0"/>
+              <a:t>In this demonstration I will show you how to define a method that accepts a single parameter, an attribute name, and then return the node attribute from the node object contained within the </a:t>
+            </a:r>
+            <a:r>
+              <a:rPr lang="en-US" dirty="0" err="1" smtClean="0"/>
+              <a:t>chef_run</a:t>
+            </a:r>
+            <a:r>
+              <a:rPr lang="en-US" dirty="0" smtClean="0"/>
+              <a:t>.</a:t>
+            </a:r>
             <a:endParaRPr lang="en-US" dirty="0"/>
           </a:p>
         </p:txBody>
       </p:sp>
       <p:sp>
         <p:nvSpPr>
-          <p:cNvPr id="4" name="Slide Number Placeholder 3"/>
+          <p:cNvPr id="4" name="Date Placeholder 3"/>
           <p:cNvSpPr>
             <a:spLocks noGrp="1"/>
           </p:cNvSpPr>
           <p:nvPr>
-            <p:ph type="sldNum" sz="quarter" idx="10"/>
+            <p:ph type="dt" idx="10"/>
           </p:nvPr>
         </p:nvSpPr>
         <p:spPr/>
@@ -1749,13 +2394,10 @@
             <a:pPr>
               <a:defRPr/>
             </a:pPr>
-            <a:fld id="{DC3734AA-3150-D947-AC52-2F5DF48BFCD5}" type="slidenum">
+            <a:r>
               <a:rPr lang="en-US" smtClean="0"/>
-              <a:pPr>
-                <a:defRPr/>
-              </a:pPr>
-              <a:t>20</a:t>
-            </a:fld>
+              <a:t>Chef Software, Inc</a:t>
+            </a:r>
             <a:endParaRPr lang="en-US" dirty="0"/>
           </a:p>
         </p:txBody>
@@ -1778,28 +2420,10 @@
             <a:pPr>
               <a:defRPr/>
             </a:pPr>
-            <a:endParaRPr lang="en-US"/>
-          </a:p>
-        </p:txBody>
-      </p:sp>
-      <p:sp>
-        <p:nvSpPr>
-          <p:cNvPr id="6" name="Footer Placeholder 5"/>
-          <p:cNvSpPr>
-            <a:spLocks noGrp="1"/>
-          </p:cNvSpPr>
-          <p:nvPr>
-            <p:ph type="ftr" sz="quarter" idx="12"/>
-          </p:nvPr>
-        </p:nvSpPr>
-        <p:spPr/>
-        <p:txBody>
-          <a:bodyPr/>
-          <a:lstStyle/>
-          <a:p>
-            <a:pPr>
-              <a:defRPr/>
-            </a:pPr>
+            <a:r>
+              <a:rPr lang="en-US" smtClean="0"/>
+              <a:t>Elegant Tests</a:t>
+            </a:r>
             <a:endParaRPr lang="en-US"/>
           </a:p>
         </p:txBody>
@@ -1807,7 +2431,7 @@
     </p:spTree>
     <p:extLst>
       <p:ext uri="{BB962C8B-B14F-4D97-AF65-F5344CB8AC3E}">
-        <p14:creationId xmlns:p14="http://schemas.microsoft.com/office/powerpoint/2010/main" val="2012494481"/>
+        <p14:creationId xmlns:p14="http://schemas.microsoft.com/office/powerpoint/2010/main" val="504795599"/>
       </p:ext>
     </p:extLst>
   </p:cSld>
@@ -1867,12 +2491,12 @@
       </p:sp>
       <p:sp>
         <p:nvSpPr>
-          <p:cNvPr id="4" name="Slide Number Placeholder 3"/>
+          <p:cNvPr id="5" name="Header Placeholder 4"/>
           <p:cNvSpPr>
             <a:spLocks noGrp="1"/>
           </p:cNvSpPr>
           <p:nvPr>
-            <p:ph type="sldNum" sz="quarter" idx="10"/>
+            <p:ph type="hdr" sz="quarter" idx="11"/>
           </p:nvPr>
         </p:nvSpPr>
         <p:spPr/>
@@ -1883,25 +2507,22 @@
             <a:pPr>
               <a:defRPr/>
             </a:pPr>
-            <a:fld id="{DC3734AA-3150-D947-AC52-2F5DF48BFCD5}" type="slidenum">
+            <a:r>
               <a:rPr lang="en-US" smtClean="0"/>
-              <a:pPr>
-                <a:defRPr/>
-              </a:pPr>
-              <a:t>21</a:t>
-            </a:fld>
-            <a:endParaRPr lang="en-US" dirty="0"/>
-          </a:p>
-        </p:txBody>
-      </p:sp>
-      <p:sp>
-        <p:nvSpPr>
-          <p:cNvPr id="5" name="Header Placeholder 4"/>
+              <a:t>Elegant Tests</a:t>
+            </a:r>
+            <a:endParaRPr lang="en-US"/>
+          </a:p>
+        </p:txBody>
+      </p:sp>
+      <p:sp>
+        <p:nvSpPr>
+          <p:cNvPr id="7" name="Date Placeholder 6"/>
           <p:cNvSpPr>
             <a:spLocks noGrp="1"/>
           </p:cNvSpPr>
           <p:nvPr>
-            <p:ph type="hdr" sz="quarter" idx="11"/>
+            <p:ph type="dt" idx="13"/>
           </p:nvPr>
         </p:nvSpPr>
         <p:spPr/>
@@ -1912,29 +2533,11 @@
             <a:pPr>
               <a:defRPr/>
             </a:pPr>
-            <a:endParaRPr lang="en-US"/>
-          </a:p>
-        </p:txBody>
-      </p:sp>
-      <p:sp>
-        <p:nvSpPr>
-          <p:cNvPr id="6" name="Footer Placeholder 5"/>
-          <p:cNvSpPr>
-            <a:spLocks noGrp="1"/>
-          </p:cNvSpPr>
-          <p:nvPr>
-            <p:ph type="ftr" sz="quarter" idx="12"/>
-          </p:nvPr>
-        </p:nvSpPr>
-        <p:spPr/>
-        <p:txBody>
-          <a:bodyPr/>
-          <a:lstStyle/>
-          <a:p>
-            <a:pPr>
-              <a:defRPr/>
-            </a:pPr>
-            <a:endParaRPr lang="en-US"/>
+            <a:r>
+              <a:rPr lang="en-US" smtClean="0"/>
+              <a:t>Chef Software, Inc</a:t>
+            </a:r>
+            <a:endParaRPr lang="en-US" dirty="0"/>
           </a:p>
         </p:txBody>
       </p:sp>
@@ -1942,6 +2545,122 @@
     <p:extLst>
       <p:ext uri="{BB962C8B-B14F-4D97-AF65-F5344CB8AC3E}">
         <p14:creationId xmlns:p14="http://schemas.microsoft.com/office/powerpoint/2010/main" val="103301370"/>
+      </p:ext>
+    </p:extLst>
+  </p:cSld>
+  <p:clrMapOvr>
+    <a:masterClrMapping/>
+  </p:clrMapOvr>
+</p:notes>
+</file>
+
+<file path=ppt/notesSlides/notesSlide9.xml><?xml version="1.0" encoding="utf-8"?>
+<p:notes xmlns:a="http://schemas.openxmlformats.org/drawingml/2006/main" xmlns:r="http://schemas.openxmlformats.org/officeDocument/2006/relationships" xmlns:p="http://schemas.openxmlformats.org/presentationml/2006/main">
+  <p:cSld>
+    <p:spTree>
+      <p:nvGrpSpPr>
+        <p:cNvPr id="1" name=""/>
+        <p:cNvGrpSpPr/>
+        <p:nvPr/>
+      </p:nvGrpSpPr>
+      <p:grpSpPr>
+        <a:xfrm>
+          <a:off x="0" y="0"/>
+          <a:ext cx="0" cy="0"/>
+          <a:chOff x="0" y="0"/>
+          <a:chExt cx="0" cy="0"/>
+        </a:xfrm>
+      </p:grpSpPr>
+      <p:sp>
+        <p:nvSpPr>
+          <p:cNvPr id="2" name="Slide Image Placeholder 1"/>
+          <p:cNvSpPr>
+            <a:spLocks noGrp="1" noRot="1" noChangeAspect="1"/>
+          </p:cNvSpPr>
+          <p:nvPr>
+            <p:ph type="sldImg"/>
+          </p:nvPr>
+        </p:nvSpPr>
+        <p:spPr/>
+      </p:sp>
+      <p:sp>
+        <p:nvSpPr>
+          <p:cNvPr id="3" name="Notes Placeholder 2"/>
+          <p:cNvSpPr>
+            <a:spLocks noGrp="1"/>
+          </p:cNvSpPr>
+          <p:nvPr>
+            <p:ph type="body" idx="1"/>
+          </p:nvPr>
+        </p:nvSpPr>
+        <p:spPr/>
+        <p:txBody>
+          <a:bodyPr/>
+          <a:lstStyle/>
+          <a:p>
+            <a:r>
+              <a:rPr lang="en-US" dirty="0" smtClean="0"/>
+              <a:t>Within the specification we had a number of examples that setup expectations around ensuring that the correct node attributes were set based on the platform. If you review the attributes file within the cookbook you can see why this kind of information would be useful as there is a lot of conditional logic used to determine the correct values.</a:t>
+            </a:r>
+          </a:p>
+        </p:txBody>
+      </p:sp>
+      <p:sp>
+        <p:nvSpPr>
+          <p:cNvPr id="4" name="Date Placeholder 3"/>
+          <p:cNvSpPr>
+            <a:spLocks noGrp="1"/>
+          </p:cNvSpPr>
+          <p:nvPr>
+            <p:ph type="dt" idx="10"/>
+          </p:nvPr>
+        </p:nvSpPr>
+        <p:spPr/>
+        <p:txBody>
+          <a:bodyPr/>
+          <a:lstStyle/>
+          <a:p>
+            <a:pPr>
+              <a:defRPr/>
+            </a:pPr>
+            <a:r>
+              <a:rPr lang="en-US" smtClean="0"/>
+              <a:t>Chef Software, Inc</a:t>
+            </a:r>
+            <a:endParaRPr lang="en-US" dirty="0"/>
+          </a:p>
+        </p:txBody>
+      </p:sp>
+      <p:sp>
+        <p:nvSpPr>
+          <p:cNvPr id="5" name="Header Placeholder 4"/>
+          <p:cNvSpPr>
+            <a:spLocks noGrp="1"/>
+          </p:cNvSpPr>
+          <p:nvPr>
+            <p:ph type="hdr" sz="quarter" idx="11"/>
+          </p:nvPr>
+        </p:nvSpPr>
+        <p:spPr/>
+        <p:txBody>
+          <a:bodyPr/>
+          <a:lstStyle/>
+          <a:p>
+            <a:pPr>
+              <a:defRPr/>
+            </a:pPr>
+            <a:r>
+              <a:rPr lang="en-US" smtClean="0"/>
+              <a:t>Elegant Tests</a:t>
+            </a:r>
+            <a:endParaRPr lang="en-US"/>
+          </a:p>
+        </p:txBody>
+      </p:sp>
+    </p:spTree>
+    <p:extLst>
+      <p:ext uri="{BB962C8B-B14F-4D97-AF65-F5344CB8AC3E}">
+        <p14:creationId xmlns:p14="http://schemas.microsoft.com/office/powerpoint/2010/main" val="2113750630"/>
       </p:ext>
     </p:extLst>
   </p:cSld>
@@ -2088,7 +2807,7 @@
   <p:clrMapOvr>
     <a:masterClrMapping/>
   </p:clrMapOvr>
-  <p:transition xmlns:p14="http://schemas.microsoft.com/office/powerpoint/2010/main" spd="med">
+  <p:transition spd="med">
     <p:fade/>
   </p:transition>
 </p:sldLayout>
@@ -2376,7 +3095,7 @@
   <p:clrMapOvr>
     <a:overrideClrMapping bg1="lt1" tx1="dk1" bg2="lt2" tx2="dk2" accent1="accent1" accent2="accent2" accent3="accent3" accent4="accent4" accent5="accent5" accent6="accent6" hlink="hlink" folHlink="folHlink"/>
   </p:clrMapOvr>
-  <p:transition xmlns:p14="http://schemas.microsoft.com/office/powerpoint/2010/main" spd="med">
+  <p:transition spd="med">
     <p:fade/>
   </p:transition>
 </p:sldLayout>
@@ -2671,7 +3390,7 @@
   <p:clrMapOvr>
     <a:overrideClrMapping bg1="lt1" tx1="dk1" bg2="lt2" tx2="dk2" accent1="accent1" accent2="accent2" accent3="accent3" accent4="accent4" accent5="accent5" accent6="accent6" hlink="hlink" folHlink="folHlink"/>
   </p:clrMapOvr>
-  <p:transition xmlns:p14="http://schemas.microsoft.com/office/powerpoint/2010/main" spd="med">
+  <p:transition spd="med">
     <p:fade/>
   </p:transition>
 </p:sldLayout>
@@ -2804,14 +3523,14 @@
           </a:ln>
           <a:extLst>
             <a:ext uri="{909E8E84-426E-40dd-AFC4-6F175D3DCCD1}">
-              <a14:hiddenFill xmlns:a14="http://schemas.microsoft.com/office/drawing/2010/main">
+              <a14:hiddenFill xmlns:a14="http://schemas.microsoft.com/office/drawing/2010/main" xmlns="">
                 <a:solidFill>
                   <a:srgbClr val="FFFFFF"/>
                 </a:solidFill>
               </a14:hiddenFill>
             </a:ext>
             <a:ext uri="{91240B29-F687-4f45-9708-019B960494DF}">
-              <a14:hiddenLine xmlns:a14="http://schemas.microsoft.com/office/drawing/2010/main" w="9525">
+              <a14:hiddenLine xmlns:a14="http://schemas.microsoft.com/office/drawing/2010/main" xmlns="" w="9525">
                 <a:solidFill>
                   <a:srgbClr val="000000"/>
                 </a:solidFill>
@@ -2959,14 +3678,14 @@
           </a:ln>
           <a:extLst>
             <a:ext uri="{909E8E84-426E-40dd-AFC4-6F175D3DCCD1}">
-              <a14:hiddenFill xmlns:a14="http://schemas.microsoft.com/office/drawing/2010/main">
+              <a14:hiddenFill xmlns:a14="http://schemas.microsoft.com/office/drawing/2010/main" xmlns="">
                 <a:solidFill>
                   <a:srgbClr val="FFFFFF"/>
                 </a:solidFill>
               </a14:hiddenFill>
             </a:ext>
             <a:ext uri="{91240B29-F687-4f45-9708-019B960494DF}">
-              <a14:hiddenLine xmlns:a14="http://schemas.microsoft.com/office/drawing/2010/main" w="9525">
+              <a14:hiddenLine xmlns:a14="http://schemas.microsoft.com/office/drawing/2010/main" xmlns="" w="9525">
                 <a:solidFill>
                   <a:srgbClr val="000000"/>
                 </a:solidFill>
@@ -3364,7 +4083,7 @@
   <p:clrMapOvr>
     <a:overrideClrMapping bg1="lt1" tx1="dk1" bg2="lt2" tx2="dk2" accent1="accent1" accent2="accent2" accent3="accent3" accent4="accent4" accent5="accent5" accent6="accent6" hlink="hlink" folHlink="folHlink"/>
   </p:clrMapOvr>
-  <p:transition xmlns:p14="http://schemas.microsoft.com/office/powerpoint/2010/main" spd="med">
+  <p:transition spd="med">
     <p:fade/>
   </p:transition>
 </p:sldLayout>
@@ -3457,14 +4176,14 @@
           </a:ln>
           <a:extLst>
             <a:ext uri="{909E8E84-426E-40dd-AFC4-6F175D3DCCD1}">
-              <a14:hiddenFill xmlns:a14="http://schemas.microsoft.com/office/drawing/2010/main">
+              <a14:hiddenFill xmlns:a14="http://schemas.microsoft.com/office/drawing/2010/main" xmlns="">
                 <a:solidFill>
                   <a:srgbClr val="FFFFFF"/>
                 </a:solidFill>
               </a14:hiddenFill>
             </a:ext>
             <a:ext uri="{91240B29-F687-4f45-9708-019B960494DF}">
-              <a14:hiddenLine xmlns:a14="http://schemas.microsoft.com/office/drawing/2010/main" w="9525">
+              <a14:hiddenLine xmlns:a14="http://schemas.microsoft.com/office/drawing/2010/main" xmlns="" w="9525">
                 <a:solidFill>
                   <a:srgbClr val="000000"/>
                 </a:solidFill>
@@ -3486,7 +4205,7 @@
   <p:clrMapOvr>
     <a:masterClrMapping/>
   </p:clrMapOvr>
-  <p:transition xmlns:p14="http://schemas.microsoft.com/office/powerpoint/2010/main" spd="med">
+  <p:transition spd="med">
     <p:fade/>
   </p:transition>
 </p:sldLayout>
@@ -3773,7 +4492,7 @@
   <p:clrMapOvr>
     <a:masterClrMapping/>
   </p:clrMapOvr>
-  <p:transition xmlns:p14="http://schemas.microsoft.com/office/powerpoint/2010/main" spd="med">
+  <p:transition spd="med">
     <p:fade/>
   </p:transition>
 </p:sldLayout>
@@ -4077,7 +4796,7 @@
   <p:clrMapOvr>
     <a:masterClrMapping/>
   </p:clrMapOvr>
-  <p:transition xmlns:p14="http://schemas.microsoft.com/office/powerpoint/2010/main" spd="med">
+  <p:transition spd="med">
     <p:fade/>
   </p:transition>
 </p:sldLayout>
@@ -4364,7 +5083,7 @@
   <p:clrMapOvr>
     <a:masterClrMapping/>
   </p:clrMapOvr>
-  <p:transition xmlns:p14="http://schemas.microsoft.com/office/powerpoint/2010/main" spd="med">
+  <p:transition spd="med">
     <p:fade/>
   </p:transition>
 </p:sldLayout>
@@ -4668,7 +5387,7 @@
   <p:clrMapOvr>
     <a:masterClrMapping/>
   </p:clrMapOvr>
-  <p:transition xmlns:p14="http://schemas.microsoft.com/office/powerpoint/2010/main" spd="med">
+  <p:transition spd="med">
     <p:fade/>
   </p:transition>
 </p:sldLayout>
@@ -5017,7 +5736,7 @@
   <p:clrMapOvr>
     <a:masterClrMapping/>
   </p:clrMapOvr>
-  <p:transition xmlns:p14="http://schemas.microsoft.com/office/powerpoint/2010/main" spd="med">
+  <p:transition spd="med">
     <p:fade/>
   </p:transition>
 </p:sldLayout>
@@ -5304,7 +6023,7 @@
   <p:clrMapOvr>
     <a:masterClrMapping/>
   </p:clrMapOvr>
-  <p:transition xmlns:p14="http://schemas.microsoft.com/office/powerpoint/2010/main" spd="med">
+  <p:transition spd="med">
     <p:fade/>
   </p:transition>
 </p:sldLayout>
@@ -5553,7 +6272,7 @@
   <p:clrMapOvr>
     <a:masterClrMapping/>
   </p:clrMapOvr>
-  <p:transition xmlns:p14="http://schemas.microsoft.com/office/powerpoint/2010/main" spd="med">
+  <p:transition spd="med">
     <p:fade/>
   </p:transition>
 </p:sldLayout>
@@ -5770,14 +6489,14 @@
           </a:ln>
           <a:extLst>
             <a:ext uri="{909E8E84-426E-40dd-AFC4-6F175D3DCCD1}">
-              <a14:hiddenFill xmlns:a14="http://schemas.microsoft.com/office/drawing/2010/main">
+              <a14:hiddenFill xmlns:a14="http://schemas.microsoft.com/office/drawing/2010/main" xmlns="">
                 <a:solidFill>
                   <a:srgbClr val="FFFFFF"/>
                 </a:solidFill>
               </a14:hiddenFill>
             </a:ext>
             <a:ext uri="{91240B29-F687-4f45-9708-019B960494DF}">
-              <a14:hiddenLine xmlns:a14="http://schemas.microsoft.com/office/drawing/2010/main" w="9525">
+              <a14:hiddenLine xmlns:a14="http://schemas.microsoft.com/office/drawing/2010/main" xmlns="" w="9525">
                 <a:solidFill>
                   <a:srgbClr val="000000"/>
                 </a:solidFill>
@@ -5974,7 +6693,7 @@
   <p:clrMapOvr>
     <a:masterClrMapping/>
   </p:clrMapOvr>
-  <p:transition xmlns:p14="http://schemas.microsoft.com/office/powerpoint/2010/main" spd="med">
+  <p:transition spd="med">
     <p:fade/>
   </p:transition>
 </p:sldLayout>
@@ -6279,7 +6998,7 @@
   <p:clrMapOvr>
     <a:masterClrMapping/>
   </p:clrMapOvr>
-  <p:transition xmlns:p14="http://schemas.microsoft.com/office/powerpoint/2010/main" spd="med">
+  <p:transition spd="med">
     <p:fade/>
   </p:transition>
 </p:sldLayout>
@@ -6591,7 +7310,7 @@
   <p:clrMapOvr>
     <a:masterClrMapping/>
   </p:clrMapOvr>
-  <p:transition xmlns:p14="http://schemas.microsoft.com/office/powerpoint/2010/main" spd="med">
+  <p:transition spd="med">
     <p:fade/>
   </p:transition>
 </p:sldLayout>
@@ -6895,7 +7614,7 @@
   <p:clrMapOvr>
     <a:masterClrMapping/>
   </p:clrMapOvr>
-  <p:transition xmlns:p14="http://schemas.microsoft.com/office/powerpoint/2010/main" spd="med">
+  <p:transition spd="med">
     <p:fade/>
   </p:transition>
 </p:sldLayout>
@@ -7072,7 +7791,7 @@
   <p:clrMapOvr>
     <a:masterClrMapping/>
   </p:clrMapOvr>
-  <p:transition xmlns:p14="http://schemas.microsoft.com/office/powerpoint/2010/main" spd="med">
+  <p:transition spd="med">
     <p:fade/>
   </p:transition>
 </p:sldLayout>
@@ -7148,14 +7867,14 @@
           </a:ln>
           <a:extLst>
             <a:ext uri="{909E8E84-426E-40dd-AFC4-6F175D3DCCD1}">
-              <a14:hiddenFill xmlns:a14="http://schemas.microsoft.com/office/drawing/2010/main">
+              <a14:hiddenFill xmlns:a14="http://schemas.microsoft.com/office/drawing/2010/main" xmlns="">
                 <a:solidFill>
                   <a:srgbClr val="FFFFFF"/>
                 </a:solidFill>
               </a14:hiddenFill>
             </a:ext>
             <a:ext uri="{91240B29-F687-4f45-9708-019B960494DF}">
-              <a14:hiddenLine xmlns:a14="http://schemas.microsoft.com/office/drawing/2010/main" w="9525">
+              <a14:hiddenLine xmlns:a14="http://schemas.microsoft.com/office/drawing/2010/main" xmlns="" w="9525">
                 <a:solidFill>
                   <a:srgbClr val="000000"/>
                 </a:solidFill>
@@ -7431,7 +8150,7 @@
   <p:clrMapOvr>
     <a:overrideClrMapping bg1="lt1" tx1="dk1" bg2="lt2" tx2="dk2" accent1="accent1" accent2="accent2" accent3="accent3" accent4="accent4" accent5="accent5" accent6="accent6" hlink="hlink" folHlink="folHlink"/>
   </p:clrMapOvr>
-  <p:transition xmlns:p14="http://schemas.microsoft.com/office/powerpoint/2010/main" spd="med">
+  <p:transition spd="med">
     <p:fade/>
   </p:transition>
 </p:sldLayout>
@@ -7637,7 +8356,7 @@
   <p:clrMapOvr>
     <a:overrideClrMapping bg1="lt1" tx1="dk1" bg2="lt2" tx2="dk2" accent1="accent1" accent2="accent2" accent3="accent3" accent4="accent4" accent5="accent5" accent6="accent6" hlink="hlink" folHlink="folHlink"/>
   </p:clrMapOvr>
-  <p:transition xmlns:p14="http://schemas.microsoft.com/office/powerpoint/2010/main" spd="med">
+  <p:transition spd="med">
     <p:fade/>
   </p:transition>
 </p:sldLayout>
@@ -7713,14 +8432,14 @@
           </a:ln>
           <a:extLst>
             <a:ext uri="{909E8E84-426E-40dd-AFC4-6F175D3DCCD1}">
-              <a14:hiddenFill xmlns:a14="http://schemas.microsoft.com/office/drawing/2010/main">
+              <a14:hiddenFill xmlns:a14="http://schemas.microsoft.com/office/drawing/2010/main" xmlns="">
                 <a:solidFill>
                   <a:srgbClr val="FFFFFF"/>
                 </a:solidFill>
               </a14:hiddenFill>
             </a:ext>
             <a:ext uri="{91240B29-F687-4f45-9708-019B960494DF}">
-              <a14:hiddenLine xmlns:a14="http://schemas.microsoft.com/office/drawing/2010/main" w="9525">
+              <a14:hiddenLine xmlns:a14="http://schemas.microsoft.com/office/drawing/2010/main" xmlns="" w="9525">
                 <a:solidFill>
                   <a:srgbClr val="000000"/>
                 </a:solidFill>
@@ -8003,7 +8722,7 @@
   <p:clrMapOvr>
     <a:overrideClrMapping bg1="lt1" tx1="dk1" bg2="lt2" tx2="dk2" accent1="accent1" accent2="accent2" accent3="accent3" accent4="accent4" accent5="accent5" accent6="accent6" hlink="hlink" folHlink="folHlink"/>
   </p:clrMapOvr>
-  <p:transition xmlns:p14="http://schemas.microsoft.com/office/powerpoint/2010/main" spd="med">
+  <p:transition spd="med">
     <p:fade/>
   </p:transition>
 </p:sldLayout>
@@ -8211,7 +8930,7 @@
   <p:clrMapOvr>
     <a:overrideClrMapping bg1="lt1" tx1="dk1" bg2="lt2" tx2="dk2" accent1="accent1" accent2="accent2" accent3="accent3" accent4="accent4" accent5="accent5" accent6="accent6" hlink="hlink" folHlink="folHlink"/>
   </p:clrMapOvr>
-  <p:transition xmlns:p14="http://schemas.microsoft.com/office/powerpoint/2010/main" spd="med">
+  <p:transition spd="med">
     <p:fade/>
   </p:transition>
 </p:sldLayout>
@@ -8287,14 +9006,14 @@
           </a:ln>
           <a:extLst>
             <a:ext uri="{909E8E84-426E-40dd-AFC4-6F175D3DCCD1}">
-              <a14:hiddenFill xmlns:a14="http://schemas.microsoft.com/office/drawing/2010/main">
+              <a14:hiddenFill xmlns:a14="http://schemas.microsoft.com/office/drawing/2010/main" xmlns="">
                 <a:solidFill>
                   <a:srgbClr val="FFFFFF"/>
                 </a:solidFill>
               </a14:hiddenFill>
             </a:ext>
             <a:ext uri="{91240B29-F687-4f45-9708-019B960494DF}">
-              <a14:hiddenLine xmlns:a14="http://schemas.microsoft.com/office/drawing/2010/main" w="9525">
+              <a14:hiddenLine xmlns:a14="http://schemas.microsoft.com/office/drawing/2010/main" xmlns="" w="9525">
                 <a:solidFill>
                   <a:srgbClr val="000000"/>
                 </a:solidFill>
@@ -8562,7 +9281,7 @@
   <p:clrMapOvr>
     <a:overrideClrMapping bg1="lt1" tx1="dk1" bg2="lt2" tx2="dk2" accent1="accent1" accent2="accent2" accent3="accent3" accent4="accent4" accent5="accent5" accent6="accent6" hlink="hlink" folHlink="folHlink"/>
   </p:clrMapOvr>
-  <p:transition xmlns:p14="http://schemas.microsoft.com/office/powerpoint/2010/main" spd="med">
+  <p:transition spd="med">
     <p:fade/>
   </p:transition>
 </p:sldLayout>
@@ -8790,7 +9509,7 @@
   <p:clrMapOvr>
     <a:overrideClrMapping bg1="lt1" tx1="dk1" bg2="lt2" tx2="dk2" accent1="accent1" accent2="accent2" accent3="accent3" accent4="accent4" accent5="accent5" accent6="accent6" hlink="hlink" folHlink="folHlink"/>
   </p:clrMapOvr>
-  <p:transition xmlns:p14="http://schemas.microsoft.com/office/powerpoint/2010/main" spd="med">
+  <p:transition spd="med">
     <p:fade/>
   </p:transition>
 </p:sldLayout>
@@ -8946,14 +9665,14 @@
           </a:ln>
           <a:extLst>
             <a:ext uri="{909E8E84-426E-40dd-AFC4-6F175D3DCCD1}">
-              <a14:hiddenFill xmlns:a14="http://schemas.microsoft.com/office/drawing/2010/main">
+              <a14:hiddenFill xmlns:a14="http://schemas.microsoft.com/office/drawing/2010/main" xmlns="">
                 <a:solidFill>
                   <a:srgbClr val="FFFFFF"/>
                 </a:solidFill>
               </a14:hiddenFill>
             </a:ext>
             <a:ext uri="{91240B29-F687-4f45-9708-019B960494DF}">
-              <a14:hiddenLine xmlns:a14="http://schemas.microsoft.com/office/drawing/2010/main" w="9525">
+              <a14:hiddenLine xmlns:a14="http://schemas.microsoft.com/office/drawing/2010/main" xmlns="" w="9525">
                 <a:solidFill>
                   <a:srgbClr val="000000"/>
                 </a:solidFill>
@@ -9195,13 +9914,13 @@
     <p:sldLayoutId id="2147483868" r:id="rId14"/>
     <p:sldLayoutId id="2147483869" r:id="rId15"/>
   </p:sldLayoutIdLst>
-  <p:transition xmlns:p14="http://schemas.microsoft.com/office/powerpoint/2010/main" spd="med">
+  <p:transition spd="med">
     <p:fade/>
   </p:transition>
   <p:timing>
     <p:tnLst>
       <p:par>
-        <p:cTn xmlns:p14="http://schemas.microsoft.com/office/powerpoint/2010/main" id="1" dur="indefinite" restart="never" nodeType="tmRoot"/>
+        <p:cTn id="1" dur="indefinite" restart="never" nodeType="tmRoot"/>
       </p:par>
     </p:tnLst>
   </p:timing>
@@ -9729,14 +10448,14 @@
           </a:ln>
           <a:extLst>
             <a:ext uri="{909E8E84-426E-40dd-AFC4-6F175D3DCCD1}">
-              <a14:hiddenFill xmlns:a14="http://schemas.microsoft.com/office/drawing/2010/main">
+              <a14:hiddenFill xmlns:a14="http://schemas.microsoft.com/office/drawing/2010/main" xmlns="">
                 <a:solidFill>
                   <a:srgbClr val="FFFFFF"/>
                 </a:solidFill>
               </a14:hiddenFill>
             </a:ext>
             <a:ext uri="{91240B29-F687-4f45-9708-019B960494DF}">
-              <a14:hiddenLine xmlns:a14="http://schemas.microsoft.com/office/drawing/2010/main" w="9525">
+              <a14:hiddenLine xmlns:a14="http://schemas.microsoft.com/office/drawing/2010/main" xmlns="" w="9525">
                 <a:solidFill>
                   <a:srgbClr val="000000"/>
                 </a:solidFill>
@@ -10046,13 +10765,13 @@
     <p:sldLayoutId id="2147483856" r:id="rId7"/>
     <p:sldLayoutId id="2147483866" r:id="rId8"/>
   </p:sldLayoutIdLst>
-  <p:transition xmlns:p14="http://schemas.microsoft.com/office/powerpoint/2010/main" spd="med">
+  <p:transition spd="med">
     <p:fade/>
   </p:transition>
   <p:timing>
     <p:tnLst>
       <p:par>
-        <p:cTn xmlns:p14="http://schemas.microsoft.com/office/powerpoint/2010/main" id="1" dur="indefinite" restart="never" nodeType="tmRoot"/>
+        <p:cTn id="1" dur="indefinite" restart="never" nodeType="tmRoot"/>
       </p:par>
     </p:tnLst>
   </p:timing>
@@ -10539,7 +11258,7 @@
         <p:spPr>
           <a:xfrm>
             <a:off x="3585882" y="4751291"/>
-            <a:ext cx="7124981" cy="2113399"/>
+            <a:ext cx="7124981" cy="3200876"/>
           </a:xfrm>
         </p:spPr>
         <p:txBody>
@@ -10550,45 +11269,37 @@
               <a:buAutoNum type="arabicPeriod"/>
             </a:pPr>
             <a:r>
-              <a:rPr lang="en-US" sz="2800" dirty="0" smtClean="0">
-                <a:solidFill>
-                  <a:srgbClr val="878F94"/>
-                </a:solidFill>
-              </a:rPr>
-              <a:t>not prevent or forbid; allow.</a:t>
-            </a:r>
-          </a:p>
-          <a:p>
-            <a:pPr marL="457200" indent="-457200">
-              <a:buFont typeface="Arial" charset="0"/>
-              <a:buAutoNum type="arabicPeriod"/>
-            </a:pPr>
-            <a:r>
-              <a:rPr lang="en-US" sz="2800" dirty="0">
-                <a:solidFill>
-                  <a:srgbClr val="878F94"/>
-                </a:solidFill>
-              </a:rPr>
-              <a:t>memoized helper method that allows you to express your tests </a:t>
-            </a:r>
-            <a:r>
-              <a:rPr lang="en-US" sz="2800" dirty="0" smtClean="0">
-                <a:solidFill>
-                  <a:srgbClr val="878F94"/>
-                </a:solidFill>
-              </a:rPr>
-              <a:t>succinctly.</a:t>
-            </a:r>
-            <a:endParaRPr lang="en-US" sz="2800" dirty="0">
-              <a:solidFill>
-                <a:srgbClr val="878F94"/>
-              </a:solidFill>
-            </a:endParaRPr>
-          </a:p>
-          <a:p>
-            <a:pPr marL="457200" indent="-457200">
-              <a:buAutoNum type="arabicPeriod"/>
-            </a:pPr>
+              <a:rPr lang="en-US" sz="2800" dirty="0"/>
+              <a:t>A </a:t>
+            </a:r>
+            <a:r>
+              <a:rPr lang="en-US" sz="2800" b="1" dirty="0"/>
+              <a:t>method</a:t>
+            </a:r>
+            <a:r>
+              <a:rPr lang="en-US" sz="2800" dirty="0"/>
+              <a:t> in </a:t>
+            </a:r>
+            <a:r>
+              <a:rPr lang="en-US" sz="2800" b="1" dirty="0"/>
+              <a:t>Ruby</a:t>
+            </a:r>
+            <a:r>
+              <a:rPr lang="en-US" sz="2800" dirty="0"/>
+              <a:t> is a set of expressions that returns a value. With </a:t>
+            </a:r>
+            <a:r>
+              <a:rPr lang="en-US" sz="2800" b="1" dirty="0"/>
+              <a:t>methods</a:t>
+            </a:r>
+            <a:r>
+              <a:rPr lang="en-US" sz="2800" dirty="0"/>
+              <a:t>, one can organize their code into subroutines that can be easily invoked from other areas of their program. Other languages sometimes refer to this as a function</a:t>
+            </a:r>
+            <a:r>
+              <a:rPr lang="en-US" sz="2800" dirty="0" smtClean="0"/>
+              <a:t>.</a:t>
+            </a:r>
             <a:endParaRPr lang="en-US" sz="2800" dirty="0" smtClean="0">
               <a:solidFill>
                 <a:srgbClr val="878F94"/>
@@ -10632,14 +11343,14 @@
           </a:ln>
           <a:extLst>
             <a:ext uri="{909E8E84-426E-40dd-AFC4-6F175D3DCCD1}">
-              <a14:hiddenFill xmlns:a14="http://schemas.microsoft.com/office/drawing/2010/main">
+              <a14:hiddenFill xmlns:a14="http://schemas.microsoft.com/office/drawing/2010/main" xmlns="">
                 <a:solidFill>
                   <a:srgbClr val="FFFFFF"/>
                 </a:solidFill>
               </a14:hiddenFill>
             </a:ext>
             <a:ext uri="{91240B29-F687-4f45-9708-019B960494DF}">
-              <a14:hiddenLine xmlns:a14="http://schemas.microsoft.com/office/drawing/2010/main" w="9525">
+              <a14:hiddenLine xmlns:a14="http://schemas.microsoft.com/office/drawing/2010/main" xmlns="" w="9525">
                 <a:solidFill>
                   <a:srgbClr val="000000"/>
                 </a:solidFill>
@@ -10662,7 +11373,7 @@
         <p:spPr bwMode="white">
           <a:xfrm>
             <a:off x="3453022" y="3548182"/>
-            <a:ext cx="1447684" cy="1337551"/>
+            <a:ext cx="1656860" cy="1337551"/>
           </a:xfrm>
           <a:prstGeom prst="rect">
             <a:avLst/>
@@ -10873,13 +11584,13 @@
   <p:clrMapOvr>
     <a:masterClrMapping/>
   </p:clrMapOvr>
-  <p:transition xmlns:p14="http://schemas.microsoft.com/office/powerpoint/2010/main" spd="med">
+  <p:transition spd="med">
     <p:fade/>
   </p:transition>
   <p:timing>
     <p:tnLst>
       <p:par>
-        <p:cTn xmlns:p14="http://schemas.microsoft.com/office/powerpoint/2010/main" id="1" dur="indefinite" restart="never" nodeType="tmRoot"/>
+        <p:cTn id="1" dur="indefinite" restart="never" nodeType="tmRoot"/>
       </p:par>
     </p:tnLst>
   </p:timing>
@@ -10910,115 +11621,299 @@
             <a:spLocks noGrp="1"/>
           </p:cNvSpPr>
           <p:nvPr>
-            <p:ph type="ctrTitle"/>
+            <p:ph type="title"/>
           </p:nvPr>
         </p:nvSpPr>
         <p:spPr/>
         <p:txBody>
           <a:bodyPr>
-            <a:normAutofit fontScale="90000"/>
-          </a:bodyPr>
-          <a:lstStyle/>
-          <a:p>
-            <a:r>
-              <a:rPr lang="en-US" sz="6600" dirty="0" smtClean="0"/>
-              <a:t>require</a:t>
-            </a:r>
-            <a:endParaRPr lang="en-US" dirty="0"/>
-          </a:p>
-        </p:txBody>
-      </p:sp>
-      <p:sp>
-        <p:nvSpPr>
-          <p:cNvPr id="3" name="Subtitle 2"/>
-          <p:cNvSpPr>
-            <a:spLocks noGrp="1"/>
-          </p:cNvSpPr>
-          <p:nvPr>
-            <p:ph type="subTitle" idx="1"/>
-          </p:nvPr>
-        </p:nvSpPr>
-        <p:spPr/>
-        <p:txBody>
-          <a:bodyPr/>
-          <a:lstStyle/>
-          <a:p>
-            <a:r>
-              <a:rPr lang="en-US" dirty="0"/>
-              <a:t>Loads the given name, returning true if successful and false if the feature is already loaded.</a:t>
-            </a:r>
-          </a:p>
-          <a:p>
-            <a:endParaRPr lang="en-US" dirty="0"/>
-          </a:p>
-          <a:p>
-            <a:r>
-              <a:rPr lang="en-US" dirty="0"/>
-              <a:t>If the filename does not resolve to an absolute path, it will be searched for in the directories listed in $LOAD_PATH ($:)</a:t>
-            </a:r>
-            <a:r>
-              <a:rPr lang="en-US" dirty="0" smtClean="0"/>
-              <a:t>.</a:t>
-            </a:r>
-            <a:endParaRPr lang="en-US" dirty="0"/>
-          </a:p>
-        </p:txBody>
-      </p:sp>
-      <p:sp>
-        <p:nvSpPr>
-          <p:cNvPr id="4" name="TextBox 3"/>
-          <p:cNvSpPr txBox="1"/>
-          <p:nvPr/>
-        </p:nvSpPr>
-        <p:spPr bwMode="white">
-          <a:xfrm>
-            <a:off x="1676399" y="7010401"/>
-            <a:ext cx="12310534" cy="914400"/>
-          </a:xfrm>
-          <a:prstGeom prst="rect">
-            <a:avLst/>
-          </a:prstGeom>
-        </p:spPr>
-        <p:txBody>
-          <a:bodyPr vert="horz" wrap="none" lIns="91440" tIns="91440" rIns="91440" bIns="91440" rtlCol="0" anchor="ctr">
             <a:normAutofit/>
           </a:bodyPr>
           <a:lstStyle/>
           <a:p>
-            <a:pPr algn="ctr"/>
-            <a:r>
-              <a:rPr lang="en-US" sz="3200" dirty="0"/>
-              <a:t>http://</a:t>
-            </a:r>
-            <a:r>
-              <a:rPr lang="en-US" sz="3200" dirty="0" err="1"/>
-              <a:t>goo.gl</a:t>
-            </a:r>
-            <a:r>
-              <a:rPr lang="en-US" sz="3200" dirty="0"/>
-              <a:t>/cLKY37</a:t>
-            </a:r>
-            <a:endParaRPr lang="en-US" sz="3200" dirty="0" smtClean="0"/>
+            <a:r>
+              <a:rPr lang="en-US" dirty="0" smtClean="0"/>
+              <a:t>Refactoring with let to help ease the pain</a:t>
+            </a:r>
+            <a:endParaRPr lang="en-US" dirty="0"/>
+          </a:p>
+        </p:txBody>
+      </p:sp>
+      <p:sp>
+        <p:nvSpPr>
+          <p:cNvPr id="3" name="Content Placeholder 2"/>
+          <p:cNvSpPr>
+            <a:spLocks noGrp="1"/>
+          </p:cNvSpPr>
+          <p:nvPr>
+            <p:ph sz="quarter" idx="10"/>
+          </p:nvPr>
+        </p:nvSpPr>
+        <p:spPr/>
+        <p:txBody>
+          <a:bodyPr>
+            <a:normAutofit/>
+          </a:bodyPr>
+          <a:lstStyle/>
+          <a:p>
+            <a:r>
+              <a:rPr lang="en-US" sz="2600" dirty="0"/>
+              <a:t> </a:t>
+            </a:r>
+            <a:r>
+              <a:rPr lang="en-US" sz="2600" dirty="0" smtClean="0"/>
+              <a:t>   let(:node) do</a:t>
+            </a:r>
+          </a:p>
+          <a:p>
+            <a:r>
+              <a:rPr lang="en-US" sz="2600" dirty="0"/>
+              <a:t> </a:t>
+            </a:r>
+            <a:r>
+              <a:rPr lang="en-US" sz="2600" dirty="0" smtClean="0"/>
+              <a:t>     </a:t>
+            </a:r>
+            <a:r>
+              <a:rPr lang="en-US" sz="2600" dirty="0" err="1" smtClean="0"/>
+              <a:t>chef_run.node</a:t>
+            </a:r>
+            <a:endParaRPr lang="en-US" sz="2600" dirty="0" smtClean="0"/>
+          </a:p>
+          <a:p>
+            <a:r>
+              <a:rPr lang="en-US" sz="2600" dirty="0"/>
+              <a:t> </a:t>
+            </a:r>
+            <a:r>
+              <a:rPr lang="en-US" sz="2600" dirty="0" smtClean="0"/>
+              <a:t>   end</a:t>
+            </a:r>
+          </a:p>
+          <a:p>
+            <a:r>
+              <a:rPr lang="en-US" sz="2600" dirty="0"/>
+              <a:t> </a:t>
+            </a:r>
+            <a:r>
+              <a:rPr lang="en-US" sz="2600" dirty="0" smtClean="0"/>
+              <a:t>   </a:t>
+            </a:r>
+          </a:p>
+          <a:p>
+            <a:r>
+              <a:rPr lang="en-US" sz="2600" dirty="0"/>
+              <a:t> </a:t>
+            </a:r>
+            <a:r>
+              <a:rPr lang="en-US" sz="2600" dirty="0" smtClean="0"/>
+              <a:t>   it </a:t>
+            </a:r>
+            <a:r>
+              <a:rPr lang="en-US" sz="2600" dirty="0"/>
+              <a:t>"apache mirror" do</a:t>
+            </a:r>
+          </a:p>
+          <a:p>
+            <a:r>
+              <a:rPr lang="en-US" sz="2600" dirty="0"/>
+              <a:t>      attribute = </a:t>
+            </a:r>
+            <a:r>
+              <a:rPr lang="en-US" sz="2600" dirty="0" smtClean="0"/>
+              <a:t>node</a:t>
+            </a:r>
+            <a:r>
+              <a:rPr lang="en-US" sz="2600" dirty="0"/>
+              <a:t>['ark']['</a:t>
+            </a:r>
+            <a:r>
+              <a:rPr lang="en-US" sz="2600" dirty="0" err="1"/>
+              <a:t>apache_mirror</a:t>
+            </a:r>
+            <a:r>
+              <a:rPr lang="en-US" sz="2600" dirty="0"/>
+              <a:t>']</a:t>
+            </a:r>
+          </a:p>
+          <a:p>
+            <a:r>
+              <a:rPr lang="en-US" sz="2600" dirty="0"/>
+              <a:t>      expect(attribute).to </a:t>
+            </a:r>
+            <a:r>
+              <a:rPr lang="en-US" sz="2600" dirty="0" err="1"/>
+              <a:t>eq</a:t>
+            </a:r>
+            <a:r>
+              <a:rPr lang="en-US" sz="2600" dirty="0"/>
+              <a:t> "http://</a:t>
+            </a:r>
+            <a:r>
+              <a:rPr lang="en-US" sz="2600" dirty="0" err="1"/>
+              <a:t>apache.mirrors.tds.net</a:t>
+            </a:r>
+            <a:r>
+              <a:rPr lang="en-US" sz="2600" dirty="0"/>
+              <a:t>"</a:t>
+            </a:r>
+          </a:p>
+          <a:p>
+            <a:r>
+              <a:rPr lang="en-US" sz="2600" dirty="0"/>
+              <a:t>    end</a:t>
+            </a:r>
+          </a:p>
+          <a:p>
+            <a:endParaRPr lang="en-US" sz="2600" dirty="0"/>
+          </a:p>
+          <a:p>
+            <a:r>
+              <a:rPr lang="en-US" sz="2600" dirty="0"/>
+              <a:t>    it "prefix root" do</a:t>
+            </a:r>
+          </a:p>
+          <a:p>
+            <a:r>
+              <a:rPr lang="en-US" sz="2600" dirty="0"/>
+              <a:t>      attribute = </a:t>
+            </a:r>
+            <a:r>
+              <a:rPr lang="en-US" sz="2600" dirty="0" smtClean="0"/>
+              <a:t>node</a:t>
+            </a:r>
+            <a:r>
+              <a:rPr lang="en-US" sz="2600" dirty="0"/>
+              <a:t>['ark']['</a:t>
+            </a:r>
+            <a:r>
+              <a:rPr lang="en-US" sz="2600" dirty="0" err="1"/>
+              <a:t>prefix_root</a:t>
+            </a:r>
+            <a:r>
+              <a:rPr lang="en-US" sz="2600" dirty="0"/>
+              <a:t>']</a:t>
+            </a:r>
+          </a:p>
+          <a:p>
+            <a:r>
+              <a:rPr lang="en-US" sz="2600" dirty="0"/>
+              <a:t>      expect(attribute).to </a:t>
+            </a:r>
+            <a:r>
+              <a:rPr lang="en-US" sz="2600" dirty="0" err="1"/>
+              <a:t>eq</a:t>
+            </a:r>
+            <a:r>
+              <a:rPr lang="en-US" sz="2600" dirty="0"/>
+              <a:t> "/</a:t>
+            </a:r>
+            <a:r>
+              <a:rPr lang="en-US" sz="2600" dirty="0" err="1"/>
+              <a:t>usr</a:t>
+            </a:r>
+            <a:r>
+              <a:rPr lang="en-US" sz="2600" dirty="0"/>
+              <a:t>/local"</a:t>
+            </a:r>
+          </a:p>
+          <a:p>
+            <a:r>
+              <a:rPr lang="en-US" sz="2600" dirty="0"/>
+              <a:t>    end</a:t>
+            </a:r>
+          </a:p>
+        </p:txBody>
+      </p:sp>
+      <p:sp>
+        <p:nvSpPr>
+          <p:cNvPr id="5" name="Text Placeholder 4"/>
+          <p:cNvSpPr>
+            <a:spLocks noGrp="1"/>
+          </p:cNvSpPr>
+          <p:nvPr>
+            <p:ph type="body" sz="quarter" idx="12"/>
+          </p:nvPr>
+        </p:nvSpPr>
+        <p:spPr>
+          <a:xfrm>
+            <a:off x="621430" y="1364182"/>
+            <a:ext cx="14925911" cy="1381437"/>
+          </a:xfrm>
+        </p:spPr>
+        <p:txBody>
+          <a:bodyPr/>
+          <a:lstStyle/>
+          <a:p>
+            <a:endParaRPr lang="en-US" dirty="0"/>
+          </a:p>
+        </p:txBody>
+      </p:sp>
+      <p:sp>
+        <p:nvSpPr>
+          <p:cNvPr id="9" name="Text Placeholder 4"/>
+          <p:cNvSpPr>
+            <a:spLocks noGrp="1"/>
+          </p:cNvSpPr>
+          <p:nvPr>
+            <p:ph type="body" sz="quarter" idx="12"/>
+          </p:nvPr>
+        </p:nvSpPr>
+        <p:spPr>
+          <a:xfrm>
+            <a:off x="628650" y="3827990"/>
+            <a:ext cx="14925675" cy="531813"/>
+          </a:xfrm>
+        </p:spPr>
+        <p:txBody>
+          <a:bodyPr/>
+          <a:lstStyle/>
+          <a:p>
+            <a:endParaRPr lang="en-US" dirty="0"/>
+          </a:p>
+        </p:txBody>
+      </p:sp>
+      <p:sp>
+        <p:nvSpPr>
+          <p:cNvPr id="10" name="Text Placeholder 4"/>
+          <p:cNvSpPr>
+            <a:spLocks noGrp="1"/>
+          </p:cNvSpPr>
+          <p:nvPr>
+            <p:ph type="body" sz="quarter" idx="12"/>
+          </p:nvPr>
+        </p:nvSpPr>
+        <p:spPr>
+          <a:xfrm>
+            <a:off x="599622" y="6317189"/>
+            <a:ext cx="14925675" cy="531813"/>
+          </a:xfrm>
+        </p:spPr>
+        <p:txBody>
+          <a:bodyPr/>
+          <a:lstStyle/>
+          <a:p>
+            <a:endParaRPr lang="en-US" dirty="0"/>
           </a:p>
         </p:txBody>
       </p:sp>
     </p:spTree>
     <p:extLst>
       <p:ext uri="{BB962C8B-B14F-4D97-AF65-F5344CB8AC3E}">
-        <p14:creationId xmlns:p14="http://schemas.microsoft.com/office/powerpoint/2010/main" val="2155339751"/>
+        <p14:creationId xmlns:p14="http://schemas.microsoft.com/office/powerpoint/2010/main" val="2088290285"/>
       </p:ext>
     </p:extLst>
   </p:cSld>
   <p:clrMapOvr>
     <a:masterClrMapping/>
   </p:clrMapOvr>
-  <p:transition xmlns:p14="http://schemas.microsoft.com/office/powerpoint/2010/main" spd="med">
+  <p:transition spd="med">
     <p:fade/>
   </p:transition>
   <p:timing>
     <p:tnLst>
       <p:par>
-        <p:cTn xmlns:p14="http://schemas.microsoft.com/office/powerpoint/2010/main" id="1" dur="indefinite" restart="never" nodeType="tmRoot"/>
+        <p:cTn id="1" dur="indefinite" restart="never" nodeType="tmRoot"/>
       </p:par>
     </p:tnLst>
   </p:timing>
@@ -11054,1751 +11949,6 @@
         </p:nvSpPr>
         <p:spPr/>
         <p:txBody>
-          <a:bodyPr/>
-          <a:lstStyle/>
-          <a:p>
-            <a:r>
-              <a:rPr lang="en-US" dirty="0" smtClean="0"/>
-              <a:t>Requiring the </a:t>
-            </a:r>
-            <a:r>
-              <a:rPr lang="en-US" dirty="0" err="1" smtClean="0"/>
-              <a:t>spec_helper</a:t>
-            </a:r>
-            <a:r>
-              <a:rPr lang="en-US" dirty="0" smtClean="0"/>
-              <a:t> file</a:t>
-            </a:r>
-            <a:endParaRPr lang="en-US" dirty="0"/>
-          </a:p>
-        </p:txBody>
-      </p:sp>
-      <p:sp>
-        <p:nvSpPr>
-          <p:cNvPr id="3" name="Content Placeholder 2"/>
-          <p:cNvSpPr>
-            <a:spLocks noGrp="1"/>
-          </p:cNvSpPr>
-          <p:nvPr>
-            <p:ph sz="quarter" idx="10"/>
-          </p:nvPr>
-        </p:nvSpPr>
-        <p:spPr/>
-        <p:txBody>
-          <a:bodyPr/>
-          <a:lstStyle/>
-          <a:p>
-            <a:r>
-              <a:rPr lang="en-US" dirty="0"/>
-              <a:t>require '</a:t>
-            </a:r>
-            <a:r>
-              <a:rPr lang="en-US" dirty="0" err="1"/>
-              <a:t>spec_helper</a:t>
-            </a:r>
-            <a:r>
-              <a:rPr lang="en-US" dirty="0"/>
-              <a:t>'</a:t>
-            </a:r>
-          </a:p>
-          <a:p>
-            <a:endParaRPr lang="en-US" dirty="0"/>
-          </a:p>
-          <a:p>
-            <a:r>
-              <a:rPr lang="en-US" dirty="0"/>
-              <a:t>describe 'ark::default' do</a:t>
-            </a:r>
-          </a:p>
-          <a:p>
-            <a:r>
-              <a:rPr lang="en-US" dirty="0"/>
-              <a:t>  context 'when no attributes are specified, on an </a:t>
-            </a:r>
-            <a:r>
-              <a:rPr lang="en-US" dirty="0" smtClean="0"/>
-              <a:t>...platform</a:t>
-            </a:r>
-            <a:r>
-              <a:rPr lang="en-US" dirty="0"/>
-              <a:t>' do</a:t>
-            </a:r>
-          </a:p>
-          <a:p>
-            <a:r>
-              <a:rPr lang="en-US" dirty="0"/>
-              <a:t>    let(:</a:t>
-            </a:r>
-            <a:r>
-              <a:rPr lang="en-US" dirty="0" err="1"/>
-              <a:t>chef_run</a:t>
-            </a:r>
-            <a:r>
-              <a:rPr lang="en-US" dirty="0"/>
-              <a:t>) do</a:t>
-            </a:r>
-          </a:p>
-          <a:p>
-            <a:r>
-              <a:rPr lang="en-US" dirty="0"/>
-              <a:t>      runner = </a:t>
-            </a:r>
-            <a:r>
-              <a:rPr lang="en-US" dirty="0" err="1"/>
-              <a:t>ChefSpec</a:t>
-            </a:r>
-            <a:r>
-              <a:rPr lang="en-US" dirty="0"/>
-              <a:t>::</a:t>
-            </a:r>
-            <a:r>
-              <a:rPr lang="en-US" dirty="0" err="1"/>
-              <a:t>SoloRunner.new</a:t>
-            </a:r>
-            <a:endParaRPr lang="en-US" dirty="0"/>
-          </a:p>
-          <a:p>
-            <a:r>
-              <a:rPr lang="en-US" dirty="0"/>
-              <a:t>      </a:t>
-            </a:r>
-            <a:r>
-              <a:rPr lang="en-US" dirty="0" err="1"/>
-              <a:t>runner.converge</a:t>
-            </a:r>
-            <a:r>
-              <a:rPr lang="en-US" dirty="0"/>
-              <a:t>(</a:t>
-            </a:r>
-            <a:r>
-              <a:rPr lang="en-US" dirty="0" err="1"/>
-              <a:t>described_recipe</a:t>
-            </a:r>
-            <a:r>
-              <a:rPr lang="en-US" dirty="0"/>
-              <a:t>)</a:t>
-            </a:r>
-          </a:p>
-          <a:p>
-            <a:r>
-              <a:rPr lang="en-US" dirty="0"/>
-              <a:t>    end</a:t>
-            </a:r>
-          </a:p>
-          <a:p>
-            <a:endParaRPr lang="en-US" dirty="0"/>
-          </a:p>
-        </p:txBody>
-      </p:sp>
-      <p:sp>
-        <p:nvSpPr>
-          <p:cNvPr id="4" name="Text Placeholder 3"/>
-          <p:cNvSpPr>
-            <a:spLocks noGrp="1"/>
-          </p:cNvSpPr>
-          <p:nvPr>
-            <p:ph type="body" sz="quarter" idx="11"/>
-          </p:nvPr>
-        </p:nvSpPr>
-        <p:spPr/>
-        <p:txBody>
-          <a:bodyPr/>
-          <a:lstStyle/>
-          <a:p>
-            <a:r>
-              <a:rPr lang="en-US" dirty="0" smtClean="0"/>
-              <a:t>~/ark/spec/unit/recipes/</a:t>
-            </a:r>
-            <a:r>
-              <a:rPr lang="en-US" dirty="0" err="1" smtClean="0"/>
-              <a:t>default_spec.rb</a:t>
-            </a:r>
-            <a:endParaRPr lang="en-US" dirty="0"/>
-          </a:p>
-        </p:txBody>
-      </p:sp>
-      <p:sp>
-        <p:nvSpPr>
-          <p:cNvPr id="5" name="Rectangle 4"/>
-          <p:cNvSpPr/>
-          <p:nvPr/>
-        </p:nvSpPr>
-        <p:spPr bwMode="auto">
-          <a:xfrm>
-            <a:off x="1121103" y="2108314"/>
-            <a:ext cx="14421277" cy="649400"/>
-          </a:xfrm>
-          <a:prstGeom prst="rect">
-            <a:avLst/>
-          </a:prstGeom>
-          <a:solidFill>
-            <a:schemeClr val="accent1">
-              <a:alpha val="40000"/>
-            </a:schemeClr>
-          </a:solidFill>
-          <a:ln>
-            <a:noFill/>
-            <a:headEnd type="none" w="med" len="med"/>
-            <a:tailEnd type="none" w="med" len="med"/>
-          </a:ln>
-          <a:effectLst/>
-        </p:spPr>
-        <p:style>
-          <a:lnRef idx="1">
-            <a:schemeClr val="accent4"/>
-          </a:lnRef>
-          <a:fillRef idx="3">
-            <a:schemeClr val="accent4"/>
-          </a:fillRef>
-          <a:effectRef idx="2">
-            <a:schemeClr val="accent4"/>
-          </a:effectRef>
-          <a:fontRef idx="minor">
-            <a:schemeClr val="lt1"/>
-          </a:fontRef>
-        </p:style>
-        <p:txBody>
-          <a:bodyPr vert="horz" wrap="square" lIns="91436" tIns="45718" rIns="91436" bIns="45718" numCol="1" rtlCol="0" anchor="ctr" anchorCtr="0" compatLnSpc="1">
-            <a:prstTxWarp prst="textNoShape">
-              <a:avLst/>
-            </a:prstTxWarp>
-          </a:bodyPr>
-          <a:lstStyle/>
-          <a:p>
-            <a:pPr algn="ctr" defTabSz="914099"/>
-            <a:endParaRPr lang="en-US" sz="2400" dirty="0" err="1" smtClean="0">
-              <a:gradFill>
-                <a:gsLst>
-                  <a:gs pos="0">
-                    <a:srgbClr val="FFFFFF"/>
-                  </a:gs>
-                  <a:gs pos="100000">
-                    <a:srgbClr val="FFFFFF"/>
-                  </a:gs>
-                </a:gsLst>
-                <a:lin ang="5400000" scaled="0"/>
-              </a:gradFill>
-            </a:endParaRPr>
-          </a:p>
-        </p:txBody>
-      </p:sp>
-    </p:spTree>
-    <p:extLst>
-      <p:ext uri="{BB962C8B-B14F-4D97-AF65-F5344CB8AC3E}">
-        <p14:creationId xmlns:p14="http://schemas.microsoft.com/office/powerpoint/2010/main" val="269394474"/>
-      </p:ext>
-    </p:extLst>
-  </p:cSld>
-  <p:clrMapOvr>
-    <a:masterClrMapping/>
-  </p:clrMapOvr>
-  <p:transition xmlns:p14="http://schemas.microsoft.com/office/powerpoint/2010/main" spd="med">
-    <p:fade/>
-  </p:transition>
-  <p:timing>
-    <p:tnLst>
-      <p:par>
-        <p:cTn xmlns:p14="http://schemas.microsoft.com/office/powerpoint/2010/main" id="1" dur="indefinite" restart="never" nodeType="tmRoot"/>
-      </p:par>
-    </p:tnLst>
-  </p:timing>
-</p:sld>
-</file>
-
-<file path=ppt/slides/slide12.xml><?xml version="1.0" encoding="utf-8"?>
-<p:sld xmlns:a="http://schemas.openxmlformats.org/drawingml/2006/main" xmlns:r="http://schemas.openxmlformats.org/officeDocument/2006/relationships" xmlns:p="http://schemas.openxmlformats.org/presentationml/2006/main">
-  <p:cSld>
-    <p:spTree>
-      <p:nvGrpSpPr>
-        <p:cNvPr id="1" name=""/>
-        <p:cNvGrpSpPr/>
-        <p:nvPr/>
-      </p:nvGrpSpPr>
-      <p:grpSpPr>
-        <a:xfrm>
-          <a:off x="0" y="0"/>
-          <a:ext cx="0" cy="0"/>
-          <a:chOff x="0" y="0"/>
-          <a:chExt cx="0" cy="0"/>
-        </a:xfrm>
-      </p:grpSpPr>
-      <p:sp>
-        <p:nvSpPr>
-          <p:cNvPr id="2" name="Title 1"/>
-          <p:cNvSpPr>
-            <a:spLocks noGrp="1"/>
-          </p:cNvSpPr>
-          <p:nvPr>
-            <p:ph type="title"/>
-          </p:nvPr>
-        </p:nvSpPr>
-        <p:spPr/>
-        <p:txBody>
-          <a:bodyPr/>
-          <a:lstStyle/>
-          <a:p>
-            <a:r>
-              <a:rPr lang="en-US" dirty="0" smtClean="0"/>
-              <a:t>Viewing the </a:t>
-            </a:r>
-            <a:r>
-              <a:rPr lang="en-US" dirty="0" err="1" smtClean="0"/>
-              <a:t>spec_helper</a:t>
-            </a:r>
-            <a:r>
-              <a:rPr lang="en-US" dirty="0" smtClean="0"/>
-              <a:t> file</a:t>
-            </a:r>
-            <a:endParaRPr lang="en-US" dirty="0"/>
-          </a:p>
-        </p:txBody>
-      </p:sp>
-      <p:sp>
-        <p:nvSpPr>
-          <p:cNvPr id="3" name="Content Placeholder 2"/>
-          <p:cNvSpPr>
-            <a:spLocks noGrp="1"/>
-          </p:cNvSpPr>
-          <p:nvPr>
-            <p:ph sz="quarter" idx="10"/>
-          </p:nvPr>
-        </p:nvSpPr>
-        <p:spPr/>
-        <p:txBody>
-          <a:bodyPr/>
-          <a:lstStyle/>
-          <a:p>
-            <a:r>
-              <a:rPr lang="en-US" dirty="0"/>
-              <a:t>require '</a:t>
-            </a:r>
-            <a:r>
-              <a:rPr lang="en-US" dirty="0" err="1"/>
-              <a:t>chefspec</a:t>
-            </a:r>
-            <a:r>
-              <a:rPr lang="en-US" dirty="0"/>
-              <a:t>'</a:t>
-            </a:r>
-          </a:p>
-          <a:p>
-            <a:r>
-              <a:rPr lang="en-US" dirty="0"/>
-              <a:t>require '</a:t>
-            </a:r>
-            <a:r>
-              <a:rPr lang="en-US" dirty="0" err="1"/>
-              <a:t>chefspec</a:t>
-            </a:r>
-            <a:r>
-              <a:rPr lang="en-US" dirty="0"/>
-              <a:t>/</a:t>
-            </a:r>
-            <a:r>
-              <a:rPr lang="en-US" dirty="0" err="1"/>
-              <a:t>berkshelf</a:t>
-            </a:r>
-            <a:r>
-              <a:rPr lang="en-US" dirty="0"/>
-              <a:t>'</a:t>
-            </a:r>
-          </a:p>
-          <a:p>
-            <a:endParaRPr lang="en-US" dirty="0"/>
-          </a:p>
-          <a:p>
-            <a:r>
-              <a:rPr lang="en-US" dirty="0" err="1"/>
-              <a:t>at_exit</a:t>
-            </a:r>
-            <a:r>
-              <a:rPr lang="en-US" dirty="0"/>
-              <a:t> { </a:t>
-            </a:r>
-            <a:r>
-              <a:rPr lang="en-US" dirty="0" err="1"/>
-              <a:t>ChefSpec</a:t>
-            </a:r>
-            <a:r>
-              <a:rPr lang="en-US" dirty="0"/>
-              <a:t>::</a:t>
-            </a:r>
-            <a:r>
-              <a:rPr lang="en-US" dirty="0" err="1"/>
-              <a:t>Coverage.report</a:t>
-            </a:r>
-            <a:r>
-              <a:rPr lang="en-US" dirty="0"/>
-              <a:t>! }</a:t>
-            </a:r>
-          </a:p>
-          <a:p>
-            <a:endParaRPr lang="en-US" dirty="0"/>
-          </a:p>
-          <a:p>
-            <a:r>
-              <a:rPr lang="en-US" dirty="0" err="1"/>
-              <a:t>RSpec.configure</a:t>
-            </a:r>
-            <a:r>
-              <a:rPr lang="en-US" dirty="0"/>
-              <a:t> do |</a:t>
-            </a:r>
-            <a:r>
-              <a:rPr lang="en-US" dirty="0" err="1"/>
-              <a:t>config</a:t>
-            </a:r>
-            <a:r>
-              <a:rPr lang="en-US" dirty="0"/>
-              <a:t>|</a:t>
-            </a:r>
-          </a:p>
-          <a:p>
-            <a:r>
-              <a:rPr lang="en-US" dirty="0"/>
-              <a:t>  </a:t>
-            </a:r>
-            <a:r>
-              <a:rPr lang="en-US" dirty="0" err="1"/>
-              <a:t>config.color</a:t>
-            </a:r>
-            <a:r>
-              <a:rPr lang="en-US" dirty="0"/>
-              <a:t> = true</a:t>
-            </a:r>
-          </a:p>
-          <a:p>
-            <a:r>
-              <a:rPr lang="en-US" dirty="0"/>
-              <a:t>end</a:t>
-            </a:r>
-          </a:p>
-          <a:p>
-            <a:endParaRPr lang="en-US" dirty="0"/>
-          </a:p>
-          <a:p>
-            <a:r>
-              <a:rPr lang="en-US" dirty="0"/>
-              <a:t># puts $LOAD_PATH</a:t>
-            </a:r>
-          </a:p>
-          <a:p>
-            <a:r>
-              <a:rPr lang="en-US" dirty="0"/>
-              <a:t># ... define test helpers and content in this file</a:t>
-            </a:r>
-          </a:p>
-        </p:txBody>
-      </p:sp>
-      <p:sp>
-        <p:nvSpPr>
-          <p:cNvPr id="4" name="Text Placeholder 3"/>
-          <p:cNvSpPr>
-            <a:spLocks noGrp="1"/>
-          </p:cNvSpPr>
-          <p:nvPr>
-            <p:ph type="body" sz="quarter" idx="11"/>
-          </p:nvPr>
-        </p:nvSpPr>
-        <p:spPr/>
-        <p:txBody>
-          <a:bodyPr/>
-          <a:lstStyle/>
-          <a:p>
-            <a:r>
-              <a:rPr lang="en-US" dirty="0" smtClean="0"/>
-              <a:t>~/ark/spec/</a:t>
-            </a:r>
-            <a:r>
-              <a:rPr lang="en-US" dirty="0" err="1" smtClean="0"/>
-              <a:t>spec_helper.rb</a:t>
-            </a:r>
-            <a:endParaRPr lang="en-US" dirty="0"/>
-          </a:p>
-        </p:txBody>
-      </p:sp>
-    </p:spTree>
-    <p:extLst>
-      <p:ext uri="{BB962C8B-B14F-4D97-AF65-F5344CB8AC3E}">
-        <p14:creationId xmlns:p14="http://schemas.microsoft.com/office/powerpoint/2010/main" val="3341684372"/>
-      </p:ext>
-    </p:extLst>
-  </p:cSld>
-  <p:clrMapOvr>
-    <a:masterClrMapping/>
-  </p:clrMapOvr>
-  <p:transition xmlns:p14="http://schemas.microsoft.com/office/powerpoint/2010/main" spd="med">
-    <p:fade/>
-  </p:transition>
-  <p:timing>
-    <p:tnLst>
-      <p:par>
-        <p:cTn xmlns:p14="http://schemas.microsoft.com/office/powerpoint/2010/main" id="1" dur="indefinite" restart="never" nodeType="tmRoot"/>
-      </p:par>
-    </p:tnLst>
-  </p:timing>
-</p:sld>
-</file>
-
-<file path=ppt/slides/slide13.xml><?xml version="1.0" encoding="utf-8"?>
-<p:sld xmlns:a="http://schemas.openxmlformats.org/drawingml/2006/main" xmlns:r="http://schemas.openxmlformats.org/officeDocument/2006/relationships" xmlns:p="http://schemas.openxmlformats.org/presentationml/2006/main">
-  <p:cSld>
-    <p:spTree>
-      <p:nvGrpSpPr>
-        <p:cNvPr id="1" name=""/>
-        <p:cNvGrpSpPr/>
-        <p:nvPr/>
-      </p:nvGrpSpPr>
-      <p:grpSpPr>
-        <a:xfrm>
-          <a:off x="0" y="0"/>
-          <a:ext cx="0" cy="0"/>
-          <a:chOff x="0" y="0"/>
-          <a:chExt cx="0" cy="0"/>
-        </a:xfrm>
-      </p:grpSpPr>
-      <p:sp>
-        <p:nvSpPr>
-          <p:cNvPr id="8" name="Content Placeholder 7"/>
-          <p:cNvSpPr>
-            <a:spLocks noGrp="1"/>
-          </p:cNvSpPr>
-          <p:nvPr>
-            <p:ph sz="quarter" idx="10"/>
-          </p:nvPr>
-        </p:nvSpPr>
-        <p:spPr/>
-        <p:txBody>
-          <a:bodyPr/>
-          <a:lstStyle/>
-          <a:p>
-            <a:r>
-              <a:rPr lang="en-US" sz="2400" dirty="0"/>
-              <a:t>/opt/</a:t>
-            </a:r>
-            <a:r>
-              <a:rPr lang="en-US" sz="2400" dirty="0" err="1"/>
-              <a:t>chefdk</a:t>
-            </a:r>
-            <a:r>
-              <a:rPr lang="en-US" sz="2400" dirty="0"/>
-              <a:t>/embedded/lib/ruby/gems/2.1.0/gems/uuidtools-2.1.5/lib</a:t>
-            </a:r>
-          </a:p>
-          <a:p>
-            <a:r>
-              <a:rPr lang="en-US" sz="2400" dirty="0"/>
-              <a:t>/Users/</a:t>
-            </a:r>
-            <a:r>
-              <a:rPr lang="en-US" sz="2400" dirty="0" err="1"/>
-              <a:t>franklinwebber</a:t>
-            </a:r>
-            <a:r>
-              <a:rPr lang="en-US" sz="2400" dirty="0" smtClean="0"/>
-              <a:t>/ark</a:t>
-            </a:r>
-            <a:r>
-              <a:rPr lang="en-US" sz="2400" dirty="0"/>
-              <a:t>/spec</a:t>
-            </a:r>
-          </a:p>
-          <a:p>
-            <a:r>
-              <a:rPr lang="en-US" sz="2400" dirty="0"/>
-              <a:t>/Users/</a:t>
-            </a:r>
-            <a:r>
-              <a:rPr lang="en-US" sz="2400" dirty="0" err="1"/>
-              <a:t>franklinwebber</a:t>
-            </a:r>
-            <a:r>
-              <a:rPr lang="en-US" sz="2400" dirty="0"/>
-              <a:t>/.</a:t>
-            </a:r>
-            <a:r>
-              <a:rPr lang="en-US" sz="2400" dirty="0" err="1"/>
-              <a:t>chefdk</a:t>
-            </a:r>
-            <a:r>
-              <a:rPr lang="en-US" sz="2400" dirty="0"/>
-              <a:t>/gem/ruby/2.1.0/gems/rspec-support-3.4.1/lib</a:t>
-            </a:r>
-          </a:p>
-          <a:p>
-            <a:r>
-              <a:rPr lang="en-US" sz="2400" dirty="0"/>
-              <a:t>/Users/</a:t>
-            </a:r>
-            <a:r>
-              <a:rPr lang="en-US" sz="2400" dirty="0" err="1"/>
-              <a:t>franklinwebber</a:t>
-            </a:r>
-            <a:r>
-              <a:rPr lang="en-US" sz="2400" dirty="0"/>
-              <a:t>/.</a:t>
-            </a:r>
-            <a:r>
-              <a:rPr lang="en-US" sz="2400" dirty="0" err="1"/>
-              <a:t>chefdk</a:t>
-            </a:r>
-            <a:r>
-              <a:rPr lang="en-US" sz="2400" dirty="0"/>
-              <a:t>/gem/ruby/2.1.0/gems/rspec-core-3.4.4/lib</a:t>
-            </a:r>
-          </a:p>
-          <a:p>
-            <a:r>
-              <a:rPr lang="en-US" sz="2400" dirty="0"/>
-              <a:t>/opt/</a:t>
-            </a:r>
-            <a:r>
-              <a:rPr lang="en-US" sz="2400" dirty="0" err="1"/>
-              <a:t>chefdk</a:t>
-            </a:r>
-            <a:r>
-              <a:rPr lang="en-US" sz="2400" dirty="0"/>
-              <a:t>/embedded/lib/ruby/gems/2.1.0/gems/net-ssh-3.1.1/lib</a:t>
-            </a:r>
-          </a:p>
-          <a:p>
-            <a:r>
-              <a:rPr lang="en-US" sz="2400" dirty="0"/>
-              <a:t>/opt/</a:t>
-            </a:r>
-            <a:r>
-              <a:rPr lang="en-US" sz="2400" dirty="0" err="1"/>
-              <a:t>chefdk</a:t>
-            </a:r>
-            <a:r>
-              <a:rPr lang="en-US" sz="2400" dirty="0"/>
-              <a:t>/embedded/lib/ruby/gems/2.1.0/gems/fauxhai-3.5.0/lib</a:t>
-            </a:r>
-          </a:p>
-          <a:p>
-            <a:r>
-              <a:rPr lang="en-US" sz="2400" dirty="0"/>
-              <a:t>/opt/</a:t>
-            </a:r>
-            <a:r>
-              <a:rPr lang="en-US" sz="2400" dirty="0" err="1"/>
-              <a:t>chefdk</a:t>
-            </a:r>
-            <a:r>
-              <a:rPr lang="en-US" sz="2400" dirty="0"/>
-              <a:t>/embedded/lib/ruby/gems/2.1.0/gems/diff-lcs-1.2.5/lib</a:t>
-            </a:r>
-          </a:p>
-          <a:p>
-            <a:r>
-              <a:rPr lang="en-US" sz="2400" dirty="0"/>
-              <a:t>/Users/</a:t>
-            </a:r>
-            <a:r>
-              <a:rPr lang="en-US" sz="2400" dirty="0" err="1"/>
-              <a:t>franklinwebber</a:t>
-            </a:r>
-            <a:r>
-              <a:rPr lang="en-US" sz="2400" dirty="0"/>
-              <a:t>/.</a:t>
-            </a:r>
-            <a:r>
-              <a:rPr lang="en-US" sz="2400" dirty="0" err="1"/>
-              <a:t>chefdk</a:t>
-            </a:r>
-            <a:r>
-              <a:rPr lang="en-US" sz="2400" dirty="0"/>
-              <a:t>/gem/ruby/2.1.0/gems/rspec-expectations-3.4.0/lib</a:t>
-            </a:r>
-          </a:p>
-          <a:p>
-            <a:r>
-              <a:rPr lang="en-US" sz="2400" dirty="0"/>
-              <a:t>/Users/</a:t>
-            </a:r>
-            <a:r>
-              <a:rPr lang="en-US" sz="2400" dirty="0" err="1"/>
-              <a:t>franklinwebber</a:t>
-            </a:r>
-            <a:r>
-              <a:rPr lang="en-US" sz="2400" dirty="0"/>
-              <a:t>/.</a:t>
-            </a:r>
-            <a:r>
-              <a:rPr lang="en-US" sz="2400" dirty="0" err="1"/>
-              <a:t>chefdk</a:t>
-            </a:r>
-            <a:r>
-              <a:rPr lang="en-US" sz="2400" dirty="0"/>
-              <a:t>/gem/ruby/2.1.0/gems/rspec-mocks-3.4.1/lib</a:t>
-            </a:r>
-          </a:p>
-          <a:p>
-            <a:r>
-              <a:rPr lang="en-US" sz="2400" dirty="0"/>
-              <a:t>/Users/</a:t>
-            </a:r>
-            <a:r>
-              <a:rPr lang="en-US" sz="2400" dirty="0" err="1"/>
-              <a:t>franklinwebber</a:t>
-            </a:r>
-            <a:r>
-              <a:rPr lang="en-US" sz="2400" dirty="0"/>
-              <a:t>/.</a:t>
-            </a:r>
-            <a:r>
-              <a:rPr lang="en-US" sz="2400" dirty="0" err="1"/>
-              <a:t>chefdk</a:t>
-            </a:r>
-            <a:r>
-              <a:rPr lang="en-US" sz="2400" dirty="0"/>
-              <a:t>/gem/ruby/2.1.0/gems/rspec-3.4.0/</a:t>
-            </a:r>
-            <a:r>
-              <a:rPr lang="en-US" sz="2400" dirty="0" smtClean="0"/>
-              <a:t>lib</a:t>
-            </a:r>
-            <a:endParaRPr lang="en-US" sz="2400" dirty="0"/>
-          </a:p>
-        </p:txBody>
-      </p:sp>
-      <p:sp>
-        <p:nvSpPr>
-          <p:cNvPr id="9" name="Text Placeholder 8"/>
-          <p:cNvSpPr>
-            <a:spLocks noGrp="1"/>
-          </p:cNvSpPr>
-          <p:nvPr>
-            <p:ph type="body" sz="quarter" idx="11"/>
-          </p:nvPr>
-        </p:nvSpPr>
-        <p:spPr/>
-        <p:txBody>
-          <a:bodyPr/>
-          <a:lstStyle/>
-          <a:p>
-            <a:r>
-              <a:rPr lang="en-US" dirty="0" smtClean="0"/>
-              <a:t>&gt; chef exec </a:t>
-            </a:r>
-            <a:r>
-              <a:rPr lang="en-US" dirty="0" err="1" smtClean="0"/>
-              <a:t>rspec</a:t>
-            </a:r>
-            <a:endParaRPr lang="en-US" dirty="0"/>
-          </a:p>
-        </p:txBody>
-      </p:sp>
-      <p:sp>
-        <p:nvSpPr>
-          <p:cNvPr id="10" name="Content Placeholder 9"/>
-          <p:cNvSpPr>
-            <a:spLocks noGrp="1"/>
-          </p:cNvSpPr>
-          <p:nvPr>
-            <p:ph sz="quarter" idx="12"/>
-          </p:nvPr>
-        </p:nvSpPr>
-        <p:spPr>
-          <a:xfrm>
-            <a:off x="1127883" y="2768896"/>
-            <a:ext cx="14420850" cy="557213"/>
-          </a:xfrm>
-        </p:spPr>
-        <p:txBody>
-          <a:bodyPr/>
-          <a:lstStyle/>
-          <a:p>
-            <a:endParaRPr lang="en-US" dirty="0"/>
-          </a:p>
-        </p:txBody>
-      </p:sp>
-      <p:sp>
-        <p:nvSpPr>
-          <p:cNvPr id="7" name="Title 6"/>
-          <p:cNvSpPr>
-            <a:spLocks noGrp="1"/>
-          </p:cNvSpPr>
-          <p:nvPr>
-            <p:ph type="title"/>
-          </p:nvPr>
-        </p:nvSpPr>
-        <p:spPr/>
-        <p:txBody>
-          <a:bodyPr/>
-          <a:lstStyle/>
-          <a:p>
-            <a:r>
-              <a:rPr lang="en-US" dirty="0" smtClean="0"/>
-              <a:t>Viewing the $LOAD_PATH</a:t>
-            </a:r>
-            <a:endParaRPr lang="en-US" dirty="0"/>
-          </a:p>
-        </p:txBody>
-      </p:sp>
-    </p:spTree>
-    <p:extLst>
-      <p:ext uri="{BB962C8B-B14F-4D97-AF65-F5344CB8AC3E}">
-        <p14:creationId xmlns:p14="http://schemas.microsoft.com/office/powerpoint/2010/main" val="4263436008"/>
-      </p:ext>
-    </p:extLst>
-  </p:cSld>
-  <p:clrMapOvr>
-    <a:masterClrMapping/>
-  </p:clrMapOvr>
-  <p:transition xmlns:p14="http://schemas.microsoft.com/office/powerpoint/2010/main" spd="med">
-    <p:fade/>
-  </p:transition>
-  <p:timing>
-    <p:tnLst>
-      <p:par>
-        <p:cTn xmlns:p14="http://schemas.microsoft.com/office/powerpoint/2010/main" id="1" dur="indefinite" restart="never" nodeType="tmRoot"/>
-      </p:par>
-    </p:tnLst>
-  </p:timing>
-</p:sld>
-</file>
-
-<file path=ppt/slides/slide14.xml><?xml version="1.0" encoding="utf-8"?>
-<p:sld xmlns:a="http://schemas.openxmlformats.org/drawingml/2006/main" xmlns:r="http://schemas.openxmlformats.org/officeDocument/2006/relationships" xmlns:p="http://schemas.openxmlformats.org/presentationml/2006/main">
-  <p:cSld>
-    <p:spTree>
-      <p:nvGrpSpPr>
-        <p:cNvPr id="1" name=""/>
-        <p:cNvGrpSpPr/>
-        <p:nvPr/>
-      </p:nvGrpSpPr>
-      <p:grpSpPr>
-        <a:xfrm>
-          <a:off x="0" y="0"/>
-          <a:ext cx="0" cy="0"/>
-          <a:chOff x="0" y="0"/>
-          <a:chExt cx="0" cy="0"/>
-        </a:xfrm>
-      </p:grpSpPr>
-      <p:sp>
-        <p:nvSpPr>
-          <p:cNvPr id="2" name="Title 1"/>
-          <p:cNvSpPr>
-            <a:spLocks noGrp="1"/>
-          </p:cNvSpPr>
-          <p:nvPr>
-            <p:ph type="ctrTitle"/>
-          </p:nvPr>
-        </p:nvSpPr>
-        <p:spPr/>
-        <p:txBody>
-          <a:bodyPr>
-            <a:normAutofit fontScale="90000"/>
-          </a:bodyPr>
-          <a:lstStyle/>
-          <a:p>
-            <a:r>
-              <a:rPr lang="en-US" dirty="0" smtClean="0"/>
-              <a:t>Create helper method</a:t>
-            </a:r>
-            <a:endParaRPr lang="en-US" dirty="0"/>
-          </a:p>
-        </p:txBody>
-      </p:sp>
-      <p:sp>
-        <p:nvSpPr>
-          <p:cNvPr id="3" name="Subtitle 2"/>
-          <p:cNvSpPr>
-            <a:spLocks noGrp="1"/>
-          </p:cNvSpPr>
-          <p:nvPr>
-            <p:ph type="subTitle" idx="1"/>
-          </p:nvPr>
-        </p:nvSpPr>
-        <p:spPr/>
-        <p:txBody>
-          <a:bodyPr/>
-          <a:lstStyle/>
-          <a:p>
-            <a:r>
-              <a:rPr lang="en-US" dirty="0" smtClean="0"/>
-              <a:t>You can define a Ruby method that takes care of some of the tedious work of retrieving node attributes.</a:t>
-            </a:r>
-            <a:endParaRPr lang="en-US" dirty="0"/>
-          </a:p>
-        </p:txBody>
-      </p:sp>
-    </p:spTree>
-    <p:extLst>
-      <p:ext uri="{BB962C8B-B14F-4D97-AF65-F5344CB8AC3E}">
-        <p14:creationId xmlns:p14="http://schemas.microsoft.com/office/powerpoint/2010/main" val="1717682926"/>
-      </p:ext>
-    </p:extLst>
-  </p:cSld>
-  <p:clrMapOvr>
-    <a:masterClrMapping/>
-  </p:clrMapOvr>
-  <p:transition xmlns:p14="http://schemas.microsoft.com/office/powerpoint/2010/main" spd="med">
-    <p:fade/>
-  </p:transition>
-  <p:timing>
-    <p:tnLst>
-      <p:par>
-        <p:cTn xmlns:p14="http://schemas.microsoft.com/office/powerpoint/2010/main" id="1" dur="indefinite" restart="never" nodeType="tmRoot"/>
-      </p:par>
-    </p:tnLst>
-  </p:timing>
-</p:sld>
-</file>
-
-<file path=ppt/slides/slide15.xml><?xml version="1.0" encoding="utf-8"?>
-<p:sld xmlns:a="http://schemas.openxmlformats.org/drawingml/2006/main" xmlns:r="http://schemas.openxmlformats.org/officeDocument/2006/relationships" xmlns:p="http://schemas.openxmlformats.org/presentationml/2006/main">
-  <p:cSld>
-    <p:spTree>
-      <p:nvGrpSpPr>
-        <p:cNvPr id="1" name=""/>
-        <p:cNvGrpSpPr/>
-        <p:nvPr/>
-      </p:nvGrpSpPr>
-      <p:grpSpPr>
-        <a:xfrm>
-          <a:off x="0" y="0"/>
-          <a:ext cx="0" cy="0"/>
-          <a:chOff x="0" y="0"/>
-          <a:chExt cx="0" cy="0"/>
-        </a:xfrm>
-      </p:grpSpPr>
-      <p:sp>
-        <p:nvSpPr>
-          <p:cNvPr id="2" name="Title 1"/>
-          <p:cNvSpPr>
-            <a:spLocks noGrp="1"/>
-          </p:cNvSpPr>
-          <p:nvPr>
-            <p:ph type="ctrTitle"/>
-          </p:nvPr>
-        </p:nvSpPr>
-        <p:spPr/>
-        <p:txBody>
-          <a:bodyPr>
-            <a:noAutofit/>
-          </a:bodyPr>
-          <a:lstStyle/>
-          <a:p>
-            <a:r>
-              <a:rPr lang="en-US" sz="5400" dirty="0" smtClean="0"/>
-              <a:t>A Ruby Method with One Parameter</a:t>
-            </a:r>
-            <a:endParaRPr lang="en-US" sz="5400" dirty="0"/>
-          </a:p>
-        </p:txBody>
-      </p:sp>
-      <p:sp>
-        <p:nvSpPr>
-          <p:cNvPr id="3" name="Subtitle 2"/>
-          <p:cNvSpPr>
-            <a:spLocks noGrp="1"/>
-          </p:cNvSpPr>
-          <p:nvPr>
-            <p:ph type="subTitle" idx="1"/>
-          </p:nvPr>
-        </p:nvSpPr>
-        <p:spPr/>
-        <p:txBody>
-          <a:bodyPr/>
-          <a:lstStyle/>
-          <a:p>
-            <a:r>
-              <a:rPr lang="en-US" b="1" dirty="0" err="1" smtClean="0">
-                <a:solidFill>
-                  <a:schemeClr val="tx1"/>
-                </a:solidFill>
-                <a:latin typeface="Courier New" panose="02070309020205020404" pitchFamily="49" charset="0"/>
-                <a:cs typeface="Courier New" panose="02070309020205020404" pitchFamily="49" charset="0"/>
-              </a:rPr>
-              <a:t>def</a:t>
-            </a:r>
-            <a:r>
-              <a:rPr lang="en-US" b="1" dirty="0" smtClean="0">
-                <a:solidFill>
-                  <a:schemeClr val="tx1"/>
-                </a:solidFill>
-                <a:latin typeface="Courier New" panose="02070309020205020404" pitchFamily="49" charset="0"/>
-                <a:cs typeface="Courier New" panose="02070309020205020404" pitchFamily="49" charset="0"/>
-              </a:rPr>
-              <a:t> </a:t>
-            </a:r>
-            <a:r>
-              <a:rPr lang="en-US" b="1" dirty="0" smtClean="0">
-                <a:solidFill>
-                  <a:schemeClr val="accent6"/>
-                </a:solidFill>
-                <a:latin typeface="Courier New" panose="02070309020205020404" pitchFamily="49" charset="0"/>
-                <a:cs typeface="Courier New" panose="02070309020205020404" pitchFamily="49" charset="0"/>
-              </a:rPr>
-              <a:t>file</a:t>
-            </a:r>
-            <a:r>
-              <a:rPr lang="en-US" b="1" dirty="0" smtClean="0">
-                <a:latin typeface="Courier New" panose="02070309020205020404" pitchFamily="49" charset="0"/>
-                <a:cs typeface="Courier New" panose="02070309020205020404" pitchFamily="49" charset="0"/>
-              </a:rPr>
-              <a:t>(</a:t>
-            </a:r>
-            <a:r>
-              <a:rPr lang="en-US" b="1" dirty="0" smtClean="0">
-                <a:solidFill>
-                  <a:schemeClr val="accent4"/>
-                </a:solidFill>
-                <a:latin typeface="Courier New" panose="02070309020205020404" pitchFamily="49" charset="0"/>
-                <a:cs typeface="Courier New" panose="02070309020205020404" pitchFamily="49" charset="0"/>
-              </a:rPr>
-              <a:t>name</a:t>
-            </a:r>
-            <a:r>
-              <a:rPr lang="en-US" b="1" dirty="0" smtClean="0">
-                <a:latin typeface="Courier New" panose="02070309020205020404" pitchFamily="49" charset="0"/>
-                <a:cs typeface="Courier New" panose="02070309020205020404" pitchFamily="49" charset="0"/>
-              </a:rPr>
-              <a:t>)</a:t>
-            </a:r>
-          </a:p>
-          <a:p>
-            <a:r>
-              <a:rPr lang="en-US" b="1" dirty="0" smtClean="0">
-                <a:latin typeface="Courier New" panose="02070309020205020404" pitchFamily="49" charset="0"/>
-                <a:cs typeface="Courier New" panose="02070309020205020404" pitchFamily="49" charset="0"/>
-              </a:rPr>
-              <a:t>  </a:t>
-            </a:r>
-            <a:r>
-              <a:rPr lang="en-US" b="1" i="1" dirty="0" smtClean="0">
-                <a:solidFill>
-                  <a:schemeClr val="bg1">
-                    <a:lumMod val="65000"/>
-                  </a:schemeClr>
-                </a:solidFill>
-                <a:latin typeface="Courier New" panose="02070309020205020404" pitchFamily="49" charset="0"/>
-                <a:cs typeface="Courier New" panose="02070309020205020404" pitchFamily="49" charset="0"/>
-              </a:rPr>
-              <a:t># contents of </a:t>
-            </a:r>
-            <a:r>
-              <a:rPr lang="en-US" b="1" i="1" dirty="0" smtClean="0">
-                <a:solidFill>
-                  <a:schemeClr val="bg1">
-                    <a:lumMod val="65000"/>
-                  </a:schemeClr>
-                </a:solidFill>
-                <a:latin typeface="Courier New" panose="02070309020205020404" pitchFamily="49" charset="0"/>
-                <a:cs typeface="Courier New" panose="02070309020205020404" pitchFamily="49" charset="0"/>
-              </a:rPr>
-              <a:t>method</a:t>
-            </a:r>
-          </a:p>
-          <a:p>
-            <a:r>
-              <a:rPr lang="en-US" b="1" i="1" dirty="0">
-                <a:solidFill>
-                  <a:schemeClr val="bg1">
-                    <a:lumMod val="65000"/>
-                  </a:schemeClr>
-                </a:solidFill>
-                <a:latin typeface="Courier New" panose="02070309020205020404" pitchFamily="49" charset="0"/>
-                <a:cs typeface="Courier New" panose="02070309020205020404" pitchFamily="49" charset="0"/>
-              </a:rPr>
-              <a:t> </a:t>
-            </a:r>
-            <a:r>
-              <a:rPr lang="en-US" b="1" i="1" dirty="0" smtClean="0">
-                <a:solidFill>
-                  <a:schemeClr val="bg1">
-                    <a:lumMod val="65000"/>
-                  </a:schemeClr>
-                </a:solidFill>
-                <a:latin typeface="Courier New" panose="02070309020205020404" pitchFamily="49" charset="0"/>
-                <a:cs typeface="Courier New" panose="02070309020205020404" pitchFamily="49" charset="0"/>
-              </a:rPr>
-              <a:t> # last line </a:t>
-            </a:r>
-            <a:r>
-              <a:rPr lang="en-US" b="1" i="1" smtClean="0">
-                <a:solidFill>
-                  <a:schemeClr val="bg1">
-                    <a:lumMod val="65000"/>
-                  </a:schemeClr>
-                </a:solidFill>
-                <a:latin typeface="Courier New" panose="02070309020205020404" pitchFamily="49" charset="0"/>
-                <a:cs typeface="Courier New" panose="02070309020205020404" pitchFamily="49" charset="0"/>
-              </a:rPr>
-              <a:t>automatically returns the value</a:t>
-            </a:r>
-            <a:endParaRPr lang="en-US" b="1" i="1" dirty="0" smtClean="0">
-              <a:solidFill>
-                <a:schemeClr val="bg1">
-                  <a:lumMod val="65000"/>
-                </a:schemeClr>
-              </a:solidFill>
-              <a:latin typeface="Courier New" panose="02070309020205020404" pitchFamily="49" charset="0"/>
-              <a:cs typeface="Courier New" panose="02070309020205020404" pitchFamily="49" charset="0"/>
-            </a:endParaRPr>
-          </a:p>
-          <a:p>
-            <a:r>
-              <a:rPr lang="en-US" b="1" dirty="0" smtClean="0">
-                <a:solidFill>
-                  <a:schemeClr val="tx1"/>
-                </a:solidFill>
-                <a:latin typeface="Courier New" panose="02070309020205020404" pitchFamily="49" charset="0"/>
-                <a:cs typeface="Courier New" panose="02070309020205020404" pitchFamily="49" charset="0"/>
-              </a:rPr>
-              <a:t>end</a:t>
-            </a:r>
-            <a:endParaRPr lang="en-US" dirty="0">
-              <a:solidFill>
-                <a:schemeClr val="tx1"/>
-              </a:solidFill>
-            </a:endParaRPr>
-          </a:p>
-        </p:txBody>
-      </p:sp>
-      <p:sp>
-        <p:nvSpPr>
-          <p:cNvPr id="4" name="TextBox 3"/>
-          <p:cNvSpPr txBox="1"/>
-          <p:nvPr/>
-        </p:nvSpPr>
-        <p:spPr bwMode="white">
-          <a:xfrm>
-            <a:off x="1671638" y="6844553"/>
-            <a:ext cx="12319000" cy="914400"/>
-          </a:xfrm>
-          <a:prstGeom prst="rect">
-            <a:avLst/>
-          </a:prstGeom>
-        </p:spPr>
-        <p:txBody>
-          <a:bodyPr vert="horz" wrap="none" lIns="91440" tIns="91440" rIns="91440" bIns="91440" rtlCol="0">
-            <a:normAutofit/>
-          </a:bodyPr>
-          <a:lstStyle/>
-          <a:p>
-            <a:r>
-              <a:rPr lang="en-US" sz="3200" dirty="0" smtClean="0"/>
-              <a:t>The method named </a:t>
-            </a:r>
-            <a:r>
-              <a:rPr lang="en-US" sz="3200" dirty="0" smtClean="0">
-                <a:solidFill>
-                  <a:schemeClr val="accent6"/>
-                </a:solidFill>
-              </a:rPr>
-              <a:t>'file' </a:t>
-            </a:r>
-            <a:r>
-              <a:rPr lang="en-US" sz="3200" dirty="0" smtClean="0"/>
-              <a:t>has a single parameter named </a:t>
-            </a:r>
-            <a:r>
-              <a:rPr lang="en-US" sz="3200" dirty="0" smtClean="0">
-                <a:solidFill>
-                  <a:schemeClr val="accent4"/>
-                </a:solidFill>
-              </a:rPr>
-              <a:t>'name'</a:t>
-            </a:r>
-            <a:r>
-              <a:rPr lang="en-US" sz="3200" dirty="0" smtClean="0"/>
-              <a:t>.</a:t>
-            </a:r>
-          </a:p>
-        </p:txBody>
-      </p:sp>
-    </p:spTree>
-    <p:extLst>
-      <p:ext uri="{BB962C8B-B14F-4D97-AF65-F5344CB8AC3E}">
-        <p14:creationId xmlns:p14="http://schemas.microsoft.com/office/powerpoint/2010/main" val="2489736711"/>
-      </p:ext>
-    </p:extLst>
-  </p:cSld>
-  <p:clrMapOvr>
-    <a:masterClrMapping/>
-  </p:clrMapOvr>
-  <p:transition xmlns:p14="http://schemas.microsoft.com/office/powerpoint/2010/main" spd="med">
-    <p:fade/>
-  </p:transition>
-  <p:timing>
-    <p:tnLst>
-      <p:par>
-        <p:cTn xmlns:p14="http://schemas.microsoft.com/office/powerpoint/2010/main" id="1" dur="indefinite" restart="never" nodeType="tmRoot"/>
-      </p:par>
-    </p:tnLst>
-  </p:timing>
-</p:sld>
-</file>
-
-<file path=ppt/slides/slide16.xml><?xml version="1.0" encoding="utf-8"?>
-<p:sld xmlns:a="http://schemas.openxmlformats.org/drawingml/2006/main" xmlns:r="http://schemas.openxmlformats.org/officeDocument/2006/relationships" xmlns:p="http://schemas.openxmlformats.org/presentationml/2006/main">
-  <p:cSld>
-    <p:spTree>
-      <p:nvGrpSpPr>
-        <p:cNvPr id="1" name=""/>
-        <p:cNvGrpSpPr/>
-        <p:nvPr/>
-      </p:nvGrpSpPr>
-      <p:grpSpPr>
-        <a:xfrm>
-          <a:off x="0" y="0"/>
-          <a:ext cx="0" cy="0"/>
-          <a:chOff x="0" y="0"/>
-          <a:chExt cx="0" cy="0"/>
-        </a:xfrm>
-      </p:grpSpPr>
-      <p:sp>
-        <p:nvSpPr>
-          <p:cNvPr id="2" name="Title 1"/>
-          <p:cNvSpPr>
-            <a:spLocks noGrp="1"/>
-          </p:cNvSpPr>
-          <p:nvPr>
-            <p:ph type="title"/>
-          </p:nvPr>
-        </p:nvSpPr>
-        <p:spPr/>
-        <p:txBody>
-          <a:bodyPr>
-            <a:normAutofit fontScale="90000"/>
-          </a:bodyPr>
-          <a:lstStyle/>
-          <a:p>
-            <a:r>
-              <a:rPr lang="en-US" dirty="0" smtClean="0"/>
-              <a:t>Viewing the Repetition of Retrieving Attributes</a:t>
-            </a:r>
-            <a:endParaRPr lang="en-US" dirty="0"/>
-          </a:p>
-        </p:txBody>
-      </p:sp>
-      <p:sp>
-        <p:nvSpPr>
-          <p:cNvPr id="3" name="Content Placeholder 2"/>
-          <p:cNvSpPr>
-            <a:spLocks noGrp="1"/>
-          </p:cNvSpPr>
-          <p:nvPr>
-            <p:ph sz="quarter" idx="10"/>
-          </p:nvPr>
-        </p:nvSpPr>
-        <p:spPr/>
-        <p:txBody>
-          <a:bodyPr/>
-          <a:lstStyle/>
-          <a:p>
-            <a:r>
-              <a:rPr lang="en-US" dirty="0"/>
-              <a:t> </a:t>
-            </a:r>
-            <a:r>
-              <a:rPr lang="en-US" dirty="0" smtClean="0"/>
-              <a:t>   </a:t>
-            </a:r>
-          </a:p>
-          <a:p>
-            <a:r>
-              <a:rPr lang="en-US" dirty="0"/>
-              <a:t> </a:t>
-            </a:r>
-            <a:r>
-              <a:rPr lang="en-US" dirty="0" smtClean="0"/>
-              <a:t>   it </a:t>
-            </a:r>
-            <a:r>
-              <a:rPr lang="en-US" dirty="0"/>
-              <a:t>"apache mirror" do</a:t>
-            </a:r>
-          </a:p>
-          <a:p>
-            <a:r>
-              <a:rPr lang="en-US" dirty="0"/>
-              <a:t>      attribute = </a:t>
-            </a:r>
-            <a:r>
-              <a:rPr lang="en-US" dirty="0" err="1"/>
-              <a:t>chef_run.node</a:t>
-            </a:r>
-            <a:r>
-              <a:rPr lang="en-US" dirty="0"/>
-              <a:t>['ark']['</a:t>
-            </a:r>
-            <a:r>
-              <a:rPr lang="en-US" dirty="0" err="1"/>
-              <a:t>apache_mirror</a:t>
-            </a:r>
-            <a:r>
-              <a:rPr lang="en-US" dirty="0"/>
-              <a:t>']</a:t>
-            </a:r>
-          </a:p>
-          <a:p>
-            <a:r>
-              <a:rPr lang="en-US" dirty="0"/>
-              <a:t>      expect(attribute).to </a:t>
-            </a:r>
-            <a:r>
-              <a:rPr lang="en-US" dirty="0" err="1"/>
-              <a:t>eq</a:t>
-            </a:r>
-            <a:r>
-              <a:rPr lang="en-US" dirty="0"/>
-              <a:t> "http://</a:t>
-            </a:r>
-            <a:r>
-              <a:rPr lang="en-US" dirty="0" err="1"/>
-              <a:t>apache.mirrors.tds.net</a:t>
-            </a:r>
-            <a:r>
-              <a:rPr lang="en-US" dirty="0"/>
-              <a:t>"</a:t>
-            </a:r>
-          </a:p>
-          <a:p>
-            <a:r>
-              <a:rPr lang="en-US" dirty="0"/>
-              <a:t>    end</a:t>
-            </a:r>
-          </a:p>
-          <a:p>
-            <a:endParaRPr lang="en-US" dirty="0"/>
-          </a:p>
-          <a:p>
-            <a:r>
-              <a:rPr lang="en-US" dirty="0"/>
-              <a:t>    it "prefix root" do</a:t>
-            </a:r>
-          </a:p>
-          <a:p>
-            <a:r>
-              <a:rPr lang="en-US" dirty="0"/>
-              <a:t>      attribute = </a:t>
-            </a:r>
-            <a:r>
-              <a:rPr lang="en-US" dirty="0" err="1"/>
-              <a:t>chef_run.node</a:t>
-            </a:r>
-            <a:r>
-              <a:rPr lang="en-US" dirty="0"/>
-              <a:t>['ark']['</a:t>
-            </a:r>
-            <a:r>
-              <a:rPr lang="en-US" dirty="0" err="1"/>
-              <a:t>prefix_root</a:t>
-            </a:r>
-            <a:r>
-              <a:rPr lang="en-US" dirty="0"/>
-              <a:t>']</a:t>
-            </a:r>
-          </a:p>
-          <a:p>
-            <a:r>
-              <a:rPr lang="en-US" dirty="0"/>
-              <a:t>      expect(attribute).to </a:t>
-            </a:r>
-            <a:r>
-              <a:rPr lang="en-US" dirty="0" err="1"/>
-              <a:t>eq</a:t>
-            </a:r>
-            <a:r>
-              <a:rPr lang="en-US" dirty="0"/>
-              <a:t> "/</a:t>
-            </a:r>
-            <a:r>
-              <a:rPr lang="en-US" dirty="0" err="1"/>
-              <a:t>usr</a:t>
-            </a:r>
-            <a:r>
-              <a:rPr lang="en-US" dirty="0"/>
-              <a:t>/local"</a:t>
-            </a:r>
-          </a:p>
-          <a:p>
-            <a:r>
-              <a:rPr lang="en-US" dirty="0"/>
-              <a:t>    end</a:t>
-            </a:r>
-          </a:p>
-        </p:txBody>
-      </p:sp>
-    </p:spTree>
-    <p:extLst>
-      <p:ext uri="{BB962C8B-B14F-4D97-AF65-F5344CB8AC3E}">
-        <p14:creationId xmlns:p14="http://schemas.microsoft.com/office/powerpoint/2010/main" val="3201303763"/>
-      </p:ext>
-    </p:extLst>
-  </p:cSld>
-  <p:clrMapOvr>
-    <a:masterClrMapping/>
-  </p:clrMapOvr>
-  <p:transition xmlns:p14="http://schemas.microsoft.com/office/powerpoint/2010/main" spd="med">
-    <p:fade/>
-  </p:transition>
-  <p:timing>
-    <p:tnLst>
-      <p:par>
-        <p:cTn xmlns:p14="http://schemas.microsoft.com/office/powerpoint/2010/main" id="1" dur="indefinite" restart="never" nodeType="tmRoot"/>
-      </p:par>
-    </p:tnLst>
-  </p:timing>
-</p:sld>
-</file>
-
-<file path=ppt/slides/slide17.xml><?xml version="1.0" encoding="utf-8"?>
-<p:sld xmlns:a="http://schemas.openxmlformats.org/drawingml/2006/main" xmlns:r="http://schemas.openxmlformats.org/officeDocument/2006/relationships" xmlns:p="http://schemas.openxmlformats.org/presentationml/2006/main">
-  <p:cSld>
-    <p:spTree>
-      <p:nvGrpSpPr>
-        <p:cNvPr id="1" name=""/>
-        <p:cNvGrpSpPr/>
-        <p:nvPr/>
-      </p:nvGrpSpPr>
-      <p:grpSpPr>
-        <a:xfrm>
-          <a:off x="0" y="0"/>
-          <a:ext cx="0" cy="0"/>
-          <a:chOff x="0" y="0"/>
-          <a:chExt cx="0" cy="0"/>
-        </a:xfrm>
-      </p:grpSpPr>
-      <p:sp>
-        <p:nvSpPr>
-          <p:cNvPr id="2" name="Title 1"/>
-          <p:cNvSpPr>
-            <a:spLocks noGrp="1"/>
-          </p:cNvSpPr>
-          <p:nvPr>
-            <p:ph type="title"/>
-          </p:nvPr>
-        </p:nvSpPr>
-        <p:spPr/>
-        <p:txBody>
-          <a:bodyPr>
-            <a:normAutofit/>
-          </a:bodyPr>
-          <a:lstStyle/>
-          <a:p>
-            <a:r>
-              <a:rPr lang="en-US" dirty="0" smtClean="0"/>
-              <a:t>Refactoring with let to help ease the pain</a:t>
-            </a:r>
-            <a:endParaRPr lang="en-US" dirty="0"/>
-          </a:p>
-        </p:txBody>
-      </p:sp>
-      <p:sp>
-        <p:nvSpPr>
-          <p:cNvPr id="3" name="Content Placeholder 2"/>
-          <p:cNvSpPr>
-            <a:spLocks noGrp="1"/>
-          </p:cNvSpPr>
-          <p:nvPr>
-            <p:ph sz="quarter" idx="10"/>
-          </p:nvPr>
-        </p:nvSpPr>
-        <p:spPr/>
-        <p:txBody>
-          <a:bodyPr>
-            <a:normAutofit/>
-          </a:bodyPr>
-          <a:lstStyle/>
-          <a:p>
-            <a:r>
-              <a:rPr lang="en-US" sz="2600" dirty="0"/>
-              <a:t> </a:t>
-            </a:r>
-            <a:r>
-              <a:rPr lang="en-US" sz="2600" dirty="0" smtClean="0"/>
-              <a:t>   let(:node) do</a:t>
-            </a:r>
-          </a:p>
-          <a:p>
-            <a:r>
-              <a:rPr lang="en-US" sz="2600" dirty="0"/>
-              <a:t> </a:t>
-            </a:r>
-            <a:r>
-              <a:rPr lang="en-US" sz="2600" dirty="0" smtClean="0"/>
-              <a:t>     </a:t>
-            </a:r>
-            <a:r>
-              <a:rPr lang="en-US" sz="2600" dirty="0" err="1" smtClean="0"/>
-              <a:t>chef_run.node</a:t>
-            </a:r>
-            <a:endParaRPr lang="en-US" sz="2600" dirty="0" smtClean="0"/>
-          </a:p>
-          <a:p>
-            <a:r>
-              <a:rPr lang="en-US" sz="2600" dirty="0"/>
-              <a:t> </a:t>
-            </a:r>
-            <a:r>
-              <a:rPr lang="en-US" sz="2600" dirty="0" smtClean="0"/>
-              <a:t>   end</a:t>
-            </a:r>
-          </a:p>
-          <a:p>
-            <a:r>
-              <a:rPr lang="en-US" sz="2600" dirty="0"/>
-              <a:t> </a:t>
-            </a:r>
-            <a:r>
-              <a:rPr lang="en-US" sz="2600" dirty="0" smtClean="0"/>
-              <a:t>   </a:t>
-            </a:r>
-          </a:p>
-          <a:p>
-            <a:r>
-              <a:rPr lang="en-US" sz="2600" dirty="0"/>
-              <a:t> </a:t>
-            </a:r>
-            <a:r>
-              <a:rPr lang="en-US" sz="2600" dirty="0" smtClean="0"/>
-              <a:t>   it </a:t>
-            </a:r>
-            <a:r>
-              <a:rPr lang="en-US" sz="2600" dirty="0"/>
-              <a:t>"apache mirror" do</a:t>
-            </a:r>
-          </a:p>
-          <a:p>
-            <a:r>
-              <a:rPr lang="en-US" sz="2600" dirty="0"/>
-              <a:t>      attribute = </a:t>
-            </a:r>
-            <a:r>
-              <a:rPr lang="en-US" sz="2600" dirty="0" smtClean="0"/>
-              <a:t>node</a:t>
-            </a:r>
-            <a:r>
-              <a:rPr lang="en-US" sz="2600" dirty="0"/>
-              <a:t>['ark']['</a:t>
-            </a:r>
-            <a:r>
-              <a:rPr lang="en-US" sz="2600" dirty="0" err="1"/>
-              <a:t>apache_mirror</a:t>
-            </a:r>
-            <a:r>
-              <a:rPr lang="en-US" sz="2600" dirty="0"/>
-              <a:t>']</a:t>
-            </a:r>
-          </a:p>
-          <a:p>
-            <a:r>
-              <a:rPr lang="en-US" sz="2600" dirty="0"/>
-              <a:t>      expect(attribute).to </a:t>
-            </a:r>
-            <a:r>
-              <a:rPr lang="en-US" sz="2600" dirty="0" err="1"/>
-              <a:t>eq</a:t>
-            </a:r>
-            <a:r>
-              <a:rPr lang="en-US" sz="2600" dirty="0"/>
-              <a:t> "http://</a:t>
-            </a:r>
-            <a:r>
-              <a:rPr lang="en-US" sz="2600" dirty="0" err="1"/>
-              <a:t>apache.mirrors.tds.net</a:t>
-            </a:r>
-            <a:r>
-              <a:rPr lang="en-US" sz="2600" dirty="0"/>
-              <a:t>"</a:t>
-            </a:r>
-          </a:p>
-          <a:p>
-            <a:r>
-              <a:rPr lang="en-US" sz="2600" dirty="0"/>
-              <a:t>    end</a:t>
-            </a:r>
-          </a:p>
-          <a:p>
-            <a:endParaRPr lang="en-US" sz="2600" dirty="0"/>
-          </a:p>
-          <a:p>
-            <a:r>
-              <a:rPr lang="en-US" sz="2600" dirty="0"/>
-              <a:t>    it "prefix root" do</a:t>
-            </a:r>
-          </a:p>
-          <a:p>
-            <a:r>
-              <a:rPr lang="en-US" sz="2600" dirty="0"/>
-              <a:t>      attribute = </a:t>
-            </a:r>
-            <a:r>
-              <a:rPr lang="en-US" sz="2600" dirty="0" smtClean="0"/>
-              <a:t>node</a:t>
-            </a:r>
-            <a:r>
-              <a:rPr lang="en-US" sz="2600" dirty="0"/>
-              <a:t>['ark']['</a:t>
-            </a:r>
-            <a:r>
-              <a:rPr lang="en-US" sz="2600" dirty="0" err="1"/>
-              <a:t>prefix_root</a:t>
-            </a:r>
-            <a:r>
-              <a:rPr lang="en-US" sz="2600" dirty="0"/>
-              <a:t>']</a:t>
-            </a:r>
-          </a:p>
-          <a:p>
-            <a:r>
-              <a:rPr lang="en-US" sz="2600" dirty="0"/>
-              <a:t>      expect(attribute).to </a:t>
-            </a:r>
-            <a:r>
-              <a:rPr lang="en-US" sz="2600" dirty="0" err="1"/>
-              <a:t>eq</a:t>
-            </a:r>
-            <a:r>
-              <a:rPr lang="en-US" sz="2600" dirty="0"/>
-              <a:t> "/</a:t>
-            </a:r>
-            <a:r>
-              <a:rPr lang="en-US" sz="2600" dirty="0" err="1"/>
-              <a:t>usr</a:t>
-            </a:r>
-            <a:r>
-              <a:rPr lang="en-US" sz="2600" dirty="0"/>
-              <a:t>/local"</a:t>
-            </a:r>
-          </a:p>
-          <a:p>
-            <a:r>
-              <a:rPr lang="en-US" sz="2600" dirty="0"/>
-              <a:t>    end</a:t>
-            </a:r>
-          </a:p>
-        </p:txBody>
-      </p:sp>
-      <p:sp>
-        <p:nvSpPr>
-          <p:cNvPr id="5" name="Text Placeholder 4"/>
-          <p:cNvSpPr>
-            <a:spLocks noGrp="1"/>
-          </p:cNvSpPr>
-          <p:nvPr>
-            <p:ph type="body" sz="quarter" idx="12"/>
-          </p:nvPr>
-        </p:nvSpPr>
-        <p:spPr>
-          <a:xfrm>
-            <a:off x="621430" y="1364182"/>
-            <a:ext cx="14925911" cy="1381437"/>
-          </a:xfrm>
-        </p:spPr>
-        <p:txBody>
-          <a:bodyPr/>
-          <a:lstStyle/>
-          <a:p>
-            <a:endParaRPr lang="en-US" dirty="0"/>
-          </a:p>
-        </p:txBody>
-      </p:sp>
-      <p:sp>
-        <p:nvSpPr>
-          <p:cNvPr id="9" name="Text Placeholder 4"/>
-          <p:cNvSpPr>
-            <a:spLocks noGrp="1"/>
-          </p:cNvSpPr>
-          <p:nvPr>
-            <p:ph type="body" sz="quarter" idx="12"/>
-          </p:nvPr>
-        </p:nvSpPr>
-        <p:spPr>
-          <a:xfrm>
-            <a:off x="628650" y="3827990"/>
-            <a:ext cx="14925675" cy="531813"/>
-          </a:xfrm>
-        </p:spPr>
-        <p:txBody>
-          <a:bodyPr/>
-          <a:lstStyle/>
-          <a:p>
-            <a:endParaRPr lang="en-US" dirty="0"/>
-          </a:p>
-        </p:txBody>
-      </p:sp>
-      <p:sp>
-        <p:nvSpPr>
-          <p:cNvPr id="10" name="Text Placeholder 4"/>
-          <p:cNvSpPr>
-            <a:spLocks noGrp="1"/>
-          </p:cNvSpPr>
-          <p:nvPr>
-            <p:ph type="body" sz="quarter" idx="12"/>
-          </p:nvPr>
-        </p:nvSpPr>
-        <p:spPr>
-          <a:xfrm>
-            <a:off x="599622" y="6317189"/>
-            <a:ext cx="14925675" cy="531813"/>
-          </a:xfrm>
-        </p:spPr>
-        <p:txBody>
-          <a:bodyPr/>
-          <a:lstStyle/>
-          <a:p>
-            <a:endParaRPr lang="en-US" dirty="0"/>
-          </a:p>
-        </p:txBody>
-      </p:sp>
-    </p:spTree>
-    <p:extLst>
-      <p:ext uri="{BB962C8B-B14F-4D97-AF65-F5344CB8AC3E}">
-        <p14:creationId xmlns:p14="http://schemas.microsoft.com/office/powerpoint/2010/main" val="2088290285"/>
-      </p:ext>
-    </p:extLst>
-  </p:cSld>
-  <p:clrMapOvr>
-    <a:masterClrMapping/>
-  </p:clrMapOvr>
-  <p:transition xmlns:p14="http://schemas.microsoft.com/office/powerpoint/2010/main" spd="med">
-    <p:fade/>
-  </p:transition>
-  <p:timing>
-    <p:tnLst>
-      <p:par>
-        <p:cTn xmlns:p14="http://schemas.microsoft.com/office/powerpoint/2010/main" id="1" dur="indefinite" restart="never" nodeType="tmRoot"/>
-      </p:par>
-    </p:tnLst>
-  </p:timing>
-</p:sld>
-</file>
-
-<file path=ppt/slides/slide18.xml><?xml version="1.0" encoding="utf-8"?>
-<p:sld xmlns:a="http://schemas.openxmlformats.org/drawingml/2006/main" xmlns:r="http://schemas.openxmlformats.org/officeDocument/2006/relationships" xmlns:p="http://schemas.openxmlformats.org/presentationml/2006/main">
-  <p:cSld>
-    <p:spTree>
-      <p:nvGrpSpPr>
-        <p:cNvPr id="1" name=""/>
-        <p:cNvGrpSpPr/>
-        <p:nvPr/>
-      </p:nvGrpSpPr>
-      <p:grpSpPr>
-        <a:xfrm>
-          <a:off x="0" y="0"/>
-          <a:ext cx="0" cy="0"/>
-          <a:chOff x="0" y="0"/>
-          <a:chExt cx="0" cy="0"/>
-        </a:xfrm>
-      </p:grpSpPr>
-      <p:sp>
-        <p:nvSpPr>
-          <p:cNvPr id="2" name="Title 1"/>
-          <p:cNvSpPr>
-            <a:spLocks noGrp="1"/>
-          </p:cNvSpPr>
-          <p:nvPr>
-            <p:ph type="title"/>
-          </p:nvPr>
-        </p:nvSpPr>
-        <p:spPr/>
-        <p:txBody>
           <a:bodyPr>
             <a:normAutofit/>
           </a:bodyPr>
@@ -13115,20 +12265,20 @@
   <p:clrMapOvr>
     <a:masterClrMapping/>
   </p:clrMapOvr>
-  <p:transition xmlns:p14="http://schemas.microsoft.com/office/powerpoint/2010/main" spd="med">
+  <p:transition spd="med">
     <p:fade/>
   </p:transition>
   <p:timing>
     <p:tnLst>
       <p:par>
-        <p:cTn xmlns:p14="http://schemas.microsoft.com/office/powerpoint/2010/main" id="1" dur="indefinite" restart="never" nodeType="tmRoot"/>
+        <p:cTn id="1" dur="indefinite" restart="never" nodeType="tmRoot"/>
       </p:par>
     </p:tnLst>
   </p:timing>
 </p:sld>
 </file>
 
-<file path=ppt/slides/slide19.xml><?xml version="1.0" encoding="utf-8"?>
+<file path=ppt/slides/slide12.xml><?xml version="1.0" encoding="utf-8"?>
 <p:sld xmlns:a="http://schemas.openxmlformats.org/drawingml/2006/main" xmlns:r="http://schemas.openxmlformats.org/officeDocument/2006/relationships" xmlns:p="http://schemas.openxmlformats.org/presentationml/2006/main">
   <p:cSld>
     <p:spTree>
@@ -13323,20 +12473,20 @@
   <p:clrMapOvr>
     <a:masterClrMapping/>
   </p:clrMapOvr>
-  <p:transition xmlns:p14="http://schemas.microsoft.com/office/powerpoint/2010/main" spd="med">
+  <p:transition spd="med">
     <p:fade/>
   </p:transition>
   <p:timing>
     <p:tnLst>
       <p:par>
-        <p:cTn xmlns:p14="http://schemas.microsoft.com/office/powerpoint/2010/main" id="1" dur="indefinite" restart="never" nodeType="tmRoot"/>
+        <p:cTn id="1" dur="indefinite" restart="never" nodeType="tmRoot"/>
       </p:par>
     </p:tnLst>
   </p:timing>
 </p:sld>
 </file>
 
-<file path=ppt/slides/slide2.xml><?xml version="1.0" encoding="utf-8"?>
+<file path=ppt/slides/slide13.xml><?xml version="1.0" encoding="utf-8"?>
 <p:sld xmlns:a="http://schemas.openxmlformats.org/drawingml/2006/main" xmlns:r="http://schemas.openxmlformats.org/officeDocument/2006/relationships" xmlns:p="http://schemas.openxmlformats.org/presentationml/2006/main">
   <p:cSld>
     <p:spTree>
@@ -13370,7 +12520,7 @@
           <a:p>
             <a:r>
               <a:rPr lang="en-US" dirty="0" smtClean="0"/>
-              <a:t>Objective</a:t>
+              <a:t>Exercise</a:t>
             </a:r>
             <a:endParaRPr lang="en-US" dirty="0"/>
           </a:p>
@@ -13386,36 +12536,36 @@
             <p:ph type="body" sz="quarter" idx="12"/>
           </p:nvPr>
         </p:nvSpPr>
-        <p:spPr>
-          <a:xfrm>
-            <a:off x="3411545" y="1856198"/>
-            <a:ext cx="9432910" cy="5345953"/>
-          </a:xfrm>
-        </p:spPr>
+        <p:spPr/>
         <p:txBody>
           <a:bodyPr anchor="ctr"/>
           <a:lstStyle/>
           <a:p>
             <a:pPr algn="ctr"/>
             <a:r>
-              <a:rPr lang="en-US" sz="7200" dirty="0" smtClean="0">
+              <a:rPr lang="en-US" sz="6000" dirty="0" smtClean="0">
                 <a:latin typeface="Apple Chancery" charset="0"/>
                 <a:ea typeface="Apple Chancery" charset="0"/>
                 <a:cs typeface="Apple Chancery" charset="0"/>
               </a:rPr>
-              <a:t>Use Ruby Methods to</a:t>
+              <a:t>Refactor. Execute the Tests.</a:t>
             </a:r>
           </a:p>
           <a:p>
             <a:pPr algn="ctr"/>
             <a:r>
-              <a:rPr lang="en-US" sz="7200" dirty="0" smtClean="0">
+              <a:rPr lang="en-US" sz="6000" smtClean="0">
                 <a:latin typeface="Apple Chancery" charset="0"/>
                 <a:ea typeface="Apple Chancery" charset="0"/>
                 <a:cs typeface="Apple Chancery" charset="0"/>
               </a:rPr>
-              <a:t>capture your actions.</a:t>
-            </a:r>
+              <a:t>Find Success.</a:t>
+            </a:r>
+            <a:endParaRPr lang="en-US" sz="6000" dirty="0">
+              <a:latin typeface="Apple Chancery" charset="0"/>
+              <a:ea typeface="Apple Chancery" charset="0"/>
+              <a:cs typeface="Apple Chancery" charset="0"/>
+            </a:endParaRPr>
           </a:p>
         </p:txBody>
       </p:sp>
@@ -13640,330 +12790,6 @@
     </p:spTree>
     <p:extLst>
       <p:ext uri="{BB962C8B-B14F-4D97-AF65-F5344CB8AC3E}">
-        <p14:creationId xmlns:p14="http://schemas.microsoft.com/office/powerpoint/2010/main" val="1100406573"/>
-      </p:ext>
-    </p:extLst>
-  </p:cSld>
-  <p:clrMapOvr>
-    <a:masterClrMapping/>
-  </p:clrMapOvr>
-  <p:transition xmlns:p14="http://schemas.microsoft.com/office/powerpoint/2010/main" spd="med">
-    <p:fade/>
-  </p:transition>
-  <p:timing>
-    <p:tnLst>
-      <p:par>
-        <p:cTn xmlns:p14="http://schemas.microsoft.com/office/powerpoint/2010/main" id="1" dur="indefinite" restart="never" nodeType="tmRoot"/>
-      </p:par>
-    </p:tnLst>
-  </p:timing>
-</p:sld>
-</file>
-
-<file path=ppt/slides/slide20.xml><?xml version="1.0" encoding="utf-8"?>
-<p:sld xmlns:a="http://schemas.openxmlformats.org/drawingml/2006/main" xmlns:r="http://schemas.openxmlformats.org/officeDocument/2006/relationships" xmlns:p="http://schemas.openxmlformats.org/presentationml/2006/main">
-  <p:cSld>
-    <p:spTree>
-      <p:nvGrpSpPr>
-        <p:cNvPr id="1" name=""/>
-        <p:cNvGrpSpPr/>
-        <p:nvPr/>
-      </p:nvGrpSpPr>
-      <p:grpSpPr>
-        <a:xfrm>
-          <a:off x="0" y="0"/>
-          <a:ext cx="0" cy="0"/>
-          <a:chOff x="0" y="0"/>
-          <a:chExt cx="0" cy="0"/>
-        </a:xfrm>
-      </p:grpSpPr>
-      <p:sp>
-        <p:nvSpPr>
-          <p:cNvPr id="2" name="Title 1"/>
-          <p:cNvSpPr>
-            <a:spLocks noGrp="1"/>
-          </p:cNvSpPr>
-          <p:nvPr>
-            <p:ph type="title"/>
-          </p:nvPr>
-        </p:nvSpPr>
-        <p:spPr/>
-        <p:txBody>
-          <a:bodyPr/>
-          <a:lstStyle/>
-          <a:p>
-            <a:r>
-              <a:rPr lang="en-US" dirty="0" smtClean="0"/>
-              <a:t>Exercise</a:t>
-            </a:r>
-            <a:endParaRPr lang="en-US" dirty="0"/>
-          </a:p>
-        </p:txBody>
-      </p:sp>
-      <p:sp>
-        <p:nvSpPr>
-          <p:cNvPr id="4" name="Text Placeholder 3"/>
-          <p:cNvSpPr>
-            <a:spLocks noGrp="1"/>
-          </p:cNvSpPr>
-          <p:nvPr>
-            <p:ph type="body" sz="quarter" idx="12"/>
-          </p:nvPr>
-        </p:nvSpPr>
-        <p:spPr/>
-        <p:txBody>
-          <a:bodyPr anchor="ctr"/>
-          <a:lstStyle/>
-          <a:p>
-            <a:pPr algn="ctr"/>
-            <a:r>
-              <a:rPr lang="en-US" sz="6000" dirty="0" smtClean="0">
-                <a:latin typeface="Apple Chancery" charset="0"/>
-                <a:ea typeface="Apple Chancery" charset="0"/>
-                <a:cs typeface="Apple Chancery" charset="0"/>
-              </a:rPr>
-              <a:t>Refactor. Execute the Tests.</a:t>
-            </a:r>
-          </a:p>
-          <a:p>
-            <a:pPr algn="ctr"/>
-            <a:r>
-              <a:rPr lang="en-US" sz="6000" smtClean="0">
-                <a:latin typeface="Apple Chancery" charset="0"/>
-                <a:ea typeface="Apple Chancery" charset="0"/>
-                <a:cs typeface="Apple Chancery" charset="0"/>
-              </a:rPr>
-              <a:t>Find Success.</a:t>
-            </a:r>
-            <a:endParaRPr lang="en-US" sz="6000" dirty="0">
-              <a:latin typeface="Apple Chancery" charset="0"/>
-              <a:ea typeface="Apple Chancery" charset="0"/>
-              <a:cs typeface="Apple Chancery" charset="0"/>
-            </a:endParaRPr>
-          </a:p>
-        </p:txBody>
-      </p:sp>
-      <p:sp>
-        <p:nvSpPr>
-          <p:cNvPr id="5" name="Oval 4"/>
-          <p:cNvSpPr/>
-          <p:nvPr/>
-        </p:nvSpPr>
-        <p:spPr bwMode="auto">
-          <a:xfrm>
-            <a:off x="7713134" y="1856198"/>
-            <a:ext cx="524933" cy="524933"/>
-          </a:xfrm>
-          <a:prstGeom prst="ellipse">
-            <a:avLst/>
-          </a:prstGeom>
-          <a:solidFill>
-            <a:schemeClr val="accent1"/>
-          </a:solidFill>
-          <a:ln>
-            <a:noFill/>
-            <a:headEnd type="none" w="med" len="med"/>
-            <a:tailEnd type="none" w="med" len="med"/>
-          </a:ln>
-          <a:effectLst/>
-        </p:spPr>
-        <p:style>
-          <a:lnRef idx="1">
-            <a:schemeClr val="accent4"/>
-          </a:lnRef>
-          <a:fillRef idx="3">
-            <a:schemeClr val="accent4"/>
-          </a:fillRef>
-          <a:effectRef idx="2">
-            <a:schemeClr val="accent4"/>
-          </a:effectRef>
-          <a:fontRef idx="minor">
-            <a:schemeClr val="lt1"/>
-          </a:fontRef>
-        </p:style>
-        <p:txBody>
-          <a:bodyPr vert="horz" wrap="square" lIns="91436" tIns="45718" rIns="91436" bIns="45718" numCol="1" rtlCol="0" anchor="ctr" anchorCtr="0" compatLnSpc="1">
-            <a:prstTxWarp prst="textNoShape">
-              <a:avLst/>
-            </a:prstTxWarp>
-          </a:bodyPr>
-          <a:lstStyle/>
-          <a:p>
-            <a:pPr algn="ctr" defTabSz="914099"/>
-            <a:endParaRPr lang="en-US" sz="2400" dirty="0" err="1" smtClean="0">
-              <a:gradFill>
-                <a:gsLst>
-                  <a:gs pos="0">
-                    <a:srgbClr val="FFFFFF"/>
-                  </a:gs>
-                  <a:gs pos="100000">
-                    <a:srgbClr val="FFFFFF"/>
-                  </a:gs>
-                </a:gsLst>
-                <a:lin ang="5400000" scaled="0"/>
-              </a:gradFill>
-            </a:endParaRPr>
-          </a:p>
-        </p:txBody>
-      </p:sp>
-      <p:sp>
-        <p:nvSpPr>
-          <p:cNvPr id="10" name="Right Brace 9"/>
-          <p:cNvSpPr/>
-          <p:nvPr/>
-        </p:nvSpPr>
-        <p:spPr>
-          <a:xfrm rot="16200000">
-            <a:off x="7789332" y="924864"/>
-            <a:ext cx="457200" cy="3369734"/>
-          </a:xfrm>
-          <a:prstGeom prst="rightBrace">
-            <a:avLst>
-              <a:gd name="adj1" fmla="val 8333"/>
-              <a:gd name="adj2" fmla="val 48995"/>
-            </a:avLst>
-          </a:prstGeom>
-          <a:ln w="63500">
-            <a:solidFill>
-              <a:schemeClr val="accent1"/>
-            </a:solidFill>
-          </a:ln>
-        </p:spPr>
-        <p:style>
-          <a:lnRef idx="3">
-            <a:schemeClr val="accent1"/>
-          </a:lnRef>
-          <a:fillRef idx="0">
-            <a:schemeClr val="accent1"/>
-          </a:fillRef>
-          <a:effectRef idx="2">
-            <a:schemeClr val="accent1"/>
-          </a:effectRef>
-          <a:fontRef idx="minor">
-            <a:schemeClr val="tx1"/>
-          </a:fontRef>
-        </p:style>
-        <p:txBody>
-          <a:bodyPr rtlCol="0" anchor="ctr"/>
-          <a:lstStyle/>
-          <a:p>
-            <a:pPr algn="ctr"/>
-            <a:endParaRPr lang="en-US"/>
-          </a:p>
-        </p:txBody>
-      </p:sp>
-      <p:sp>
-        <p:nvSpPr>
-          <p:cNvPr id="12" name="Right Brace 11"/>
-          <p:cNvSpPr/>
-          <p:nvPr/>
-        </p:nvSpPr>
-        <p:spPr>
-          <a:xfrm rot="5400000">
-            <a:off x="7789332" y="4763443"/>
-            <a:ext cx="457200" cy="3369734"/>
-          </a:xfrm>
-          <a:prstGeom prst="rightBrace">
-            <a:avLst>
-              <a:gd name="adj1" fmla="val 8333"/>
-              <a:gd name="adj2" fmla="val 49830"/>
-            </a:avLst>
-          </a:prstGeom>
-          <a:ln w="63500">
-            <a:solidFill>
-              <a:schemeClr val="accent1"/>
-            </a:solidFill>
-          </a:ln>
-        </p:spPr>
-        <p:style>
-          <a:lnRef idx="3">
-            <a:schemeClr val="accent1"/>
-          </a:lnRef>
-          <a:fillRef idx="0">
-            <a:schemeClr val="accent1"/>
-          </a:fillRef>
-          <a:effectRef idx="2">
-            <a:schemeClr val="accent1"/>
-          </a:effectRef>
-          <a:fontRef idx="minor">
-            <a:schemeClr val="tx1"/>
-          </a:fontRef>
-        </p:style>
-        <p:txBody>
-          <a:bodyPr rtlCol="0" anchor="ctr"/>
-          <a:lstStyle/>
-          <a:p>
-            <a:pPr algn="ctr"/>
-            <a:endParaRPr lang="en-US"/>
-          </a:p>
-        </p:txBody>
-      </p:sp>
-      <p:sp>
-        <p:nvSpPr>
-          <p:cNvPr id="11" name="Oval 10"/>
-          <p:cNvSpPr/>
-          <p:nvPr/>
-        </p:nvSpPr>
-        <p:spPr bwMode="auto">
-          <a:xfrm rot="10800000">
-            <a:off x="7755466" y="6677218"/>
-            <a:ext cx="524933" cy="524933"/>
-          </a:xfrm>
-          <a:prstGeom prst="ellipse">
-            <a:avLst/>
-          </a:prstGeom>
-          <a:solidFill>
-            <a:schemeClr val="accent1"/>
-          </a:solidFill>
-          <a:ln>
-            <a:noFill/>
-            <a:headEnd type="none" w="med" len="med"/>
-            <a:tailEnd type="none" w="med" len="med"/>
-          </a:ln>
-          <a:effectLst/>
-        </p:spPr>
-        <p:style>
-          <a:lnRef idx="1">
-            <a:schemeClr val="accent4"/>
-          </a:lnRef>
-          <a:fillRef idx="3">
-            <a:schemeClr val="accent4"/>
-          </a:fillRef>
-          <a:effectRef idx="2">
-            <a:schemeClr val="accent4"/>
-          </a:effectRef>
-          <a:fontRef idx="minor">
-            <a:schemeClr val="lt1"/>
-          </a:fontRef>
-        </p:style>
-        <p:txBody>
-          <a:bodyPr vert="horz" wrap="square" lIns="91436" tIns="45718" rIns="91436" bIns="45718" numCol="1" rtlCol="0" anchor="ctr" anchorCtr="0" compatLnSpc="1">
-            <a:prstTxWarp prst="textNoShape">
-              <a:avLst/>
-            </a:prstTxWarp>
-          </a:bodyPr>
-          <a:lstStyle/>
-          <a:p>
-            <a:pPr algn="ctr" defTabSz="914099"/>
-            <a:endParaRPr lang="en-US" sz="2400" dirty="0" err="1" smtClean="0">
-              <a:gradFill>
-                <a:gsLst>
-                  <a:gs pos="0">
-                    <a:srgbClr val="FFFFFF"/>
-                  </a:gs>
-                  <a:gs pos="100000">
-                    <a:srgbClr val="FFFFFF"/>
-                  </a:gs>
-                </a:gsLst>
-                <a:lin ang="5400000" scaled="0"/>
-              </a:gradFill>
-            </a:endParaRPr>
-          </a:p>
-        </p:txBody>
-      </p:sp>
-    </p:spTree>
-    <p:extLst>
-      <p:ext uri="{BB962C8B-B14F-4D97-AF65-F5344CB8AC3E}">
         <p14:creationId xmlns:p14="http://schemas.microsoft.com/office/powerpoint/2010/main" val="691883677"/>
       </p:ext>
     </p:extLst>
@@ -13971,20 +12797,20 @@
   <p:clrMapOvr>
     <a:masterClrMapping/>
   </p:clrMapOvr>
-  <p:transition xmlns:p14="http://schemas.microsoft.com/office/powerpoint/2010/main" spd="med">
+  <p:transition spd="med">
     <p:fade/>
   </p:transition>
   <p:timing>
     <p:tnLst>
       <p:par>
-        <p:cTn xmlns:p14="http://schemas.microsoft.com/office/powerpoint/2010/main" id="1" dur="indefinite" restart="never" nodeType="tmRoot"/>
+        <p:cTn id="1" dur="indefinite" restart="never" nodeType="tmRoot"/>
       </p:par>
     </p:tnLst>
   </p:timing>
 </p:sld>
 </file>
 
-<file path=ppt/slides/slide21.xml><?xml version="1.0" encoding="utf-8"?>
+<file path=ppt/slides/slide14.xml><?xml version="1.0" encoding="utf-8"?>
 <p:sld xmlns:a="http://schemas.openxmlformats.org/drawingml/2006/main" xmlns:r="http://schemas.openxmlformats.org/officeDocument/2006/relationships" xmlns:p="http://schemas.openxmlformats.org/presentationml/2006/main">
   <p:cSld>
     <p:spTree>
@@ -14179,20 +13005,20 @@
   <p:clrMapOvr>
     <a:masterClrMapping/>
   </p:clrMapOvr>
-  <p:transition xmlns:p14="http://schemas.microsoft.com/office/powerpoint/2010/main" spd="med">
+  <p:transition spd="med">
     <p:fade/>
   </p:transition>
   <p:timing>
     <p:tnLst>
       <p:par>
-        <p:cTn xmlns:p14="http://schemas.microsoft.com/office/powerpoint/2010/main" id="1" dur="indefinite" restart="never" nodeType="tmRoot"/>
+        <p:cTn id="1" dur="indefinite" restart="never" nodeType="tmRoot"/>
       </p:par>
     </p:tnLst>
   </p:timing>
 </p:sld>
 </file>
 
-<file path=ppt/slides/slide22.xml><?xml version="1.0" encoding="utf-8"?>
+<file path=ppt/slides/slide15.xml><?xml version="1.0" encoding="utf-8"?>
 <p:sld xmlns:a="http://schemas.openxmlformats.org/drawingml/2006/main" xmlns:r="http://schemas.openxmlformats.org/officeDocument/2006/relationships" xmlns:p="http://schemas.openxmlformats.org/presentationml/2006/main">
   <p:cSld>
     <p:spTree>
@@ -14219,13 +13045,337 @@
   <p:clrMapOvr>
     <a:masterClrMapping/>
   </p:clrMapOvr>
-  <p:transition xmlns:p14="http://schemas.microsoft.com/office/powerpoint/2010/main" spd="med">
+  <p:transition spd="med">
     <p:fade/>
   </p:transition>
   <p:timing>
     <p:tnLst>
       <p:par>
-        <p:cTn xmlns:p14="http://schemas.microsoft.com/office/powerpoint/2010/main" id="1" dur="indefinite" restart="never" nodeType="tmRoot"/>
+        <p:cTn id="1" dur="indefinite" restart="never" nodeType="tmRoot"/>
+      </p:par>
+    </p:tnLst>
+  </p:timing>
+</p:sld>
+</file>
+
+<file path=ppt/slides/slide2.xml><?xml version="1.0" encoding="utf-8"?>
+<p:sld xmlns:a="http://schemas.openxmlformats.org/drawingml/2006/main" xmlns:r="http://schemas.openxmlformats.org/officeDocument/2006/relationships" xmlns:p="http://schemas.openxmlformats.org/presentationml/2006/main">
+  <p:cSld>
+    <p:spTree>
+      <p:nvGrpSpPr>
+        <p:cNvPr id="1" name=""/>
+        <p:cNvGrpSpPr/>
+        <p:nvPr/>
+      </p:nvGrpSpPr>
+      <p:grpSpPr>
+        <a:xfrm>
+          <a:off x="0" y="0"/>
+          <a:ext cx="0" cy="0"/>
+          <a:chOff x="0" y="0"/>
+          <a:chExt cx="0" cy="0"/>
+        </a:xfrm>
+      </p:grpSpPr>
+      <p:sp>
+        <p:nvSpPr>
+          <p:cNvPr id="2" name="Title 1"/>
+          <p:cNvSpPr>
+            <a:spLocks noGrp="1"/>
+          </p:cNvSpPr>
+          <p:nvPr>
+            <p:ph type="title"/>
+          </p:nvPr>
+        </p:nvSpPr>
+        <p:spPr/>
+        <p:txBody>
+          <a:bodyPr/>
+          <a:lstStyle/>
+          <a:p>
+            <a:r>
+              <a:rPr lang="en-US" dirty="0" smtClean="0"/>
+              <a:t>Objective</a:t>
+            </a:r>
+            <a:endParaRPr lang="en-US" dirty="0"/>
+          </a:p>
+        </p:txBody>
+      </p:sp>
+      <p:sp>
+        <p:nvSpPr>
+          <p:cNvPr id="4" name="Text Placeholder 3"/>
+          <p:cNvSpPr>
+            <a:spLocks noGrp="1"/>
+          </p:cNvSpPr>
+          <p:nvPr>
+            <p:ph type="body" sz="quarter" idx="12"/>
+          </p:nvPr>
+        </p:nvSpPr>
+        <p:spPr>
+          <a:xfrm>
+            <a:off x="3411545" y="1856198"/>
+            <a:ext cx="9432910" cy="5345953"/>
+          </a:xfrm>
+        </p:spPr>
+        <p:txBody>
+          <a:bodyPr anchor="ctr"/>
+          <a:lstStyle/>
+          <a:p>
+            <a:pPr algn="ctr"/>
+            <a:r>
+              <a:rPr lang="en-US" sz="7200" dirty="0" smtClean="0">
+                <a:latin typeface="Apple Chancery" charset="0"/>
+                <a:ea typeface="Apple Chancery" charset="0"/>
+                <a:cs typeface="Apple Chancery" charset="0"/>
+              </a:rPr>
+              <a:t>Use Ruby Methods to</a:t>
+            </a:r>
+          </a:p>
+          <a:p>
+            <a:pPr algn="ctr"/>
+            <a:r>
+              <a:rPr lang="en-US" sz="7200" dirty="0" smtClean="0">
+                <a:latin typeface="Apple Chancery" charset="0"/>
+                <a:ea typeface="Apple Chancery" charset="0"/>
+                <a:cs typeface="Apple Chancery" charset="0"/>
+              </a:rPr>
+              <a:t>capture your actions.</a:t>
+            </a:r>
+          </a:p>
+        </p:txBody>
+      </p:sp>
+      <p:sp>
+        <p:nvSpPr>
+          <p:cNvPr id="5" name="Oval 4"/>
+          <p:cNvSpPr/>
+          <p:nvPr/>
+        </p:nvSpPr>
+        <p:spPr bwMode="auto">
+          <a:xfrm>
+            <a:off x="7713134" y="1856198"/>
+            <a:ext cx="524933" cy="524933"/>
+          </a:xfrm>
+          <a:prstGeom prst="ellipse">
+            <a:avLst/>
+          </a:prstGeom>
+          <a:solidFill>
+            <a:schemeClr val="accent1"/>
+          </a:solidFill>
+          <a:ln>
+            <a:noFill/>
+            <a:headEnd type="none" w="med" len="med"/>
+            <a:tailEnd type="none" w="med" len="med"/>
+          </a:ln>
+          <a:effectLst/>
+        </p:spPr>
+        <p:style>
+          <a:lnRef idx="1">
+            <a:schemeClr val="accent4"/>
+          </a:lnRef>
+          <a:fillRef idx="3">
+            <a:schemeClr val="accent4"/>
+          </a:fillRef>
+          <a:effectRef idx="2">
+            <a:schemeClr val="accent4"/>
+          </a:effectRef>
+          <a:fontRef idx="minor">
+            <a:schemeClr val="lt1"/>
+          </a:fontRef>
+        </p:style>
+        <p:txBody>
+          <a:bodyPr vert="horz" wrap="square" lIns="91436" tIns="45718" rIns="91436" bIns="45718" numCol="1" rtlCol="0" anchor="ctr" anchorCtr="0" compatLnSpc="1">
+            <a:prstTxWarp prst="textNoShape">
+              <a:avLst/>
+            </a:prstTxWarp>
+          </a:bodyPr>
+          <a:lstStyle/>
+          <a:p>
+            <a:pPr algn="ctr" defTabSz="914099"/>
+            <a:endParaRPr lang="en-US" sz="2400" dirty="0" err="1" smtClean="0">
+              <a:gradFill>
+                <a:gsLst>
+                  <a:gs pos="0">
+                    <a:srgbClr val="FFFFFF"/>
+                  </a:gs>
+                  <a:gs pos="100000">
+                    <a:srgbClr val="FFFFFF"/>
+                  </a:gs>
+                </a:gsLst>
+                <a:lin ang="5400000" scaled="0"/>
+              </a:gradFill>
+            </a:endParaRPr>
+          </a:p>
+        </p:txBody>
+      </p:sp>
+      <p:sp>
+        <p:nvSpPr>
+          <p:cNvPr id="10" name="Right Brace 9"/>
+          <p:cNvSpPr/>
+          <p:nvPr/>
+        </p:nvSpPr>
+        <p:spPr>
+          <a:xfrm rot="16200000">
+            <a:off x="7789332" y="924864"/>
+            <a:ext cx="457200" cy="3369734"/>
+          </a:xfrm>
+          <a:prstGeom prst="rightBrace">
+            <a:avLst>
+              <a:gd name="adj1" fmla="val 8333"/>
+              <a:gd name="adj2" fmla="val 48995"/>
+            </a:avLst>
+          </a:prstGeom>
+          <a:ln w="63500">
+            <a:solidFill>
+              <a:schemeClr val="accent1"/>
+            </a:solidFill>
+          </a:ln>
+        </p:spPr>
+        <p:style>
+          <a:lnRef idx="3">
+            <a:schemeClr val="accent1"/>
+          </a:lnRef>
+          <a:fillRef idx="0">
+            <a:schemeClr val="accent1"/>
+          </a:fillRef>
+          <a:effectRef idx="2">
+            <a:schemeClr val="accent1"/>
+          </a:effectRef>
+          <a:fontRef idx="minor">
+            <a:schemeClr val="tx1"/>
+          </a:fontRef>
+        </p:style>
+        <p:txBody>
+          <a:bodyPr rtlCol="0" anchor="ctr"/>
+          <a:lstStyle/>
+          <a:p>
+            <a:pPr algn="ctr"/>
+            <a:endParaRPr lang="en-US"/>
+          </a:p>
+        </p:txBody>
+      </p:sp>
+      <p:sp>
+        <p:nvSpPr>
+          <p:cNvPr id="12" name="Right Brace 11"/>
+          <p:cNvSpPr/>
+          <p:nvPr/>
+        </p:nvSpPr>
+        <p:spPr>
+          <a:xfrm rot="5400000">
+            <a:off x="7789332" y="4763443"/>
+            <a:ext cx="457200" cy="3369734"/>
+          </a:xfrm>
+          <a:prstGeom prst="rightBrace">
+            <a:avLst>
+              <a:gd name="adj1" fmla="val 8333"/>
+              <a:gd name="adj2" fmla="val 49830"/>
+            </a:avLst>
+          </a:prstGeom>
+          <a:ln w="63500">
+            <a:solidFill>
+              <a:schemeClr val="accent1"/>
+            </a:solidFill>
+          </a:ln>
+        </p:spPr>
+        <p:style>
+          <a:lnRef idx="3">
+            <a:schemeClr val="accent1"/>
+          </a:lnRef>
+          <a:fillRef idx="0">
+            <a:schemeClr val="accent1"/>
+          </a:fillRef>
+          <a:effectRef idx="2">
+            <a:schemeClr val="accent1"/>
+          </a:effectRef>
+          <a:fontRef idx="minor">
+            <a:schemeClr val="tx1"/>
+          </a:fontRef>
+        </p:style>
+        <p:txBody>
+          <a:bodyPr rtlCol="0" anchor="ctr"/>
+          <a:lstStyle/>
+          <a:p>
+            <a:pPr algn="ctr"/>
+            <a:endParaRPr lang="en-US"/>
+          </a:p>
+        </p:txBody>
+      </p:sp>
+      <p:sp>
+        <p:nvSpPr>
+          <p:cNvPr id="11" name="Oval 10"/>
+          <p:cNvSpPr/>
+          <p:nvPr/>
+        </p:nvSpPr>
+        <p:spPr bwMode="auto">
+          <a:xfrm rot="10800000">
+            <a:off x="7755466" y="6677218"/>
+            <a:ext cx="524933" cy="524933"/>
+          </a:xfrm>
+          <a:prstGeom prst="ellipse">
+            <a:avLst/>
+          </a:prstGeom>
+          <a:solidFill>
+            <a:schemeClr val="accent1"/>
+          </a:solidFill>
+          <a:ln>
+            <a:noFill/>
+            <a:headEnd type="none" w="med" len="med"/>
+            <a:tailEnd type="none" w="med" len="med"/>
+          </a:ln>
+          <a:effectLst/>
+        </p:spPr>
+        <p:style>
+          <a:lnRef idx="1">
+            <a:schemeClr val="accent4"/>
+          </a:lnRef>
+          <a:fillRef idx="3">
+            <a:schemeClr val="accent4"/>
+          </a:fillRef>
+          <a:effectRef idx="2">
+            <a:schemeClr val="accent4"/>
+          </a:effectRef>
+          <a:fontRef idx="minor">
+            <a:schemeClr val="lt1"/>
+          </a:fontRef>
+        </p:style>
+        <p:txBody>
+          <a:bodyPr vert="horz" wrap="square" lIns="91436" tIns="45718" rIns="91436" bIns="45718" numCol="1" rtlCol="0" anchor="ctr" anchorCtr="0" compatLnSpc="1">
+            <a:prstTxWarp prst="textNoShape">
+              <a:avLst/>
+            </a:prstTxWarp>
+          </a:bodyPr>
+          <a:lstStyle/>
+          <a:p>
+            <a:pPr algn="ctr" defTabSz="914099"/>
+            <a:endParaRPr lang="en-US" sz="2400" dirty="0" err="1" smtClean="0">
+              <a:gradFill>
+                <a:gsLst>
+                  <a:gs pos="0">
+                    <a:srgbClr val="FFFFFF"/>
+                  </a:gs>
+                  <a:gs pos="100000">
+                    <a:srgbClr val="FFFFFF"/>
+                  </a:gs>
+                </a:gsLst>
+                <a:lin ang="5400000" scaled="0"/>
+              </a:gradFill>
+            </a:endParaRPr>
+          </a:p>
+        </p:txBody>
+      </p:sp>
+    </p:spTree>
+    <p:extLst>
+      <p:ext uri="{BB962C8B-B14F-4D97-AF65-F5344CB8AC3E}">
+        <p14:creationId xmlns:p14="http://schemas.microsoft.com/office/powerpoint/2010/main" val="1100406573"/>
+      </p:ext>
+    </p:extLst>
+  </p:cSld>
+  <p:clrMapOvr>
+    <a:masterClrMapping/>
+  </p:clrMapOvr>
+  <p:transition spd="med">
+    <p:fade/>
+  </p:transition>
+  <p:timing>
+    <p:tnLst>
+      <p:par>
+        <p:cTn id="1" dur="indefinite" restart="never" nodeType="tmRoot"/>
       </p:par>
     </p:tnLst>
   </p:timing>
@@ -14431,13 +13581,13 @@
   <p:clrMapOvr>
     <a:masterClrMapping/>
   </p:clrMapOvr>
-  <p:transition xmlns:p14="http://schemas.microsoft.com/office/powerpoint/2010/main" spd="med">
+  <p:transition spd="med">
     <p:fade/>
   </p:transition>
   <p:timing>
     <p:tnLst>
       <p:par>
-        <p:cTn xmlns:p14="http://schemas.microsoft.com/office/powerpoint/2010/main" id="1" dur="indefinite" restart="never" nodeType="tmRoot"/>
+        <p:cTn id="1" dur="indefinite" restart="never" nodeType="tmRoot"/>
       </p:par>
     </p:tnLst>
   </p:timing>
@@ -14479,8 +13629,8 @@
           <a:lstStyle/>
           <a:p>
             <a:r>
-              <a:rPr lang="en-US" sz="6600" dirty="0" smtClean="0"/>
-              <a:t>require</a:t>
+              <a:rPr lang="en-US" dirty="0" smtClean="0"/>
+              <a:t>Create helper method</a:t>
             </a:r>
             <a:endParaRPr lang="en-US" dirty="0"/>
           </a:p>
@@ -14502,81 +13652,30 @@
           <a:lstStyle/>
           <a:p>
             <a:r>
-              <a:rPr lang="en-US" dirty="0"/>
-              <a:t>Loads the given name, returning true if successful and false if the feature is already loaded.</a:t>
-            </a:r>
-          </a:p>
-          <a:p>
+              <a:rPr lang="en-US" dirty="0" smtClean="0"/>
+              <a:t>You can define a Ruby method that takes care of some of the tedious work of retrieving node attributes.</a:t>
+            </a:r>
             <a:endParaRPr lang="en-US" dirty="0"/>
-          </a:p>
-          <a:p>
-            <a:r>
-              <a:rPr lang="en-US" dirty="0"/>
-              <a:t>If the filename does not resolve to an absolute path, it will be searched for in the directories listed in $LOAD_PATH ($:)</a:t>
-            </a:r>
-            <a:r>
-              <a:rPr lang="en-US" dirty="0" smtClean="0"/>
-              <a:t>.</a:t>
-            </a:r>
-            <a:endParaRPr lang="en-US" dirty="0"/>
-          </a:p>
-        </p:txBody>
-      </p:sp>
-      <p:sp>
-        <p:nvSpPr>
-          <p:cNvPr id="4" name="TextBox 3"/>
-          <p:cNvSpPr txBox="1"/>
-          <p:nvPr/>
-        </p:nvSpPr>
-        <p:spPr bwMode="white">
-          <a:xfrm>
-            <a:off x="1676399" y="7010401"/>
-            <a:ext cx="12310534" cy="914400"/>
-          </a:xfrm>
-          <a:prstGeom prst="rect">
-            <a:avLst/>
-          </a:prstGeom>
-        </p:spPr>
-        <p:txBody>
-          <a:bodyPr vert="horz" wrap="none" lIns="91440" tIns="91440" rIns="91440" bIns="91440" rtlCol="0" anchor="ctr">
-            <a:normAutofit/>
-          </a:bodyPr>
-          <a:lstStyle/>
-          <a:p>
-            <a:pPr algn="ctr"/>
-            <a:r>
-              <a:rPr lang="en-US" sz="3200" dirty="0"/>
-              <a:t>http://</a:t>
-            </a:r>
-            <a:r>
-              <a:rPr lang="en-US" sz="3200" dirty="0" err="1"/>
-              <a:t>goo.gl</a:t>
-            </a:r>
-            <a:r>
-              <a:rPr lang="en-US" sz="3200" dirty="0"/>
-              <a:t>/cLKY37</a:t>
-            </a:r>
-            <a:endParaRPr lang="en-US" sz="3200" dirty="0" smtClean="0"/>
           </a:p>
         </p:txBody>
       </p:sp>
     </p:spTree>
     <p:extLst>
       <p:ext uri="{BB962C8B-B14F-4D97-AF65-F5344CB8AC3E}">
-        <p14:creationId xmlns:p14="http://schemas.microsoft.com/office/powerpoint/2010/main" val="3240429016"/>
+        <p14:creationId xmlns:p14="http://schemas.microsoft.com/office/powerpoint/2010/main" val="1041868229"/>
       </p:ext>
     </p:extLst>
   </p:cSld>
   <p:clrMapOvr>
     <a:masterClrMapping/>
   </p:clrMapOvr>
-  <p:transition xmlns:p14="http://schemas.microsoft.com/office/powerpoint/2010/main" spd="med">
+  <p:transition spd="med">
     <p:fade/>
   </p:transition>
   <p:timing>
     <p:tnLst>
       <p:par>
-        <p:cTn xmlns:p14="http://schemas.microsoft.com/office/powerpoint/2010/main" id="1" dur="indefinite" restart="never" nodeType="tmRoot"/>
+        <p:cTn id="1" dur="indefinite" restart="never" nodeType="tmRoot"/>
       </p:par>
     </p:tnLst>
   </p:timing>
@@ -14613,94 +13712,6 @@
         <p:spPr/>
         <p:txBody>
           <a:bodyPr>
-            <a:normAutofit fontScale="90000"/>
-          </a:bodyPr>
-          <a:lstStyle/>
-          <a:p>
-            <a:r>
-              <a:rPr lang="en-US" dirty="0" smtClean="0"/>
-              <a:t>Create helper method</a:t>
-            </a:r>
-            <a:endParaRPr lang="en-US" dirty="0"/>
-          </a:p>
-        </p:txBody>
-      </p:sp>
-      <p:sp>
-        <p:nvSpPr>
-          <p:cNvPr id="3" name="Subtitle 2"/>
-          <p:cNvSpPr>
-            <a:spLocks noGrp="1"/>
-          </p:cNvSpPr>
-          <p:nvPr>
-            <p:ph type="subTitle" idx="1"/>
-          </p:nvPr>
-        </p:nvSpPr>
-        <p:spPr/>
-        <p:txBody>
-          <a:bodyPr/>
-          <a:lstStyle/>
-          <a:p>
-            <a:r>
-              <a:rPr lang="en-US" dirty="0" smtClean="0"/>
-              <a:t>You can define a Ruby method that takes care of some of the tedious work of retrieving node attributes.</a:t>
-            </a:r>
-            <a:endParaRPr lang="en-US" dirty="0"/>
-          </a:p>
-        </p:txBody>
-      </p:sp>
-    </p:spTree>
-    <p:extLst>
-      <p:ext uri="{BB962C8B-B14F-4D97-AF65-F5344CB8AC3E}">
-        <p14:creationId xmlns:p14="http://schemas.microsoft.com/office/powerpoint/2010/main" val="1041868229"/>
-      </p:ext>
-    </p:extLst>
-  </p:cSld>
-  <p:clrMapOvr>
-    <a:masterClrMapping/>
-  </p:clrMapOvr>
-  <p:transition xmlns:p14="http://schemas.microsoft.com/office/powerpoint/2010/main" spd="med">
-    <p:fade/>
-  </p:transition>
-  <p:timing>
-    <p:tnLst>
-      <p:par>
-        <p:cTn xmlns:p14="http://schemas.microsoft.com/office/powerpoint/2010/main" id="1" dur="indefinite" restart="never" nodeType="tmRoot"/>
-      </p:par>
-    </p:tnLst>
-  </p:timing>
-</p:sld>
-</file>
-
-<file path=ppt/slides/slide6.xml><?xml version="1.0" encoding="utf-8"?>
-<p:sld xmlns:a="http://schemas.openxmlformats.org/drawingml/2006/main" xmlns:r="http://schemas.openxmlformats.org/officeDocument/2006/relationships" xmlns:p="http://schemas.openxmlformats.org/presentationml/2006/main">
-  <p:cSld>
-    <p:spTree>
-      <p:nvGrpSpPr>
-        <p:cNvPr id="1" name=""/>
-        <p:cNvGrpSpPr/>
-        <p:nvPr/>
-      </p:nvGrpSpPr>
-      <p:grpSpPr>
-        <a:xfrm>
-          <a:off x="0" y="0"/>
-          <a:ext cx="0" cy="0"/>
-          <a:chOff x="0" y="0"/>
-          <a:chExt cx="0" cy="0"/>
-        </a:xfrm>
-      </p:grpSpPr>
-      <p:sp>
-        <p:nvSpPr>
-          <p:cNvPr id="2" name="Title 1"/>
-          <p:cNvSpPr>
-            <a:spLocks noGrp="1"/>
-          </p:cNvSpPr>
-          <p:nvPr>
-            <p:ph type="ctrTitle"/>
-          </p:nvPr>
-        </p:nvSpPr>
-        <p:spPr/>
-        <p:txBody>
-          <a:bodyPr>
             <a:noAutofit/>
           </a:bodyPr>
           <a:lstStyle/>
@@ -14801,19 +13812,7 @@
                 <a:latin typeface="Courier New" panose="02070309020205020404" pitchFamily="49" charset="0"/>
                 <a:cs typeface="Courier New" panose="02070309020205020404" pitchFamily="49" charset="0"/>
               </a:rPr>
-              <a:t># contents of </a:t>
-            </a:r>
-            <a:r>
-              <a:rPr lang="en-US" b="1" i="1" dirty="0" smtClean="0">
-                <a:solidFill>
-                  <a:schemeClr val="bg1">
-                    <a:lumMod val="65000"/>
-                  </a:schemeClr>
-                </a:solidFill>
-                <a:latin typeface="Courier New" panose="02070309020205020404" pitchFamily="49" charset="0"/>
-                <a:cs typeface="Courier New" panose="02070309020205020404" pitchFamily="49" charset="0"/>
-              </a:rPr>
-              <a:t>method</a:t>
+              <a:t># contents of method</a:t>
             </a:r>
           </a:p>
           <a:p>
@@ -14944,20 +13943,20 @@
   <p:clrMapOvr>
     <a:masterClrMapping/>
   </p:clrMapOvr>
-  <p:transition xmlns:p14="http://schemas.microsoft.com/office/powerpoint/2010/main" spd="med">
+  <p:transition spd="med">
     <p:fade/>
   </p:transition>
   <p:timing>
     <p:tnLst>
       <p:par>
-        <p:cTn xmlns:p14="http://schemas.microsoft.com/office/powerpoint/2010/main" id="1" dur="indefinite" restart="never" nodeType="tmRoot"/>
+        <p:cTn id="1" dur="indefinite" restart="never" nodeType="tmRoot"/>
       </p:par>
     </p:tnLst>
   </p:timing>
 </p:sld>
 </file>
 
-<file path=ppt/slides/slide7.xml><?xml version="1.0" encoding="utf-8"?>
+<file path=ppt/slides/slide6.xml><?xml version="1.0" encoding="utf-8"?>
 <p:sld xmlns:a="http://schemas.openxmlformats.org/drawingml/2006/main" xmlns:r="http://schemas.openxmlformats.org/officeDocument/2006/relationships" xmlns:p="http://schemas.openxmlformats.org/presentationml/2006/main">
   <p:cSld>
     <p:spTree>
@@ -15152,20 +14151,20 @@
   <p:clrMapOvr>
     <a:masterClrMapping/>
   </p:clrMapOvr>
-  <p:transition xmlns:p14="http://schemas.microsoft.com/office/powerpoint/2010/main" spd="med">
+  <p:transition spd="med">
     <p:fade/>
   </p:transition>
   <p:timing>
     <p:tnLst>
       <p:par>
-        <p:cTn xmlns:p14="http://schemas.microsoft.com/office/powerpoint/2010/main" id="1" dur="indefinite" restart="never" nodeType="tmRoot"/>
+        <p:cTn id="1" dur="indefinite" restart="never" nodeType="tmRoot"/>
       </p:par>
     </p:tnLst>
   </p:timing>
 </p:sld>
 </file>
 
-<file path=ppt/slides/slide8.xml><?xml version="1.0" encoding="utf-8"?>
+<file path=ppt/slides/slide7.xml><?xml version="1.0" encoding="utf-8"?>
 <p:sld xmlns:a="http://schemas.openxmlformats.org/drawingml/2006/main" xmlns:r="http://schemas.openxmlformats.org/officeDocument/2006/relationships" xmlns:p="http://schemas.openxmlformats.org/presentationml/2006/main">
   <p:cSld>
     <p:spTree>
@@ -15227,7 +14226,7 @@
               <a:rPr lang="en-US" sz="4000" b="1" dirty="0" smtClean="0">
                 <a:latin typeface="Inconsolata"/>
                 <a:cs typeface="Inconsolata"/>
-                <a:hlinkClick r:id="rId2"/>
+                <a:hlinkClick r:id="rId3"/>
               </a:rPr>
               <a:t>https</a:t>
             </a:r>
@@ -15235,7 +14234,7 @@
               <a:rPr lang="en-US" sz="4000" b="1" dirty="0">
                 <a:latin typeface="Inconsolata"/>
                 <a:cs typeface="Inconsolata"/>
-                <a:hlinkClick r:id="rId2"/>
+                <a:hlinkClick r:id="rId3"/>
               </a:rPr>
               <a:t>://goo.gl/</a:t>
             </a:r>
@@ -15243,7 +14242,7 @@
               <a:rPr lang="en-US" sz="4000" b="1" dirty="0" smtClean="0">
                 <a:latin typeface="Inconsolata"/>
                 <a:cs typeface="Inconsolata"/>
-                <a:hlinkClick r:id="rId2"/>
+                <a:hlinkClick r:id="rId3"/>
               </a:rPr>
               <a:t>9mRNlD</a:t>
             </a:r>
@@ -15278,20 +14277,20 @@
   <p:clrMapOvr>
     <a:masterClrMapping/>
   </p:clrMapOvr>
-  <p:transition xmlns:p14="http://schemas.microsoft.com/office/powerpoint/2010/main" spd="med">
+  <p:transition spd="med">
     <p:fade/>
   </p:transition>
   <p:timing>
     <p:tnLst>
       <p:par>
-        <p:cTn xmlns:p14="http://schemas.microsoft.com/office/powerpoint/2010/main" id="1" dur="indefinite" restart="never" nodeType="tmRoot"/>
+        <p:cTn id="1" dur="indefinite" restart="never" nodeType="tmRoot"/>
       </p:par>
     </p:tnLst>
   </p:timing>
 </p:sld>
 </file>
 
-<file path=ppt/slides/slide9.xml><?xml version="1.0" encoding="utf-8"?>
+<file path=ppt/slides/slide8.xml><?xml version="1.0" encoding="utf-8"?>
 <p:sld xmlns:a="http://schemas.openxmlformats.org/drawingml/2006/main" xmlns:r="http://schemas.openxmlformats.org/officeDocument/2006/relationships" xmlns:p="http://schemas.openxmlformats.org/presentationml/2006/main">
   <p:cSld>
     <p:spTree>
@@ -15486,13 +14485,227 @@
   <p:clrMapOvr>
     <a:masterClrMapping/>
   </p:clrMapOvr>
-  <p:transition xmlns:p14="http://schemas.microsoft.com/office/powerpoint/2010/main" spd="med">
+  <p:transition spd="med">
     <p:fade/>
   </p:transition>
   <p:timing>
     <p:tnLst>
       <p:par>
-        <p:cTn xmlns:p14="http://schemas.microsoft.com/office/powerpoint/2010/main" id="1" dur="indefinite" restart="never" nodeType="tmRoot"/>
+        <p:cTn id="1" dur="indefinite" restart="never" nodeType="tmRoot"/>
+      </p:par>
+    </p:tnLst>
+  </p:timing>
+</p:sld>
+</file>
+
+<file path=ppt/slides/slide9.xml><?xml version="1.0" encoding="utf-8"?>
+<p:sld xmlns:a="http://schemas.openxmlformats.org/drawingml/2006/main" xmlns:r="http://schemas.openxmlformats.org/officeDocument/2006/relationships" xmlns:p="http://schemas.openxmlformats.org/presentationml/2006/main">
+  <p:cSld>
+    <p:spTree>
+      <p:nvGrpSpPr>
+        <p:cNvPr id="1" name=""/>
+        <p:cNvGrpSpPr/>
+        <p:nvPr/>
+      </p:nvGrpSpPr>
+      <p:grpSpPr>
+        <a:xfrm>
+          <a:off x="0" y="0"/>
+          <a:ext cx="0" cy="0"/>
+          <a:chOff x="0" y="0"/>
+          <a:chExt cx="0" cy="0"/>
+        </a:xfrm>
+      </p:grpSpPr>
+      <p:sp>
+        <p:nvSpPr>
+          <p:cNvPr id="2" name="Title 1"/>
+          <p:cNvSpPr>
+            <a:spLocks noGrp="1"/>
+          </p:cNvSpPr>
+          <p:nvPr>
+            <p:ph type="title"/>
+          </p:nvPr>
+        </p:nvSpPr>
+        <p:spPr/>
+        <p:txBody>
+          <a:bodyPr>
+            <a:normAutofit fontScale="90000"/>
+          </a:bodyPr>
+          <a:lstStyle/>
+          <a:p>
+            <a:r>
+              <a:rPr lang="en-US" dirty="0" smtClean="0"/>
+              <a:t>Viewing the Repetition of Retrieving Attributes</a:t>
+            </a:r>
+            <a:endParaRPr lang="en-US" dirty="0"/>
+          </a:p>
+        </p:txBody>
+      </p:sp>
+      <p:sp>
+        <p:nvSpPr>
+          <p:cNvPr id="3" name="Content Placeholder 2"/>
+          <p:cNvSpPr>
+            <a:spLocks noGrp="1"/>
+          </p:cNvSpPr>
+          <p:nvPr>
+            <p:ph sz="quarter" idx="10"/>
+          </p:nvPr>
+        </p:nvSpPr>
+        <p:spPr/>
+        <p:txBody>
+          <a:bodyPr/>
+          <a:lstStyle/>
+          <a:p>
+            <a:r>
+              <a:rPr lang="en-US" dirty="0"/>
+              <a:t> </a:t>
+            </a:r>
+            <a:r>
+              <a:rPr lang="en-US" dirty="0" smtClean="0"/>
+              <a:t>   </a:t>
+            </a:r>
+          </a:p>
+          <a:p>
+            <a:r>
+              <a:rPr lang="en-US" dirty="0"/>
+              <a:t> </a:t>
+            </a:r>
+            <a:r>
+              <a:rPr lang="en-US" dirty="0" smtClean="0"/>
+              <a:t>   it </a:t>
+            </a:r>
+            <a:r>
+              <a:rPr lang="en-US" dirty="0"/>
+              <a:t>"apache mirror" do</a:t>
+            </a:r>
+          </a:p>
+          <a:p>
+            <a:r>
+              <a:rPr lang="en-US" dirty="0"/>
+              <a:t>      attribute = </a:t>
+            </a:r>
+            <a:r>
+              <a:rPr lang="en-US" dirty="0" err="1"/>
+              <a:t>chef_run.node</a:t>
+            </a:r>
+            <a:r>
+              <a:rPr lang="en-US" dirty="0"/>
+              <a:t>['ark']['</a:t>
+            </a:r>
+            <a:r>
+              <a:rPr lang="en-US" dirty="0" err="1"/>
+              <a:t>apache_mirror</a:t>
+            </a:r>
+            <a:r>
+              <a:rPr lang="en-US" dirty="0"/>
+              <a:t>']</a:t>
+            </a:r>
+          </a:p>
+          <a:p>
+            <a:r>
+              <a:rPr lang="en-US" dirty="0"/>
+              <a:t>      expect(attribute).to </a:t>
+            </a:r>
+            <a:r>
+              <a:rPr lang="en-US" dirty="0" err="1"/>
+              <a:t>eq</a:t>
+            </a:r>
+            <a:r>
+              <a:rPr lang="en-US" dirty="0"/>
+              <a:t> "http://</a:t>
+            </a:r>
+            <a:r>
+              <a:rPr lang="en-US" dirty="0" err="1"/>
+              <a:t>apache.mirrors.tds.net</a:t>
+            </a:r>
+            <a:r>
+              <a:rPr lang="en-US" dirty="0"/>
+              <a:t>"</a:t>
+            </a:r>
+          </a:p>
+          <a:p>
+            <a:r>
+              <a:rPr lang="en-US" dirty="0"/>
+              <a:t>    end</a:t>
+            </a:r>
+          </a:p>
+          <a:p>
+            <a:endParaRPr lang="en-US" dirty="0"/>
+          </a:p>
+          <a:p>
+            <a:r>
+              <a:rPr lang="en-US" dirty="0"/>
+              <a:t>    it "prefix root" do</a:t>
+            </a:r>
+          </a:p>
+          <a:p>
+            <a:r>
+              <a:rPr lang="en-US" dirty="0"/>
+              <a:t>      attribute = </a:t>
+            </a:r>
+            <a:r>
+              <a:rPr lang="en-US" dirty="0" err="1"/>
+              <a:t>chef_run.node</a:t>
+            </a:r>
+            <a:r>
+              <a:rPr lang="en-US" dirty="0"/>
+              <a:t>['ark']['</a:t>
+            </a:r>
+            <a:r>
+              <a:rPr lang="en-US" dirty="0" err="1"/>
+              <a:t>prefix_root</a:t>
+            </a:r>
+            <a:r>
+              <a:rPr lang="en-US" dirty="0"/>
+              <a:t>']</a:t>
+            </a:r>
+          </a:p>
+          <a:p>
+            <a:r>
+              <a:rPr lang="en-US" dirty="0"/>
+              <a:t>      expect(attribute).to </a:t>
+            </a:r>
+            <a:r>
+              <a:rPr lang="en-US" dirty="0" err="1"/>
+              <a:t>eq</a:t>
+            </a:r>
+            <a:r>
+              <a:rPr lang="en-US" dirty="0"/>
+              <a:t> "/</a:t>
+            </a:r>
+            <a:r>
+              <a:rPr lang="en-US" dirty="0" err="1"/>
+              <a:t>usr</a:t>
+            </a:r>
+            <a:r>
+              <a:rPr lang="en-US" dirty="0"/>
+              <a:t>/local"</a:t>
+            </a:r>
+          </a:p>
+          <a:p>
+            <a:r>
+              <a:rPr lang="en-US" dirty="0"/>
+              <a:t>    end</a:t>
+            </a:r>
+          </a:p>
+        </p:txBody>
+      </p:sp>
+    </p:spTree>
+    <p:extLst>
+      <p:ext uri="{BB962C8B-B14F-4D97-AF65-F5344CB8AC3E}">
+        <p14:creationId xmlns:p14="http://schemas.microsoft.com/office/powerpoint/2010/main" val="3201303763"/>
+      </p:ext>
+    </p:extLst>
+  </p:cSld>
+  <p:clrMapOvr>
+    <a:masterClrMapping/>
+  </p:clrMapOvr>
+  <p:transition spd="med">
+    <p:fade/>
+  </p:transition>
+  <p:timing>
+    <p:tnLst>
+      <p:par>
+        <p:cTn id="1" dur="indefinite" restart="never" nodeType="tmRoot"/>
       </p:par>
     </p:tnLst>
   </p:timing>
@@ -15875,7 +15088,7 @@
   <a:extraClrSchemeLst/>
   <a:extLst>
     <a:ext uri="{05A4C25C-085E-4340-85A3-A5531E510DB2}">
-      <thm15:themeFamily xmlns="" xmlns:thm15="http://schemas.microsoft.com/office/thememl/2012/main" name="Chef-TemplateComps_v09-16x9-Light.potx" id="{078CEFDB-FA7A-4E36-9964-13EF367585CB}" vid="{8B87B0F3-7308-43D5-8388-E1B49EA02652}"/>
+      <thm15:themeFamily xmlns:thm15="http://schemas.microsoft.com/office/thememl/2012/main" name="Chef-TemplateComps_v09-16x9-Light.potx" id="{078CEFDB-FA7A-4E36-9964-13EF367585CB}" vid="{8B87B0F3-7308-43D5-8388-E1B49EA02652}"/>
     </a:ext>
   </a:extLst>
 </a:theme>
@@ -16257,7 +15470,7 @@
   <a:extraClrSchemeLst/>
   <a:extLst>
     <a:ext uri="{05A4C25C-085E-4340-85A3-A5531E510DB2}">
-      <thm15:themeFamily xmlns="" xmlns:thm15="http://schemas.microsoft.com/office/thememl/2012/main" name="Chef-TemplateComps_v09-16x9-Light.potx" id="{078CEFDB-FA7A-4E36-9964-13EF367585CB}" vid="{8B87B0F3-7308-43D5-8388-E1B49EA02652}"/>
+      <thm15:themeFamily xmlns:thm15="http://schemas.microsoft.com/office/thememl/2012/main" name="Chef-TemplateComps_v09-16x9-Light.potx" id="{078CEFDB-FA7A-4E36-9964-13EF367585CB}" vid="{8B87B0F3-7308-43D5-8388-E1B49EA02652}"/>
     </a:ext>
   </a:extLst>
 </a:theme>

--- a/05-def_method.pptx
+++ b/05-def_method.pptx
@@ -826,8 +826,12 @@
           <a:lstStyle/>
           <a:p>
             <a:r>
+              <a:rPr lang="en-US" smtClean="0"/>
+              <a:t>The third technique </a:t>
+            </a:r>
+            <a:r>
               <a:rPr lang="en-US" dirty="0" smtClean="0"/>
-              <a:t>The fourth technique we are going to explore is defining Ruby methods</a:t>
+              <a:t>we are going to explore is defining Ruby methods</a:t>
             </a:r>
             <a:endParaRPr lang="en-US" dirty="0"/>
           </a:p>
@@ -9752,7 +9756,7 @@
               <a:defRPr/>
             </a:pPr>
             <a:r>
-              <a:rPr lang="en-US" dirty="0">
+              <a:rPr lang="en-US" dirty="0" smtClean="0">
                 <a:solidFill>
                   <a:srgbClr val="7D868C"/>
                 </a:solidFill>
@@ -9763,7 +9767,7 @@
               <a:t>©</a:t>
             </a:r>
             <a:r>
-              <a:rPr lang="en-US" dirty="0" smtClean="0">
+              <a:rPr lang="is-IS" dirty="0" smtClean="0">
                 <a:solidFill>
                   <a:srgbClr val="7D868C"/>
                 </a:solidFill>
@@ -9771,7 +9775,18 @@
                 <a:ea typeface="+mn-ea"/>
                 <a:cs typeface="+mn-cs"/>
               </a:rPr>
-              <a:t>2016 </a:t>
+              <a:t>2017</a:t>
+            </a:r>
+            <a:r>
+              <a:rPr lang="en-US" dirty="0" smtClean="0">
+                <a:solidFill>
+                  <a:srgbClr val="7D868C"/>
+                </a:solidFill>
+                <a:latin typeface="+mn-lt"/>
+                <a:ea typeface="+mn-ea"/>
+                <a:cs typeface="+mn-cs"/>
+              </a:rPr>
+              <a:t> </a:t>
             </a:r>
             <a:r>
               <a:rPr lang="en-US" dirty="0">
@@ -10535,7 +10550,7 @@
               <a:defRPr/>
             </a:pPr>
             <a:r>
-              <a:rPr lang="en-US" dirty="0">
+              <a:rPr lang="en-US" dirty="0" smtClean="0">
                 <a:solidFill>
                   <a:srgbClr val="7D868C"/>
                 </a:solidFill>
@@ -10546,7 +10561,7 @@
               <a:t>©</a:t>
             </a:r>
             <a:r>
-              <a:rPr lang="en-US" dirty="0" smtClean="0">
+              <a:rPr lang="is-IS" smtClean="0">
                 <a:solidFill>
                   <a:srgbClr val="7D868C"/>
                 </a:solidFill>
@@ -10554,7 +10569,18 @@
                 <a:ea typeface="+mn-ea"/>
                 <a:cs typeface="+mn-cs"/>
               </a:rPr>
-              <a:t>2016 </a:t>
+              <a:t>2017</a:t>
+            </a:r>
+            <a:r>
+              <a:rPr lang="en-US" smtClean="0">
+                <a:solidFill>
+                  <a:srgbClr val="7D868C"/>
+                </a:solidFill>
+                <a:latin typeface="+mn-lt"/>
+                <a:ea typeface="+mn-ea"/>
+                <a:cs typeface="+mn-cs"/>
+              </a:rPr>
+              <a:t> </a:t>
             </a:r>
             <a:r>
               <a:rPr lang="en-US" dirty="0">

--- a/05-def_method.pptx
+++ b/05-def_method.pptx
@@ -831,7 +831,15 @@
             </a:r>
             <a:r>
               <a:rPr lang="en-US" dirty="0" smtClean="0"/>
-              <a:t>we are going to explore is defining Ruby methods</a:t>
+              <a:t>we are going to explore is defining </a:t>
+            </a:r>
+            <a:r>
+              <a:rPr lang="en-US" smtClean="0"/>
+              <a:t>Ruby </a:t>
+            </a:r>
+            <a:r>
+              <a:rPr lang="en-US" smtClean="0"/>
+              <a:t>methods.</a:t>
             </a:r>
             <a:endParaRPr lang="en-US" dirty="0"/>
           </a:p>
@@ -2242,11 +2250,23 @@
           <a:p>
             <a:r>
               <a:rPr lang="en-US" dirty="0"/>
-              <a:t>Now it is time to demonstrate how let can be used to help create more </a:t>
+              <a:t>Now it is time to demonstrate how </a:t>
             </a:r>
             <a:r>
               <a:rPr lang="en-US" dirty="0" smtClean="0"/>
-              <a:t>elegance within your example groups using methods.</a:t>
+              <a:t>defining a method can </a:t>
+            </a:r>
+            <a:r>
+              <a:rPr lang="en-US" dirty="0"/>
+              <a:t>be used to help create more </a:t>
+            </a:r>
+            <a:r>
+              <a:rPr lang="en-US" dirty="0" smtClean="0"/>
+              <a:t>elegance within </a:t>
+            </a:r>
+            <a:r>
+              <a:rPr lang="en-US" dirty="0" smtClean="0"/>
+              <a:t>each example.</a:t>
             </a:r>
             <a:endParaRPr lang="en-US" dirty="0"/>
           </a:p>
@@ -3527,14 +3547,14 @@
           </a:ln>
           <a:extLst>
             <a:ext uri="{909E8E84-426E-40dd-AFC4-6F175D3DCCD1}">
-              <a14:hiddenFill xmlns:a14="http://schemas.microsoft.com/office/drawing/2010/main" xmlns="">
+              <a14:hiddenFill xmlns="" xmlns:a14="http://schemas.microsoft.com/office/drawing/2010/main">
                 <a:solidFill>
                   <a:srgbClr val="FFFFFF"/>
                 </a:solidFill>
               </a14:hiddenFill>
             </a:ext>
             <a:ext uri="{91240B29-F687-4f45-9708-019B960494DF}">
-              <a14:hiddenLine xmlns:a14="http://schemas.microsoft.com/office/drawing/2010/main" xmlns="" w="9525">
+              <a14:hiddenLine xmlns="" xmlns:a14="http://schemas.microsoft.com/office/drawing/2010/main" w="9525">
                 <a:solidFill>
                   <a:srgbClr val="000000"/>
                 </a:solidFill>
@@ -3682,14 +3702,14 @@
           </a:ln>
           <a:extLst>
             <a:ext uri="{909E8E84-426E-40dd-AFC4-6F175D3DCCD1}">
-              <a14:hiddenFill xmlns:a14="http://schemas.microsoft.com/office/drawing/2010/main" xmlns="">
+              <a14:hiddenFill xmlns="" xmlns:a14="http://schemas.microsoft.com/office/drawing/2010/main">
                 <a:solidFill>
                   <a:srgbClr val="FFFFFF"/>
                 </a:solidFill>
               </a14:hiddenFill>
             </a:ext>
             <a:ext uri="{91240B29-F687-4f45-9708-019B960494DF}">
-              <a14:hiddenLine xmlns:a14="http://schemas.microsoft.com/office/drawing/2010/main" xmlns="" w="9525">
+              <a14:hiddenLine xmlns="" xmlns:a14="http://schemas.microsoft.com/office/drawing/2010/main" w="9525">
                 <a:solidFill>
                   <a:srgbClr val="000000"/>
                 </a:solidFill>
@@ -4180,14 +4200,14 @@
           </a:ln>
           <a:extLst>
             <a:ext uri="{909E8E84-426E-40dd-AFC4-6F175D3DCCD1}">
-              <a14:hiddenFill xmlns:a14="http://schemas.microsoft.com/office/drawing/2010/main" xmlns="">
+              <a14:hiddenFill xmlns="" xmlns:a14="http://schemas.microsoft.com/office/drawing/2010/main">
                 <a:solidFill>
                   <a:srgbClr val="FFFFFF"/>
                 </a:solidFill>
               </a14:hiddenFill>
             </a:ext>
             <a:ext uri="{91240B29-F687-4f45-9708-019B960494DF}">
-              <a14:hiddenLine xmlns:a14="http://schemas.microsoft.com/office/drawing/2010/main" xmlns="" w="9525">
+              <a14:hiddenLine xmlns="" xmlns:a14="http://schemas.microsoft.com/office/drawing/2010/main" w="9525">
                 <a:solidFill>
                   <a:srgbClr val="000000"/>
                 </a:solidFill>
@@ -6493,14 +6513,14 @@
           </a:ln>
           <a:extLst>
             <a:ext uri="{909E8E84-426E-40dd-AFC4-6F175D3DCCD1}">
-              <a14:hiddenFill xmlns:a14="http://schemas.microsoft.com/office/drawing/2010/main" xmlns="">
+              <a14:hiddenFill xmlns="" xmlns:a14="http://schemas.microsoft.com/office/drawing/2010/main">
                 <a:solidFill>
                   <a:srgbClr val="FFFFFF"/>
                 </a:solidFill>
               </a14:hiddenFill>
             </a:ext>
             <a:ext uri="{91240B29-F687-4f45-9708-019B960494DF}">
-              <a14:hiddenLine xmlns:a14="http://schemas.microsoft.com/office/drawing/2010/main" xmlns="" w="9525">
+              <a14:hiddenLine xmlns="" xmlns:a14="http://schemas.microsoft.com/office/drawing/2010/main" w="9525">
                 <a:solidFill>
                   <a:srgbClr val="000000"/>
                 </a:solidFill>
@@ -7871,14 +7891,14 @@
           </a:ln>
           <a:extLst>
             <a:ext uri="{909E8E84-426E-40dd-AFC4-6F175D3DCCD1}">
-              <a14:hiddenFill xmlns:a14="http://schemas.microsoft.com/office/drawing/2010/main" xmlns="">
+              <a14:hiddenFill xmlns="" xmlns:a14="http://schemas.microsoft.com/office/drawing/2010/main">
                 <a:solidFill>
                   <a:srgbClr val="FFFFFF"/>
                 </a:solidFill>
               </a14:hiddenFill>
             </a:ext>
             <a:ext uri="{91240B29-F687-4f45-9708-019B960494DF}">
-              <a14:hiddenLine xmlns:a14="http://schemas.microsoft.com/office/drawing/2010/main" xmlns="" w="9525">
+              <a14:hiddenLine xmlns="" xmlns:a14="http://schemas.microsoft.com/office/drawing/2010/main" w="9525">
                 <a:solidFill>
                   <a:srgbClr val="000000"/>
                 </a:solidFill>
@@ -8436,14 +8456,14 @@
           </a:ln>
           <a:extLst>
             <a:ext uri="{909E8E84-426E-40dd-AFC4-6F175D3DCCD1}">
-              <a14:hiddenFill xmlns:a14="http://schemas.microsoft.com/office/drawing/2010/main" xmlns="">
+              <a14:hiddenFill xmlns="" xmlns:a14="http://schemas.microsoft.com/office/drawing/2010/main">
                 <a:solidFill>
                   <a:srgbClr val="FFFFFF"/>
                 </a:solidFill>
               </a14:hiddenFill>
             </a:ext>
             <a:ext uri="{91240B29-F687-4f45-9708-019B960494DF}">
-              <a14:hiddenLine xmlns:a14="http://schemas.microsoft.com/office/drawing/2010/main" xmlns="" w="9525">
+              <a14:hiddenLine xmlns="" xmlns:a14="http://schemas.microsoft.com/office/drawing/2010/main" w="9525">
                 <a:solidFill>
                   <a:srgbClr val="000000"/>
                 </a:solidFill>
@@ -9010,14 +9030,14 @@
           </a:ln>
           <a:extLst>
             <a:ext uri="{909E8E84-426E-40dd-AFC4-6F175D3DCCD1}">
-              <a14:hiddenFill xmlns:a14="http://schemas.microsoft.com/office/drawing/2010/main" xmlns="">
+              <a14:hiddenFill xmlns="" xmlns:a14="http://schemas.microsoft.com/office/drawing/2010/main">
                 <a:solidFill>
                   <a:srgbClr val="FFFFFF"/>
                 </a:solidFill>
               </a14:hiddenFill>
             </a:ext>
             <a:ext uri="{91240B29-F687-4f45-9708-019B960494DF}">
-              <a14:hiddenLine xmlns:a14="http://schemas.microsoft.com/office/drawing/2010/main" xmlns="" w="9525">
+              <a14:hiddenLine xmlns="" xmlns:a14="http://schemas.microsoft.com/office/drawing/2010/main" w="9525">
                 <a:solidFill>
                   <a:srgbClr val="000000"/>
                 </a:solidFill>
@@ -9669,14 +9689,14 @@
           </a:ln>
           <a:extLst>
             <a:ext uri="{909E8E84-426E-40dd-AFC4-6F175D3DCCD1}">
-              <a14:hiddenFill xmlns:a14="http://schemas.microsoft.com/office/drawing/2010/main" xmlns="">
+              <a14:hiddenFill xmlns="" xmlns:a14="http://schemas.microsoft.com/office/drawing/2010/main">
                 <a:solidFill>
                   <a:srgbClr val="FFFFFF"/>
                 </a:solidFill>
               </a14:hiddenFill>
             </a:ext>
             <a:ext uri="{91240B29-F687-4f45-9708-019B960494DF}">
-              <a14:hiddenLine xmlns:a14="http://schemas.microsoft.com/office/drawing/2010/main" xmlns="" w="9525">
+              <a14:hiddenLine xmlns="" xmlns:a14="http://schemas.microsoft.com/office/drawing/2010/main" w="9525">
                 <a:solidFill>
                   <a:srgbClr val="000000"/>
                 </a:solidFill>
@@ -10463,14 +10483,14 @@
           </a:ln>
           <a:extLst>
             <a:ext uri="{909E8E84-426E-40dd-AFC4-6F175D3DCCD1}">
-              <a14:hiddenFill xmlns:a14="http://schemas.microsoft.com/office/drawing/2010/main" xmlns="">
+              <a14:hiddenFill xmlns="" xmlns:a14="http://schemas.microsoft.com/office/drawing/2010/main">
                 <a:solidFill>
                   <a:srgbClr val="FFFFFF"/>
                 </a:solidFill>
               </a14:hiddenFill>
             </a:ext>
             <a:ext uri="{91240B29-F687-4f45-9708-019B960494DF}">
-              <a14:hiddenLine xmlns:a14="http://schemas.microsoft.com/office/drawing/2010/main" xmlns="" w="9525">
+              <a14:hiddenLine xmlns="" xmlns:a14="http://schemas.microsoft.com/office/drawing/2010/main" w="9525">
                 <a:solidFill>
                   <a:srgbClr val="000000"/>
                 </a:solidFill>
@@ -11369,14 +11389,14 @@
           </a:ln>
           <a:extLst>
             <a:ext uri="{909E8E84-426E-40dd-AFC4-6F175D3DCCD1}">
-              <a14:hiddenFill xmlns:a14="http://schemas.microsoft.com/office/drawing/2010/main" xmlns="">
+              <a14:hiddenFill xmlns="" xmlns:a14="http://schemas.microsoft.com/office/drawing/2010/main">
                 <a:solidFill>
                   <a:srgbClr val="FFFFFF"/>
                 </a:solidFill>
               </a14:hiddenFill>
             </a:ext>
             <a:ext uri="{91240B29-F687-4f45-9708-019B960494DF}">
-              <a14:hiddenLine xmlns:a14="http://schemas.microsoft.com/office/drawing/2010/main" xmlns="" w="9525">
+              <a14:hiddenLine xmlns="" xmlns:a14="http://schemas.microsoft.com/office/drawing/2010/main" w="9525">
                 <a:solidFill>
                   <a:srgbClr val="000000"/>
                 </a:solidFill>
